--- a/DMcourse/Chapter8.pptx
+++ b/DMcourse/Chapter8.pptx
@@ -5,10 +5,10 @@
     <p:sldMasterId id="2147483672" r:id="rId1"/>
   </p:sldMasterIdLst>
   <p:notesMasterIdLst>
-    <p:notesMasterId r:id="rId41"/>
+    <p:notesMasterId r:id="rId49"/>
   </p:notesMasterIdLst>
   <p:handoutMasterIdLst>
-    <p:handoutMasterId r:id="rId42"/>
+    <p:handoutMasterId r:id="rId50"/>
   </p:handoutMasterIdLst>
   <p:sldIdLst>
     <p:sldId id="338" r:id="rId2"/>
@@ -22,34 +22,42 @@
     <p:sldId id="263" r:id="rId10"/>
     <p:sldId id="264" r:id="rId11"/>
     <p:sldId id="265" r:id="rId12"/>
-    <p:sldId id="273" r:id="rId13"/>
-    <p:sldId id="274" r:id="rId14"/>
-    <p:sldId id="275" r:id="rId15"/>
-    <p:sldId id="276" r:id="rId16"/>
-    <p:sldId id="277" r:id="rId17"/>
-    <p:sldId id="278" r:id="rId18"/>
-    <p:sldId id="325" r:id="rId19"/>
-    <p:sldId id="326" r:id="rId20"/>
-    <p:sldId id="327" r:id="rId21"/>
-    <p:sldId id="328" r:id="rId22"/>
-    <p:sldId id="279" r:id="rId23"/>
-    <p:sldId id="280" r:id="rId24"/>
-    <p:sldId id="281" r:id="rId25"/>
-    <p:sldId id="282" r:id="rId26"/>
-    <p:sldId id="283" r:id="rId27"/>
-    <p:sldId id="284" r:id="rId28"/>
-    <p:sldId id="285" r:id="rId29"/>
-    <p:sldId id="286" r:id="rId30"/>
-    <p:sldId id="287" r:id="rId31"/>
-    <p:sldId id="288" r:id="rId32"/>
-    <p:sldId id="289" r:id="rId33"/>
-    <p:sldId id="299" r:id="rId34"/>
-    <p:sldId id="300" r:id="rId35"/>
-    <p:sldId id="301" r:id="rId36"/>
-    <p:sldId id="302" r:id="rId37"/>
-    <p:sldId id="321" r:id="rId38"/>
-    <p:sldId id="322" r:id="rId39"/>
-    <p:sldId id="324" r:id="rId40"/>
+    <p:sldId id="272" r:id="rId13"/>
+    <p:sldId id="273" r:id="rId14"/>
+    <p:sldId id="274" r:id="rId15"/>
+    <p:sldId id="275" r:id="rId16"/>
+    <p:sldId id="276" r:id="rId17"/>
+    <p:sldId id="277" r:id="rId18"/>
+    <p:sldId id="278" r:id="rId19"/>
+    <p:sldId id="325" r:id="rId20"/>
+    <p:sldId id="326" r:id="rId21"/>
+    <p:sldId id="327" r:id="rId22"/>
+    <p:sldId id="328" r:id="rId23"/>
+    <p:sldId id="279" r:id="rId24"/>
+    <p:sldId id="280" r:id="rId25"/>
+    <p:sldId id="281" r:id="rId26"/>
+    <p:sldId id="282" r:id="rId27"/>
+    <p:sldId id="283" r:id="rId28"/>
+    <p:sldId id="284" r:id="rId29"/>
+    <p:sldId id="285" r:id="rId30"/>
+    <p:sldId id="286" r:id="rId31"/>
+    <p:sldId id="287" r:id="rId32"/>
+    <p:sldId id="288" r:id="rId33"/>
+    <p:sldId id="289" r:id="rId34"/>
+    <p:sldId id="299" r:id="rId35"/>
+    <p:sldId id="300" r:id="rId36"/>
+    <p:sldId id="301" r:id="rId37"/>
+    <p:sldId id="302" r:id="rId38"/>
+    <p:sldId id="321" r:id="rId39"/>
+    <p:sldId id="322" r:id="rId40"/>
+    <p:sldId id="324" r:id="rId41"/>
+    <p:sldId id="304" r:id="rId42"/>
+    <p:sldId id="307" r:id="rId43"/>
+    <p:sldId id="310" r:id="rId44"/>
+    <p:sldId id="313" r:id="rId45"/>
+    <p:sldId id="315" r:id="rId46"/>
+    <p:sldId id="317" r:id="rId47"/>
+    <p:sldId id="319" r:id="rId48"/>
   </p:sldIdLst>
   <p:sldSz cx="9144000" cy="6858000" type="screen4x3"/>
   <p:notesSz cx="7304088" cy="9590088"/>
@@ -513,7 +521,7 @@
           <a:p>
             <a:fld id="{7415830B-B976-4DC8-93A0-A38CBFE46F8A}" type="datetimeFigureOut">
               <a:rPr lang="en-US"/>
-              <a:t>3/23/2025</a:t>
+              <a:t>3/24/2025</a:t>
             </a:fld>
             <a:endParaRPr lang="en-US"/>
           </a:p>
@@ -678,7 +686,7 @@
           <a:p>
             <a:fld id="{7AB9731E-17D4-455B-8CEF-653BE9B92AC2}" type="datetimeFigureOut">
               <a:rPr lang="en-US"/>
-              <a:t>3/23/2025</a:t>
+              <a:t>3/24/2025</a:t>
             </a:fld>
             <a:endParaRPr lang="en-US"/>
           </a:p>
@@ -1507,7 +1515,7 @@
                 <a:tabLst/>
                 <a:defRPr/>
               </a:pPr>
-              <a:t>3/23/2025</a:t>
+              <a:t>3/24/2025</a:t>
             </a:fld>
             <a:endParaRPr kumimoji="0" lang="en-US" sz="1200" b="0" i="0" u="none" strike="noStrike" kern="1200" cap="none" spc="0" normalizeH="0" baseline="0" noProof="0">
               <a:ln>
@@ -1916,7 +1924,7 @@
                 <a:tabLst/>
                 <a:defRPr/>
               </a:pPr>
-              <a:t>3/23/2025</a:t>
+              <a:t>3/24/2025</a:t>
             </a:fld>
             <a:endParaRPr kumimoji="0" lang="en-US" sz="1200" b="0" i="0" u="none" strike="noStrike" kern="1200" cap="none" spc="0" normalizeH="0" baseline="0" noProof="0">
               <a:ln>
@@ -2325,7 +2333,416 @@
                 <a:tabLst/>
                 <a:defRPr/>
               </a:pPr>
-              <a:t>3/23/2025</a:t>
+              <a:t>3/24/2025</a:t>
+            </a:fld>
+            <a:endParaRPr kumimoji="0" lang="en-US" sz="1200" b="0" i="0" u="none" strike="noStrike" kern="1200" cap="none" spc="0" normalizeH="0" baseline="0" noProof="0">
+              <a:ln>
+                <a:noFill/>
+              </a:ln>
+              <a:solidFill>
+                <a:schemeClr val="tx1"/>
+              </a:solidFill>
+              <a:effectLst/>
+              <a:uLnTx/>
+              <a:uFillTx/>
+              <a:latin typeface="+mn-lt"/>
+              <a:ea typeface="+mn-ea"/>
+              <a:cs typeface="+mn-cs"/>
+            </a:endParaRPr>
+          </a:p>
+        </p:txBody>
+      </p:sp>
+      <p:sp>
+        <p:nvSpPr>
+          <p:cNvPr id="9" name="Slide Number Placeholder 12"/>
+          <p:cNvSpPr txBox="1">
+            <a:spLocks noGrp="1"/>
+          </p:cNvSpPr>
+          <p:nvPr/>
+        </p:nvSpPr>
+        <p:spPr>
+          <a:xfrm>
+            <a:off x="4134600" y="9110880"/>
+            <a:ext cx="3169440" cy="479160"/>
+          </a:xfrm>
+          <a:prstGeom prst="rect">
+            <a:avLst/>
+          </a:prstGeom>
+          <a:noFill/>
+          <a:ln/>
+        </p:spPr>
+        <p:txBody>
+          <a:bodyPr lIns="0" tIns="0" rIns="0" bIns="0" anchor="b">
+            <a:noAutofit/>
+          </a:bodyPr>
+          <a:lstStyle/>
+          <a:p>
+            <a:pPr marL="0" marR="0" lvl="0" indent="0" algn="r" defTabSz="914400" rtl="0" eaLnBrk="1" fontAlgn="auto" latinLnBrk="0" hangingPunct="0">
+              <a:lnSpc>
+                <a:spcPct val="100000"/>
+              </a:lnSpc>
+              <a:spcBef>
+                <a:spcPts val="0"/>
+              </a:spcBef>
+              <a:spcAft>
+                <a:spcPts val="0"/>
+              </a:spcAft>
+              <a:buClrTx/>
+              <a:buSzTx/>
+              <a:buFontTx/>
+              <a:buNone/>
+              <a:tabLst>
+                <a:tab pos="0" algn="l"/>
+                <a:tab pos="914400" algn="l"/>
+                <a:tab pos="1828800" algn="l"/>
+                <a:tab pos="2743199" algn="l"/>
+                <a:tab pos="3657600" algn="l"/>
+                <a:tab pos="4572000" algn="l"/>
+                <a:tab pos="5486399" algn="l"/>
+                <a:tab pos="6400799" algn="l"/>
+                <a:tab pos="7315200" algn="l"/>
+                <a:tab pos="8229600" algn="l"/>
+                <a:tab pos="9144000" algn="l"/>
+                <a:tab pos="10058400" algn="l"/>
+              </a:tabLst>
+              <a:defRPr/>
+            </a:pPr>
+            <a:fld id="{15639299-1D99-462E-8102-FA89B09E98C1}" type="slidenum">
+              <a:rPr kumimoji="0" lang="en-US" sz="1400" b="0" i="0" u="none" strike="noStrike" kern="1200" cap="none" spc="0" normalizeH="0" baseline="0" noProof="0" smtClean="0">
+                <a:ln>
+                  <a:noFill/>
+                </a:ln>
+                <a:solidFill>
+                  <a:srgbClr val="000000"/>
+                </a:solidFill>
+                <a:effectLst/>
+                <a:uLnTx/>
+                <a:uFillTx/>
+                <a:latin typeface="Times New Roman" pitchFamily="18"/>
+                <a:ea typeface="Bitstream Vera Sans" pitchFamily="2"/>
+                <a:cs typeface="Lucidasans" pitchFamily="2"/>
+              </a:rPr>
+              <a:pPr marL="0" marR="0" lvl="0" indent="0" algn="r" defTabSz="914400" rtl="0" eaLnBrk="1" fontAlgn="auto" latinLnBrk="0" hangingPunct="0">
+                <a:lnSpc>
+                  <a:spcPct val="100000"/>
+                </a:lnSpc>
+                <a:spcBef>
+                  <a:spcPts val="0"/>
+                </a:spcBef>
+                <a:spcAft>
+                  <a:spcPts val="0"/>
+                </a:spcAft>
+                <a:buClrTx/>
+                <a:buSzTx/>
+                <a:buFontTx/>
+                <a:buNone/>
+                <a:tabLst>
+                  <a:tab pos="0" algn="l"/>
+                  <a:tab pos="914400" algn="l"/>
+                  <a:tab pos="1828800" algn="l"/>
+                  <a:tab pos="2743199" algn="l"/>
+                  <a:tab pos="3657600" algn="l"/>
+                  <a:tab pos="4572000" algn="l"/>
+                  <a:tab pos="5486399" algn="l"/>
+                  <a:tab pos="6400799" algn="l"/>
+                  <a:tab pos="7315200" algn="l"/>
+                  <a:tab pos="8229600" algn="l"/>
+                  <a:tab pos="9144000" algn="l"/>
+                  <a:tab pos="10058400" algn="l"/>
+                </a:tabLst>
+                <a:defRPr/>
+              </a:pPr>
+              <a:t>12</a:t>
+            </a:fld>
+            <a:endParaRPr kumimoji="0" lang="en-US" sz="1400" b="0" i="0" u="none" strike="noStrike" kern="1200" cap="none" spc="0" normalizeH="0" baseline="0" noProof="0">
+              <a:ln>
+                <a:noFill/>
+              </a:ln>
+              <a:solidFill>
+                <a:srgbClr val="000000"/>
+              </a:solidFill>
+              <a:effectLst/>
+              <a:uLnTx/>
+              <a:uFillTx/>
+              <a:latin typeface="Times New Roman" pitchFamily="18"/>
+              <a:ea typeface="Bitstream Vera Sans" pitchFamily="2"/>
+              <a:cs typeface="Lucidasans" pitchFamily="2"/>
+            </a:endParaRPr>
+          </a:p>
+        </p:txBody>
+      </p:sp>
+      <p:sp>
+        <p:nvSpPr>
+          <p:cNvPr id="11" name="Slide Number Placeholder 6"/>
+          <p:cNvSpPr txBox="1">
+            <a:spLocks noGrp="1"/>
+          </p:cNvSpPr>
+          <p:nvPr/>
+        </p:nvSpPr>
+        <p:spPr>
+          <a:xfrm>
+            <a:off x="4134600" y="9110880"/>
+            <a:ext cx="3169440" cy="479160"/>
+          </a:xfrm>
+          <a:prstGeom prst="rect">
+            <a:avLst/>
+          </a:prstGeom>
+          <a:noFill/>
+          <a:ln/>
+        </p:spPr>
+        <p:txBody>
+          <a:bodyPr vert="horz" lIns="91440" tIns="45720" rIns="91440" bIns="45720" rtlCol="0" anchor="b">
+            <a:noAutofit/>
+          </a:bodyPr>
+          <a:lstStyle/>
+          <a:p>
+            <a:pPr marL="0" marR="0" lvl="0" indent="0" algn="r" defTabSz="914400" rtl="0" eaLnBrk="1" fontAlgn="auto" latinLnBrk="0" hangingPunct="0">
+              <a:lnSpc>
+                <a:spcPct val="100000"/>
+              </a:lnSpc>
+              <a:spcBef>
+                <a:spcPts val="0"/>
+              </a:spcBef>
+              <a:spcAft>
+                <a:spcPts val="0"/>
+              </a:spcAft>
+              <a:buClrTx/>
+              <a:buSzTx/>
+              <a:buFontTx/>
+              <a:buNone/>
+              <a:tabLst>
+                <a:tab pos="0" algn="l"/>
+                <a:tab pos="914400" algn="l"/>
+                <a:tab pos="1828800" algn="l"/>
+                <a:tab pos="2743199" algn="l"/>
+                <a:tab pos="3657600" algn="l"/>
+                <a:tab pos="4572000" algn="l"/>
+                <a:tab pos="5486399" algn="l"/>
+                <a:tab pos="6400799" algn="l"/>
+                <a:tab pos="7315200" algn="l"/>
+                <a:tab pos="8229600" algn="l"/>
+                <a:tab pos="9144000" algn="l"/>
+                <a:tab pos="10058400" algn="l"/>
+              </a:tabLst>
+              <a:defRPr/>
+            </a:pPr>
+            <a:fld id="{8686EE01-3100-4DB8-8C5A-BDB6EF9B2BAA}" type="slidenum">
+              <a:rPr kumimoji="0" lang="en-US" sz="1400" b="0" i="0" u="none" strike="noStrike" kern="1200" cap="none" spc="0" normalizeH="0" baseline="0" noProof="0" smtClean="0">
+                <a:ln>
+                  <a:noFill/>
+                </a:ln>
+                <a:solidFill>
+                  <a:srgbClr val="000000"/>
+                </a:solidFill>
+                <a:effectLst/>
+                <a:uLnTx/>
+                <a:uFillTx/>
+                <a:latin typeface="Times New Roman" pitchFamily="18"/>
+                <a:ea typeface="Bitstream Vera Sans" pitchFamily="2"/>
+                <a:cs typeface="Lucidasans" pitchFamily="2"/>
+              </a:rPr>
+              <a:pPr marL="0" marR="0" lvl="0" indent="0" algn="r" defTabSz="914400" rtl="0" eaLnBrk="1" fontAlgn="auto" latinLnBrk="0" hangingPunct="0">
+                <a:lnSpc>
+                  <a:spcPct val="100000"/>
+                </a:lnSpc>
+                <a:spcBef>
+                  <a:spcPts val="0"/>
+                </a:spcBef>
+                <a:spcAft>
+                  <a:spcPts val="0"/>
+                </a:spcAft>
+                <a:buClrTx/>
+                <a:buSzTx/>
+                <a:buFontTx/>
+                <a:buNone/>
+                <a:tabLst>
+                  <a:tab pos="0" algn="l"/>
+                  <a:tab pos="914400" algn="l"/>
+                  <a:tab pos="1828800" algn="l"/>
+                  <a:tab pos="2743199" algn="l"/>
+                  <a:tab pos="3657600" algn="l"/>
+                  <a:tab pos="4572000" algn="l"/>
+                  <a:tab pos="5486399" algn="l"/>
+                  <a:tab pos="6400799" algn="l"/>
+                  <a:tab pos="7315200" algn="l"/>
+                  <a:tab pos="8229600" algn="l"/>
+                  <a:tab pos="9144000" algn="l"/>
+                  <a:tab pos="10058400" algn="l"/>
+                </a:tabLst>
+                <a:defRPr/>
+              </a:pPr>
+              <a:t>12</a:t>
+            </a:fld>
+            <a:endParaRPr kumimoji="0" lang="en-US" sz="1400" b="0" i="0" u="none" strike="noStrike" kern="1200" cap="none" spc="0" normalizeH="0" baseline="0" noProof="0">
+              <a:ln>
+                <a:noFill/>
+              </a:ln>
+              <a:solidFill>
+                <a:srgbClr val="000000"/>
+              </a:solidFill>
+              <a:effectLst/>
+              <a:uLnTx/>
+              <a:uFillTx/>
+              <a:latin typeface="Times New Roman" pitchFamily="18"/>
+              <a:ea typeface="Bitstream Vera Sans" pitchFamily="2"/>
+              <a:cs typeface="Lucidasans" pitchFamily="2"/>
+            </a:endParaRPr>
+          </a:p>
+        </p:txBody>
+      </p:sp>
+      <p:sp>
+        <p:nvSpPr>
+          <p:cNvPr id="2" name="Slide Image Placeholder 1"/>
+          <p:cNvSpPr>
+            <a:spLocks noGrp="1" noRot="1" noChangeAspect="1" noResize="1"/>
+          </p:cNvSpPr>
+          <p:nvPr>
+            <p:ph type="sldImg"/>
+          </p:nvPr>
+        </p:nvSpPr>
+        <p:spPr>
+          <a:xfrm>
+            <a:off x="1254125" y="719138"/>
+            <a:ext cx="4794250" cy="3595687"/>
+          </a:xfrm>
+          <a:solidFill>
+            <a:schemeClr val="accent1"/>
+          </a:solidFill>
+          <a:ln w="25400">
+            <a:solidFill>
+              <a:schemeClr val="accent1">
+                <a:shade val="50000"/>
+              </a:schemeClr>
+            </a:solidFill>
+            <a:prstDash val="solid"/>
+          </a:ln>
+        </p:spPr>
+      </p:sp>
+      <p:sp>
+        <p:nvSpPr>
+          <p:cNvPr id="3" name="Notes Placeholder 2"/>
+          <p:cNvSpPr txBox="1">
+            <a:spLocks noGrp="1"/>
+          </p:cNvSpPr>
+          <p:nvPr>
+            <p:ph type="body" sz="quarter" idx="1"/>
+          </p:nvPr>
+        </p:nvSpPr>
+        <p:spPr>
+          <a:xfrm>
+            <a:off x="972720" y="4554360"/>
+            <a:ext cx="5356440" cy="4315680"/>
+          </a:xfrm>
+          <a:noFill/>
+          <a:ln>
+            <a:noFill/>
+          </a:ln>
+        </p:spPr>
+        <p:txBody>
+          <a:bodyPr lIns="0" tIns="0" rIns="0" bIns="0"/>
+          <a:lstStyle/>
+          <a:p>
+            <a:endParaRPr lang="en-US"/>
+          </a:p>
+        </p:txBody>
+      </p:sp>
+    </p:spTree>
+  </p:cSld>
+  <p:clrMapOvr>
+    <a:masterClrMapping/>
+  </p:clrMapOvr>
+</p:notes>
+</file>
+
+<file path=ppt/notesSlides/notesSlide13.xml><?xml version="1.0" encoding="utf-8"?>
+<p:notes xmlns:a="http://schemas.openxmlformats.org/drawingml/2006/main" xmlns:r="http://schemas.openxmlformats.org/officeDocument/2006/relationships" xmlns:p="http://schemas.openxmlformats.org/presentationml/2006/main">
+  <p:cSld>
+    <p:spTree>
+      <p:nvGrpSpPr>
+        <p:cNvPr id="1" name=""/>
+        <p:cNvGrpSpPr/>
+        <p:nvPr/>
+      </p:nvGrpSpPr>
+      <p:grpSpPr>
+        <a:xfrm>
+          <a:off x="0" y="0"/>
+          <a:ext cx="0" cy="0"/>
+          <a:chOff x="0" y="0"/>
+          <a:chExt cx="0" cy="0"/>
+        </a:xfrm>
+      </p:grpSpPr>
+      <p:sp>
+        <p:nvSpPr>
+          <p:cNvPr id="5" name="Date Placeholder 2"/>
+          <p:cNvSpPr txBox="1">
+            <a:spLocks noGrp="1"/>
+          </p:cNvSpPr>
+          <p:nvPr/>
+        </p:nvSpPr>
+        <p:spPr>
+          <a:xfrm>
+            <a:off x="4137025" y="0"/>
+            <a:ext cx="3165475" cy="481013"/>
+          </a:xfrm>
+          <a:prstGeom prst="rect">
+            <a:avLst/>
+          </a:prstGeom>
+          <a:noFill/>
+        </p:spPr>
+        <p:txBody>
+          <a:bodyPr vert="horz" lIns="91440" tIns="45720" rIns="91440" bIns="45720" rtlCol="0"/>
+          <a:lstStyle/>
+          <a:p>
+            <a:pPr marL="0" marR="0" lvl="0" indent="0" algn="r" defTabSz="914400" rtl="0" eaLnBrk="1" fontAlgn="auto" latinLnBrk="0" hangingPunct="1">
+              <a:lnSpc>
+                <a:spcPct val="100000"/>
+              </a:lnSpc>
+              <a:spcBef>
+                <a:spcPts val="0"/>
+              </a:spcBef>
+              <a:spcAft>
+                <a:spcPts val="0"/>
+              </a:spcAft>
+              <a:buClrTx/>
+              <a:buSzTx/>
+              <a:buFontTx/>
+              <a:buNone/>
+              <a:tabLst/>
+              <a:defRPr/>
+            </a:pPr>
+            <a:fld id="{7AB9731E-17D4-455B-8CEF-653BE9B92AC2}" type="datetimeFigureOut">
+              <a:rPr kumimoji="0" lang="en-US" sz="1200" b="0" i="0" u="none" strike="noStrike" kern="1200" cap="none" spc="0" normalizeH="0" baseline="0" noProof="0" smtClean="0">
+                <a:ln>
+                  <a:noFill/>
+                </a:ln>
+                <a:solidFill>
+                  <a:schemeClr val="tx1"/>
+                </a:solidFill>
+                <a:effectLst/>
+                <a:uLnTx/>
+                <a:uFillTx/>
+                <a:latin typeface="+mn-lt"/>
+                <a:ea typeface="+mn-ea"/>
+                <a:cs typeface="+mn-cs"/>
+              </a:rPr>
+              <a:pPr marL="0" marR="0" lvl="0" indent="0" algn="r" defTabSz="914400" rtl="0" eaLnBrk="1" fontAlgn="auto" latinLnBrk="0" hangingPunct="1">
+                <a:lnSpc>
+                  <a:spcPct val="100000"/>
+                </a:lnSpc>
+                <a:spcBef>
+                  <a:spcPts val="0"/>
+                </a:spcBef>
+                <a:spcAft>
+                  <a:spcPts val="0"/>
+                </a:spcAft>
+                <a:buClrTx/>
+                <a:buSzTx/>
+                <a:buFontTx/>
+                <a:buNone/>
+                <a:tabLst/>
+                <a:defRPr/>
+              </a:pPr>
+              <a:t>3/24/2025</a:t>
             </a:fld>
             <a:endParaRPr kumimoji="0" lang="en-US" sz="1200" b="0" i="0" u="none" strike="noStrike" kern="1200" cap="none" spc="0" normalizeH="0" baseline="0" noProof="0">
               <a:ln>
@@ -2444,7 +2861,7 @@
                 </a:tabLst>
                 <a:defRPr/>
               </a:pPr>
-              <a:t>12</a:t>
+              <a:t>13</a:t>
             </a:fld>
             <a:endParaRPr kumimoji="0" lang="en-US" sz="1400" b="0" i="0" u="none" strike="noStrike" kern="1200" cap="none" spc="0" normalizeH="0" baseline="0" noProof="0">
               <a:ln>
@@ -2563,7 +2980,7 @@
                 </a:tabLst>
                 <a:defRPr/>
               </a:pPr>
-              <a:t>12</a:t>
+              <a:t>13</a:t>
             </a:fld>
             <a:endParaRPr kumimoji="0" lang="en-US" sz="1400" b="0" i="0" u="none" strike="noStrike" kern="1200" cap="none" spc="0" normalizeH="0" baseline="0" noProof="0">
               <a:ln>
@@ -2646,7 +3063,7 @@
 </p:notes>
 </file>
 
-<file path=ppt/notesSlides/notesSlide13.xml><?xml version="1.0" encoding="utf-8"?>
+<file path=ppt/notesSlides/notesSlide14.xml><?xml version="1.0" encoding="utf-8"?>
 <p:notes xmlns:a="http://schemas.openxmlformats.org/drawingml/2006/main" xmlns:r="http://schemas.openxmlformats.org/officeDocument/2006/relationships" xmlns:p="http://schemas.openxmlformats.org/presentationml/2006/main">
   <p:cSld>
     <p:spTree>
@@ -2734,7 +3151,7 @@
                 <a:tabLst/>
                 <a:defRPr/>
               </a:pPr>
-              <a:t>3/23/2025</a:t>
+              <a:t>3/24/2025</a:t>
             </a:fld>
             <a:endParaRPr kumimoji="0" lang="en-US" sz="1200" b="0" i="0" u="none" strike="noStrike" kern="1200" cap="none" spc="0" normalizeH="0" baseline="0" noProof="0">
               <a:ln>
@@ -2853,7 +3270,7 @@
                 </a:tabLst>
                 <a:defRPr/>
               </a:pPr>
-              <a:t>13</a:t>
+              <a:t>14</a:t>
             </a:fld>
             <a:endParaRPr kumimoji="0" lang="en-US" sz="1400" b="0" i="0" u="none" strike="noStrike" kern="1200" cap="none" spc="0" normalizeH="0" baseline="0" noProof="0">
               <a:ln>
@@ -2972,7 +3389,7 @@
                 </a:tabLst>
                 <a:defRPr/>
               </a:pPr>
-              <a:t>13</a:t>
+              <a:t>14</a:t>
             </a:fld>
             <a:endParaRPr kumimoji="0" lang="en-US" sz="1400" b="0" i="0" u="none" strike="noStrike" kern="1200" cap="none" spc="0" normalizeH="0" baseline="0" noProof="0">
               <a:ln>
@@ -3055,7 +3472,7 @@
 </p:notes>
 </file>
 
-<file path=ppt/notesSlides/notesSlide14.xml><?xml version="1.0" encoding="utf-8"?>
+<file path=ppt/notesSlides/notesSlide15.xml><?xml version="1.0" encoding="utf-8"?>
 <p:notes xmlns:a="http://schemas.openxmlformats.org/drawingml/2006/main" xmlns:r="http://schemas.openxmlformats.org/officeDocument/2006/relationships" xmlns:p="http://schemas.openxmlformats.org/presentationml/2006/main">
   <p:cSld>
     <p:spTree>
@@ -3143,7 +3560,7 @@
                 <a:tabLst/>
                 <a:defRPr/>
               </a:pPr>
-              <a:t>3/23/2025</a:t>
+              <a:t>3/24/2025</a:t>
             </a:fld>
             <a:endParaRPr kumimoji="0" lang="en-US" sz="1200" b="0" i="0" u="none" strike="noStrike" kern="1200" cap="none" spc="0" normalizeH="0" baseline="0" noProof="0">
               <a:ln>
@@ -3262,7 +3679,7 @@
                 </a:tabLst>
                 <a:defRPr/>
               </a:pPr>
-              <a:t>14</a:t>
+              <a:t>15</a:t>
             </a:fld>
             <a:endParaRPr kumimoji="0" lang="en-US" sz="1400" b="0" i="0" u="none" strike="noStrike" kern="1200" cap="none" spc="0" normalizeH="0" baseline="0" noProof="0">
               <a:ln>
@@ -3381,7 +3798,7 @@
                 </a:tabLst>
                 <a:defRPr/>
               </a:pPr>
-              <a:t>14</a:t>
+              <a:t>15</a:t>
             </a:fld>
             <a:endParaRPr kumimoji="0" lang="en-US" sz="1400" b="0" i="0" u="none" strike="noStrike" kern="1200" cap="none" spc="0" normalizeH="0" baseline="0" noProof="0">
               <a:ln>
@@ -3464,7 +3881,7 @@
 </p:notes>
 </file>
 
-<file path=ppt/notesSlides/notesSlide15.xml><?xml version="1.0" encoding="utf-8"?>
+<file path=ppt/notesSlides/notesSlide16.xml><?xml version="1.0" encoding="utf-8"?>
 <p:notes xmlns:a="http://schemas.openxmlformats.org/drawingml/2006/main" xmlns:r="http://schemas.openxmlformats.org/officeDocument/2006/relationships" xmlns:p="http://schemas.openxmlformats.org/presentationml/2006/main">
   <p:cSld>
     <p:spTree>
@@ -3552,7 +3969,7 @@
                 <a:tabLst/>
                 <a:defRPr/>
               </a:pPr>
-              <a:t>3/23/2025</a:t>
+              <a:t>3/24/2025</a:t>
             </a:fld>
             <a:endParaRPr kumimoji="0" lang="en-US" sz="1200" b="0" i="0" u="none" strike="noStrike" kern="1200" cap="none" spc="0" normalizeH="0" baseline="0" noProof="0">
               <a:ln>
@@ -3671,7 +4088,7 @@
                 </a:tabLst>
                 <a:defRPr/>
               </a:pPr>
-              <a:t>15</a:t>
+              <a:t>16</a:t>
             </a:fld>
             <a:endParaRPr kumimoji="0" lang="en-US" sz="1400" b="0" i="0" u="none" strike="noStrike" kern="1200" cap="none" spc="0" normalizeH="0" baseline="0" noProof="0">
               <a:ln>
@@ -3790,7 +4207,7 @@
                 </a:tabLst>
                 <a:defRPr/>
               </a:pPr>
-              <a:t>15</a:t>
+              <a:t>16</a:t>
             </a:fld>
             <a:endParaRPr kumimoji="0" lang="en-US" sz="1400" b="0" i="0" u="none" strike="noStrike" kern="1200" cap="none" spc="0" normalizeH="0" baseline="0" noProof="0">
               <a:ln>
@@ -3873,7 +4290,7 @@
 </p:notes>
 </file>
 
-<file path=ppt/notesSlides/notesSlide16.xml><?xml version="1.0" encoding="utf-8"?>
+<file path=ppt/notesSlides/notesSlide17.xml><?xml version="1.0" encoding="utf-8"?>
 <p:notes xmlns:a="http://schemas.openxmlformats.org/drawingml/2006/main" xmlns:r="http://schemas.openxmlformats.org/officeDocument/2006/relationships" xmlns:p="http://schemas.openxmlformats.org/presentationml/2006/main">
   <p:cSld>
     <p:spTree>
@@ -3961,7 +4378,7 @@
                 <a:tabLst/>
                 <a:defRPr/>
               </a:pPr>
-              <a:t>3/23/2025</a:t>
+              <a:t>3/24/2025</a:t>
             </a:fld>
             <a:endParaRPr kumimoji="0" lang="en-US" sz="1200" b="0" i="0" u="none" strike="noStrike" kern="1200" cap="none" spc="0" normalizeH="0" baseline="0" noProof="0">
               <a:ln>
@@ -4080,7 +4497,7 @@
                 </a:tabLst>
                 <a:defRPr/>
               </a:pPr>
-              <a:t>16</a:t>
+              <a:t>17</a:t>
             </a:fld>
             <a:endParaRPr kumimoji="0" lang="en-US" sz="1400" b="0" i="0" u="none" strike="noStrike" kern="1200" cap="none" spc="0" normalizeH="0" baseline="0" noProof="0">
               <a:ln>
@@ -4199,7 +4616,7 @@
                 </a:tabLst>
                 <a:defRPr/>
               </a:pPr>
-              <a:t>16</a:t>
+              <a:t>17</a:t>
             </a:fld>
             <a:endParaRPr kumimoji="0" lang="en-US" sz="1400" b="0" i="0" u="none" strike="noStrike" kern="1200" cap="none" spc="0" normalizeH="0" baseline="0" noProof="0">
               <a:ln>
@@ -4282,7 +4699,7 @@
 </p:notes>
 </file>
 
-<file path=ppt/notesSlides/notesSlide17.xml><?xml version="1.0" encoding="utf-8"?>
+<file path=ppt/notesSlides/notesSlide18.xml><?xml version="1.0" encoding="utf-8"?>
 <p:notes xmlns:a="http://schemas.openxmlformats.org/drawingml/2006/main" xmlns:r="http://schemas.openxmlformats.org/officeDocument/2006/relationships" xmlns:p="http://schemas.openxmlformats.org/presentationml/2006/main">
   <p:cSld>
     <p:spTree>
@@ -4370,7 +4787,7 @@
                 <a:tabLst/>
                 <a:defRPr/>
               </a:pPr>
-              <a:t>3/23/2025</a:t>
+              <a:t>3/24/2025</a:t>
             </a:fld>
             <a:endParaRPr kumimoji="0" lang="en-US" sz="1200" b="0" i="0" u="none" strike="noStrike" kern="1200" cap="none" spc="0" normalizeH="0" baseline="0" noProof="0">
               <a:ln>
@@ -4489,7 +4906,7 @@
                 </a:tabLst>
                 <a:defRPr/>
               </a:pPr>
-              <a:t>17</a:t>
+              <a:t>18</a:t>
             </a:fld>
             <a:endParaRPr kumimoji="0" lang="en-US" sz="1400" b="0" i="0" u="none" strike="noStrike" kern="1200" cap="none" spc="0" normalizeH="0" baseline="0" noProof="0">
               <a:ln>
@@ -4608,7 +5025,7 @@
                 </a:tabLst>
                 <a:defRPr/>
               </a:pPr>
-              <a:t>17</a:t>
+              <a:t>18</a:t>
             </a:fld>
             <a:endParaRPr kumimoji="0" lang="en-US" sz="1400" b="0" i="0" u="none" strike="noStrike" kern="1200" cap="none" spc="0" normalizeH="0" baseline="0" noProof="0">
               <a:ln>
@@ -4691,7 +5108,7 @@
 </p:notes>
 </file>
 
-<file path=ppt/notesSlides/notesSlide18.xml><?xml version="1.0" encoding="utf-8"?>
+<file path=ppt/notesSlides/notesSlide19.xml><?xml version="1.0" encoding="utf-8"?>
 <p:notes xmlns:a="http://schemas.openxmlformats.org/drawingml/2006/main" xmlns:r="http://schemas.openxmlformats.org/officeDocument/2006/relationships" xmlns:p="http://schemas.openxmlformats.org/presentationml/2006/main">
   <p:cSld>
     <p:spTree>
@@ -4779,7 +5196,7 @@
                 <a:tabLst/>
                 <a:defRPr/>
               </a:pPr>
-              <a:t>3/23/2025</a:t>
+              <a:t>3/24/2025</a:t>
             </a:fld>
             <a:endParaRPr kumimoji="0" lang="en-US" sz="1200" b="0" i="0" u="none" strike="noStrike" kern="1200" cap="none" spc="0" normalizeH="0" baseline="0" noProof="0">
               <a:ln>
@@ -4898,7 +5315,7 @@
                 </a:tabLst>
                 <a:defRPr/>
               </a:pPr>
-              <a:t>22</a:t>
+              <a:t>23</a:t>
             </a:fld>
             <a:endParaRPr kumimoji="0" lang="en-US" sz="1400" b="0" i="0" u="none" strike="noStrike" kern="1200" cap="none" spc="0" normalizeH="0" baseline="0" noProof="0">
               <a:ln>
@@ -5017,7 +5434,7 @@
                 </a:tabLst>
                 <a:defRPr/>
               </a:pPr>
-              <a:t>22</a:t>
+              <a:t>23</a:t>
             </a:fld>
             <a:endParaRPr kumimoji="0" lang="en-US" sz="1400" b="0" i="0" u="none" strike="noStrike" kern="1200" cap="none" spc="0" normalizeH="0" baseline="0" noProof="0">
               <a:ln>
@@ -5100,7 +5517,7 @@
 </p:notes>
 </file>
 
-<file path=ppt/notesSlides/notesSlide19.xml><?xml version="1.0" encoding="utf-8"?>
+<file path=ppt/notesSlides/notesSlide2.xml><?xml version="1.0" encoding="utf-8"?>
 <p:notes xmlns:a="http://schemas.openxmlformats.org/drawingml/2006/main" xmlns:r="http://schemas.openxmlformats.org/officeDocument/2006/relationships" xmlns:p="http://schemas.openxmlformats.org/presentationml/2006/main">
   <p:cSld>
     <p:spTree>
@@ -5188,416 +5605,7 @@
                 <a:tabLst/>
                 <a:defRPr/>
               </a:pPr>
-              <a:t>3/23/2025</a:t>
-            </a:fld>
-            <a:endParaRPr kumimoji="0" lang="en-US" sz="1200" b="0" i="0" u="none" strike="noStrike" kern="1200" cap="none" spc="0" normalizeH="0" baseline="0" noProof="0">
-              <a:ln>
-                <a:noFill/>
-              </a:ln>
-              <a:solidFill>
-                <a:schemeClr val="tx1"/>
-              </a:solidFill>
-              <a:effectLst/>
-              <a:uLnTx/>
-              <a:uFillTx/>
-              <a:latin typeface="+mn-lt"/>
-              <a:ea typeface="+mn-ea"/>
-              <a:cs typeface="+mn-cs"/>
-            </a:endParaRPr>
-          </a:p>
-        </p:txBody>
-      </p:sp>
-      <p:sp>
-        <p:nvSpPr>
-          <p:cNvPr id="9" name="Slide Number Placeholder 12"/>
-          <p:cNvSpPr txBox="1">
-            <a:spLocks noGrp="1"/>
-          </p:cNvSpPr>
-          <p:nvPr/>
-        </p:nvSpPr>
-        <p:spPr>
-          <a:xfrm>
-            <a:off x="4134600" y="9110880"/>
-            <a:ext cx="3169440" cy="479160"/>
-          </a:xfrm>
-          <a:prstGeom prst="rect">
-            <a:avLst/>
-          </a:prstGeom>
-          <a:noFill/>
-          <a:ln/>
-        </p:spPr>
-        <p:txBody>
-          <a:bodyPr lIns="0" tIns="0" rIns="0" bIns="0" anchor="b">
-            <a:noAutofit/>
-          </a:bodyPr>
-          <a:lstStyle/>
-          <a:p>
-            <a:pPr marL="0" marR="0" lvl="0" indent="0" algn="r" defTabSz="914400" rtl="0" eaLnBrk="1" fontAlgn="auto" latinLnBrk="0" hangingPunct="0">
-              <a:lnSpc>
-                <a:spcPct val="100000"/>
-              </a:lnSpc>
-              <a:spcBef>
-                <a:spcPts val="0"/>
-              </a:spcBef>
-              <a:spcAft>
-                <a:spcPts val="0"/>
-              </a:spcAft>
-              <a:buClrTx/>
-              <a:buSzTx/>
-              <a:buFontTx/>
-              <a:buNone/>
-              <a:tabLst>
-                <a:tab pos="0" algn="l"/>
-                <a:tab pos="914400" algn="l"/>
-                <a:tab pos="1828800" algn="l"/>
-                <a:tab pos="2743199" algn="l"/>
-                <a:tab pos="3657600" algn="l"/>
-                <a:tab pos="4572000" algn="l"/>
-                <a:tab pos="5486399" algn="l"/>
-                <a:tab pos="6400799" algn="l"/>
-                <a:tab pos="7315200" algn="l"/>
-                <a:tab pos="8229600" algn="l"/>
-                <a:tab pos="9144000" algn="l"/>
-                <a:tab pos="10058400" algn="l"/>
-              </a:tabLst>
-              <a:defRPr/>
-            </a:pPr>
-            <a:fld id="{2BFF7E74-A8EC-4DC1-9AA0-649D8B3868A5}" type="slidenum">
-              <a:rPr kumimoji="0" lang="en-US" sz="1400" b="0" i="0" u="none" strike="noStrike" kern="1200" cap="none" spc="0" normalizeH="0" baseline="0" noProof="0" smtClean="0">
-                <a:ln>
-                  <a:noFill/>
-                </a:ln>
-                <a:solidFill>
-                  <a:srgbClr val="000000"/>
-                </a:solidFill>
-                <a:effectLst/>
-                <a:uLnTx/>
-                <a:uFillTx/>
-                <a:latin typeface="Times New Roman" pitchFamily="18"/>
-                <a:ea typeface="Bitstream Vera Sans" pitchFamily="2"/>
-                <a:cs typeface="Lucidasans" pitchFamily="2"/>
-              </a:rPr>
-              <a:pPr marL="0" marR="0" lvl="0" indent="0" algn="r" defTabSz="914400" rtl="0" eaLnBrk="1" fontAlgn="auto" latinLnBrk="0" hangingPunct="0">
-                <a:lnSpc>
-                  <a:spcPct val="100000"/>
-                </a:lnSpc>
-                <a:spcBef>
-                  <a:spcPts val="0"/>
-                </a:spcBef>
-                <a:spcAft>
-                  <a:spcPts val="0"/>
-                </a:spcAft>
-                <a:buClrTx/>
-                <a:buSzTx/>
-                <a:buFontTx/>
-                <a:buNone/>
-                <a:tabLst>
-                  <a:tab pos="0" algn="l"/>
-                  <a:tab pos="914400" algn="l"/>
-                  <a:tab pos="1828800" algn="l"/>
-                  <a:tab pos="2743199" algn="l"/>
-                  <a:tab pos="3657600" algn="l"/>
-                  <a:tab pos="4572000" algn="l"/>
-                  <a:tab pos="5486399" algn="l"/>
-                  <a:tab pos="6400799" algn="l"/>
-                  <a:tab pos="7315200" algn="l"/>
-                  <a:tab pos="8229600" algn="l"/>
-                  <a:tab pos="9144000" algn="l"/>
-                  <a:tab pos="10058400" algn="l"/>
-                </a:tabLst>
-                <a:defRPr/>
-              </a:pPr>
-              <a:t>23</a:t>
-            </a:fld>
-            <a:endParaRPr kumimoji="0" lang="en-US" sz="1400" b="0" i="0" u="none" strike="noStrike" kern="1200" cap="none" spc="0" normalizeH="0" baseline="0" noProof="0">
-              <a:ln>
-                <a:noFill/>
-              </a:ln>
-              <a:solidFill>
-                <a:srgbClr val="000000"/>
-              </a:solidFill>
-              <a:effectLst/>
-              <a:uLnTx/>
-              <a:uFillTx/>
-              <a:latin typeface="Times New Roman" pitchFamily="18"/>
-              <a:ea typeface="Bitstream Vera Sans" pitchFamily="2"/>
-              <a:cs typeface="Lucidasans" pitchFamily="2"/>
-            </a:endParaRPr>
-          </a:p>
-        </p:txBody>
-      </p:sp>
-      <p:sp>
-        <p:nvSpPr>
-          <p:cNvPr id="11" name="Slide Number Placeholder 6"/>
-          <p:cNvSpPr txBox="1">
-            <a:spLocks noGrp="1"/>
-          </p:cNvSpPr>
-          <p:nvPr/>
-        </p:nvSpPr>
-        <p:spPr>
-          <a:xfrm>
-            <a:off x="4134600" y="9110880"/>
-            <a:ext cx="3169440" cy="479160"/>
-          </a:xfrm>
-          <a:prstGeom prst="rect">
-            <a:avLst/>
-          </a:prstGeom>
-          <a:noFill/>
-          <a:ln/>
-        </p:spPr>
-        <p:txBody>
-          <a:bodyPr vert="horz" lIns="91440" tIns="45720" rIns="91440" bIns="45720" rtlCol="0" anchor="b">
-            <a:noAutofit/>
-          </a:bodyPr>
-          <a:lstStyle/>
-          <a:p>
-            <a:pPr marL="0" marR="0" lvl="0" indent="0" algn="r" defTabSz="914400" rtl="0" eaLnBrk="1" fontAlgn="auto" latinLnBrk="0" hangingPunct="0">
-              <a:lnSpc>
-                <a:spcPct val="100000"/>
-              </a:lnSpc>
-              <a:spcBef>
-                <a:spcPts val="0"/>
-              </a:spcBef>
-              <a:spcAft>
-                <a:spcPts val="0"/>
-              </a:spcAft>
-              <a:buClrTx/>
-              <a:buSzTx/>
-              <a:buFontTx/>
-              <a:buNone/>
-              <a:tabLst>
-                <a:tab pos="0" algn="l"/>
-                <a:tab pos="914400" algn="l"/>
-                <a:tab pos="1828800" algn="l"/>
-                <a:tab pos="2743199" algn="l"/>
-                <a:tab pos="3657600" algn="l"/>
-                <a:tab pos="4572000" algn="l"/>
-                <a:tab pos="5486399" algn="l"/>
-                <a:tab pos="6400799" algn="l"/>
-                <a:tab pos="7315200" algn="l"/>
-                <a:tab pos="8229600" algn="l"/>
-                <a:tab pos="9144000" algn="l"/>
-                <a:tab pos="10058400" algn="l"/>
-              </a:tabLst>
-              <a:defRPr/>
-            </a:pPr>
-            <a:fld id="{B1D5DD44-DBF1-4EAC-A619-CA636DADF05E}" type="slidenum">
-              <a:rPr kumimoji="0" lang="en-US" sz="1400" b="0" i="0" u="none" strike="noStrike" kern="1200" cap="none" spc="0" normalizeH="0" baseline="0" noProof="0" smtClean="0">
-                <a:ln>
-                  <a:noFill/>
-                </a:ln>
-                <a:solidFill>
-                  <a:srgbClr val="000000"/>
-                </a:solidFill>
-                <a:effectLst/>
-                <a:uLnTx/>
-                <a:uFillTx/>
-                <a:latin typeface="Times New Roman" pitchFamily="18"/>
-                <a:ea typeface="Bitstream Vera Sans" pitchFamily="2"/>
-                <a:cs typeface="Lucidasans" pitchFamily="2"/>
-              </a:rPr>
-              <a:pPr marL="0" marR="0" lvl="0" indent="0" algn="r" defTabSz="914400" rtl="0" eaLnBrk="1" fontAlgn="auto" latinLnBrk="0" hangingPunct="0">
-                <a:lnSpc>
-                  <a:spcPct val="100000"/>
-                </a:lnSpc>
-                <a:spcBef>
-                  <a:spcPts val="0"/>
-                </a:spcBef>
-                <a:spcAft>
-                  <a:spcPts val="0"/>
-                </a:spcAft>
-                <a:buClrTx/>
-                <a:buSzTx/>
-                <a:buFontTx/>
-                <a:buNone/>
-                <a:tabLst>
-                  <a:tab pos="0" algn="l"/>
-                  <a:tab pos="914400" algn="l"/>
-                  <a:tab pos="1828800" algn="l"/>
-                  <a:tab pos="2743199" algn="l"/>
-                  <a:tab pos="3657600" algn="l"/>
-                  <a:tab pos="4572000" algn="l"/>
-                  <a:tab pos="5486399" algn="l"/>
-                  <a:tab pos="6400799" algn="l"/>
-                  <a:tab pos="7315200" algn="l"/>
-                  <a:tab pos="8229600" algn="l"/>
-                  <a:tab pos="9144000" algn="l"/>
-                  <a:tab pos="10058400" algn="l"/>
-                </a:tabLst>
-                <a:defRPr/>
-              </a:pPr>
-              <a:t>23</a:t>
-            </a:fld>
-            <a:endParaRPr kumimoji="0" lang="en-US" sz="1400" b="0" i="0" u="none" strike="noStrike" kern="1200" cap="none" spc="0" normalizeH="0" baseline="0" noProof="0">
-              <a:ln>
-                <a:noFill/>
-              </a:ln>
-              <a:solidFill>
-                <a:srgbClr val="000000"/>
-              </a:solidFill>
-              <a:effectLst/>
-              <a:uLnTx/>
-              <a:uFillTx/>
-              <a:latin typeface="Times New Roman" pitchFamily="18"/>
-              <a:ea typeface="Bitstream Vera Sans" pitchFamily="2"/>
-              <a:cs typeface="Lucidasans" pitchFamily="2"/>
-            </a:endParaRPr>
-          </a:p>
-        </p:txBody>
-      </p:sp>
-      <p:sp>
-        <p:nvSpPr>
-          <p:cNvPr id="2" name="Slide Image Placeholder 1"/>
-          <p:cNvSpPr>
-            <a:spLocks noGrp="1" noRot="1" noChangeAspect="1" noResize="1"/>
-          </p:cNvSpPr>
-          <p:nvPr>
-            <p:ph type="sldImg"/>
-          </p:nvPr>
-        </p:nvSpPr>
-        <p:spPr>
-          <a:xfrm>
-            <a:off x="1254125" y="728663"/>
-            <a:ext cx="4795838" cy="3595687"/>
-          </a:xfrm>
-          <a:solidFill>
-            <a:schemeClr val="accent1"/>
-          </a:solidFill>
-          <a:ln w="25400">
-            <a:solidFill>
-              <a:schemeClr val="accent1">
-                <a:shade val="50000"/>
-              </a:schemeClr>
-            </a:solidFill>
-            <a:prstDash val="solid"/>
-          </a:ln>
-        </p:spPr>
-      </p:sp>
-      <p:sp>
-        <p:nvSpPr>
-          <p:cNvPr id="3" name="Notes Placeholder 2"/>
-          <p:cNvSpPr txBox="1">
-            <a:spLocks noGrp="1"/>
-          </p:cNvSpPr>
-          <p:nvPr>
-            <p:ph type="body" sz="quarter" idx="1"/>
-          </p:nvPr>
-        </p:nvSpPr>
-        <p:spPr>
-          <a:xfrm>
-            <a:off x="730440" y="4555440"/>
-            <a:ext cx="5843160" cy="4225319"/>
-          </a:xfrm>
-          <a:noFill/>
-          <a:ln>
-            <a:noFill/>
-          </a:ln>
-        </p:spPr>
-        <p:txBody>
-          <a:bodyPr lIns="0" tIns="0" rIns="0" bIns="0"/>
-          <a:lstStyle/>
-          <a:p>
-            <a:endParaRPr lang="en-US"/>
-          </a:p>
-        </p:txBody>
-      </p:sp>
-    </p:spTree>
-  </p:cSld>
-  <p:clrMapOvr>
-    <a:masterClrMapping/>
-  </p:clrMapOvr>
-</p:notes>
-</file>
-
-<file path=ppt/notesSlides/notesSlide2.xml><?xml version="1.0" encoding="utf-8"?>
-<p:notes xmlns:a="http://schemas.openxmlformats.org/drawingml/2006/main" xmlns:r="http://schemas.openxmlformats.org/officeDocument/2006/relationships" xmlns:p="http://schemas.openxmlformats.org/presentationml/2006/main">
-  <p:cSld>
-    <p:spTree>
-      <p:nvGrpSpPr>
-        <p:cNvPr id="1" name=""/>
-        <p:cNvGrpSpPr/>
-        <p:nvPr/>
-      </p:nvGrpSpPr>
-      <p:grpSpPr>
-        <a:xfrm>
-          <a:off x="0" y="0"/>
-          <a:ext cx="0" cy="0"/>
-          <a:chOff x="0" y="0"/>
-          <a:chExt cx="0" cy="0"/>
-        </a:xfrm>
-      </p:grpSpPr>
-      <p:sp>
-        <p:nvSpPr>
-          <p:cNvPr id="5" name="Date Placeholder 2"/>
-          <p:cNvSpPr txBox="1">
-            <a:spLocks noGrp="1"/>
-          </p:cNvSpPr>
-          <p:nvPr/>
-        </p:nvSpPr>
-        <p:spPr>
-          <a:xfrm>
-            <a:off x="4137025" y="0"/>
-            <a:ext cx="3165475" cy="481013"/>
-          </a:xfrm>
-          <a:prstGeom prst="rect">
-            <a:avLst/>
-          </a:prstGeom>
-          <a:noFill/>
-        </p:spPr>
-        <p:txBody>
-          <a:bodyPr vert="horz" lIns="91440" tIns="45720" rIns="91440" bIns="45720" rtlCol="0"/>
-          <a:lstStyle/>
-          <a:p>
-            <a:pPr marL="0" marR="0" lvl="0" indent="0" algn="r" defTabSz="914400" rtl="0" eaLnBrk="1" fontAlgn="auto" latinLnBrk="0" hangingPunct="1">
-              <a:lnSpc>
-                <a:spcPct val="100000"/>
-              </a:lnSpc>
-              <a:spcBef>
-                <a:spcPts val="0"/>
-              </a:spcBef>
-              <a:spcAft>
-                <a:spcPts val="0"/>
-              </a:spcAft>
-              <a:buClrTx/>
-              <a:buSzTx/>
-              <a:buFontTx/>
-              <a:buNone/>
-              <a:tabLst/>
-              <a:defRPr/>
-            </a:pPr>
-            <a:fld id="{7AB9731E-17D4-455B-8CEF-653BE9B92AC2}" type="datetimeFigureOut">
-              <a:rPr kumimoji="0" lang="en-US" sz="1200" b="0" i="0" u="none" strike="noStrike" kern="1200" cap="none" spc="0" normalizeH="0" baseline="0" noProof="0" smtClean="0">
-                <a:ln>
-                  <a:noFill/>
-                </a:ln>
-                <a:solidFill>
-                  <a:schemeClr val="tx1"/>
-                </a:solidFill>
-                <a:effectLst/>
-                <a:uLnTx/>
-                <a:uFillTx/>
-                <a:latin typeface="+mn-lt"/>
-                <a:ea typeface="+mn-ea"/>
-                <a:cs typeface="+mn-cs"/>
-              </a:rPr>
-              <a:pPr marL="0" marR="0" lvl="0" indent="0" algn="r" defTabSz="914400" rtl="0" eaLnBrk="1" fontAlgn="auto" latinLnBrk="0" hangingPunct="1">
-                <a:lnSpc>
-                  <a:spcPct val="100000"/>
-                </a:lnSpc>
-                <a:spcBef>
-                  <a:spcPts val="0"/>
-                </a:spcBef>
-                <a:spcAft>
-                  <a:spcPts val="0"/>
-                </a:spcAft>
-                <a:buClrTx/>
-                <a:buSzTx/>
-                <a:buFontTx/>
-                <a:buNone/>
-                <a:tabLst/>
-                <a:defRPr/>
-              </a:pPr>
-              <a:t>3/23/2025</a:t>
+              <a:t>3/24/2025</a:t>
             </a:fld>
             <a:endParaRPr kumimoji="0" lang="en-US" sz="1200" b="0" i="0" u="none" strike="noStrike" kern="1200" cap="none" spc="0" normalizeH="0" baseline="0" noProof="0">
               <a:ln>
@@ -6006,7 +6014,416 @@
                 <a:tabLst/>
                 <a:defRPr/>
               </a:pPr>
-              <a:t>3/23/2025</a:t>
+              <a:t>3/24/2025</a:t>
+            </a:fld>
+            <a:endParaRPr kumimoji="0" lang="en-US" sz="1200" b="0" i="0" u="none" strike="noStrike" kern="1200" cap="none" spc="0" normalizeH="0" baseline="0" noProof="0">
+              <a:ln>
+                <a:noFill/>
+              </a:ln>
+              <a:solidFill>
+                <a:schemeClr val="tx1"/>
+              </a:solidFill>
+              <a:effectLst/>
+              <a:uLnTx/>
+              <a:uFillTx/>
+              <a:latin typeface="+mn-lt"/>
+              <a:ea typeface="+mn-ea"/>
+              <a:cs typeface="+mn-cs"/>
+            </a:endParaRPr>
+          </a:p>
+        </p:txBody>
+      </p:sp>
+      <p:sp>
+        <p:nvSpPr>
+          <p:cNvPr id="9" name="Slide Number Placeholder 12"/>
+          <p:cNvSpPr txBox="1">
+            <a:spLocks noGrp="1"/>
+          </p:cNvSpPr>
+          <p:nvPr/>
+        </p:nvSpPr>
+        <p:spPr>
+          <a:xfrm>
+            <a:off x="4134600" y="9110880"/>
+            <a:ext cx="3169440" cy="479160"/>
+          </a:xfrm>
+          <a:prstGeom prst="rect">
+            <a:avLst/>
+          </a:prstGeom>
+          <a:noFill/>
+          <a:ln/>
+        </p:spPr>
+        <p:txBody>
+          <a:bodyPr lIns="0" tIns="0" rIns="0" bIns="0" anchor="b">
+            <a:noAutofit/>
+          </a:bodyPr>
+          <a:lstStyle/>
+          <a:p>
+            <a:pPr marL="0" marR="0" lvl="0" indent="0" algn="r" defTabSz="914400" rtl="0" eaLnBrk="1" fontAlgn="auto" latinLnBrk="0" hangingPunct="0">
+              <a:lnSpc>
+                <a:spcPct val="100000"/>
+              </a:lnSpc>
+              <a:spcBef>
+                <a:spcPts val="0"/>
+              </a:spcBef>
+              <a:spcAft>
+                <a:spcPts val="0"/>
+              </a:spcAft>
+              <a:buClrTx/>
+              <a:buSzTx/>
+              <a:buFontTx/>
+              <a:buNone/>
+              <a:tabLst>
+                <a:tab pos="0" algn="l"/>
+                <a:tab pos="914400" algn="l"/>
+                <a:tab pos="1828800" algn="l"/>
+                <a:tab pos="2743199" algn="l"/>
+                <a:tab pos="3657600" algn="l"/>
+                <a:tab pos="4572000" algn="l"/>
+                <a:tab pos="5486399" algn="l"/>
+                <a:tab pos="6400799" algn="l"/>
+                <a:tab pos="7315200" algn="l"/>
+                <a:tab pos="8229600" algn="l"/>
+                <a:tab pos="9144000" algn="l"/>
+                <a:tab pos="10058400" algn="l"/>
+              </a:tabLst>
+              <a:defRPr/>
+            </a:pPr>
+            <a:fld id="{2BFF7E74-A8EC-4DC1-9AA0-649D8B3868A5}" type="slidenum">
+              <a:rPr kumimoji="0" lang="en-US" sz="1400" b="0" i="0" u="none" strike="noStrike" kern="1200" cap="none" spc="0" normalizeH="0" baseline="0" noProof="0" smtClean="0">
+                <a:ln>
+                  <a:noFill/>
+                </a:ln>
+                <a:solidFill>
+                  <a:srgbClr val="000000"/>
+                </a:solidFill>
+                <a:effectLst/>
+                <a:uLnTx/>
+                <a:uFillTx/>
+                <a:latin typeface="Times New Roman" pitchFamily="18"/>
+                <a:ea typeface="Bitstream Vera Sans" pitchFamily="2"/>
+                <a:cs typeface="Lucidasans" pitchFamily="2"/>
+              </a:rPr>
+              <a:pPr marL="0" marR="0" lvl="0" indent="0" algn="r" defTabSz="914400" rtl="0" eaLnBrk="1" fontAlgn="auto" latinLnBrk="0" hangingPunct="0">
+                <a:lnSpc>
+                  <a:spcPct val="100000"/>
+                </a:lnSpc>
+                <a:spcBef>
+                  <a:spcPts val="0"/>
+                </a:spcBef>
+                <a:spcAft>
+                  <a:spcPts val="0"/>
+                </a:spcAft>
+                <a:buClrTx/>
+                <a:buSzTx/>
+                <a:buFontTx/>
+                <a:buNone/>
+                <a:tabLst>
+                  <a:tab pos="0" algn="l"/>
+                  <a:tab pos="914400" algn="l"/>
+                  <a:tab pos="1828800" algn="l"/>
+                  <a:tab pos="2743199" algn="l"/>
+                  <a:tab pos="3657600" algn="l"/>
+                  <a:tab pos="4572000" algn="l"/>
+                  <a:tab pos="5486399" algn="l"/>
+                  <a:tab pos="6400799" algn="l"/>
+                  <a:tab pos="7315200" algn="l"/>
+                  <a:tab pos="8229600" algn="l"/>
+                  <a:tab pos="9144000" algn="l"/>
+                  <a:tab pos="10058400" algn="l"/>
+                </a:tabLst>
+                <a:defRPr/>
+              </a:pPr>
+              <a:t>24</a:t>
+            </a:fld>
+            <a:endParaRPr kumimoji="0" lang="en-US" sz="1400" b="0" i="0" u="none" strike="noStrike" kern="1200" cap="none" spc="0" normalizeH="0" baseline="0" noProof="0">
+              <a:ln>
+                <a:noFill/>
+              </a:ln>
+              <a:solidFill>
+                <a:srgbClr val="000000"/>
+              </a:solidFill>
+              <a:effectLst/>
+              <a:uLnTx/>
+              <a:uFillTx/>
+              <a:latin typeface="Times New Roman" pitchFamily="18"/>
+              <a:ea typeface="Bitstream Vera Sans" pitchFamily="2"/>
+              <a:cs typeface="Lucidasans" pitchFamily="2"/>
+            </a:endParaRPr>
+          </a:p>
+        </p:txBody>
+      </p:sp>
+      <p:sp>
+        <p:nvSpPr>
+          <p:cNvPr id="11" name="Slide Number Placeholder 6"/>
+          <p:cNvSpPr txBox="1">
+            <a:spLocks noGrp="1"/>
+          </p:cNvSpPr>
+          <p:nvPr/>
+        </p:nvSpPr>
+        <p:spPr>
+          <a:xfrm>
+            <a:off x="4134600" y="9110880"/>
+            <a:ext cx="3169440" cy="479160"/>
+          </a:xfrm>
+          <a:prstGeom prst="rect">
+            <a:avLst/>
+          </a:prstGeom>
+          <a:noFill/>
+          <a:ln/>
+        </p:spPr>
+        <p:txBody>
+          <a:bodyPr vert="horz" lIns="91440" tIns="45720" rIns="91440" bIns="45720" rtlCol="0" anchor="b">
+            <a:noAutofit/>
+          </a:bodyPr>
+          <a:lstStyle/>
+          <a:p>
+            <a:pPr marL="0" marR="0" lvl="0" indent="0" algn="r" defTabSz="914400" rtl="0" eaLnBrk="1" fontAlgn="auto" latinLnBrk="0" hangingPunct="0">
+              <a:lnSpc>
+                <a:spcPct val="100000"/>
+              </a:lnSpc>
+              <a:spcBef>
+                <a:spcPts val="0"/>
+              </a:spcBef>
+              <a:spcAft>
+                <a:spcPts val="0"/>
+              </a:spcAft>
+              <a:buClrTx/>
+              <a:buSzTx/>
+              <a:buFontTx/>
+              <a:buNone/>
+              <a:tabLst>
+                <a:tab pos="0" algn="l"/>
+                <a:tab pos="914400" algn="l"/>
+                <a:tab pos="1828800" algn="l"/>
+                <a:tab pos="2743199" algn="l"/>
+                <a:tab pos="3657600" algn="l"/>
+                <a:tab pos="4572000" algn="l"/>
+                <a:tab pos="5486399" algn="l"/>
+                <a:tab pos="6400799" algn="l"/>
+                <a:tab pos="7315200" algn="l"/>
+                <a:tab pos="8229600" algn="l"/>
+                <a:tab pos="9144000" algn="l"/>
+                <a:tab pos="10058400" algn="l"/>
+              </a:tabLst>
+              <a:defRPr/>
+            </a:pPr>
+            <a:fld id="{B1D5DD44-DBF1-4EAC-A619-CA636DADF05E}" type="slidenum">
+              <a:rPr kumimoji="0" lang="en-US" sz="1400" b="0" i="0" u="none" strike="noStrike" kern="1200" cap="none" spc="0" normalizeH="0" baseline="0" noProof="0" smtClean="0">
+                <a:ln>
+                  <a:noFill/>
+                </a:ln>
+                <a:solidFill>
+                  <a:srgbClr val="000000"/>
+                </a:solidFill>
+                <a:effectLst/>
+                <a:uLnTx/>
+                <a:uFillTx/>
+                <a:latin typeface="Times New Roman" pitchFamily="18"/>
+                <a:ea typeface="Bitstream Vera Sans" pitchFamily="2"/>
+                <a:cs typeface="Lucidasans" pitchFamily="2"/>
+              </a:rPr>
+              <a:pPr marL="0" marR="0" lvl="0" indent="0" algn="r" defTabSz="914400" rtl="0" eaLnBrk="1" fontAlgn="auto" latinLnBrk="0" hangingPunct="0">
+                <a:lnSpc>
+                  <a:spcPct val="100000"/>
+                </a:lnSpc>
+                <a:spcBef>
+                  <a:spcPts val="0"/>
+                </a:spcBef>
+                <a:spcAft>
+                  <a:spcPts val="0"/>
+                </a:spcAft>
+                <a:buClrTx/>
+                <a:buSzTx/>
+                <a:buFontTx/>
+                <a:buNone/>
+                <a:tabLst>
+                  <a:tab pos="0" algn="l"/>
+                  <a:tab pos="914400" algn="l"/>
+                  <a:tab pos="1828800" algn="l"/>
+                  <a:tab pos="2743199" algn="l"/>
+                  <a:tab pos="3657600" algn="l"/>
+                  <a:tab pos="4572000" algn="l"/>
+                  <a:tab pos="5486399" algn="l"/>
+                  <a:tab pos="6400799" algn="l"/>
+                  <a:tab pos="7315200" algn="l"/>
+                  <a:tab pos="8229600" algn="l"/>
+                  <a:tab pos="9144000" algn="l"/>
+                  <a:tab pos="10058400" algn="l"/>
+                </a:tabLst>
+                <a:defRPr/>
+              </a:pPr>
+              <a:t>24</a:t>
+            </a:fld>
+            <a:endParaRPr kumimoji="0" lang="en-US" sz="1400" b="0" i="0" u="none" strike="noStrike" kern="1200" cap="none" spc="0" normalizeH="0" baseline="0" noProof="0">
+              <a:ln>
+                <a:noFill/>
+              </a:ln>
+              <a:solidFill>
+                <a:srgbClr val="000000"/>
+              </a:solidFill>
+              <a:effectLst/>
+              <a:uLnTx/>
+              <a:uFillTx/>
+              <a:latin typeface="Times New Roman" pitchFamily="18"/>
+              <a:ea typeface="Bitstream Vera Sans" pitchFamily="2"/>
+              <a:cs typeface="Lucidasans" pitchFamily="2"/>
+            </a:endParaRPr>
+          </a:p>
+        </p:txBody>
+      </p:sp>
+      <p:sp>
+        <p:nvSpPr>
+          <p:cNvPr id="2" name="Slide Image Placeholder 1"/>
+          <p:cNvSpPr>
+            <a:spLocks noGrp="1" noRot="1" noChangeAspect="1" noResize="1"/>
+          </p:cNvSpPr>
+          <p:nvPr>
+            <p:ph type="sldImg"/>
+          </p:nvPr>
+        </p:nvSpPr>
+        <p:spPr>
+          <a:xfrm>
+            <a:off x="1254125" y="728663"/>
+            <a:ext cx="4795838" cy="3595687"/>
+          </a:xfrm>
+          <a:solidFill>
+            <a:schemeClr val="accent1"/>
+          </a:solidFill>
+          <a:ln w="25400">
+            <a:solidFill>
+              <a:schemeClr val="accent1">
+                <a:shade val="50000"/>
+              </a:schemeClr>
+            </a:solidFill>
+            <a:prstDash val="solid"/>
+          </a:ln>
+        </p:spPr>
+      </p:sp>
+      <p:sp>
+        <p:nvSpPr>
+          <p:cNvPr id="3" name="Notes Placeholder 2"/>
+          <p:cNvSpPr txBox="1">
+            <a:spLocks noGrp="1"/>
+          </p:cNvSpPr>
+          <p:nvPr>
+            <p:ph type="body" sz="quarter" idx="1"/>
+          </p:nvPr>
+        </p:nvSpPr>
+        <p:spPr>
+          <a:xfrm>
+            <a:off x="730440" y="4555440"/>
+            <a:ext cx="5843160" cy="4225319"/>
+          </a:xfrm>
+          <a:noFill/>
+          <a:ln>
+            <a:noFill/>
+          </a:ln>
+        </p:spPr>
+        <p:txBody>
+          <a:bodyPr lIns="0" tIns="0" rIns="0" bIns="0"/>
+          <a:lstStyle/>
+          <a:p>
+            <a:endParaRPr lang="en-US"/>
+          </a:p>
+        </p:txBody>
+      </p:sp>
+    </p:spTree>
+  </p:cSld>
+  <p:clrMapOvr>
+    <a:masterClrMapping/>
+  </p:clrMapOvr>
+</p:notes>
+</file>
+
+<file path=ppt/notesSlides/notesSlide21.xml><?xml version="1.0" encoding="utf-8"?>
+<p:notes xmlns:a="http://schemas.openxmlformats.org/drawingml/2006/main" xmlns:r="http://schemas.openxmlformats.org/officeDocument/2006/relationships" xmlns:p="http://schemas.openxmlformats.org/presentationml/2006/main">
+  <p:cSld>
+    <p:spTree>
+      <p:nvGrpSpPr>
+        <p:cNvPr id="1" name=""/>
+        <p:cNvGrpSpPr/>
+        <p:nvPr/>
+      </p:nvGrpSpPr>
+      <p:grpSpPr>
+        <a:xfrm>
+          <a:off x="0" y="0"/>
+          <a:ext cx="0" cy="0"/>
+          <a:chOff x="0" y="0"/>
+          <a:chExt cx="0" cy="0"/>
+        </a:xfrm>
+      </p:grpSpPr>
+      <p:sp>
+        <p:nvSpPr>
+          <p:cNvPr id="5" name="Date Placeholder 2"/>
+          <p:cNvSpPr txBox="1">
+            <a:spLocks noGrp="1"/>
+          </p:cNvSpPr>
+          <p:nvPr/>
+        </p:nvSpPr>
+        <p:spPr>
+          <a:xfrm>
+            <a:off x="4137025" y="0"/>
+            <a:ext cx="3165475" cy="481013"/>
+          </a:xfrm>
+          <a:prstGeom prst="rect">
+            <a:avLst/>
+          </a:prstGeom>
+          <a:noFill/>
+        </p:spPr>
+        <p:txBody>
+          <a:bodyPr vert="horz" lIns="91440" tIns="45720" rIns="91440" bIns="45720" rtlCol="0"/>
+          <a:lstStyle/>
+          <a:p>
+            <a:pPr marL="0" marR="0" lvl="0" indent="0" algn="r" defTabSz="914400" rtl="0" eaLnBrk="1" fontAlgn="auto" latinLnBrk="0" hangingPunct="1">
+              <a:lnSpc>
+                <a:spcPct val="100000"/>
+              </a:lnSpc>
+              <a:spcBef>
+                <a:spcPts val="0"/>
+              </a:spcBef>
+              <a:spcAft>
+                <a:spcPts val="0"/>
+              </a:spcAft>
+              <a:buClrTx/>
+              <a:buSzTx/>
+              <a:buFontTx/>
+              <a:buNone/>
+              <a:tabLst/>
+              <a:defRPr/>
+            </a:pPr>
+            <a:fld id="{7AB9731E-17D4-455B-8CEF-653BE9B92AC2}" type="datetimeFigureOut">
+              <a:rPr kumimoji="0" lang="en-US" sz="1200" b="0" i="0" u="none" strike="noStrike" kern="1200" cap="none" spc="0" normalizeH="0" baseline="0" noProof="0" smtClean="0">
+                <a:ln>
+                  <a:noFill/>
+                </a:ln>
+                <a:solidFill>
+                  <a:schemeClr val="tx1"/>
+                </a:solidFill>
+                <a:effectLst/>
+                <a:uLnTx/>
+                <a:uFillTx/>
+                <a:latin typeface="+mn-lt"/>
+                <a:ea typeface="+mn-ea"/>
+                <a:cs typeface="+mn-cs"/>
+              </a:rPr>
+              <a:pPr marL="0" marR="0" lvl="0" indent="0" algn="r" defTabSz="914400" rtl="0" eaLnBrk="1" fontAlgn="auto" latinLnBrk="0" hangingPunct="1">
+                <a:lnSpc>
+                  <a:spcPct val="100000"/>
+                </a:lnSpc>
+                <a:spcBef>
+                  <a:spcPts val="0"/>
+                </a:spcBef>
+                <a:spcAft>
+                  <a:spcPts val="0"/>
+                </a:spcAft>
+                <a:buClrTx/>
+                <a:buSzTx/>
+                <a:buFontTx/>
+                <a:buNone/>
+                <a:tabLst/>
+                <a:defRPr/>
+              </a:pPr>
+              <a:t>3/24/2025</a:t>
             </a:fld>
             <a:endParaRPr kumimoji="0" lang="en-US" sz="1200" b="0" i="0" u="none" strike="noStrike" kern="1200" cap="none" spc="0" normalizeH="0" baseline="0" noProof="0">
               <a:ln>
@@ -6125,7 +6542,7 @@
                 </a:tabLst>
                 <a:defRPr/>
               </a:pPr>
-              <a:t>24</a:t>
+              <a:t>25</a:t>
             </a:fld>
             <a:endParaRPr kumimoji="0" lang="en-US" sz="1400" b="0" i="0" u="none" strike="noStrike" kern="1200" cap="none" spc="0" normalizeH="0" baseline="0" noProof="0">
               <a:ln>
@@ -6244,7 +6661,7 @@
                 </a:tabLst>
                 <a:defRPr/>
               </a:pPr>
-              <a:t>24</a:t>
+              <a:t>25</a:t>
             </a:fld>
             <a:endParaRPr kumimoji="0" lang="en-US" sz="1400" b="0" i="0" u="none" strike="noStrike" kern="1200" cap="none" spc="0" normalizeH="0" baseline="0" noProof="0">
               <a:ln>
@@ -6327,7 +6744,7 @@
 </p:notes>
 </file>
 
-<file path=ppt/notesSlides/notesSlide21.xml><?xml version="1.0" encoding="utf-8"?>
+<file path=ppt/notesSlides/notesSlide22.xml><?xml version="1.0" encoding="utf-8"?>
 <p:notes xmlns:a="http://schemas.openxmlformats.org/drawingml/2006/main" xmlns:r="http://schemas.openxmlformats.org/officeDocument/2006/relationships" xmlns:p="http://schemas.openxmlformats.org/presentationml/2006/main">
   <p:cSld>
     <p:spTree>
@@ -6415,7 +6832,7 @@
                 <a:tabLst/>
                 <a:defRPr/>
               </a:pPr>
-              <a:t>3/23/2025</a:t>
+              <a:t>3/24/2025</a:t>
             </a:fld>
             <a:endParaRPr kumimoji="0" lang="en-US" sz="1200" b="0" i="0" u="none" strike="noStrike" kern="1200" cap="none" spc="0" normalizeH="0" baseline="0" noProof="0">
               <a:ln>
@@ -6534,7 +6951,7 @@
                 </a:tabLst>
                 <a:defRPr/>
               </a:pPr>
-              <a:t>25</a:t>
+              <a:t>26</a:t>
             </a:fld>
             <a:endParaRPr kumimoji="0" lang="en-US" sz="1400" b="0" i="0" u="none" strike="noStrike" kern="1200" cap="none" spc="0" normalizeH="0" baseline="0" noProof="0">
               <a:ln>
@@ -6653,7 +7070,7 @@
                 </a:tabLst>
                 <a:defRPr/>
               </a:pPr>
-              <a:t>25</a:t>
+              <a:t>26</a:t>
             </a:fld>
             <a:endParaRPr kumimoji="0" lang="en-US" sz="1400" b="0" i="0" u="none" strike="noStrike" kern="1200" cap="none" spc="0" normalizeH="0" baseline="0" noProof="0">
               <a:ln>
@@ -6736,7 +7153,7 @@
 </p:notes>
 </file>
 
-<file path=ppt/notesSlides/notesSlide22.xml><?xml version="1.0" encoding="utf-8"?>
+<file path=ppt/notesSlides/notesSlide23.xml><?xml version="1.0" encoding="utf-8"?>
 <p:notes xmlns:a="http://schemas.openxmlformats.org/drawingml/2006/main" xmlns:r="http://schemas.openxmlformats.org/officeDocument/2006/relationships" xmlns:p="http://schemas.openxmlformats.org/presentationml/2006/main">
   <p:cSld>
     <p:spTree>
@@ -6824,7 +7241,7 @@
                 <a:tabLst/>
                 <a:defRPr/>
               </a:pPr>
-              <a:t>3/23/2025</a:t>
+              <a:t>3/24/2025</a:t>
             </a:fld>
             <a:endParaRPr kumimoji="0" lang="en-US" sz="1200" b="0" i="0" u="none" strike="noStrike" kern="1200" cap="none" spc="0" normalizeH="0" baseline="0" noProof="0">
               <a:ln>
@@ -6943,7 +7360,7 @@
                 </a:tabLst>
                 <a:defRPr/>
               </a:pPr>
-              <a:t>26</a:t>
+              <a:t>27</a:t>
             </a:fld>
             <a:endParaRPr kumimoji="0" lang="en-US" sz="1400" b="0" i="0" u="none" strike="noStrike" kern="1200" cap="none" spc="0" normalizeH="0" baseline="0" noProof="0">
               <a:ln>
@@ -7062,7 +7479,7 @@
                 </a:tabLst>
                 <a:defRPr/>
               </a:pPr>
-              <a:t>26</a:t>
+              <a:t>27</a:t>
             </a:fld>
             <a:endParaRPr kumimoji="0" lang="en-US" sz="1400" b="0" i="0" u="none" strike="noStrike" kern="1200" cap="none" spc="0" normalizeH="0" baseline="0" noProof="0">
               <a:ln>
@@ -7145,7 +7562,7 @@
 </p:notes>
 </file>
 
-<file path=ppt/notesSlides/notesSlide23.xml><?xml version="1.0" encoding="utf-8"?>
+<file path=ppt/notesSlides/notesSlide24.xml><?xml version="1.0" encoding="utf-8"?>
 <p:notes xmlns:a="http://schemas.openxmlformats.org/drawingml/2006/main" xmlns:r="http://schemas.openxmlformats.org/officeDocument/2006/relationships" xmlns:p="http://schemas.openxmlformats.org/presentationml/2006/main">
   <p:cSld>
     <p:spTree>
@@ -7233,7 +7650,7 @@
                 <a:tabLst/>
                 <a:defRPr/>
               </a:pPr>
-              <a:t>3/23/2025</a:t>
+              <a:t>3/24/2025</a:t>
             </a:fld>
             <a:endParaRPr kumimoji="0" lang="en-US" sz="1200" b="0" i="0" u="none" strike="noStrike" kern="1200" cap="none" spc="0" normalizeH="0" baseline="0" noProof="0">
               <a:ln>
@@ -7352,7 +7769,7 @@
                 </a:tabLst>
                 <a:defRPr/>
               </a:pPr>
-              <a:t>27</a:t>
+              <a:t>28</a:t>
             </a:fld>
             <a:endParaRPr kumimoji="0" lang="en-US" sz="1400" b="0" i="0" u="none" strike="noStrike" kern="1200" cap="none" spc="0" normalizeH="0" baseline="0" noProof="0">
               <a:ln>
@@ -7471,7 +7888,7 @@
                 </a:tabLst>
                 <a:defRPr/>
               </a:pPr>
-              <a:t>27</a:t>
+              <a:t>28</a:t>
             </a:fld>
             <a:endParaRPr kumimoji="0" lang="en-US" sz="1400" b="0" i="0" u="none" strike="noStrike" kern="1200" cap="none" spc="0" normalizeH="0" baseline="0" noProof="0">
               <a:ln>
@@ -7554,7 +7971,7 @@
 </p:notes>
 </file>
 
-<file path=ppt/notesSlides/notesSlide24.xml><?xml version="1.0" encoding="utf-8"?>
+<file path=ppt/notesSlides/notesSlide25.xml><?xml version="1.0" encoding="utf-8"?>
 <p:notes xmlns:a="http://schemas.openxmlformats.org/drawingml/2006/main" xmlns:r="http://schemas.openxmlformats.org/officeDocument/2006/relationships" xmlns:p="http://schemas.openxmlformats.org/presentationml/2006/main">
   <p:cSld>
     <p:spTree>
@@ -7642,7 +8059,7 @@
                 <a:tabLst/>
                 <a:defRPr/>
               </a:pPr>
-              <a:t>3/23/2025</a:t>
+              <a:t>3/24/2025</a:t>
             </a:fld>
             <a:endParaRPr kumimoji="0" lang="en-US" sz="1200" b="0" i="0" u="none" strike="noStrike" kern="1200" cap="none" spc="0" normalizeH="0" baseline="0" noProof="0">
               <a:ln>
@@ -7761,7 +8178,7 @@
                 </a:tabLst>
                 <a:defRPr/>
               </a:pPr>
-              <a:t>28</a:t>
+              <a:t>29</a:t>
             </a:fld>
             <a:endParaRPr kumimoji="0" lang="en-US" sz="1400" b="0" i="0" u="none" strike="noStrike" kern="1200" cap="none" spc="0" normalizeH="0" baseline="0" noProof="0">
               <a:ln>
@@ -7880,7 +8297,7 @@
                 </a:tabLst>
                 <a:defRPr/>
               </a:pPr>
-              <a:t>28</a:t>
+              <a:t>29</a:t>
             </a:fld>
             <a:endParaRPr kumimoji="0" lang="en-US" sz="1400" b="0" i="0" u="none" strike="noStrike" kern="1200" cap="none" spc="0" normalizeH="0" baseline="0" noProof="0">
               <a:ln>
@@ -7963,7 +8380,7 @@
 </p:notes>
 </file>
 
-<file path=ppt/notesSlides/notesSlide25.xml><?xml version="1.0" encoding="utf-8"?>
+<file path=ppt/notesSlides/notesSlide26.xml><?xml version="1.0" encoding="utf-8"?>
 <p:notes xmlns:a="http://schemas.openxmlformats.org/drawingml/2006/main" xmlns:r="http://schemas.openxmlformats.org/officeDocument/2006/relationships" xmlns:p="http://schemas.openxmlformats.org/presentationml/2006/main">
   <p:cSld>
     <p:spTree>
@@ -8051,7 +8468,7 @@
                 <a:tabLst/>
                 <a:defRPr/>
               </a:pPr>
-              <a:t>3/23/2025</a:t>
+              <a:t>3/24/2025</a:t>
             </a:fld>
             <a:endParaRPr kumimoji="0" lang="en-US" sz="1200" b="0" i="0" u="none" strike="noStrike" kern="1200" cap="none" spc="0" normalizeH="0" baseline="0" noProof="0">
               <a:ln>
@@ -8170,7 +8587,7 @@
                 </a:tabLst>
                 <a:defRPr/>
               </a:pPr>
-              <a:t>29</a:t>
+              <a:t>30</a:t>
             </a:fld>
             <a:endParaRPr kumimoji="0" lang="en-US" sz="1400" b="0" i="0" u="none" strike="noStrike" kern="1200" cap="none" spc="0" normalizeH="0" baseline="0" noProof="0">
               <a:ln>
@@ -8289,7 +8706,7 @@
                 </a:tabLst>
                 <a:defRPr/>
               </a:pPr>
-              <a:t>29</a:t>
+              <a:t>30</a:t>
             </a:fld>
             <a:endParaRPr kumimoji="0" lang="en-US" sz="1400" b="0" i="0" u="none" strike="noStrike" kern="1200" cap="none" spc="0" normalizeH="0" baseline="0" noProof="0">
               <a:ln>
@@ -8372,7 +8789,7 @@
 </p:notes>
 </file>
 
-<file path=ppt/notesSlides/notesSlide26.xml><?xml version="1.0" encoding="utf-8"?>
+<file path=ppt/notesSlides/notesSlide27.xml><?xml version="1.0" encoding="utf-8"?>
 <p:notes xmlns:a="http://schemas.openxmlformats.org/drawingml/2006/main" xmlns:r="http://schemas.openxmlformats.org/officeDocument/2006/relationships" xmlns:p="http://schemas.openxmlformats.org/presentationml/2006/main">
   <p:cSld>
     <p:spTree>
@@ -8460,7 +8877,7 @@
                 <a:tabLst/>
                 <a:defRPr/>
               </a:pPr>
-              <a:t>3/23/2025</a:t>
+              <a:t>3/24/2025</a:t>
             </a:fld>
             <a:endParaRPr kumimoji="0" lang="en-US" sz="1200" b="0" i="0" u="none" strike="noStrike" kern="1200" cap="none" spc="0" normalizeH="0" baseline="0" noProof="0">
               <a:ln>
@@ -8579,7 +8996,7 @@
                 </a:tabLst>
                 <a:defRPr/>
               </a:pPr>
-              <a:t>30</a:t>
+              <a:t>31</a:t>
             </a:fld>
             <a:endParaRPr kumimoji="0" lang="en-US" sz="1400" b="0" i="0" u="none" strike="noStrike" kern="1200" cap="none" spc="0" normalizeH="0" baseline="0" noProof="0">
               <a:ln>
@@ -8698,7 +9115,7 @@
                 </a:tabLst>
                 <a:defRPr/>
               </a:pPr>
-              <a:t>30</a:t>
+              <a:t>31</a:t>
             </a:fld>
             <a:endParaRPr kumimoji="0" lang="en-US" sz="1400" b="0" i="0" u="none" strike="noStrike" kern="1200" cap="none" spc="0" normalizeH="0" baseline="0" noProof="0">
               <a:ln>
@@ -8781,7 +9198,7 @@
 </p:notes>
 </file>
 
-<file path=ppt/notesSlides/notesSlide27.xml><?xml version="1.0" encoding="utf-8"?>
+<file path=ppt/notesSlides/notesSlide28.xml><?xml version="1.0" encoding="utf-8"?>
 <p:notes xmlns:a="http://schemas.openxmlformats.org/drawingml/2006/main" xmlns:r="http://schemas.openxmlformats.org/officeDocument/2006/relationships" xmlns:p="http://schemas.openxmlformats.org/presentationml/2006/main">
   <p:cSld>
     <p:spTree>
@@ -8869,7 +9286,7 @@
                 <a:tabLst/>
                 <a:defRPr/>
               </a:pPr>
-              <a:t>3/23/2025</a:t>
+              <a:t>3/24/2025</a:t>
             </a:fld>
             <a:endParaRPr kumimoji="0" lang="en-US" sz="1200" b="0" i="0" u="none" strike="noStrike" kern="1200" cap="none" spc="0" normalizeH="0" baseline="0" noProof="0">
               <a:ln>
@@ -8988,7 +9405,7 @@
                 </a:tabLst>
                 <a:defRPr/>
               </a:pPr>
-              <a:t>31</a:t>
+              <a:t>32</a:t>
             </a:fld>
             <a:endParaRPr kumimoji="0" lang="en-US" sz="1400" b="0" i="0" u="none" strike="noStrike" kern="1200" cap="none" spc="0" normalizeH="0" baseline="0" noProof="0">
               <a:ln>
@@ -9107,7 +9524,7 @@
                 </a:tabLst>
                 <a:defRPr/>
               </a:pPr>
-              <a:t>31</a:t>
+              <a:t>32</a:t>
             </a:fld>
             <a:endParaRPr kumimoji="0" lang="en-US" sz="1400" b="0" i="0" u="none" strike="noStrike" kern="1200" cap="none" spc="0" normalizeH="0" baseline="0" noProof="0">
               <a:ln>
@@ -9190,7 +9607,7 @@
 </p:notes>
 </file>
 
-<file path=ppt/notesSlides/notesSlide28.xml><?xml version="1.0" encoding="utf-8"?>
+<file path=ppt/notesSlides/notesSlide29.xml><?xml version="1.0" encoding="utf-8"?>
 <p:notes xmlns:a="http://schemas.openxmlformats.org/drawingml/2006/main" xmlns:r="http://schemas.openxmlformats.org/officeDocument/2006/relationships" xmlns:p="http://schemas.openxmlformats.org/presentationml/2006/main">
   <p:cSld>
     <p:spTree>
@@ -9278,7 +9695,7 @@
                 <a:tabLst/>
                 <a:defRPr/>
               </a:pPr>
-              <a:t>3/23/2025</a:t>
+              <a:t>3/24/2025</a:t>
             </a:fld>
             <a:endParaRPr kumimoji="0" lang="en-US" sz="1200" b="0" i="0" u="none" strike="noStrike" kern="1200" cap="none" spc="0" normalizeH="0" baseline="0" noProof="0">
               <a:ln>
@@ -9397,7 +9814,7 @@
                 </a:tabLst>
                 <a:defRPr/>
               </a:pPr>
-              <a:t>32</a:t>
+              <a:t>33</a:t>
             </a:fld>
             <a:endParaRPr kumimoji="0" lang="en-US" sz="1400" b="0" i="0" u="none" strike="noStrike" kern="1200" cap="none" spc="0" normalizeH="0" baseline="0" noProof="0">
               <a:ln>
@@ -9516,7 +9933,7 @@
                 </a:tabLst>
                 <a:defRPr/>
               </a:pPr>
-              <a:t>32</a:t>
+              <a:t>33</a:t>
             </a:fld>
             <a:endParaRPr kumimoji="0" lang="en-US" sz="1400" b="0" i="0" u="none" strike="noStrike" kern="1200" cap="none" spc="0" normalizeH="0" baseline="0" noProof="0">
               <a:ln>
@@ -9599,7 +10016,7 @@
 </p:notes>
 </file>
 
-<file path=ppt/notesSlides/notesSlide29.xml><?xml version="1.0" encoding="utf-8"?>
+<file path=ppt/notesSlides/notesSlide3.xml><?xml version="1.0" encoding="utf-8"?>
 <p:notes xmlns:a="http://schemas.openxmlformats.org/drawingml/2006/main" xmlns:r="http://schemas.openxmlformats.org/officeDocument/2006/relationships" xmlns:p="http://schemas.openxmlformats.org/presentationml/2006/main">
   <p:cSld>
     <p:spTree>
@@ -9687,416 +10104,7 @@
                 <a:tabLst/>
                 <a:defRPr/>
               </a:pPr>
-              <a:t>3/23/2025</a:t>
-            </a:fld>
-            <a:endParaRPr kumimoji="0" lang="en-US" sz="1200" b="0" i="0" u="none" strike="noStrike" kern="1200" cap="none" spc="0" normalizeH="0" baseline="0" noProof="0">
-              <a:ln>
-                <a:noFill/>
-              </a:ln>
-              <a:solidFill>
-                <a:schemeClr val="tx1"/>
-              </a:solidFill>
-              <a:effectLst/>
-              <a:uLnTx/>
-              <a:uFillTx/>
-              <a:latin typeface="+mn-lt"/>
-              <a:ea typeface="+mn-ea"/>
-              <a:cs typeface="+mn-cs"/>
-            </a:endParaRPr>
-          </a:p>
-        </p:txBody>
-      </p:sp>
-      <p:sp>
-        <p:nvSpPr>
-          <p:cNvPr id="9" name="Slide Number Placeholder 12"/>
-          <p:cNvSpPr txBox="1">
-            <a:spLocks noGrp="1"/>
-          </p:cNvSpPr>
-          <p:nvPr/>
-        </p:nvSpPr>
-        <p:spPr>
-          <a:xfrm>
-            <a:off x="4134600" y="9110880"/>
-            <a:ext cx="3169440" cy="479160"/>
-          </a:xfrm>
-          <a:prstGeom prst="rect">
-            <a:avLst/>
-          </a:prstGeom>
-          <a:noFill/>
-          <a:ln/>
-        </p:spPr>
-        <p:txBody>
-          <a:bodyPr lIns="0" tIns="0" rIns="0" bIns="0" anchor="b">
-            <a:noAutofit/>
-          </a:bodyPr>
-          <a:lstStyle/>
-          <a:p>
-            <a:pPr marL="0" marR="0" lvl="0" indent="0" algn="r" defTabSz="914400" rtl="0" eaLnBrk="1" fontAlgn="auto" latinLnBrk="0" hangingPunct="0">
-              <a:lnSpc>
-                <a:spcPct val="100000"/>
-              </a:lnSpc>
-              <a:spcBef>
-                <a:spcPts val="0"/>
-              </a:spcBef>
-              <a:spcAft>
-                <a:spcPts val="0"/>
-              </a:spcAft>
-              <a:buClrTx/>
-              <a:buSzTx/>
-              <a:buFontTx/>
-              <a:buNone/>
-              <a:tabLst>
-                <a:tab pos="0" algn="l"/>
-                <a:tab pos="914400" algn="l"/>
-                <a:tab pos="1828800" algn="l"/>
-                <a:tab pos="2743199" algn="l"/>
-                <a:tab pos="3657600" algn="l"/>
-                <a:tab pos="4572000" algn="l"/>
-                <a:tab pos="5486399" algn="l"/>
-                <a:tab pos="6400799" algn="l"/>
-                <a:tab pos="7315200" algn="l"/>
-                <a:tab pos="8229600" algn="l"/>
-                <a:tab pos="9144000" algn="l"/>
-                <a:tab pos="10058400" algn="l"/>
-              </a:tabLst>
-              <a:defRPr/>
-            </a:pPr>
-            <a:fld id="{6DE4D7BE-C413-480C-A9DE-41D35076C406}" type="slidenum">
-              <a:rPr kumimoji="0" lang="en-US" sz="1400" b="0" i="0" u="none" strike="noStrike" kern="1200" cap="none" spc="0" normalizeH="0" baseline="0" noProof="0" smtClean="0">
-                <a:ln>
-                  <a:noFill/>
-                </a:ln>
-                <a:solidFill>
-                  <a:srgbClr val="000000"/>
-                </a:solidFill>
-                <a:effectLst/>
-                <a:uLnTx/>
-                <a:uFillTx/>
-                <a:latin typeface="Times New Roman" pitchFamily="18"/>
-                <a:ea typeface="Bitstream Vera Sans" pitchFamily="2"/>
-                <a:cs typeface="Lucidasans" pitchFamily="2"/>
-              </a:rPr>
-              <a:pPr marL="0" marR="0" lvl="0" indent="0" algn="r" defTabSz="914400" rtl="0" eaLnBrk="1" fontAlgn="auto" latinLnBrk="0" hangingPunct="0">
-                <a:lnSpc>
-                  <a:spcPct val="100000"/>
-                </a:lnSpc>
-                <a:spcBef>
-                  <a:spcPts val="0"/>
-                </a:spcBef>
-                <a:spcAft>
-                  <a:spcPts val="0"/>
-                </a:spcAft>
-                <a:buClrTx/>
-                <a:buSzTx/>
-                <a:buFontTx/>
-                <a:buNone/>
-                <a:tabLst>
-                  <a:tab pos="0" algn="l"/>
-                  <a:tab pos="914400" algn="l"/>
-                  <a:tab pos="1828800" algn="l"/>
-                  <a:tab pos="2743199" algn="l"/>
-                  <a:tab pos="3657600" algn="l"/>
-                  <a:tab pos="4572000" algn="l"/>
-                  <a:tab pos="5486399" algn="l"/>
-                  <a:tab pos="6400799" algn="l"/>
-                  <a:tab pos="7315200" algn="l"/>
-                  <a:tab pos="8229600" algn="l"/>
-                  <a:tab pos="9144000" algn="l"/>
-                  <a:tab pos="10058400" algn="l"/>
-                </a:tabLst>
-                <a:defRPr/>
-              </a:pPr>
-              <a:t>33</a:t>
-            </a:fld>
-            <a:endParaRPr kumimoji="0" lang="en-US" sz="1400" b="0" i="0" u="none" strike="noStrike" kern="1200" cap="none" spc="0" normalizeH="0" baseline="0" noProof="0">
-              <a:ln>
-                <a:noFill/>
-              </a:ln>
-              <a:solidFill>
-                <a:srgbClr val="000000"/>
-              </a:solidFill>
-              <a:effectLst/>
-              <a:uLnTx/>
-              <a:uFillTx/>
-              <a:latin typeface="Times New Roman" pitchFamily="18"/>
-              <a:ea typeface="Bitstream Vera Sans" pitchFamily="2"/>
-              <a:cs typeface="Lucidasans" pitchFamily="2"/>
-            </a:endParaRPr>
-          </a:p>
-        </p:txBody>
-      </p:sp>
-      <p:sp>
-        <p:nvSpPr>
-          <p:cNvPr id="11" name="Slide Number Placeholder 6"/>
-          <p:cNvSpPr txBox="1">
-            <a:spLocks noGrp="1"/>
-          </p:cNvSpPr>
-          <p:nvPr/>
-        </p:nvSpPr>
-        <p:spPr>
-          <a:xfrm>
-            <a:off x="4134600" y="9110880"/>
-            <a:ext cx="3169440" cy="479160"/>
-          </a:xfrm>
-          <a:prstGeom prst="rect">
-            <a:avLst/>
-          </a:prstGeom>
-          <a:noFill/>
-          <a:ln/>
-        </p:spPr>
-        <p:txBody>
-          <a:bodyPr vert="horz" lIns="91440" tIns="45720" rIns="91440" bIns="45720" rtlCol="0" anchor="b">
-            <a:noAutofit/>
-          </a:bodyPr>
-          <a:lstStyle/>
-          <a:p>
-            <a:pPr marL="0" marR="0" lvl="0" indent="0" algn="r" defTabSz="914400" rtl="0" eaLnBrk="1" fontAlgn="auto" latinLnBrk="0" hangingPunct="0">
-              <a:lnSpc>
-                <a:spcPct val="100000"/>
-              </a:lnSpc>
-              <a:spcBef>
-                <a:spcPts val="0"/>
-              </a:spcBef>
-              <a:spcAft>
-                <a:spcPts val="0"/>
-              </a:spcAft>
-              <a:buClrTx/>
-              <a:buSzTx/>
-              <a:buFontTx/>
-              <a:buNone/>
-              <a:tabLst>
-                <a:tab pos="0" algn="l"/>
-                <a:tab pos="914400" algn="l"/>
-                <a:tab pos="1828800" algn="l"/>
-                <a:tab pos="2743199" algn="l"/>
-                <a:tab pos="3657600" algn="l"/>
-                <a:tab pos="4572000" algn="l"/>
-                <a:tab pos="5486399" algn="l"/>
-                <a:tab pos="6400799" algn="l"/>
-                <a:tab pos="7315200" algn="l"/>
-                <a:tab pos="8229600" algn="l"/>
-                <a:tab pos="9144000" algn="l"/>
-                <a:tab pos="10058400" algn="l"/>
-              </a:tabLst>
-              <a:defRPr/>
-            </a:pPr>
-            <a:fld id="{5424ECAC-F659-46B6-9681-A7897C9B9D9E}" type="slidenum">
-              <a:rPr kumimoji="0" lang="en-US" sz="1400" b="0" i="0" u="none" strike="noStrike" kern="1200" cap="none" spc="0" normalizeH="0" baseline="0" noProof="0" smtClean="0">
-                <a:ln>
-                  <a:noFill/>
-                </a:ln>
-                <a:solidFill>
-                  <a:srgbClr val="000000"/>
-                </a:solidFill>
-                <a:effectLst/>
-                <a:uLnTx/>
-                <a:uFillTx/>
-                <a:latin typeface="Times New Roman" pitchFamily="18"/>
-                <a:ea typeface="Bitstream Vera Sans" pitchFamily="2"/>
-                <a:cs typeface="Lucidasans" pitchFamily="2"/>
-              </a:rPr>
-              <a:pPr marL="0" marR="0" lvl="0" indent="0" algn="r" defTabSz="914400" rtl="0" eaLnBrk="1" fontAlgn="auto" latinLnBrk="0" hangingPunct="0">
-                <a:lnSpc>
-                  <a:spcPct val="100000"/>
-                </a:lnSpc>
-                <a:spcBef>
-                  <a:spcPts val="0"/>
-                </a:spcBef>
-                <a:spcAft>
-                  <a:spcPts val="0"/>
-                </a:spcAft>
-                <a:buClrTx/>
-                <a:buSzTx/>
-                <a:buFontTx/>
-                <a:buNone/>
-                <a:tabLst>
-                  <a:tab pos="0" algn="l"/>
-                  <a:tab pos="914400" algn="l"/>
-                  <a:tab pos="1828800" algn="l"/>
-                  <a:tab pos="2743199" algn="l"/>
-                  <a:tab pos="3657600" algn="l"/>
-                  <a:tab pos="4572000" algn="l"/>
-                  <a:tab pos="5486399" algn="l"/>
-                  <a:tab pos="6400799" algn="l"/>
-                  <a:tab pos="7315200" algn="l"/>
-                  <a:tab pos="8229600" algn="l"/>
-                  <a:tab pos="9144000" algn="l"/>
-                  <a:tab pos="10058400" algn="l"/>
-                </a:tabLst>
-                <a:defRPr/>
-              </a:pPr>
-              <a:t>33</a:t>
-            </a:fld>
-            <a:endParaRPr kumimoji="0" lang="en-US" sz="1400" b="0" i="0" u="none" strike="noStrike" kern="1200" cap="none" spc="0" normalizeH="0" baseline="0" noProof="0">
-              <a:ln>
-                <a:noFill/>
-              </a:ln>
-              <a:solidFill>
-                <a:srgbClr val="000000"/>
-              </a:solidFill>
-              <a:effectLst/>
-              <a:uLnTx/>
-              <a:uFillTx/>
-              <a:latin typeface="Times New Roman" pitchFamily="18"/>
-              <a:ea typeface="Bitstream Vera Sans" pitchFamily="2"/>
-              <a:cs typeface="Lucidasans" pitchFamily="2"/>
-            </a:endParaRPr>
-          </a:p>
-        </p:txBody>
-      </p:sp>
-      <p:sp>
-        <p:nvSpPr>
-          <p:cNvPr id="2" name="Slide Image Placeholder 1"/>
-          <p:cNvSpPr>
-            <a:spLocks noGrp="1" noRot="1" noChangeAspect="1" noResize="1"/>
-          </p:cNvSpPr>
-          <p:nvPr>
-            <p:ph type="sldImg"/>
-          </p:nvPr>
-        </p:nvSpPr>
-        <p:spPr>
-          <a:xfrm>
-            <a:off x="1254125" y="728663"/>
-            <a:ext cx="4795838" cy="3595687"/>
-          </a:xfrm>
-          <a:solidFill>
-            <a:schemeClr val="accent1"/>
-          </a:solidFill>
-          <a:ln w="25400">
-            <a:solidFill>
-              <a:schemeClr val="accent1">
-                <a:shade val="50000"/>
-              </a:schemeClr>
-            </a:solidFill>
-            <a:prstDash val="solid"/>
-          </a:ln>
-        </p:spPr>
-      </p:sp>
-      <p:sp>
-        <p:nvSpPr>
-          <p:cNvPr id="3" name="Notes Placeholder 2"/>
-          <p:cNvSpPr txBox="1">
-            <a:spLocks noGrp="1"/>
-          </p:cNvSpPr>
-          <p:nvPr>
-            <p:ph type="body" sz="quarter" idx="1"/>
-          </p:nvPr>
-        </p:nvSpPr>
-        <p:spPr>
-          <a:xfrm>
-            <a:off x="730440" y="4555440"/>
-            <a:ext cx="5843160" cy="4315320"/>
-          </a:xfrm>
-          <a:noFill/>
-          <a:ln>
-            <a:noFill/>
-          </a:ln>
-        </p:spPr>
-        <p:txBody>
-          <a:bodyPr lIns="0" tIns="0" rIns="0" bIns="0"/>
-          <a:lstStyle/>
-          <a:p>
-            <a:endParaRPr lang="en-US"/>
-          </a:p>
-        </p:txBody>
-      </p:sp>
-    </p:spTree>
-  </p:cSld>
-  <p:clrMapOvr>
-    <a:masterClrMapping/>
-  </p:clrMapOvr>
-</p:notes>
-</file>
-
-<file path=ppt/notesSlides/notesSlide3.xml><?xml version="1.0" encoding="utf-8"?>
-<p:notes xmlns:a="http://schemas.openxmlformats.org/drawingml/2006/main" xmlns:r="http://schemas.openxmlformats.org/officeDocument/2006/relationships" xmlns:p="http://schemas.openxmlformats.org/presentationml/2006/main">
-  <p:cSld>
-    <p:spTree>
-      <p:nvGrpSpPr>
-        <p:cNvPr id="1" name=""/>
-        <p:cNvGrpSpPr/>
-        <p:nvPr/>
-      </p:nvGrpSpPr>
-      <p:grpSpPr>
-        <a:xfrm>
-          <a:off x="0" y="0"/>
-          <a:ext cx="0" cy="0"/>
-          <a:chOff x="0" y="0"/>
-          <a:chExt cx="0" cy="0"/>
-        </a:xfrm>
-      </p:grpSpPr>
-      <p:sp>
-        <p:nvSpPr>
-          <p:cNvPr id="5" name="Date Placeholder 2"/>
-          <p:cNvSpPr txBox="1">
-            <a:spLocks noGrp="1"/>
-          </p:cNvSpPr>
-          <p:nvPr/>
-        </p:nvSpPr>
-        <p:spPr>
-          <a:xfrm>
-            <a:off x="4137025" y="0"/>
-            <a:ext cx="3165475" cy="481013"/>
-          </a:xfrm>
-          <a:prstGeom prst="rect">
-            <a:avLst/>
-          </a:prstGeom>
-          <a:noFill/>
-        </p:spPr>
-        <p:txBody>
-          <a:bodyPr vert="horz" lIns="91440" tIns="45720" rIns="91440" bIns="45720" rtlCol="0"/>
-          <a:lstStyle/>
-          <a:p>
-            <a:pPr marL="0" marR="0" lvl="0" indent="0" algn="r" defTabSz="914400" rtl="0" eaLnBrk="1" fontAlgn="auto" latinLnBrk="0" hangingPunct="1">
-              <a:lnSpc>
-                <a:spcPct val="100000"/>
-              </a:lnSpc>
-              <a:spcBef>
-                <a:spcPts val="0"/>
-              </a:spcBef>
-              <a:spcAft>
-                <a:spcPts val="0"/>
-              </a:spcAft>
-              <a:buClrTx/>
-              <a:buSzTx/>
-              <a:buFontTx/>
-              <a:buNone/>
-              <a:tabLst/>
-              <a:defRPr/>
-            </a:pPr>
-            <a:fld id="{7AB9731E-17D4-455B-8CEF-653BE9B92AC2}" type="datetimeFigureOut">
-              <a:rPr kumimoji="0" lang="en-US" sz="1200" b="0" i="0" u="none" strike="noStrike" kern="1200" cap="none" spc="0" normalizeH="0" baseline="0" noProof="0" smtClean="0">
-                <a:ln>
-                  <a:noFill/>
-                </a:ln>
-                <a:solidFill>
-                  <a:schemeClr val="tx1"/>
-                </a:solidFill>
-                <a:effectLst/>
-                <a:uLnTx/>
-                <a:uFillTx/>
-                <a:latin typeface="+mn-lt"/>
-                <a:ea typeface="+mn-ea"/>
-                <a:cs typeface="+mn-cs"/>
-              </a:rPr>
-              <a:pPr marL="0" marR="0" lvl="0" indent="0" algn="r" defTabSz="914400" rtl="0" eaLnBrk="1" fontAlgn="auto" latinLnBrk="0" hangingPunct="1">
-                <a:lnSpc>
-                  <a:spcPct val="100000"/>
-                </a:lnSpc>
-                <a:spcBef>
-                  <a:spcPts val="0"/>
-                </a:spcBef>
-                <a:spcAft>
-                  <a:spcPts val="0"/>
-                </a:spcAft>
-                <a:buClrTx/>
-                <a:buSzTx/>
-                <a:buFontTx/>
-                <a:buNone/>
-                <a:tabLst/>
-                <a:defRPr/>
-              </a:pPr>
-              <a:t>3/23/2025</a:t>
+              <a:t>3/24/2025</a:t>
             </a:fld>
             <a:endParaRPr kumimoji="0" lang="en-US" sz="1200" b="0" i="0" u="none" strike="noStrike" kern="1200" cap="none" spc="0" normalizeH="0" baseline="0" noProof="0">
               <a:ln>
@@ -10505,7 +10513,416 @@
                 <a:tabLst/>
                 <a:defRPr/>
               </a:pPr>
-              <a:t>3/23/2025</a:t>
+              <a:t>3/24/2025</a:t>
+            </a:fld>
+            <a:endParaRPr kumimoji="0" lang="en-US" sz="1200" b="0" i="0" u="none" strike="noStrike" kern="1200" cap="none" spc="0" normalizeH="0" baseline="0" noProof="0">
+              <a:ln>
+                <a:noFill/>
+              </a:ln>
+              <a:solidFill>
+                <a:schemeClr val="tx1"/>
+              </a:solidFill>
+              <a:effectLst/>
+              <a:uLnTx/>
+              <a:uFillTx/>
+              <a:latin typeface="+mn-lt"/>
+              <a:ea typeface="+mn-ea"/>
+              <a:cs typeface="+mn-cs"/>
+            </a:endParaRPr>
+          </a:p>
+        </p:txBody>
+      </p:sp>
+      <p:sp>
+        <p:nvSpPr>
+          <p:cNvPr id="9" name="Slide Number Placeholder 12"/>
+          <p:cNvSpPr txBox="1">
+            <a:spLocks noGrp="1"/>
+          </p:cNvSpPr>
+          <p:nvPr/>
+        </p:nvSpPr>
+        <p:spPr>
+          <a:xfrm>
+            <a:off x="4134600" y="9110880"/>
+            <a:ext cx="3169440" cy="479160"/>
+          </a:xfrm>
+          <a:prstGeom prst="rect">
+            <a:avLst/>
+          </a:prstGeom>
+          <a:noFill/>
+          <a:ln/>
+        </p:spPr>
+        <p:txBody>
+          <a:bodyPr lIns="0" tIns="0" rIns="0" bIns="0" anchor="b">
+            <a:noAutofit/>
+          </a:bodyPr>
+          <a:lstStyle/>
+          <a:p>
+            <a:pPr marL="0" marR="0" lvl="0" indent="0" algn="r" defTabSz="914400" rtl="0" eaLnBrk="1" fontAlgn="auto" latinLnBrk="0" hangingPunct="0">
+              <a:lnSpc>
+                <a:spcPct val="100000"/>
+              </a:lnSpc>
+              <a:spcBef>
+                <a:spcPts val="0"/>
+              </a:spcBef>
+              <a:spcAft>
+                <a:spcPts val="0"/>
+              </a:spcAft>
+              <a:buClrTx/>
+              <a:buSzTx/>
+              <a:buFontTx/>
+              <a:buNone/>
+              <a:tabLst>
+                <a:tab pos="0" algn="l"/>
+                <a:tab pos="914400" algn="l"/>
+                <a:tab pos="1828800" algn="l"/>
+                <a:tab pos="2743199" algn="l"/>
+                <a:tab pos="3657600" algn="l"/>
+                <a:tab pos="4572000" algn="l"/>
+                <a:tab pos="5486399" algn="l"/>
+                <a:tab pos="6400799" algn="l"/>
+                <a:tab pos="7315200" algn="l"/>
+                <a:tab pos="8229600" algn="l"/>
+                <a:tab pos="9144000" algn="l"/>
+                <a:tab pos="10058400" algn="l"/>
+              </a:tabLst>
+              <a:defRPr/>
+            </a:pPr>
+            <a:fld id="{6DE4D7BE-C413-480C-A9DE-41D35076C406}" type="slidenum">
+              <a:rPr kumimoji="0" lang="en-US" sz="1400" b="0" i="0" u="none" strike="noStrike" kern="1200" cap="none" spc="0" normalizeH="0" baseline="0" noProof="0" smtClean="0">
+                <a:ln>
+                  <a:noFill/>
+                </a:ln>
+                <a:solidFill>
+                  <a:srgbClr val="000000"/>
+                </a:solidFill>
+                <a:effectLst/>
+                <a:uLnTx/>
+                <a:uFillTx/>
+                <a:latin typeface="Times New Roman" pitchFamily="18"/>
+                <a:ea typeface="Bitstream Vera Sans" pitchFamily="2"/>
+                <a:cs typeface="Lucidasans" pitchFamily="2"/>
+              </a:rPr>
+              <a:pPr marL="0" marR="0" lvl="0" indent="0" algn="r" defTabSz="914400" rtl="0" eaLnBrk="1" fontAlgn="auto" latinLnBrk="0" hangingPunct="0">
+                <a:lnSpc>
+                  <a:spcPct val="100000"/>
+                </a:lnSpc>
+                <a:spcBef>
+                  <a:spcPts val="0"/>
+                </a:spcBef>
+                <a:spcAft>
+                  <a:spcPts val="0"/>
+                </a:spcAft>
+                <a:buClrTx/>
+                <a:buSzTx/>
+                <a:buFontTx/>
+                <a:buNone/>
+                <a:tabLst>
+                  <a:tab pos="0" algn="l"/>
+                  <a:tab pos="914400" algn="l"/>
+                  <a:tab pos="1828800" algn="l"/>
+                  <a:tab pos="2743199" algn="l"/>
+                  <a:tab pos="3657600" algn="l"/>
+                  <a:tab pos="4572000" algn="l"/>
+                  <a:tab pos="5486399" algn="l"/>
+                  <a:tab pos="6400799" algn="l"/>
+                  <a:tab pos="7315200" algn="l"/>
+                  <a:tab pos="8229600" algn="l"/>
+                  <a:tab pos="9144000" algn="l"/>
+                  <a:tab pos="10058400" algn="l"/>
+                </a:tabLst>
+                <a:defRPr/>
+              </a:pPr>
+              <a:t>34</a:t>
+            </a:fld>
+            <a:endParaRPr kumimoji="0" lang="en-US" sz="1400" b="0" i="0" u="none" strike="noStrike" kern="1200" cap="none" spc="0" normalizeH="0" baseline="0" noProof="0">
+              <a:ln>
+                <a:noFill/>
+              </a:ln>
+              <a:solidFill>
+                <a:srgbClr val="000000"/>
+              </a:solidFill>
+              <a:effectLst/>
+              <a:uLnTx/>
+              <a:uFillTx/>
+              <a:latin typeface="Times New Roman" pitchFamily="18"/>
+              <a:ea typeface="Bitstream Vera Sans" pitchFamily="2"/>
+              <a:cs typeface="Lucidasans" pitchFamily="2"/>
+            </a:endParaRPr>
+          </a:p>
+        </p:txBody>
+      </p:sp>
+      <p:sp>
+        <p:nvSpPr>
+          <p:cNvPr id="11" name="Slide Number Placeholder 6"/>
+          <p:cNvSpPr txBox="1">
+            <a:spLocks noGrp="1"/>
+          </p:cNvSpPr>
+          <p:nvPr/>
+        </p:nvSpPr>
+        <p:spPr>
+          <a:xfrm>
+            <a:off x="4134600" y="9110880"/>
+            <a:ext cx="3169440" cy="479160"/>
+          </a:xfrm>
+          <a:prstGeom prst="rect">
+            <a:avLst/>
+          </a:prstGeom>
+          <a:noFill/>
+          <a:ln/>
+        </p:spPr>
+        <p:txBody>
+          <a:bodyPr vert="horz" lIns="91440" tIns="45720" rIns="91440" bIns="45720" rtlCol="0" anchor="b">
+            <a:noAutofit/>
+          </a:bodyPr>
+          <a:lstStyle/>
+          <a:p>
+            <a:pPr marL="0" marR="0" lvl="0" indent="0" algn="r" defTabSz="914400" rtl="0" eaLnBrk="1" fontAlgn="auto" latinLnBrk="0" hangingPunct="0">
+              <a:lnSpc>
+                <a:spcPct val="100000"/>
+              </a:lnSpc>
+              <a:spcBef>
+                <a:spcPts val="0"/>
+              </a:spcBef>
+              <a:spcAft>
+                <a:spcPts val="0"/>
+              </a:spcAft>
+              <a:buClrTx/>
+              <a:buSzTx/>
+              <a:buFontTx/>
+              <a:buNone/>
+              <a:tabLst>
+                <a:tab pos="0" algn="l"/>
+                <a:tab pos="914400" algn="l"/>
+                <a:tab pos="1828800" algn="l"/>
+                <a:tab pos="2743199" algn="l"/>
+                <a:tab pos="3657600" algn="l"/>
+                <a:tab pos="4572000" algn="l"/>
+                <a:tab pos="5486399" algn="l"/>
+                <a:tab pos="6400799" algn="l"/>
+                <a:tab pos="7315200" algn="l"/>
+                <a:tab pos="8229600" algn="l"/>
+                <a:tab pos="9144000" algn="l"/>
+                <a:tab pos="10058400" algn="l"/>
+              </a:tabLst>
+              <a:defRPr/>
+            </a:pPr>
+            <a:fld id="{5424ECAC-F659-46B6-9681-A7897C9B9D9E}" type="slidenum">
+              <a:rPr kumimoji="0" lang="en-US" sz="1400" b="0" i="0" u="none" strike="noStrike" kern="1200" cap="none" spc="0" normalizeH="0" baseline="0" noProof="0" smtClean="0">
+                <a:ln>
+                  <a:noFill/>
+                </a:ln>
+                <a:solidFill>
+                  <a:srgbClr val="000000"/>
+                </a:solidFill>
+                <a:effectLst/>
+                <a:uLnTx/>
+                <a:uFillTx/>
+                <a:latin typeface="Times New Roman" pitchFamily="18"/>
+                <a:ea typeface="Bitstream Vera Sans" pitchFamily="2"/>
+                <a:cs typeface="Lucidasans" pitchFamily="2"/>
+              </a:rPr>
+              <a:pPr marL="0" marR="0" lvl="0" indent="0" algn="r" defTabSz="914400" rtl="0" eaLnBrk="1" fontAlgn="auto" latinLnBrk="0" hangingPunct="0">
+                <a:lnSpc>
+                  <a:spcPct val="100000"/>
+                </a:lnSpc>
+                <a:spcBef>
+                  <a:spcPts val="0"/>
+                </a:spcBef>
+                <a:spcAft>
+                  <a:spcPts val="0"/>
+                </a:spcAft>
+                <a:buClrTx/>
+                <a:buSzTx/>
+                <a:buFontTx/>
+                <a:buNone/>
+                <a:tabLst>
+                  <a:tab pos="0" algn="l"/>
+                  <a:tab pos="914400" algn="l"/>
+                  <a:tab pos="1828800" algn="l"/>
+                  <a:tab pos="2743199" algn="l"/>
+                  <a:tab pos="3657600" algn="l"/>
+                  <a:tab pos="4572000" algn="l"/>
+                  <a:tab pos="5486399" algn="l"/>
+                  <a:tab pos="6400799" algn="l"/>
+                  <a:tab pos="7315200" algn="l"/>
+                  <a:tab pos="8229600" algn="l"/>
+                  <a:tab pos="9144000" algn="l"/>
+                  <a:tab pos="10058400" algn="l"/>
+                </a:tabLst>
+                <a:defRPr/>
+              </a:pPr>
+              <a:t>34</a:t>
+            </a:fld>
+            <a:endParaRPr kumimoji="0" lang="en-US" sz="1400" b="0" i="0" u="none" strike="noStrike" kern="1200" cap="none" spc="0" normalizeH="0" baseline="0" noProof="0">
+              <a:ln>
+                <a:noFill/>
+              </a:ln>
+              <a:solidFill>
+                <a:srgbClr val="000000"/>
+              </a:solidFill>
+              <a:effectLst/>
+              <a:uLnTx/>
+              <a:uFillTx/>
+              <a:latin typeface="Times New Roman" pitchFamily="18"/>
+              <a:ea typeface="Bitstream Vera Sans" pitchFamily="2"/>
+              <a:cs typeface="Lucidasans" pitchFamily="2"/>
+            </a:endParaRPr>
+          </a:p>
+        </p:txBody>
+      </p:sp>
+      <p:sp>
+        <p:nvSpPr>
+          <p:cNvPr id="2" name="Slide Image Placeholder 1"/>
+          <p:cNvSpPr>
+            <a:spLocks noGrp="1" noRot="1" noChangeAspect="1" noResize="1"/>
+          </p:cNvSpPr>
+          <p:nvPr>
+            <p:ph type="sldImg"/>
+          </p:nvPr>
+        </p:nvSpPr>
+        <p:spPr>
+          <a:xfrm>
+            <a:off x="1254125" y="728663"/>
+            <a:ext cx="4795838" cy="3595687"/>
+          </a:xfrm>
+          <a:solidFill>
+            <a:schemeClr val="accent1"/>
+          </a:solidFill>
+          <a:ln w="25400">
+            <a:solidFill>
+              <a:schemeClr val="accent1">
+                <a:shade val="50000"/>
+              </a:schemeClr>
+            </a:solidFill>
+            <a:prstDash val="solid"/>
+          </a:ln>
+        </p:spPr>
+      </p:sp>
+      <p:sp>
+        <p:nvSpPr>
+          <p:cNvPr id="3" name="Notes Placeholder 2"/>
+          <p:cNvSpPr txBox="1">
+            <a:spLocks noGrp="1"/>
+          </p:cNvSpPr>
+          <p:nvPr>
+            <p:ph type="body" sz="quarter" idx="1"/>
+          </p:nvPr>
+        </p:nvSpPr>
+        <p:spPr>
+          <a:xfrm>
+            <a:off x="730440" y="4555440"/>
+            <a:ext cx="5843160" cy="4315320"/>
+          </a:xfrm>
+          <a:noFill/>
+          <a:ln>
+            <a:noFill/>
+          </a:ln>
+        </p:spPr>
+        <p:txBody>
+          <a:bodyPr lIns="0" tIns="0" rIns="0" bIns="0"/>
+          <a:lstStyle/>
+          <a:p>
+            <a:endParaRPr lang="en-US"/>
+          </a:p>
+        </p:txBody>
+      </p:sp>
+    </p:spTree>
+  </p:cSld>
+  <p:clrMapOvr>
+    <a:masterClrMapping/>
+  </p:clrMapOvr>
+</p:notes>
+</file>
+
+<file path=ppt/notesSlides/notesSlide31.xml><?xml version="1.0" encoding="utf-8"?>
+<p:notes xmlns:a="http://schemas.openxmlformats.org/drawingml/2006/main" xmlns:r="http://schemas.openxmlformats.org/officeDocument/2006/relationships" xmlns:p="http://schemas.openxmlformats.org/presentationml/2006/main">
+  <p:cSld>
+    <p:spTree>
+      <p:nvGrpSpPr>
+        <p:cNvPr id="1" name=""/>
+        <p:cNvGrpSpPr/>
+        <p:nvPr/>
+      </p:nvGrpSpPr>
+      <p:grpSpPr>
+        <a:xfrm>
+          <a:off x="0" y="0"/>
+          <a:ext cx="0" cy="0"/>
+          <a:chOff x="0" y="0"/>
+          <a:chExt cx="0" cy="0"/>
+        </a:xfrm>
+      </p:grpSpPr>
+      <p:sp>
+        <p:nvSpPr>
+          <p:cNvPr id="5" name="Date Placeholder 2"/>
+          <p:cNvSpPr txBox="1">
+            <a:spLocks noGrp="1"/>
+          </p:cNvSpPr>
+          <p:nvPr/>
+        </p:nvSpPr>
+        <p:spPr>
+          <a:xfrm>
+            <a:off x="4137025" y="0"/>
+            <a:ext cx="3165475" cy="481013"/>
+          </a:xfrm>
+          <a:prstGeom prst="rect">
+            <a:avLst/>
+          </a:prstGeom>
+          <a:noFill/>
+        </p:spPr>
+        <p:txBody>
+          <a:bodyPr vert="horz" lIns="91440" tIns="45720" rIns="91440" bIns="45720" rtlCol="0"/>
+          <a:lstStyle/>
+          <a:p>
+            <a:pPr marL="0" marR="0" lvl="0" indent="0" algn="r" defTabSz="914400" rtl="0" eaLnBrk="1" fontAlgn="auto" latinLnBrk="0" hangingPunct="1">
+              <a:lnSpc>
+                <a:spcPct val="100000"/>
+              </a:lnSpc>
+              <a:spcBef>
+                <a:spcPts val="0"/>
+              </a:spcBef>
+              <a:spcAft>
+                <a:spcPts val="0"/>
+              </a:spcAft>
+              <a:buClrTx/>
+              <a:buSzTx/>
+              <a:buFontTx/>
+              <a:buNone/>
+              <a:tabLst/>
+              <a:defRPr/>
+            </a:pPr>
+            <a:fld id="{7AB9731E-17D4-455B-8CEF-653BE9B92AC2}" type="datetimeFigureOut">
+              <a:rPr kumimoji="0" lang="en-US" sz="1200" b="0" i="0" u="none" strike="noStrike" kern="1200" cap="none" spc="0" normalizeH="0" baseline="0" noProof="0" smtClean="0">
+                <a:ln>
+                  <a:noFill/>
+                </a:ln>
+                <a:solidFill>
+                  <a:schemeClr val="tx1"/>
+                </a:solidFill>
+                <a:effectLst/>
+                <a:uLnTx/>
+                <a:uFillTx/>
+                <a:latin typeface="+mn-lt"/>
+                <a:ea typeface="+mn-ea"/>
+                <a:cs typeface="+mn-cs"/>
+              </a:rPr>
+              <a:pPr marL="0" marR="0" lvl="0" indent="0" algn="r" defTabSz="914400" rtl="0" eaLnBrk="1" fontAlgn="auto" latinLnBrk="0" hangingPunct="1">
+                <a:lnSpc>
+                  <a:spcPct val="100000"/>
+                </a:lnSpc>
+                <a:spcBef>
+                  <a:spcPts val="0"/>
+                </a:spcBef>
+                <a:spcAft>
+                  <a:spcPts val="0"/>
+                </a:spcAft>
+                <a:buClrTx/>
+                <a:buSzTx/>
+                <a:buFontTx/>
+                <a:buNone/>
+                <a:tabLst/>
+                <a:defRPr/>
+              </a:pPr>
+              <a:t>3/24/2025</a:t>
             </a:fld>
             <a:endParaRPr kumimoji="0" lang="en-US" sz="1200" b="0" i="0" u="none" strike="noStrike" kern="1200" cap="none" spc="0" normalizeH="0" baseline="0" noProof="0">
               <a:ln>
@@ -10624,7 +11041,7 @@
                 </a:tabLst>
                 <a:defRPr/>
               </a:pPr>
-              <a:t>34</a:t>
+              <a:t>35</a:t>
             </a:fld>
             <a:endParaRPr kumimoji="0" lang="en-US" sz="1400" b="0" i="0" u="none" strike="noStrike" kern="1200" cap="none" spc="0" normalizeH="0" baseline="0" noProof="0">
               <a:ln>
@@ -10743,7 +11160,7 @@
                 </a:tabLst>
                 <a:defRPr/>
               </a:pPr>
-              <a:t>34</a:t>
+              <a:t>35</a:t>
             </a:fld>
             <a:endParaRPr kumimoji="0" lang="en-US" sz="1400" b="0" i="0" u="none" strike="noStrike" kern="1200" cap="none" spc="0" normalizeH="0" baseline="0" noProof="0">
               <a:ln>
@@ -10826,7 +11243,7 @@
 </p:notes>
 </file>
 
-<file path=ppt/notesSlides/notesSlide31.xml><?xml version="1.0" encoding="utf-8"?>
+<file path=ppt/notesSlides/notesSlide32.xml><?xml version="1.0" encoding="utf-8"?>
 <p:notes xmlns:a="http://schemas.openxmlformats.org/drawingml/2006/main" xmlns:r="http://schemas.openxmlformats.org/officeDocument/2006/relationships" xmlns:p="http://schemas.openxmlformats.org/presentationml/2006/main">
   <p:cSld>
     <p:spTree>
@@ -10914,7 +11331,7 @@
                 <a:tabLst/>
                 <a:defRPr/>
               </a:pPr>
-              <a:t>3/23/2025</a:t>
+              <a:t>3/24/2025</a:t>
             </a:fld>
             <a:endParaRPr kumimoji="0" lang="en-US" sz="1200" b="0" i="0" u="none" strike="noStrike" kern="1200" cap="none" spc="0" normalizeH="0" baseline="0" noProof="0">
               <a:ln>
@@ -11033,7 +11450,7 @@
                 </a:tabLst>
                 <a:defRPr/>
               </a:pPr>
-              <a:t>35</a:t>
+              <a:t>36</a:t>
             </a:fld>
             <a:endParaRPr kumimoji="0" lang="en-US" sz="1400" b="0" i="0" u="none" strike="noStrike" kern="1200" cap="none" spc="0" normalizeH="0" baseline="0" noProof="0">
               <a:ln>
@@ -11152,7 +11569,7 @@
                 </a:tabLst>
                 <a:defRPr/>
               </a:pPr>
-              <a:t>35</a:t>
+              <a:t>36</a:t>
             </a:fld>
             <a:endParaRPr kumimoji="0" lang="en-US" sz="1400" b="0" i="0" u="none" strike="noStrike" kern="1200" cap="none" spc="0" normalizeH="0" baseline="0" noProof="0">
               <a:ln>
@@ -11235,7 +11652,7 @@
 </p:notes>
 </file>
 
-<file path=ppt/notesSlides/notesSlide32.xml><?xml version="1.0" encoding="utf-8"?>
+<file path=ppt/notesSlides/notesSlide33.xml><?xml version="1.0" encoding="utf-8"?>
 <p:notes xmlns:a="http://schemas.openxmlformats.org/drawingml/2006/main" xmlns:r="http://schemas.openxmlformats.org/officeDocument/2006/relationships" xmlns:p="http://schemas.openxmlformats.org/presentationml/2006/main">
   <p:cSld>
     <p:spTree>
@@ -11323,7 +11740,7 @@
                 <a:tabLst/>
                 <a:defRPr/>
               </a:pPr>
-              <a:t>3/23/2025</a:t>
+              <a:t>3/24/2025</a:t>
             </a:fld>
             <a:endParaRPr kumimoji="0" lang="en-US" sz="1200" b="0" i="0" u="none" strike="noStrike" kern="1200" cap="none" spc="0" normalizeH="0" baseline="0" noProof="0">
               <a:ln>
@@ -11442,7 +11859,7 @@
                 </a:tabLst>
                 <a:defRPr/>
               </a:pPr>
-              <a:t>36</a:t>
+              <a:t>37</a:t>
             </a:fld>
             <a:endParaRPr kumimoji="0" lang="en-US" sz="1400" b="0" i="0" u="none" strike="noStrike" kern="1200" cap="none" spc="0" normalizeH="0" baseline="0" noProof="0">
               <a:ln>
@@ -11561,7 +11978,7 @@
                 </a:tabLst>
                 <a:defRPr/>
               </a:pPr>
-              <a:t>36</a:t>
+              <a:t>37</a:t>
             </a:fld>
             <a:endParaRPr kumimoji="0" lang="en-US" sz="1400" b="0" i="0" u="none" strike="noStrike" kern="1200" cap="none" spc="0" normalizeH="0" baseline="0" noProof="0">
               <a:ln>
@@ -11732,7 +12149,7 @@
                 <a:tabLst/>
                 <a:defRPr/>
               </a:pPr>
-              <a:t>3/23/2025</a:t>
+              <a:t>3/24/2025</a:t>
             </a:fld>
             <a:endParaRPr kumimoji="0" lang="en-US" sz="1200" b="0" i="0" u="none" strike="noStrike" kern="1200" cap="none" spc="0" normalizeH="0" baseline="0" noProof="0">
               <a:ln>
@@ -12141,7 +12558,7 @@
                 <a:tabLst/>
                 <a:defRPr/>
               </a:pPr>
-              <a:t>3/23/2025</a:t>
+              <a:t>3/24/2025</a:t>
             </a:fld>
             <a:endParaRPr kumimoji="0" lang="en-US" sz="1200" b="0" i="0" u="none" strike="noStrike" kern="1200" cap="none" spc="0" normalizeH="0" baseline="0" noProof="0">
               <a:ln>
@@ -12550,7 +12967,7 @@
                 <a:tabLst/>
                 <a:defRPr/>
               </a:pPr>
-              <a:t>3/23/2025</a:t>
+              <a:t>3/24/2025</a:t>
             </a:fld>
             <a:endParaRPr kumimoji="0" lang="en-US" sz="1200" b="0" i="0" u="none" strike="noStrike" kern="1200" cap="none" spc="0" normalizeH="0" baseline="0" noProof="0">
               <a:ln>
@@ -12959,7 +13376,7 @@
                 <a:tabLst/>
                 <a:defRPr/>
               </a:pPr>
-              <a:t>3/23/2025</a:t>
+              <a:t>3/24/2025</a:t>
             </a:fld>
             <a:endParaRPr kumimoji="0" lang="en-US" sz="1200" b="0" i="0" u="none" strike="noStrike" kern="1200" cap="none" spc="0" normalizeH="0" baseline="0" noProof="0">
               <a:ln>
@@ -13368,7 +13785,7 @@
                 <a:tabLst/>
                 <a:defRPr/>
               </a:pPr>
-              <a:t>3/23/2025</a:t>
+              <a:t>3/24/2025</a:t>
             </a:fld>
             <a:endParaRPr kumimoji="0" lang="en-US" sz="1200" b="0" i="0" u="none" strike="noStrike" kern="1200" cap="none" spc="0" normalizeH="0" baseline="0" noProof="0">
               <a:ln>
@@ -13777,7 +14194,7 @@
                 <a:tabLst/>
                 <a:defRPr/>
               </a:pPr>
-              <a:t>3/23/2025</a:t>
+              <a:t>3/24/2025</a:t>
             </a:fld>
             <a:endParaRPr kumimoji="0" lang="en-US" sz="1200" b="0" i="0" u="none" strike="noStrike" kern="1200" cap="none" spc="0" normalizeH="0" baseline="0" noProof="0">
               <a:ln>
@@ -14235,7 +14652,7 @@
                   </a:prstClr>
                 </a:solidFill>
               </a:rPr>
-              <a:t>23/03/2025</a:t>
+              <a:t>24/03/2025</a:t>
             </a:fld>
             <a:endParaRPr lang="en-NZ">
               <a:solidFill>
@@ -14436,7 +14853,7 @@
                   </a:prstClr>
                 </a:solidFill>
               </a:rPr>
-              <a:t>23/03/2025</a:t>
+              <a:t>24/03/2025</a:t>
             </a:fld>
             <a:endParaRPr lang="en-NZ">
               <a:solidFill>
@@ -14647,7 +15064,7 @@
                   </a:prstClr>
                 </a:solidFill>
               </a:rPr>
-              <a:t>23/03/2025</a:t>
+              <a:t>24/03/2025</a:t>
             </a:fld>
             <a:endParaRPr lang="en-NZ">
               <a:solidFill>
@@ -14848,7 +15265,7 @@
                   </a:prstClr>
                 </a:solidFill>
               </a:rPr>
-              <a:t>23/03/2025</a:t>
+              <a:t>24/03/2025</a:t>
             </a:fld>
             <a:endParaRPr lang="en-NZ">
               <a:solidFill>
@@ -15125,7 +15542,7 @@
                   </a:prstClr>
                 </a:solidFill>
               </a:rPr>
-              <a:t>23/03/2025</a:t>
+              <a:t>24/03/2025</a:t>
             </a:fld>
             <a:endParaRPr lang="en-NZ">
               <a:solidFill>
@@ -15388,7 +15805,7 @@
                   </a:prstClr>
                 </a:solidFill>
               </a:rPr>
-              <a:t>23/03/2025</a:t>
+              <a:t>24/03/2025</a:t>
             </a:fld>
             <a:endParaRPr lang="en-NZ">
               <a:solidFill>
@@ -15786,7 +16203,7 @@
                   </a:prstClr>
                 </a:solidFill>
               </a:rPr>
-              <a:t>23/03/2025</a:t>
+              <a:t>24/03/2025</a:t>
             </a:fld>
             <a:endParaRPr lang="en-NZ">
               <a:solidFill>
@@ -15935,7 +16352,7 @@
                   </a:prstClr>
                 </a:solidFill>
               </a:rPr>
-              <a:t>23/03/2025</a:t>
+              <a:t>24/03/2025</a:t>
             </a:fld>
             <a:endParaRPr lang="en-NZ">
               <a:solidFill>
@@ -16061,7 +16478,7 @@
                   </a:prstClr>
                 </a:solidFill>
               </a:rPr>
-              <a:t>23/03/2025</a:t>
+              <a:t>24/03/2025</a:t>
             </a:fld>
             <a:endParaRPr lang="en-NZ">
               <a:solidFill>
@@ -16369,7 +16786,7 @@
                   </a:prstClr>
                 </a:solidFill>
               </a:rPr>
-              <a:t>23/03/2025</a:t>
+              <a:t>24/03/2025</a:t>
             </a:fld>
             <a:endParaRPr lang="en-NZ">
               <a:solidFill>
@@ -16653,7 +17070,7 @@
                   </a:prstClr>
                 </a:solidFill>
               </a:rPr>
-              <a:t>23/03/2025</a:t>
+              <a:t>24/03/2025</a:t>
             </a:fld>
             <a:endParaRPr lang="en-NZ">
               <a:solidFill>
@@ -16897,7 +17314,7 @@
                   </a:prstClr>
                 </a:solidFill>
               </a:rPr>
-              <a:t>23/03/2025</a:t>
+              <a:t>24/03/2025</a:t>
             </a:fld>
             <a:endParaRPr lang="en-NZ">
               <a:solidFill>
@@ -18504,6 +18921,169 @@
 
 <file path=ppt/slides/slide12.xml><?xml version="1.0" encoding="utf-8"?>
 <p:sld xmlns:a="http://schemas.openxmlformats.org/drawingml/2006/main" xmlns:r="http://schemas.openxmlformats.org/officeDocument/2006/relationships" xmlns:p="http://schemas.openxmlformats.org/presentationml/2006/main">
+  <p:cSld>
+    <p:spTree>
+      <p:nvGrpSpPr>
+        <p:cNvPr id="1" name=""/>
+        <p:cNvGrpSpPr/>
+        <p:nvPr/>
+      </p:nvGrpSpPr>
+      <p:grpSpPr>
+        <a:xfrm>
+          <a:off x="0" y="0"/>
+          <a:ext cx="0" cy="0"/>
+          <a:chOff x="0" y="0"/>
+          <a:chExt cx="0" cy="0"/>
+        </a:xfrm>
+      </p:grpSpPr>
+      <p:sp>
+        <p:nvSpPr>
+          <p:cNvPr id="2" name="Title 1"/>
+          <p:cNvSpPr txBox="1">
+            <a:spLocks noGrp="1"/>
+          </p:cNvSpPr>
+          <p:nvPr>
+            <p:ph type="title"/>
+          </p:nvPr>
+        </p:nvSpPr>
+        <p:spPr/>
+        <p:txBody>
+          <a:bodyPr/>
+          <a:lstStyle/>
+          <a:p>
+            <a:pPr lvl="0"/>
+            <a:r>
+              <a:rPr lang="en-US" dirty="0"/>
+              <a:t>The converse of discretization</a:t>
+            </a:r>
+          </a:p>
+        </p:txBody>
+      </p:sp>
+      <p:sp>
+        <p:nvSpPr>
+          <p:cNvPr id="6" name="Content Placeholder 5"/>
+          <p:cNvSpPr>
+            <a:spLocks noGrp="1"/>
+          </p:cNvSpPr>
+          <p:nvPr>
+            <p:ph idx="1"/>
+          </p:nvPr>
+        </p:nvSpPr>
+        <p:spPr/>
+        <p:txBody>
+          <a:bodyPr/>
+          <a:lstStyle/>
+          <a:p>
+            <a:r>
+              <a:rPr lang="en-CA" dirty="0"/>
+              <a:t>Make nominal values into “numeric” ones</a:t>
+            </a:r>
+          </a:p>
+          <a:p>
+            <a:r>
+              <a:rPr lang="en-CA" dirty="0"/>
+              <a:t>Can use indicator attributes (as in IB1)</a:t>
+            </a:r>
+          </a:p>
+          <a:p>
+            <a:r>
+              <a:rPr lang="en-CA" dirty="0"/>
+              <a:t>Makes no use of potential ordering information if “nominal” attribute is actually ordinal</a:t>
+            </a:r>
+          </a:p>
+          <a:p>
+            <a:r>
+              <a:rPr lang="en-CA" dirty="0"/>
+              <a:t>Alternative: code an ordered nominal attribute into binary	ones as in M5’</a:t>
+            </a:r>
+          </a:p>
+          <a:p>
+            <a:pPr lvl="1"/>
+            <a:r>
+              <a:rPr lang="en-CA" dirty="0"/>
+              <a:t>Inequalities are explicitly represented as binary attributes, e.g., </a:t>
+            </a:r>
+            <a:r>
+              <a:rPr lang="en-CA" i="1" dirty="0"/>
+              <a:t>temperature</a:t>
+            </a:r>
+            <a:r>
+              <a:rPr lang="en-CA" dirty="0"/>
+              <a:t> &lt; </a:t>
+            </a:r>
+            <a:r>
+              <a:rPr lang="en-CA" i="1" dirty="0"/>
+              <a:t>hot</a:t>
+            </a:r>
+            <a:r>
+              <a:rPr lang="en-CA" dirty="0"/>
+              <a:t> in the </a:t>
+            </a:r>
+            <a:r>
+              <a:rPr lang="en-CA" i="1" dirty="0"/>
+              <a:t>weather</a:t>
+            </a:r>
+            <a:r>
+              <a:rPr lang="en-CA" dirty="0"/>
+              <a:t> data</a:t>
+            </a:r>
+          </a:p>
+          <a:p>
+            <a:pPr lvl="1"/>
+            <a:r>
+              <a:rPr lang="en-CA" dirty="0"/>
+              <a:t>Can be used for any ordered attribute</a:t>
+            </a:r>
+          </a:p>
+          <a:p>
+            <a:pPr lvl="1"/>
+            <a:r>
+              <a:rPr lang="en-CA" dirty="0"/>
+              <a:t>Better than coding ordering into an integer (which implies a metric)</a:t>
+            </a:r>
+          </a:p>
+          <a:p>
+            <a:r>
+              <a:rPr lang="en-CA" dirty="0"/>
+              <a:t>In general: can code binary partition of a set of attribute values as a binary attribute</a:t>
+            </a:r>
+          </a:p>
+        </p:txBody>
+      </p:sp>
+      <p:sp>
+        <p:nvSpPr>
+          <p:cNvPr id="3" name="Slide Number Placeholder 2"/>
+          <p:cNvSpPr>
+            <a:spLocks noGrp="1"/>
+          </p:cNvSpPr>
+          <p:nvPr>
+            <p:ph type="sldNum" sz="quarter" idx="12"/>
+          </p:nvPr>
+        </p:nvSpPr>
+        <p:spPr/>
+        <p:txBody>
+          <a:bodyPr/>
+          <a:lstStyle/>
+          <a:p>
+            <a:fld id="{CC0D3929-19F2-429B-ADDC-CA064EDFCD10}" type="slidenum">
+              <a:rPr lang="en-NZ" smtClean="0"/>
+              <a:pPr/>
+              <a:t>12</a:t>
+            </a:fld>
+            <a:endParaRPr lang="en-NZ"/>
+          </a:p>
+        </p:txBody>
+      </p:sp>
+    </p:spTree>
+  </p:cSld>
+  <p:clrMapOvr>
+    <a:masterClrMapping/>
+  </p:clrMapOvr>
+</p:sld>
+</file>
+
+<file path=ppt/slides/slide13.xml><?xml version="1.0" encoding="utf-8"?>
+<p:sld xmlns:a="http://schemas.openxmlformats.org/drawingml/2006/main" xmlns:r="http://schemas.openxmlformats.org/officeDocument/2006/relationships" xmlns:p="http://schemas.openxmlformats.org/presentationml/2006/main">
   <p:cSld name="page18">
     <p:spTree>
       <p:nvGrpSpPr>
@@ -18537,7 +19117,7 @@
             <a:fld id="{CC0D3929-19F2-429B-ADDC-CA064EDFCD10}" type="slidenum">
               <a:rPr lang="en-NZ" smtClean="0"/>
               <a:pPr/>
-              <a:t>12</a:t>
+              <a:t>13</a:t>
             </a:fld>
             <a:endParaRPr lang="en-NZ"/>
           </a:p>
@@ -18672,7 +19252,7 @@
 </p:sld>
 </file>
 
-<file path=ppt/slides/slide13.xml><?xml version="1.0" encoding="utf-8"?>
+<file path=ppt/slides/slide14.xml><?xml version="1.0" encoding="utf-8"?>
 <p:sld xmlns:a="http://schemas.openxmlformats.org/drawingml/2006/main" xmlns:r="http://schemas.openxmlformats.org/officeDocument/2006/relationships" xmlns:p="http://schemas.openxmlformats.org/presentationml/2006/main">
   <p:cSld name="page19">
     <p:spTree>
@@ -18707,7 +19287,7 @@
             <a:fld id="{CC0D3929-19F2-429B-ADDC-CA064EDFCD10}" type="slidenum">
               <a:rPr lang="en-NZ" smtClean="0"/>
               <a:pPr/>
-              <a:t>13</a:t>
+              <a:t>14</a:t>
             </a:fld>
             <a:endParaRPr lang="en-NZ"/>
           </a:p>
@@ -18866,7 +19446,7 @@
 </p:sld>
 </file>
 
-<file path=ppt/slides/slide14.xml><?xml version="1.0" encoding="utf-8"?>
+<file path=ppt/slides/slide15.xml><?xml version="1.0" encoding="utf-8"?>
 <p:sld xmlns:a="http://schemas.openxmlformats.org/drawingml/2006/main" xmlns:r="http://schemas.openxmlformats.org/officeDocument/2006/relationships" xmlns:p="http://schemas.openxmlformats.org/presentationml/2006/main">
   <p:cSld name="page20">
     <p:spTree>
@@ -18901,7 +19481,7 @@
             <a:fld id="{CC0D3929-19F2-429B-ADDC-CA064EDFCD10}" type="slidenum">
               <a:rPr lang="en-NZ" smtClean="0"/>
               <a:pPr/>
-              <a:t>14</a:t>
+              <a:t>15</a:t>
             </a:fld>
             <a:endParaRPr lang="en-NZ"/>
           </a:p>
@@ -19018,7 +19598,7 @@
 </p:sld>
 </file>
 
-<file path=ppt/slides/slide15.xml><?xml version="1.0" encoding="utf-8"?>
+<file path=ppt/slides/slide16.xml><?xml version="1.0" encoding="utf-8"?>
 <p:sld xmlns:a="http://schemas.openxmlformats.org/drawingml/2006/main" xmlns:r="http://schemas.openxmlformats.org/officeDocument/2006/relationships" xmlns:p="http://schemas.openxmlformats.org/presentationml/2006/main">
   <p:cSld name="page21">
     <p:spTree>
@@ -19053,7 +19633,7 @@
             <a:fld id="{CC0D3929-19F2-429B-ADDC-CA064EDFCD10}" type="slidenum">
               <a:rPr lang="en-NZ" smtClean="0"/>
               <a:pPr/>
-              <a:t>15</a:t>
+              <a:t>16</a:t>
             </a:fld>
             <a:endParaRPr lang="en-NZ"/>
           </a:p>
@@ -19184,7 +19764,7 @@
 </p:sld>
 </file>
 
-<file path=ppt/slides/slide16.xml><?xml version="1.0" encoding="utf-8"?>
+<file path=ppt/slides/slide17.xml><?xml version="1.0" encoding="utf-8"?>
 <p:sld xmlns:a="http://schemas.openxmlformats.org/drawingml/2006/main" xmlns:r="http://schemas.openxmlformats.org/officeDocument/2006/relationships" xmlns:p="http://schemas.openxmlformats.org/presentationml/2006/main">
   <p:cSld name="page22">
     <p:spTree>
@@ -19219,7 +19799,7 @@
             <a:fld id="{CC0D3929-19F2-429B-ADDC-CA064EDFCD10}" type="slidenum">
               <a:rPr lang="en-NZ" smtClean="0"/>
               <a:pPr/>
-              <a:t>16</a:t>
+              <a:t>17</a:t>
             </a:fld>
             <a:endParaRPr lang="en-NZ"/>
           </a:p>
@@ -19361,7 +19941,7 @@
 </p:sld>
 </file>
 
-<file path=ppt/slides/slide17.xml><?xml version="1.0" encoding="utf-8"?>
+<file path=ppt/slides/slide18.xml><?xml version="1.0" encoding="utf-8"?>
 <p:sld xmlns:a="http://schemas.openxmlformats.org/drawingml/2006/main" xmlns:r="http://schemas.openxmlformats.org/officeDocument/2006/relationships" xmlns:p="http://schemas.openxmlformats.org/presentationml/2006/main">
   <p:cSld name="page23">
     <p:spTree>
@@ -19396,7 +19976,7 @@
             <a:fld id="{CC0D3929-19F2-429B-ADDC-CA064EDFCD10}" type="slidenum">
               <a:rPr lang="en-NZ" smtClean="0"/>
               <a:pPr/>
-              <a:t>17</a:t>
+              <a:t>18</a:t>
             </a:fld>
             <a:endParaRPr lang="en-NZ"/>
           </a:p>
@@ -19527,144 +20107,6 @@
         </p:txBody>
       </p:sp>
     </p:spTree>
-  </p:cSld>
-  <p:clrMapOvr>
-    <a:masterClrMapping/>
-  </p:clrMapOvr>
-</p:sld>
-</file>
-
-<file path=ppt/slides/slide18.xml><?xml version="1.0" encoding="utf-8"?>
-<p:sld xmlns:a="http://schemas.openxmlformats.org/drawingml/2006/main" xmlns:r="http://schemas.openxmlformats.org/officeDocument/2006/relationships" xmlns:p="http://schemas.openxmlformats.org/presentationml/2006/main">
-  <p:cSld>
-    <p:spTree>
-      <p:nvGrpSpPr>
-        <p:cNvPr id="1" name=""/>
-        <p:cNvGrpSpPr/>
-        <p:nvPr/>
-      </p:nvGrpSpPr>
-      <p:grpSpPr>
-        <a:xfrm>
-          <a:off x="0" y="0"/>
-          <a:ext cx="0" cy="0"/>
-          <a:chOff x="0" y="0"/>
-          <a:chExt cx="0" cy="0"/>
-        </a:xfrm>
-      </p:grpSpPr>
-      <p:sp>
-        <p:nvSpPr>
-          <p:cNvPr id="2" name="Title 1"/>
-          <p:cNvSpPr>
-            <a:spLocks noGrp="1"/>
-          </p:cNvSpPr>
-          <p:nvPr>
-            <p:ph type="title"/>
-          </p:nvPr>
-        </p:nvSpPr>
-        <p:spPr>
-          <a:xfrm>
-            <a:off x="796456" y="64689"/>
-            <a:ext cx="7718894" cy="700062"/>
-          </a:xfrm>
-        </p:spPr>
-        <p:txBody>
-          <a:bodyPr>
-            <a:noAutofit/>
-          </a:bodyPr>
-          <a:lstStyle/>
-          <a:p>
-            <a:r>
-              <a:rPr lang="en-CA" dirty="0"/>
-              <a:t>Independent component analysis (ICA)</a:t>
-            </a:r>
-          </a:p>
-        </p:txBody>
-      </p:sp>
-      <p:sp>
-        <p:nvSpPr>
-          <p:cNvPr id="3" name="Content Placeholder 2"/>
-          <p:cNvSpPr>
-            <a:spLocks noGrp="1"/>
-          </p:cNvSpPr>
-          <p:nvPr>
-            <p:ph idx="1"/>
-          </p:nvPr>
-        </p:nvSpPr>
-        <p:spPr>
-          <a:xfrm>
-            <a:off x="337238" y="1215407"/>
-            <a:ext cx="8552936" cy="4961556"/>
-          </a:xfrm>
-        </p:spPr>
-        <p:txBody>
-          <a:bodyPr/>
-          <a:lstStyle/>
-          <a:p>
-            <a:r>
-              <a:rPr lang="en-US" dirty="0"/>
-              <a:t>PCA finds a coordinate system for a feature space that captures the covariance of the data</a:t>
-            </a:r>
-          </a:p>
-          <a:p>
-            <a:r>
-              <a:rPr lang="en-US" dirty="0"/>
-              <a:t>In contrast, </a:t>
-            </a:r>
-            <a:r>
-              <a:rPr lang="en-US" i="1" dirty="0"/>
-              <a:t>ICA </a:t>
-            </a:r>
-            <a:r>
-              <a:rPr lang="en-US" dirty="0"/>
-              <a:t>seeks a projection that decomposes the data into sources that are statistically independent </a:t>
-            </a:r>
-            <a:endParaRPr lang="en-CA" dirty="0"/>
-          </a:p>
-          <a:p>
-            <a:r>
-              <a:rPr lang="en-US" dirty="0"/>
-              <a:t>Consider the “cocktail party problem,” where people hear music and the voices of other people: the goal is to un-mix these signals</a:t>
-            </a:r>
-          </a:p>
-          <a:p>
-            <a:r>
-              <a:rPr lang="en-US" dirty="0"/>
-              <a:t>ICA finds a linear projection of the mixed signal that gives the most statistically independent set of transformed variables</a:t>
-            </a:r>
-            <a:endParaRPr lang="en-CA" dirty="0"/>
-          </a:p>
-        </p:txBody>
-      </p:sp>
-      <p:sp>
-        <p:nvSpPr>
-          <p:cNvPr id="4" name="Slide Number Placeholder 3"/>
-          <p:cNvSpPr>
-            <a:spLocks noGrp="1"/>
-          </p:cNvSpPr>
-          <p:nvPr>
-            <p:ph type="sldNum" sz="quarter" idx="12"/>
-          </p:nvPr>
-        </p:nvSpPr>
-        <p:spPr/>
-        <p:txBody>
-          <a:bodyPr/>
-          <a:lstStyle/>
-          <a:p>
-            <a:fld id="{CC0D3929-19F2-429B-ADDC-CA064EDFCD10}" type="slidenum">
-              <a:rPr lang="en-NZ" smtClean="0"/>
-              <a:pPr/>
-              <a:t>18</a:t>
-            </a:fld>
-            <a:endParaRPr lang="en-NZ"/>
-          </a:p>
-        </p:txBody>
-      </p:sp>
-    </p:spTree>
-    <p:extLst>
-      <p:ext uri="{BB962C8B-B14F-4D97-AF65-F5344CB8AC3E}">
-        <p14:creationId xmlns:p14="http://schemas.microsoft.com/office/powerpoint/2010/main" val="4071484414"/>
-      </p:ext>
-    </p:extLst>
   </p:cSld>
   <p:clrMapOvr>
     <a:masterClrMapping/>
@@ -19701,6 +20143,436 @@
         </p:nvSpPr>
         <p:spPr>
           <a:xfrm>
+            <a:off x="796456" y="64689"/>
+            <a:ext cx="7718894" cy="700062"/>
+          </a:xfrm>
+        </p:spPr>
+        <p:txBody>
+          <a:bodyPr>
+            <a:noAutofit/>
+          </a:bodyPr>
+          <a:lstStyle/>
+          <a:p>
+            <a:r>
+              <a:rPr lang="en-CA" dirty="0"/>
+              <a:t>Independent component analysis (ICA)</a:t>
+            </a:r>
+          </a:p>
+        </p:txBody>
+      </p:sp>
+      <p:sp>
+        <p:nvSpPr>
+          <p:cNvPr id="3" name="Content Placeholder 2"/>
+          <p:cNvSpPr>
+            <a:spLocks noGrp="1"/>
+          </p:cNvSpPr>
+          <p:nvPr>
+            <p:ph idx="1"/>
+          </p:nvPr>
+        </p:nvSpPr>
+        <p:spPr>
+          <a:xfrm>
+            <a:off x="337238" y="1215407"/>
+            <a:ext cx="8552936" cy="4961556"/>
+          </a:xfrm>
+        </p:spPr>
+        <p:txBody>
+          <a:bodyPr/>
+          <a:lstStyle/>
+          <a:p>
+            <a:r>
+              <a:rPr lang="en-US" dirty="0"/>
+              <a:t>PCA finds a coordinate system for a feature space that captures the covariance of the data</a:t>
+            </a:r>
+          </a:p>
+          <a:p>
+            <a:r>
+              <a:rPr lang="en-US" dirty="0"/>
+              <a:t>In contrast, </a:t>
+            </a:r>
+            <a:r>
+              <a:rPr lang="en-US" i="1" dirty="0"/>
+              <a:t>ICA </a:t>
+            </a:r>
+            <a:r>
+              <a:rPr lang="en-US" dirty="0"/>
+              <a:t>seeks a projection that decomposes the data into sources that are statistically independent </a:t>
+            </a:r>
+            <a:endParaRPr lang="en-CA" dirty="0"/>
+          </a:p>
+          <a:p>
+            <a:r>
+              <a:rPr lang="en-US" dirty="0"/>
+              <a:t>Consider the “cocktail party problem,” where people hear music and the voices of other people: the goal is to un-mix these signals</a:t>
+            </a:r>
+          </a:p>
+          <a:p>
+            <a:r>
+              <a:rPr lang="en-US" dirty="0"/>
+              <a:t>ICA finds a linear projection of the mixed signal that gives the most statistically independent set of transformed variables</a:t>
+            </a:r>
+            <a:endParaRPr lang="en-CA" dirty="0"/>
+          </a:p>
+        </p:txBody>
+      </p:sp>
+      <p:sp>
+        <p:nvSpPr>
+          <p:cNvPr id="4" name="Slide Number Placeholder 3"/>
+          <p:cNvSpPr>
+            <a:spLocks noGrp="1"/>
+          </p:cNvSpPr>
+          <p:nvPr>
+            <p:ph type="sldNum" sz="quarter" idx="12"/>
+          </p:nvPr>
+        </p:nvSpPr>
+        <p:spPr/>
+        <p:txBody>
+          <a:bodyPr/>
+          <a:lstStyle/>
+          <a:p>
+            <a:fld id="{CC0D3929-19F2-429B-ADDC-CA064EDFCD10}" type="slidenum">
+              <a:rPr lang="en-NZ" smtClean="0"/>
+              <a:pPr/>
+              <a:t>19</a:t>
+            </a:fld>
+            <a:endParaRPr lang="en-NZ"/>
+          </a:p>
+        </p:txBody>
+      </p:sp>
+    </p:spTree>
+    <p:extLst>
+      <p:ext uri="{BB962C8B-B14F-4D97-AF65-F5344CB8AC3E}">
+        <p14:creationId xmlns:p14="http://schemas.microsoft.com/office/powerpoint/2010/main" val="4071484414"/>
+      </p:ext>
+    </p:extLst>
+  </p:cSld>
+  <p:clrMapOvr>
+    <a:masterClrMapping/>
+  </p:clrMapOvr>
+</p:sld>
+</file>
+
+<file path=ppt/slides/slide2.xml><?xml version="1.0" encoding="utf-8"?>
+<p:sld xmlns:a="http://schemas.openxmlformats.org/drawingml/2006/main" xmlns:r="http://schemas.openxmlformats.org/officeDocument/2006/relationships" xmlns:p="http://schemas.openxmlformats.org/presentationml/2006/main">
+  <p:cSld name="Engineering the input and output">
+    <p:spTree>
+      <p:nvGrpSpPr>
+        <p:cNvPr id="1" name=""/>
+        <p:cNvGrpSpPr/>
+        <p:nvPr/>
+      </p:nvGrpSpPr>
+      <p:grpSpPr>
+        <a:xfrm>
+          <a:off x="0" y="0"/>
+          <a:ext cx="0" cy="0"/>
+          <a:chOff x="0" y="0"/>
+          <a:chExt cx="0" cy="0"/>
+        </a:xfrm>
+      </p:grpSpPr>
+      <p:sp>
+        <p:nvSpPr>
+          <p:cNvPr id="2" name="Title 1"/>
+          <p:cNvSpPr txBox="1">
+            <a:spLocks noGrp="1"/>
+          </p:cNvSpPr>
+          <p:nvPr>
+            <p:ph type="title"/>
+          </p:nvPr>
+        </p:nvSpPr>
+        <p:spPr>
+          <a:xfrm>
+            <a:off x="1928133" y="-149477"/>
+            <a:ext cx="6194286" cy="1144800"/>
+          </a:xfrm>
+        </p:spPr>
+        <p:txBody>
+          <a:bodyPr wrap="square" lIns="90360" tIns="44280" rIns="90360" bIns="44280" anchorCtr="0"/>
+          <a:lstStyle/>
+          <a:p>
+            <a:pPr lvl="0"/>
+            <a:r>
+              <a:rPr lang="en-NZ" sz="3600" dirty="0">
+                <a:latin typeface="+mj-lt"/>
+              </a:rPr>
+              <a:t>Data transformations</a:t>
+            </a:r>
+          </a:p>
+        </p:txBody>
+      </p:sp>
+      <p:sp>
+        <p:nvSpPr>
+          <p:cNvPr id="7" name="Content Placeholder 6"/>
+          <p:cNvSpPr>
+            <a:spLocks noGrp="1"/>
+          </p:cNvSpPr>
+          <p:nvPr>
+            <p:ph idx="1"/>
+          </p:nvPr>
+        </p:nvSpPr>
+        <p:spPr>
+          <a:xfrm>
+            <a:off x="215258" y="1155440"/>
+            <a:ext cx="8851784" cy="5101940"/>
+          </a:xfrm>
+        </p:spPr>
+        <p:txBody>
+          <a:bodyPr/>
+          <a:lstStyle/>
+          <a:p>
+            <a:pPr marL="457200" lvl="0" indent="-457200">
+              <a:spcBef>
+                <a:spcPts val="598"/>
+              </a:spcBef>
+              <a:buSzPct val="100000"/>
+              <a:buFont typeface="Arial"/>
+              <a:buChar char="•"/>
+              <a:tabLst>
+                <a:tab pos="0" algn="l"/>
+                <a:tab pos="914400" algn="l"/>
+                <a:tab pos="1828800" algn="l"/>
+                <a:tab pos="2743199" algn="l"/>
+                <a:tab pos="3657600" algn="l"/>
+                <a:tab pos="4572000" algn="l"/>
+                <a:tab pos="5486399" algn="l"/>
+                <a:tab pos="6400799" algn="l"/>
+                <a:tab pos="7315200" algn="l"/>
+                <a:tab pos="8229600" algn="l"/>
+                <a:tab pos="9144000" algn="l"/>
+                <a:tab pos="10058400" algn="l"/>
+              </a:tabLst>
+            </a:pPr>
+            <a:r>
+              <a:rPr lang="en-NZ" sz="2400" dirty="0">
+                <a:ea typeface="Gothic" pitchFamily="2"/>
+              </a:rPr>
+              <a:t>Attribute selection:  Scheme-independent and scheme-specific</a:t>
+            </a:r>
+          </a:p>
+          <a:p>
+            <a:pPr marL="457200" lvl="0" indent="-457200">
+              <a:spcBef>
+                <a:spcPts val="598"/>
+              </a:spcBef>
+              <a:buSzPct val="100000"/>
+              <a:buFont typeface="Arial"/>
+              <a:buChar char="•"/>
+              <a:tabLst>
+                <a:tab pos="0" algn="l"/>
+                <a:tab pos="914400" algn="l"/>
+                <a:tab pos="1828800" algn="l"/>
+                <a:tab pos="2743199" algn="l"/>
+                <a:tab pos="3657600" algn="l"/>
+                <a:tab pos="4572000" algn="l"/>
+                <a:tab pos="5486399" algn="l"/>
+                <a:tab pos="6400799" algn="l"/>
+                <a:tab pos="7315200" algn="l"/>
+                <a:tab pos="8229600" algn="l"/>
+                <a:tab pos="9144000" algn="l"/>
+                <a:tab pos="10058400" algn="l"/>
+              </a:tabLst>
+            </a:pPr>
+            <a:r>
+              <a:rPr lang="en-NZ" sz="2400" dirty="0">
+                <a:ea typeface="Gothic" pitchFamily="2"/>
+              </a:rPr>
+              <a:t>Attribute discretization: Unsupervised</a:t>
+            </a:r>
+          </a:p>
+          <a:p>
+            <a:pPr marL="457200" lvl="0" indent="-457200">
+              <a:spcBef>
+                <a:spcPts val="499"/>
+              </a:spcBef>
+              <a:buSzPct val="100000"/>
+              <a:buFont typeface="Arial"/>
+              <a:buChar char="•"/>
+              <a:tabLst>
+                <a:tab pos="0" algn="l"/>
+                <a:tab pos="914400" algn="l"/>
+                <a:tab pos="1828800" algn="l"/>
+                <a:tab pos="2743199" algn="l"/>
+                <a:tab pos="3657600" algn="l"/>
+                <a:tab pos="4572000" algn="l"/>
+                <a:tab pos="5486399" algn="l"/>
+                <a:tab pos="6400799" algn="l"/>
+                <a:tab pos="7315200" algn="l"/>
+                <a:tab pos="8229600" algn="l"/>
+                <a:tab pos="9144000" algn="l"/>
+                <a:tab pos="10058400" algn="l"/>
+              </a:tabLst>
+            </a:pPr>
+            <a:r>
+              <a:rPr lang="en-NZ" sz="2400" dirty="0">
+                <a:ea typeface="Gothic" pitchFamily="2"/>
+              </a:rPr>
+              <a:t>Projections:  principal component analysis (PCA), random projections, partial least-squares, independent component analysis (ICA), text, time series</a:t>
+            </a:r>
+          </a:p>
+          <a:p>
+            <a:pPr marL="457200" lvl="0" indent="-457200">
+              <a:spcBef>
+                <a:spcPts val="499"/>
+              </a:spcBef>
+              <a:buSzPct val="100000"/>
+              <a:buFont typeface="Arial"/>
+              <a:buChar char="•"/>
+              <a:tabLst>
+                <a:tab pos="0" algn="l"/>
+                <a:tab pos="914400" algn="l"/>
+                <a:tab pos="1828800" algn="l"/>
+                <a:tab pos="2743199" algn="l"/>
+                <a:tab pos="3657600" algn="l"/>
+                <a:tab pos="4572000" algn="l"/>
+                <a:tab pos="5486399" algn="l"/>
+                <a:tab pos="6400799" algn="l"/>
+                <a:tab pos="7315200" algn="l"/>
+                <a:tab pos="8229600" algn="l"/>
+                <a:tab pos="9144000" algn="l"/>
+                <a:tab pos="10058400" algn="l"/>
+              </a:tabLst>
+            </a:pPr>
+            <a:r>
+              <a:rPr lang="en-NZ" sz="2400" dirty="0">
+                <a:ea typeface="Gothic" pitchFamily="2"/>
+              </a:rPr>
+              <a:t>Sampling: Reservoir sampling</a:t>
+            </a:r>
+          </a:p>
+          <a:p>
+            <a:pPr marL="457200" lvl="0" indent="-457200">
+              <a:spcBef>
+                <a:spcPts val="598"/>
+              </a:spcBef>
+              <a:buSzPct val="100000"/>
+              <a:buFont typeface="Arial"/>
+              <a:buChar char="•"/>
+              <a:tabLst>
+                <a:tab pos="0" algn="l"/>
+                <a:tab pos="914400" algn="l"/>
+                <a:tab pos="1828800" algn="l"/>
+                <a:tab pos="2743199" algn="l"/>
+                <a:tab pos="3657600" algn="l"/>
+                <a:tab pos="4572000" algn="l"/>
+                <a:tab pos="5486399" algn="l"/>
+                <a:tab pos="6400799" algn="l"/>
+                <a:tab pos="7315200" algn="l"/>
+                <a:tab pos="8229600" algn="l"/>
+                <a:tab pos="9144000" algn="l"/>
+                <a:tab pos="10058400" algn="l"/>
+              </a:tabLst>
+            </a:pPr>
+            <a:r>
+              <a:rPr lang="en-NZ" sz="2400" dirty="0">
+                <a:ea typeface="Gothic" pitchFamily="2"/>
+              </a:rPr>
+              <a:t>Dirty data: Data cleansing, robust regression, anomaly detection</a:t>
+            </a:r>
+          </a:p>
+          <a:p>
+            <a:pPr marL="457200" lvl="0" indent="-457200">
+              <a:spcBef>
+                <a:spcPts val="598"/>
+              </a:spcBef>
+              <a:buSzPct val="100000"/>
+              <a:buFont typeface="Arial"/>
+              <a:buChar char="•"/>
+              <a:tabLst>
+                <a:tab pos="0" algn="l"/>
+                <a:tab pos="914400" algn="l"/>
+                <a:tab pos="1828800" algn="l"/>
+                <a:tab pos="2743199" algn="l"/>
+                <a:tab pos="3657600" algn="l"/>
+                <a:tab pos="4572000" algn="l"/>
+                <a:tab pos="5486399" algn="l"/>
+                <a:tab pos="6400799" algn="l"/>
+                <a:tab pos="7315200" algn="l"/>
+                <a:tab pos="8229600" algn="l"/>
+                <a:tab pos="9144000" algn="l"/>
+                <a:tab pos="10058400" algn="l"/>
+              </a:tabLst>
+            </a:pPr>
+            <a:r>
+              <a:rPr lang="en-NZ" sz="2400" dirty="0">
+                <a:ea typeface="Gothic" pitchFamily="2"/>
+              </a:rPr>
+              <a:t>Calibrating class probabilities</a:t>
+            </a:r>
+          </a:p>
+        </p:txBody>
+      </p:sp>
+      <p:sp>
+        <p:nvSpPr>
+          <p:cNvPr id="3" name="Slide Number Placeholder 2"/>
+          <p:cNvSpPr>
+            <a:spLocks noGrp="1"/>
+          </p:cNvSpPr>
+          <p:nvPr>
+            <p:ph type="sldNum" sz="quarter" idx="12"/>
+          </p:nvPr>
+        </p:nvSpPr>
+        <p:spPr/>
+        <p:txBody>
+          <a:bodyPr/>
+          <a:lstStyle/>
+          <a:p>
+            <a:fld id="{CC0D3929-19F2-429B-ADDC-CA064EDFCD10}" type="slidenum">
+              <a:rPr lang="en-NZ" smtClean="0">
+                <a:solidFill>
+                  <a:prstClr val="black">
+                    <a:tint val="75000"/>
+                  </a:prstClr>
+                </a:solidFill>
+              </a:rPr>
+              <a:pPr/>
+              <a:t>2</a:t>
+            </a:fld>
+            <a:endParaRPr lang="en-NZ">
+              <a:solidFill>
+                <a:prstClr val="black">
+                  <a:tint val="75000"/>
+                </a:prstClr>
+              </a:solidFill>
+            </a:endParaRPr>
+          </a:p>
+        </p:txBody>
+      </p:sp>
+    </p:spTree>
+  </p:cSld>
+  <p:clrMapOvr>
+    <a:masterClrMapping/>
+  </p:clrMapOvr>
+</p:sld>
+</file>
+
+<file path=ppt/slides/slide20.xml><?xml version="1.0" encoding="utf-8"?>
+<p:sld xmlns:a="http://schemas.openxmlformats.org/drawingml/2006/main" xmlns:r="http://schemas.openxmlformats.org/officeDocument/2006/relationships" xmlns:p="http://schemas.openxmlformats.org/presentationml/2006/main">
+  <p:cSld>
+    <p:spTree>
+      <p:nvGrpSpPr>
+        <p:cNvPr id="1" name=""/>
+        <p:cNvGrpSpPr/>
+        <p:nvPr/>
+      </p:nvGrpSpPr>
+      <p:grpSpPr>
+        <a:xfrm>
+          <a:off x="0" y="0"/>
+          <a:ext cx="0" cy="0"/>
+          <a:chOff x="0" y="0"/>
+          <a:chExt cx="0" cy="0"/>
+        </a:xfrm>
+      </p:grpSpPr>
+      <p:sp>
+        <p:nvSpPr>
+          <p:cNvPr id="2" name="Title 1"/>
+          <p:cNvSpPr>
+            <a:spLocks noGrp="1"/>
+          </p:cNvSpPr>
+          <p:nvPr>
+            <p:ph type="title"/>
+          </p:nvPr>
+        </p:nvSpPr>
+        <p:spPr>
+          <a:xfrm>
             <a:off x="875384" y="64689"/>
             <a:ext cx="7639966" cy="700062"/>
           </a:xfrm>
@@ -19811,7 +20683,7 @@
             <a:fld id="{CC0D3929-19F2-429B-ADDC-CA064EDFCD10}" type="slidenum">
               <a:rPr lang="en-NZ" smtClean="0"/>
               <a:pPr/>
-              <a:t>19</a:t>
+              <a:t>20</a:t>
             </a:fld>
             <a:endParaRPr lang="en-NZ"/>
           </a:p>
@@ -19887,470 +20759,6 @@
 </p:sld>
 </file>
 
-<file path=ppt/slides/slide2.xml><?xml version="1.0" encoding="utf-8"?>
-<p:sld xmlns:a="http://schemas.openxmlformats.org/drawingml/2006/main" xmlns:r="http://schemas.openxmlformats.org/officeDocument/2006/relationships" xmlns:p="http://schemas.openxmlformats.org/presentationml/2006/main">
-  <p:cSld name="Engineering the input and output">
-    <p:spTree>
-      <p:nvGrpSpPr>
-        <p:cNvPr id="1" name=""/>
-        <p:cNvGrpSpPr/>
-        <p:nvPr/>
-      </p:nvGrpSpPr>
-      <p:grpSpPr>
-        <a:xfrm>
-          <a:off x="0" y="0"/>
-          <a:ext cx="0" cy="0"/>
-          <a:chOff x="0" y="0"/>
-          <a:chExt cx="0" cy="0"/>
-        </a:xfrm>
-      </p:grpSpPr>
-      <p:sp>
-        <p:nvSpPr>
-          <p:cNvPr id="2" name="Title 1"/>
-          <p:cNvSpPr txBox="1">
-            <a:spLocks noGrp="1"/>
-          </p:cNvSpPr>
-          <p:nvPr>
-            <p:ph type="title"/>
-          </p:nvPr>
-        </p:nvSpPr>
-        <p:spPr>
-          <a:xfrm>
-            <a:off x="1928133" y="-149477"/>
-            <a:ext cx="6194286" cy="1144800"/>
-          </a:xfrm>
-        </p:spPr>
-        <p:txBody>
-          <a:bodyPr wrap="square" lIns="90360" tIns="44280" rIns="90360" bIns="44280" anchorCtr="0"/>
-          <a:lstStyle/>
-          <a:p>
-            <a:pPr lvl="0"/>
-            <a:r>
-              <a:rPr lang="en-NZ" sz="3600" dirty="0">
-                <a:latin typeface="+mj-lt"/>
-              </a:rPr>
-              <a:t>Data transformations</a:t>
-            </a:r>
-          </a:p>
-        </p:txBody>
-      </p:sp>
-      <p:sp>
-        <p:nvSpPr>
-          <p:cNvPr id="7" name="Content Placeholder 6"/>
-          <p:cNvSpPr>
-            <a:spLocks noGrp="1"/>
-          </p:cNvSpPr>
-          <p:nvPr>
-            <p:ph idx="1"/>
-          </p:nvPr>
-        </p:nvSpPr>
-        <p:spPr>
-          <a:xfrm>
-            <a:off x="215258" y="1155440"/>
-            <a:ext cx="8851784" cy="5101940"/>
-          </a:xfrm>
-        </p:spPr>
-        <p:txBody>
-          <a:bodyPr/>
-          <a:lstStyle/>
-          <a:p>
-            <a:pPr marL="457200" lvl="0" indent="-457200">
-              <a:spcBef>
-                <a:spcPts val="598"/>
-              </a:spcBef>
-              <a:buSzPct val="100000"/>
-              <a:buFont typeface="Arial"/>
-              <a:buChar char="•"/>
-              <a:tabLst>
-                <a:tab pos="0" algn="l"/>
-                <a:tab pos="914400" algn="l"/>
-                <a:tab pos="1828800" algn="l"/>
-                <a:tab pos="2743199" algn="l"/>
-                <a:tab pos="3657600" algn="l"/>
-                <a:tab pos="4572000" algn="l"/>
-                <a:tab pos="5486399" algn="l"/>
-                <a:tab pos="6400799" algn="l"/>
-                <a:tab pos="7315200" algn="l"/>
-                <a:tab pos="8229600" algn="l"/>
-                <a:tab pos="9144000" algn="l"/>
-                <a:tab pos="10058400" algn="l"/>
-              </a:tabLst>
-            </a:pPr>
-            <a:r>
-              <a:rPr lang="en-NZ" sz="2400" dirty="0">
-                <a:ea typeface="Gothic" pitchFamily="2"/>
-              </a:rPr>
-              <a:t>Attribute selection:  Scheme-independent and scheme-specific</a:t>
-            </a:r>
-          </a:p>
-          <a:p>
-            <a:pPr marL="457200" lvl="0" indent="-457200">
-              <a:spcBef>
-                <a:spcPts val="598"/>
-              </a:spcBef>
-              <a:buSzPct val="100000"/>
-              <a:buFont typeface="Arial"/>
-              <a:buChar char="•"/>
-              <a:tabLst>
-                <a:tab pos="0" algn="l"/>
-                <a:tab pos="914400" algn="l"/>
-                <a:tab pos="1828800" algn="l"/>
-                <a:tab pos="2743199" algn="l"/>
-                <a:tab pos="3657600" algn="l"/>
-                <a:tab pos="4572000" algn="l"/>
-                <a:tab pos="5486399" algn="l"/>
-                <a:tab pos="6400799" algn="l"/>
-                <a:tab pos="7315200" algn="l"/>
-                <a:tab pos="8229600" algn="l"/>
-                <a:tab pos="9144000" algn="l"/>
-                <a:tab pos="10058400" algn="l"/>
-              </a:tabLst>
-            </a:pPr>
-            <a:r>
-              <a:rPr lang="en-NZ" sz="2400" dirty="0">
-                <a:ea typeface="Gothic" pitchFamily="2"/>
-              </a:rPr>
-              <a:t>Attribute discretization: Unsupervised</a:t>
-            </a:r>
-          </a:p>
-          <a:p>
-            <a:pPr marL="457200" lvl="0" indent="-457200">
-              <a:spcBef>
-                <a:spcPts val="499"/>
-              </a:spcBef>
-              <a:buSzPct val="100000"/>
-              <a:buFont typeface="Arial"/>
-              <a:buChar char="•"/>
-              <a:tabLst>
-                <a:tab pos="0" algn="l"/>
-                <a:tab pos="914400" algn="l"/>
-                <a:tab pos="1828800" algn="l"/>
-                <a:tab pos="2743199" algn="l"/>
-                <a:tab pos="3657600" algn="l"/>
-                <a:tab pos="4572000" algn="l"/>
-                <a:tab pos="5486399" algn="l"/>
-                <a:tab pos="6400799" algn="l"/>
-                <a:tab pos="7315200" algn="l"/>
-                <a:tab pos="8229600" algn="l"/>
-                <a:tab pos="9144000" algn="l"/>
-                <a:tab pos="10058400" algn="l"/>
-              </a:tabLst>
-            </a:pPr>
-            <a:r>
-              <a:rPr lang="en-NZ" sz="2400" dirty="0">
-                <a:ea typeface="Gothic" pitchFamily="2"/>
-              </a:rPr>
-              <a:t>Projections:  principal component analysis (PCA), random projections, partial least-squares, independent component analysis (ICA), text, time series</a:t>
-            </a:r>
-          </a:p>
-          <a:p>
-            <a:pPr marL="457200" lvl="0" indent="-457200">
-              <a:spcBef>
-                <a:spcPts val="499"/>
-              </a:spcBef>
-              <a:buSzPct val="100000"/>
-              <a:buFont typeface="Arial"/>
-              <a:buChar char="•"/>
-              <a:tabLst>
-                <a:tab pos="0" algn="l"/>
-                <a:tab pos="914400" algn="l"/>
-                <a:tab pos="1828800" algn="l"/>
-                <a:tab pos="2743199" algn="l"/>
-                <a:tab pos="3657600" algn="l"/>
-                <a:tab pos="4572000" algn="l"/>
-                <a:tab pos="5486399" algn="l"/>
-                <a:tab pos="6400799" algn="l"/>
-                <a:tab pos="7315200" algn="l"/>
-                <a:tab pos="8229600" algn="l"/>
-                <a:tab pos="9144000" algn="l"/>
-                <a:tab pos="10058400" algn="l"/>
-              </a:tabLst>
-            </a:pPr>
-            <a:r>
-              <a:rPr lang="en-NZ" sz="2400" dirty="0">
-                <a:ea typeface="Gothic" pitchFamily="2"/>
-              </a:rPr>
-              <a:t>Sampling: Reservoir sampling</a:t>
-            </a:r>
-          </a:p>
-          <a:p>
-            <a:pPr marL="457200" lvl="0" indent="-457200">
-              <a:spcBef>
-                <a:spcPts val="598"/>
-              </a:spcBef>
-              <a:buSzPct val="100000"/>
-              <a:buFont typeface="Arial"/>
-              <a:buChar char="•"/>
-              <a:tabLst>
-                <a:tab pos="0" algn="l"/>
-                <a:tab pos="914400" algn="l"/>
-                <a:tab pos="1828800" algn="l"/>
-                <a:tab pos="2743199" algn="l"/>
-                <a:tab pos="3657600" algn="l"/>
-                <a:tab pos="4572000" algn="l"/>
-                <a:tab pos="5486399" algn="l"/>
-                <a:tab pos="6400799" algn="l"/>
-                <a:tab pos="7315200" algn="l"/>
-                <a:tab pos="8229600" algn="l"/>
-                <a:tab pos="9144000" algn="l"/>
-                <a:tab pos="10058400" algn="l"/>
-              </a:tabLst>
-            </a:pPr>
-            <a:r>
-              <a:rPr lang="en-NZ" sz="2400" dirty="0">
-                <a:ea typeface="Gothic" pitchFamily="2"/>
-              </a:rPr>
-              <a:t>Dirty data: Data cleansing, robust regression, anomaly detection</a:t>
-            </a:r>
-          </a:p>
-          <a:p>
-            <a:pPr marL="457200" lvl="0" indent="-457200">
-              <a:spcBef>
-                <a:spcPts val="598"/>
-              </a:spcBef>
-              <a:buSzPct val="100000"/>
-              <a:buFont typeface="Arial"/>
-              <a:buChar char="•"/>
-              <a:tabLst>
-                <a:tab pos="0" algn="l"/>
-                <a:tab pos="914400" algn="l"/>
-                <a:tab pos="1828800" algn="l"/>
-                <a:tab pos="2743199" algn="l"/>
-                <a:tab pos="3657600" algn="l"/>
-                <a:tab pos="4572000" algn="l"/>
-                <a:tab pos="5486399" algn="l"/>
-                <a:tab pos="6400799" algn="l"/>
-                <a:tab pos="7315200" algn="l"/>
-                <a:tab pos="8229600" algn="l"/>
-                <a:tab pos="9144000" algn="l"/>
-                <a:tab pos="10058400" algn="l"/>
-              </a:tabLst>
-            </a:pPr>
-            <a:r>
-              <a:rPr lang="en-NZ" sz="2400" dirty="0">
-                <a:ea typeface="Gothic" pitchFamily="2"/>
-              </a:rPr>
-              <a:t>Calibrating class probabilities</a:t>
-            </a:r>
-          </a:p>
-        </p:txBody>
-      </p:sp>
-      <p:sp>
-        <p:nvSpPr>
-          <p:cNvPr id="3" name="Slide Number Placeholder 2"/>
-          <p:cNvSpPr>
-            <a:spLocks noGrp="1"/>
-          </p:cNvSpPr>
-          <p:nvPr>
-            <p:ph type="sldNum" sz="quarter" idx="12"/>
-          </p:nvPr>
-        </p:nvSpPr>
-        <p:spPr/>
-        <p:txBody>
-          <a:bodyPr/>
-          <a:lstStyle/>
-          <a:p>
-            <a:fld id="{CC0D3929-19F2-429B-ADDC-CA064EDFCD10}" type="slidenum">
-              <a:rPr lang="en-NZ" smtClean="0">
-                <a:solidFill>
-                  <a:prstClr val="black">
-                    <a:tint val="75000"/>
-                  </a:prstClr>
-                </a:solidFill>
-              </a:rPr>
-              <a:pPr/>
-              <a:t>2</a:t>
-            </a:fld>
-            <a:endParaRPr lang="en-NZ">
-              <a:solidFill>
-                <a:prstClr val="black">
-                  <a:tint val="75000"/>
-                </a:prstClr>
-              </a:solidFill>
-            </a:endParaRPr>
-          </a:p>
-        </p:txBody>
-      </p:sp>
-    </p:spTree>
-  </p:cSld>
-  <p:clrMapOvr>
-    <a:masterClrMapping/>
-  </p:clrMapOvr>
-</p:sld>
-</file>
-
-<file path=ppt/slides/slide20.xml><?xml version="1.0" encoding="utf-8"?>
-<p:sld xmlns:a="http://schemas.openxmlformats.org/drawingml/2006/main" xmlns:r="http://schemas.openxmlformats.org/officeDocument/2006/relationships" xmlns:p="http://schemas.openxmlformats.org/presentationml/2006/main">
-  <p:cSld>
-    <p:spTree>
-      <p:nvGrpSpPr>
-        <p:cNvPr id="1" name=""/>
-        <p:cNvGrpSpPr/>
-        <p:nvPr/>
-      </p:nvGrpSpPr>
-      <p:grpSpPr>
-        <a:xfrm>
-          <a:off x="0" y="0"/>
-          <a:ext cx="0" cy="0"/>
-          <a:chOff x="0" y="0"/>
-          <a:chExt cx="0" cy="0"/>
-        </a:xfrm>
-      </p:grpSpPr>
-      <p:sp>
-        <p:nvSpPr>
-          <p:cNvPr id="2" name="Title 1"/>
-          <p:cNvSpPr>
-            <a:spLocks noGrp="1"/>
-          </p:cNvSpPr>
-          <p:nvPr>
-            <p:ph type="title"/>
-          </p:nvPr>
-        </p:nvSpPr>
-        <p:spPr/>
-        <p:txBody>
-          <a:bodyPr/>
-          <a:lstStyle/>
-          <a:p>
-            <a:r>
-              <a:rPr lang="en-CA"/>
-              <a:t>ICA and Mutual Information</a:t>
-            </a:r>
-            <a:endParaRPr lang="en-CA" dirty="0"/>
-          </a:p>
-        </p:txBody>
-      </p:sp>
-      <p:sp>
-        <p:nvSpPr>
-          <p:cNvPr id="3" name="Content Placeholder 2"/>
-          <p:cNvSpPr>
-            <a:spLocks noGrp="1"/>
-          </p:cNvSpPr>
-          <p:nvPr>
-            <p:ph idx="1"/>
-          </p:nvPr>
-        </p:nvSpPr>
-        <p:spPr/>
-        <p:txBody>
-          <a:bodyPr/>
-          <a:lstStyle/>
-          <a:p>
-            <a:r>
-              <a:rPr lang="en-US" dirty="0"/>
-              <a:t>Mutual information (MI) measures the amount of info one can obtain from one random variable given another one</a:t>
-            </a:r>
-          </a:p>
-          <a:p>
-            <a:r>
-              <a:rPr lang="en-US" dirty="0"/>
-              <a:t>It can be used as an alternative criterion for finding a projection of data</a:t>
-            </a:r>
-          </a:p>
-          <a:p>
-            <a:pPr lvl="1"/>
-            <a:r>
-              <a:rPr lang="en-US" dirty="0"/>
-              <a:t>We can aim to minimize the mutual information between the dimensions of the data in a linearly transformed space </a:t>
-            </a:r>
-          </a:p>
-          <a:p>
-            <a:r>
-              <a:rPr lang="en-US" dirty="0"/>
-              <a:t>Assume a model s = Ax, where A is an orthogonal matrix, x is the input data and s is its decomposition into its sources</a:t>
-            </a:r>
-          </a:p>
-          <a:p>
-            <a:r>
-              <a:rPr lang="en-US" dirty="0"/>
-              <a:t>Fact: minimizing the MI between the dimensions of s corresponds to finding a transformation matrix  A</a:t>
-            </a:r>
-            <a:r>
-              <a:rPr lang="en-US" i="1" dirty="0"/>
-              <a:t> </a:t>
-            </a:r>
-            <a:r>
-              <a:rPr lang="en-US" dirty="0"/>
-              <a:t>so that </a:t>
-            </a:r>
-          </a:p>
-          <a:p>
-            <a:pPr marL="800100" lvl="1" indent="-457200">
-              <a:buFont typeface="+mj-lt"/>
-              <a:buAutoNum type="alphaLcParenR"/>
-            </a:pPr>
-            <a:r>
-              <a:rPr lang="en-US" dirty="0"/>
-              <a:t>the estimated probability distribution of the sources </a:t>
-            </a:r>
-            <a:r>
-              <a:rPr lang="en-US" i="1" dirty="0"/>
-              <a:t>p(</a:t>
-            </a:r>
-            <a:r>
-              <a:rPr lang="en-US" dirty="0"/>
-              <a:t>s</a:t>
-            </a:r>
-            <a:r>
-              <a:rPr lang="en-US" i="1" dirty="0"/>
-              <a:t>)</a:t>
-            </a:r>
-            <a:r>
-              <a:rPr lang="en-US" dirty="0"/>
-              <a:t> is as far from Gaussian as possible and</a:t>
-            </a:r>
-          </a:p>
-          <a:p>
-            <a:pPr marL="800100" lvl="1" indent="-457200">
-              <a:buFont typeface="+mj-lt"/>
-              <a:buAutoNum type="alphaLcParenR"/>
-            </a:pPr>
-            <a:r>
-              <a:rPr lang="en-US" dirty="0"/>
-              <a:t>the estimates s are constrained to be uncorrelated</a:t>
-            </a:r>
-            <a:endParaRPr lang="en-CA" dirty="0"/>
-          </a:p>
-          <a:p>
-            <a:endParaRPr lang="en-CA" dirty="0"/>
-          </a:p>
-        </p:txBody>
-      </p:sp>
-      <p:sp>
-        <p:nvSpPr>
-          <p:cNvPr id="4" name="Slide Number Placeholder 3"/>
-          <p:cNvSpPr>
-            <a:spLocks noGrp="1"/>
-          </p:cNvSpPr>
-          <p:nvPr>
-            <p:ph type="sldNum" sz="quarter" idx="12"/>
-          </p:nvPr>
-        </p:nvSpPr>
-        <p:spPr/>
-        <p:txBody>
-          <a:bodyPr/>
-          <a:lstStyle/>
-          <a:p>
-            <a:fld id="{CC0D3929-19F2-429B-ADDC-CA064EDFCD10}" type="slidenum">
-              <a:rPr lang="en-NZ" smtClean="0"/>
-              <a:pPr/>
-              <a:t>20</a:t>
-            </a:fld>
-            <a:endParaRPr lang="en-NZ"/>
-          </a:p>
-        </p:txBody>
-      </p:sp>
-    </p:spTree>
-    <p:extLst>
-      <p:ext uri="{BB962C8B-B14F-4D97-AF65-F5344CB8AC3E}">
-        <p14:creationId xmlns:p14="http://schemas.microsoft.com/office/powerpoint/2010/main" val="3869524014"/>
-      </p:ext>
-    </p:extLst>
-  </p:cSld>
-  <p:clrMapOvr>
-    <a:masterClrMapping/>
-  </p:clrMapOvr>
-</p:sld>
-</file>
-
 <file path=ppt/slides/slide21.xml><?xml version="1.0" encoding="utf-8"?>
 <p:sld xmlns:a="http://schemas.openxmlformats.org/drawingml/2006/main" xmlns:r="http://schemas.openxmlformats.org/officeDocument/2006/relationships" xmlns:p="http://schemas.openxmlformats.org/presentationml/2006/main">
   <p:cSld>
@@ -20378,6 +20786,178 @@
             <p:ph type="title"/>
           </p:nvPr>
         </p:nvSpPr>
+        <p:spPr/>
+        <p:txBody>
+          <a:bodyPr/>
+          <a:lstStyle/>
+          <a:p>
+            <a:r>
+              <a:rPr lang="en-CA"/>
+              <a:t>ICA and Mutual Information</a:t>
+            </a:r>
+            <a:endParaRPr lang="en-CA" dirty="0"/>
+          </a:p>
+        </p:txBody>
+      </p:sp>
+      <p:sp>
+        <p:nvSpPr>
+          <p:cNvPr id="3" name="Content Placeholder 2"/>
+          <p:cNvSpPr>
+            <a:spLocks noGrp="1"/>
+          </p:cNvSpPr>
+          <p:nvPr>
+            <p:ph idx="1"/>
+          </p:nvPr>
+        </p:nvSpPr>
+        <p:spPr/>
+        <p:txBody>
+          <a:bodyPr/>
+          <a:lstStyle/>
+          <a:p>
+            <a:r>
+              <a:rPr lang="en-US" dirty="0"/>
+              <a:t>Mutual information (MI) measures the amount of info one can obtain from one random variable given another one</a:t>
+            </a:r>
+          </a:p>
+          <a:p>
+            <a:r>
+              <a:rPr lang="en-US" dirty="0"/>
+              <a:t>It can be used as an alternative criterion for finding a projection of data</a:t>
+            </a:r>
+          </a:p>
+          <a:p>
+            <a:pPr lvl="1"/>
+            <a:r>
+              <a:rPr lang="en-US" dirty="0"/>
+              <a:t>We can aim to minimize the mutual information between the dimensions of the data in a linearly transformed space </a:t>
+            </a:r>
+          </a:p>
+          <a:p>
+            <a:r>
+              <a:rPr lang="en-US" dirty="0"/>
+              <a:t>Assume a model s = Ax, where A is an orthogonal matrix, x is the input data and s is its decomposition into its sources</a:t>
+            </a:r>
+          </a:p>
+          <a:p>
+            <a:r>
+              <a:rPr lang="en-US" dirty="0"/>
+              <a:t>Fact: minimizing the MI between the dimensions of s corresponds to finding a transformation matrix  A</a:t>
+            </a:r>
+            <a:r>
+              <a:rPr lang="en-US" i="1" dirty="0"/>
+              <a:t> </a:t>
+            </a:r>
+            <a:r>
+              <a:rPr lang="en-US" dirty="0"/>
+              <a:t>so that </a:t>
+            </a:r>
+          </a:p>
+          <a:p>
+            <a:pPr marL="800100" lvl="1" indent="-457200">
+              <a:buFont typeface="+mj-lt"/>
+              <a:buAutoNum type="alphaLcParenR"/>
+            </a:pPr>
+            <a:r>
+              <a:rPr lang="en-US" dirty="0"/>
+              <a:t>the estimated probability distribution of the sources </a:t>
+            </a:r>
+            <a:r>
+              <a:rPr lang="en-US" i="1" dirty="0"/>
+              <a:t>p(</a:t>
+            </a:r>
+            <a:r>
+              <a:rPr lang="en-US" dirty="0"/>
+              <a:t>s</a:t>
+            </a:r>
+            <a:r>
+              <a:rPr lang="en-US" i="1" dirty="0"/>
+              <a:t>)</a:t>
+            </a:r>
+            <a:r>
+              <a:rPr lang="en-US" dirty="0"/>
+              <a:t> is as far from Gaussian as possible and</a:t>
+            </a:r>
+          </a:p>
+          <a:p>
+            <a:pPr marL="800100" lvl="1" indent="-457200">
+              <a:buFont typeface="+mj-lt"/>
+              <a:buAutoNum type="alphaLcParenR"/>
+            </a:pPr>
+            <a:r>
+              <a:rPr lang="en-US" dirty="0"/>
+              <a:t>the estimates s are constrained to be uncorrelated</a:t>
+            </a:r>
+            <a:endParaRPr lang="en-CA" dirty="0"/>
+          </a:p>
+          <a:p>
+            <a:endParaRPr lang="en-CA" dirty="0"/>
+          </a:p>
+        </p:txBody>
+      </p:sp>
+      <p:sp>
+        <p:nvSpPr>
+          <p:cNvPr id="4" name="Slide Number Placeholder 3"/>
+          <p:cNvSpPr>
+            <a:spLocks noGrp="1"/>
+          </p:cNvSpPr>
+          <p:nvPr>
+            <p:ph type="sldNum" sz="quarter" idx="12"/>
+          </p:nvPr>
+        </p:nvSpPr>
+        <p:spPr/>
+        <p:txBody>
+          <a:bodyPr/>
+          <a:lstStyle/>
+          <a:p>
+            <a:fld id="{CC0D3929-19F2-429B-ADDC-CA064EDFCD10}" type="slidenum">
+              <a:rPr lang="en-NZ" smtClean="0"/>
+              <a:pPr/>
+              <a:t>21</a:t>
+            </a:fld>
+            <a:endParaRPr lang="en-NZ"/>
+          </a:p>
+        </p:txBody>
+      </p:sp>
+    </p:spTree>
+    <p:extLst>
+      <p:ext uri="{BB962C8B-B14F-4D97-AF65-F5344CB8AC3E}">
+        <p14:creationId xmlns:p14="http://schemas.microsoft.com/office/powerpoint/2010/main" val="3869524014"/>
+      </p:ext>
+    </p:extLst>
+  </p:cSld>
+  <p:clrMapOvr>
+    <a:masterClrMapping/>
+  </p:clrMapOvr>
+</p:sld>
+</file>
+
+<file path=ppt/slides/slide22.xml><?xml version="1.0" encoding="utf-8"?>
+<p:sld xmlns:a="http://schemas.openxmlformats.org/drawingml/2006/main" xmlns:r="http://schemas.openxmlformats.org/officeDocument/2006/relationships" xmlns:p="http://schemas.openxmlformats.org/presentationml/2006/main">
+  <p:cSld>
+    <p:spTree>
+      <p:nvGrpSpPr>
+        <p:cNvPr id="1" name=""/>
+        <p:cNvGrpSpPr/>
+        <p:nvPr/>
+      </p:nvGrpSpPr>
+      <p:grpSpPr>
+        <a:xfrm>
+          <a:off x="0" y="0"/>
+          <a:ext cx="0" cy="0"/>
+          <a:chOff x="0" y="0"/>
+          <a:chExt cx="0" cy="0"/>
+        </a:xfrm>
+      </p:grpSpPr>
+      <p:sp>
+        <p:nvSpPr>
+          <p:cNvPr id="2" name="Title 1"/>
+          <p:cNvSpPr>
+            <a:spLocks noGrp="1"/>
+          </p:cNvSpPr>
+          <p:nvPr>
+            <p:ph type="title"/>
+          </p:nvPr>
+        </p:nvSpPr>
         <p:spPr>
           <a:xfrm>
             <a:off x="1996841" y="64689"/>
@@ -20508,7 +21088,7 @@
             <a:fld id="{CC0D3929-19F2-429B-ADDC-CA064EDFCD10}" type="slidenum">
               <a:rPr lang="en-NZ" smtClean="0"/>
               <a:pPr/>
-              <a:t>21</a:t>
+              <a:t>22</a:t>
             </a:fld>
             <a:endParaRPr lang="en-NZ"/>
           </a:p>
@@ -20584,7 +21164,7 @@
 </p:sld>
 </file>
 
-<file path=ppt/slides/slide22.xml><?xml version="1.0" encoding="utf-8"?>
+<file path=ppt/slides/slide23.xml><?xml version="1.0" encoding="utf-8"?>
 <p:sld xmlns:a="http://schemas.openxmlformats.org/drawingml/2006/main" xmlns:r="http://schemas.openxmlformats.org/officeDocument/2006/relationships" xmlns:p="http://schemas.openxmlformats.org/presentationml/2006/main">
   <p:cSld name="page24">
     <p:spTree>
@@ -20619,7 +21199,7 @@
             <a:fld id="{CC0D3929-19F2-429B-ADDC-CA064EDFCD10}" type="slidenum">
               <a:rPr lang="en-NZ" smtClean="0"/>
               <a:pPr/>
-              <a:t>22</a:t>
+              <a:t>23</a:t>
             </a:fld>
             <a:endParaRPr lang="en-NZ"/>
           </a:p>
@@ -20909,7 +21489,7 @@
 </p:sld>
 </file>
 
-<file path=ppt/slides/slide23.xml><?xml version="1.0" encoding="utf-8"?>
+<file path=ppt/slides/slide24.xml><?xml version="1.0" encoding="utf-8"?>
 <p:sld xmlns:a="http://schemas.openxmlformats.org/drawingml/2006/main" xmlns:r="http://schemas.openxmlformats.org/officeDocument/2006/relationships" xmlns:p="http://schemas.openxmlformats.org/presentationml/2006/main">
   <p:cSld name="page25">
     <p:spTree>
@@ -20944,7 +21524,7 @@
             <a:fld id="{CC0D3929-19F2-429B-ADDC-CA064EDFCD10}" type="slidenum">
               <a:rPr lang="en-NZ" smtClean="0"/>
               <a:pPr/>
-              <a:t>23</a:t>
+              <a:t>24</a:t>
             </a:fld>
             <a:endParaRPr lang="en-NZ"/>
           </a:p>
@@ -21086,7 +21666,7 @@
 </p:sld>
 </file>
 
-<file path=ppt/slides/slide24.xml><?xml version="1.0" encoding="utf-8"?>
+<file path=ppt/slides/slide25.xml><?xml version="1.0" encoding="utf-8"?>
 <p:sld xmlns:a="http://schemas.openxmlformats.org/drawingml/2006/main" xmlns:r="http://schemas.openxmlformats.org/officeDocument/2006/relationships" xmlns:p="http://schemas.openxmlformats.org/presentationml/2006/main">
   <p:cSld name="page26">
     <p:spTree>
@@ -21121,7 +21701,7 @@
             <a:fld id="{CC0D3929-19F2-429B-ADDC-CA064EDFCD10}" type="slidenum">
               <a:rPr lang="en-NZ" smtClean="0"/>
               <a:pPr/>
-              <a:t>24</a:t>
+              <a:t>25</a:t>
             </a:fld>
             <a:endParaRPr lang="en-NZ"/>
           </a:p>
@@ -21291,7 +21871,7 @@
 </p:sld>
 </file>
 
-<file path=ppt/slides/slide25.xml><?xml version="1.0" encoding="utf-8"?>
+<file path=ppt/slides/slide26.xml><?xml version="1.0" encoding="utf-8"?>
 <p:sld xmlns:a="http://schemas.openxmlformats.org/drawingml/2006/main" xmlns:r="http://schemas.openxmlformats.org/officeDocument/2006/relationships" xmlns:p="http://schemas.openxmlformats.org/presentationml/2006/main">
   <p:cSld name="Automatic data cleansing">
     <p:spTree>
@@ -21426,7 +22006,7 @@
             <a:fld id="{CC0D3929-19F2-429B-ADDC-CA064EDFCD10}" type="slidenum">
               <a:rPr lang="en-NZ" smtClean="0"/>
               <a:pPr/>
-              <a:t>25</a:t>
+              <a:t>26</a:t>
             </a:fld>
             <a:endParaRPr lang="en-NZ"/>
           </a:p>
@@ -21440,7 +22020,7 @@
 </p:sld>
 </file>
 
-<file path=ppt/slides/slide26.xml><?xml version="1.0" encoding="utf-8"?>
+<file path=ppt/slides/slide27.xml><?xml version="1.0" encoding="utf-8"?>
 <p:sld xmlns:a="http://schemas.openxmlformats.org/drawingml/2006/main" xmlns:r="http://schemas.openxmlformats.org/officeDocument/2006/relationships" xmlns:p="http://schemas.openxmlformats.org/presentationml/2006/main">
   <p:cSld name="Robust regression">
     <p:spTree>
@@ -21573,7 +22153,7 @@
             <a:fld id="{CC0D3929-19F2-429B-ADDC-CA064EDFCD10}" type="slidenum">
               <a:rPr lang="en-NZ" smtClean="0"/>
               <a:pPr/>
-              <a:t>26</a:t>
+              <a:t>27</a:t>
             </a:fld>
             <a:endParaRPr lang="en-NZ"/>
           </a:p>
@@ -21587,7 +22167,7 @@
 </p:sld>
 </file>
 
-<file path=ppt/slides/slide27.xml><?xml version="1.0" encoding="utf-8"?>
+<file path=ppt/slides/slide28.xml><?xml version="1.0" encoding="utf-8"?>
 <p:sld xmlns:a="http://schemas.openxmlformats.org/drawingml/2006/main" xmlns:r="http://schemas.openxmlformats.org/officeDocument/2006/relationships" xmlns:p="http://schemas.openxmlformats.org/presentationml/2006/main">
   <p:cSld name="Example: least median of squares">
     <p:spTree>
@@ -21622,7 +22202,7 @@
             <a:fld id="{CC0D3929-19F2-429B-ADDC-CA064EDFCD10}" type="slidenum">
               <a:rPr lang="en-NZ" smtClean="0"/>
               <a:pPr/>
-              <a:t>27</a:t>
+              <a:t>28</a:t>
             </a:fld>
             <a:endParaRPr lang="en-NZ"/>
           </a:p>
@@ -21776,7 +22356,7 @@
 </p:sld>
 </file>
 
-<file path=ppt/slides/slide28.xml><?xml version="1.0" encoding="utf-8"?>
+<file path=ppt/slides/slide29.xml><?xml version="1.0" encoding="utf-8"?>
 <p:sld xmlns:a="http://schemas.openxmlformats.org/drawingml/2006/main" xmlns:r="http://schemas.openxmlformats.org/officeDocument/2006/relationships" xmlns:p="http://schemas.openxmlformats.org/presentationml/2006/main">
   <p:cSld name="Detecting anomalies">
     <p:spTree>
@@ -21916,199 +22496,9 @@
             <a:fld id="{CC0D3929-19F2-429B-ADDC-CA064EDFCD10}" type="slidenum">
               <a:rPr lang="en-NZ" smtClean="0"/>
               <a:pPr/>
-              <a:t>28</a:t>
-            </a:fld>
-            <a:endParaRPr lang="en-NZ"/>
-          </a:p>
-        </p:txBody>
-      </p:sp>
-    </p:spTree>
-  </p:cSld>
-  <p:clrMapOvr>
-    <a:masterClrMapping/>
-  </p:clrMapOvr>
-</p:sld>
-</file>
-
-<file path=ppt/slides/slide29.xml><?xml version="1.0" encoding="utf-8"?>
-<p:sld xmlns:a="http://schemas.openxmlformats.org/drawingml/2006/main" xmlns:r="http://schemas.openxmlformats.org/officeDocument/2006/relationships" xmlns:p="http://schemas.openxmlformats.org/presentationml/2006/main">
-  <p:cSld name="page31">
-    <p:spTree>
-      <p:nvGrpSpPr>
-        <p:cNvPr id="1" name=""/>
-        <p:cNvGrpSpPr/>
-        <p:nvPr/>
-      </p:nvGrpSpPr>
-      <p:grpSpPr>
-        <a:xfrm>
-          <a:off x="0" y="0"/>
-          <a:ext cx="0" cy="0"/>
-          <a:chOff x="0" y="0"/>
-          <a:chExt cx="0" cy="0"/>
-        </a:xfrm>
-      </p:grpSpPr>
-      <p:sp>
-        <p:nvSpPr>
-          <p:cNvPr id="6" name="Slide Number Placeholder 5"/>
-          <p:cNvSpPr>
-            <a:spLocks noGrp="1"/>
-          </p:cNvSpPr>
-          <p:nvPr>
-            <p:ph type="sldNum" sz="quarter" idx="12"/>
-          </p:nvPr>
-        </p:nvSpPr>
-        <p:spPr/>
-        <p:txBody>
-          <a:bodyPr/>
-          <a:lstStyle/>
-          <a:p>
-            <a:fld id="{CC0D3929-19F2-429B-ADDC-CA064EDFCD10}" type="slidenum">
-              <a:rPr lang="en-NZ" smtClean="0"/>
-              <a:pPr/>
               <a:t>29</a:t>
             </a:fld>
             <a:endParaRPr lang="en-NZ"/>
-          </a:p>
-        </p:txBody>
-      </p:sp>
-      <p:sp>
-        <p:nvSpPr>
-          <p:cNvPr id="2" name="Title 1"/>
-          <p:cNvSpPr txBox="1">
-            <a:spLocks noGrp="1"/>
-          </p:cNvSpPr>
-          <p:nvPr>
-            <p:ph type="title" idx="4294967295"/>
-          </p:nvPr>
-        </p:nvSpPr>
-        <p:spPr>
-          <a:xfrm>
-            <a:off x="1493838" y="-179388"/>
-            <a:ext cx="7650162" cy="1144588"/>
-          </a:xfrm>
-        </p:spPr>
-        <p:txBody>
-          <a:bodyPr/>
-          <a:lstStyle/>
-          <a:p>
-            <a:pPr lvl="0"/>
-            <a:r>
-              <a:rPr lang="en-US" dirty="0"/>
-              <a:t>One-Class Learning</a:t>
-            </a:r>
-          </a:p>
-        </p:txBody>
-      </p:sp>
-      <p:sp>
-        <p:nvSpPr>
-          <p:cNvPr id="3" name="Text Placeholder 2"/>
-          <p:cNvSpPr txBox="1">
-            <a:spLocks noGrp="1"/>
-          </p:cNvSpPr>
-          <p:nvPr>
-            <p:ph type="body" idx="4294967295"/>
-          </p:nvPr>
-        </p:nvSpPr>
-        <p:spPr>
-          <a:xfrm>
-            <a:off x="663518" y="1334708"/>
-            <a:ext cx="7946821" cy="4491811"/>
-          </a:xfrm>
-        </p:spPr>
-        <p:txBody>
-          <a:bodyPr>
-            <a:normAutofit/>
-          </a:bodyPr>
-          <a:lstStyle/>
-          <a:p>
-            <a:pPr marL="457200" lvl="0" indent="-457200">
-              <a:buFont typeface="Arial"/>
-              <a:buChar char="•"/>
-            </a:pPr>
-            <a:r>
-              <a:rPr lang="en-US" dirty="0"/>
-              <a:t>Usually training data is available for all classes</a:t>
-            </a:r>
-          </a:p>
-          <a:p>
-            <a:pPr marL="457200" lvl="0" indent="-457200">
-              <a:buFont typeface="Arial"/>
-              <a:buChar char="•"/>
-            </a:pPr>
-            <a:r>
-              <a:rPr lang="en-US" dirty="0"/>
-              <a:t>Some problems exhibit only a single class at training time</a:t>
-            </a:r>
-          </a:p>
-          <a:p>
-            <a:pPr marL="457200" lvl="0" indent="-457200">
-              <a:buFont typeface="Arial"/>
-              <a:buChar char="•"/>
-            </a:pPr>
-            <a:r>
-              <a:rPr lang="en-US" dirty="0"/>
-              <a:t>Test instances may belong to this class or a new class not present at training time</a:t>
-            </a:r>
-          </a:p>
-          <a:p>
-            <a:pPr marL="457200" lvl="0" indent="-457200">
-              <a:buFont typeface="Arial"/>
-              <a:buChar char="•"/>
-            </a:pPr>
-            <a:r>
-              <a:rPr lang="en-US" dirty="0"/>
-              <a:t>This the problem of </a:t>
-            </a:r>
-            <a:r>
-              <a:rPr lang="en-US" i="1" dirty="0"/>
-              <a:t>one-class classification</a:t>
-            </a:r>
-          </a:p>
-          <a:p>
-            <a:pPr marL="457200" lvl="0" indent="-457200">
-              <a:buFont typeface="Arial"/>
-              <a:buChar char="•"/>
-            </a:pPr>
-            <a:r>
-              <a:rPr lang="en-US" sz="2400" dirty="0"/>
-              <a:t>Predict either </a:t>
-            </a:r>
-            <a:r>
-              <a:rPr lang="en-US" sz="2400" i="1" dirty="0"/>
-              <a:t>target</a:t>
-            </a:r>
-            <a:r>
-              <a:rPr lang="en-US" sz="2400" dirty="0"/>
-              <a:t> or </a:t>
-            </a:r>
-            <a:r>
-              <a:rPr lang="en-US" sz="2400" i="1" dirty="0"/>
-              <a:t>unknown</a:t>
-            </a:r>
-          </a:p>
-          <a:p>
-            <a:pPr marL="457200" lvl="0" indent="-457200">
-              <a:buFont typeface="Arial"/>
-              <a:buChar char="•"/>
-            </a:pPr>
-            <a:r>
-              <a:rPr lang="en-US" dirty="0"/>
-              <a:t>Note that, in practice, some one-class problems can be re-formulated into two-class ones by collecting negative data</a:t>
-            </a:r>
-          </a:p>
-          <a:p>
-            <a:pPr marL="457200" lvl="0" indent="-457200">
-              <a:buFont typeface="Arial"/>
-              <a:buChar char="•"/>
-            </a:pPr>
-            <a:r>
-              <a:rPr lang="en-US" dirty="0"/>
-              <a:t>Other applications truly do not have negative data, </a:t>
-            </a:r>
-            <a:r>
-              <a:rPr lang="en-US" sz="2400" dirty="0"/>
-              <a:t>e.g., password hardening</a:t>
-            </a:r>
           </a:p>
         </p:txBody>
       </p:sp>
@@ -22263,6 +22653,196 @@
 
 <file path=ppt/slides/slide30.xml><?xml version="1.0" encoding="utf-8"?>
 <p:sld xmlns:a="http://schemas.openxmlformats.org/drawingml/2006/main" xmlns:r="http://schemas.openxmlformats.org/officeDocument/2006/relationships" xmlns:p="http://schemas.openxmlformats.org/presentationml/2006/main">
+  <p:cSld name="page31">
+    <p:spTree>
+      <p:nvGrpSpPr>
+        <p:cNvPr id="1" name=""/>
+        <p:cNvGrpSpPr/>
+        <p:nvPr/>
+      </p:nvGrpSpPr>
+      <p:grpSpPr>
+        <a:xfrm>
+          <a:off x="0" y="0"/>
+          <a:ext cx="0" cy="0"/>
+          <a:chOff x="0" y="0"/>
+          <a:chExt cx="0" cy="0"/>
+        </a:xfrm>
+      </p:grpSpPr>
+      <p:sp>
+        <p:nvSpPr>
+          <p:cNvPr id="6" name="Slide Number Placeholder 5"/>
+          <p:cNvSpPr>
+            <a:spLocks noGrp="1"/>
+          </p:cNvSpPr>
+          <p:nvPr>
+            <p:ph type="sldNum" sz="quarter" idx="12"/>
+          </p:nvPr>
+        </p:nvSpPr>
+        <p:spPr/>
+        <p:txBody>
+          <a:bodyPr/>
+          <a:lstStyle/>
+          <a:p>
+            <a:fld id="{CC0D3929-19F2-429B-ADDC-CA064EDFCD10}" type="slidenum">
+              <a:rPr lang="en-NZ" smtClean="0"/>
+              <a:pPr/>
+              <a:t>30</a:t>
+            </a:fld>
+            <a:endParaRPr lang="en-NZ"/>
+          </a:p>
+        </p:txBody>
+      </p:sp>
+      <p:sp>
+        <p:nvSpPr>
+          <p:cNvPr id="2" name="Title 1"/>
+          <p:cNvSpPr txBox="1">
+            <a:spLocks noGrp="1"/>
+          </p:cNvSpPr>
+          <p:nvPr>
+            <p:ph type="title" idx="4294967295"/>
+          </p:nvPr>
+        </p:nvSpPr>
+        <p:spPr>
+          <a:xfrm>
+            <a:off x="1493838" y="-179388"/>
+            <a:ext cx="7650162" cy="1144588"/>
+          </a:xfrm>
+        </p:spPr>
+        <p:txBody>
+          <a:bodyPr/>
+          <a:lstStyle/>
+          <a:p>
+            <a:pPr lvl="0"/>
+            <a:r>
+              <a:rPr lang="en-US" dirty="0"/>
+              <a:t>One-Class Learning</a:t>
+            </a:r>
+          </a:p>
+        </p:txBody>
+      </p:sp>
+      <p:sp>
+        <p:nvSpPr>
+          <p:cNvPr id="3" name="Text Placeholder 2"/>
+          <p:cNvSpPr txBox="1">
+            <a:spLocks noGrp="1"/>
+          </p:cNvSpPr>
+          <p:nvPr>
+            <p:ph type="body" idx="4294967295"/>
+          </p:nvPr>
+        </p:nvSpPr>
+        <p:spPr>
+          <a:xfrm>
+            <a:off x="663518" y="1334708"/>
+            <a:ext cx="7946821" cy="4491811"/>
+          </a:xfrm>
+        </p:spPr>
+        <p:txBody>
+          <a:bodyPr>
+            <a:normAutofit/>
+          </a:bodyPr>
+          <a:lstStyle/>
+          <a:p>
+            <a:pPr marL="457200" lvl="0" indent="-457200">
+              <a:buFont typeface="Arial"/>
+              <a:buChar char="•"/>
+            </a:pPr>
+            <a:r>
+              <a:rPr lang="en-US" dirty="0"/>
+              <a:t>Usually training data is available for all classes</a:t>
+            </a:r>
+          </a:p>
+          <a:p>
+            <a:pPr marL="457200" lvl="0" indent="-457200">
+              <a:buFont typeface="Arial"/>
+              <a:buChar char="•"/>
+            </a:pPr>
+            <a:r>
+              <a:rPr lang="en-US" dirty="0"/>
+              <a:t>Some problems exhibit only a single class at training time</a:t>
+            </a:r>
+          </a:p>
+          <a:p>
+            <a:pPr marL="457200" lvl="0" indent="-457200">
+              <a:buFont typeface="Arial"/>
+              <a:buChar char="•"/>
+            </a:pPr>
+            <a:r>
+              <a:rPr lang="en-US" dirty="0"/>
+              <a:t>Test instances may belong to this class or a new class not present at training time</a:t>
+            </a:r>
+          </a:p>
+          <a:p>
+            <a:pPr marL="457200" lvl="0" indent="-457200">
+              <a:buFont typeface="Arial"/>
+              <a:buChar char="•"/>
+            </a:pPr>
+            <a:r>
+              <a:rPr lang="en-US" dirty="0"/>
+              <a:t>This the problem of </a:t>
+            </a:r>
+            <a:r>
+              <a:rPr lang="en-US" i="1" dirty="0"/>
+              <a:t>one-class classification</a:t>
+            </a:r>
+          </a:p>
+          <a:p>
+            <a:pPr marL="457200" lvl="0" indent="-457200">
+              <a:buFont typeface="Arial"/>
+              <a:buChar char="•"/>
+            </a:pPr>
+            <a:r>
+              <a:rPr lang="en-US" sz="2400" dirty="0"/>
+              <a:t>Predict either </a:t>
+            </a:r>
+            <a:r>
+              <a:rPr lang="en-US" sz="2400" i="1" dirty="0"/>
+              <a:t>target</a:t>
+            </a:r>
+            <a:r>
+              <a:rPr lang="en-US" sz="2400" dirty="0"/>
+              <a:t> or </a:t>
+            </a:r>
+            <a:r>
+              <a:rPr lang="en-US" sz="2400" i="1" dirty="0"/>
+              <a:t>unknown</a:t>
+            </a:r>
+          </a:p>
+          <a:p>
+            <a:pPr marL="457200" lvl="0" indent="-457200">
+              <a:buFont typeface="Arial"/>
+              <a:buChar char="•"/>
+            </a:pPr>
+            <a:r>
+              <a:rPr lang="en-US" dirty="0"/>
+              <a:t>Note that, in practice, some one-class problems can be re-formulated into two-class ones by collecting negative data</a:t>
+            </a:r>
+          </a:p>
+          <a:p>
+            <a:pPr marL="457200" lvl="0" indent="-457200">
+              <a:buFont typeface="Arial"/>
+              <a:buChar char="•"/>
+            </a:pPr>
+            <a:r>
+              <a:rPr lang="en-US" dirty="0"/>
+              <a:t>Other applications truly do not have negative data, </a:t>
+            </a:r>
+            <a:r>
+              <a:rPr lang="en-US" sz="2400" dirty="0"/>
+              <a:t>e.g., password hardening</a:t>
+            </a:r>
+          </a:p>
+        </p:txBody>
+      </p:sp>
+    </p:spTree>
+  </p:cSld>
+  <p:clrMapOvr>
+    <a:masterClrMapping/>
+  </p:clrMapOvr>
+</p:sld>
+</file>
+
+<file path=ppt/slides/slide31.xml><?xml version="1.0" encoding="utf-8"?>
+<p:sld xmlns:a="http://schemas.openxmlformats.org/drawingml/2006/main" xmlns:r="http://schemas.openxmlformats.org/officeDocument/2006/relationships" xmlns:p="http://schemas.openxmlformats.org/presentationml/2006/main">
   <p:cSld name="page32">
     <p:spTree>
       <p:nvGrpSpPr>
@@ -22296,7 +22876,7 @@
             <a:fld id="{CC0D3929-19F2-429B-ADDC-CA064EDFCD10}" type="slidenum">
               <a:rPr lang="en-NZ" smtClean="0"/>
               <a:pPr/>
-              <a:t>30</a:t>
+              <a:t>31</a:t>
             </a:fld>
             <a:endParaRPr lang="en-NZ"/>
           </a:p>
@@ -22460,7 +23040,7 @@
 </p:sld>
 </file>
 
-<file path=ppt/slides/slide31.xml><?xml version="1.0" encoding="utf-8"?>
+<file path=ppt/slides/slide32.xml><?xml version="1.0" encoding="utf-8"?>
 <p:sld xmlns:a="http://schemas.openxmlformats.org/drawingml/2006/main" xmlns:r="http://schemas.openxmlformats.org/officeDocument/2006/relationships" xmlns:p="http://schemas.openxmlformats.org/presentationml/2006/main">
   <p:cSld name="page33">
     <p:spTree>
@@ -22495,7 +23075,7 @@
             <a:fld id="{CC0D3929-19F2-429B-ADDC-CA064EDFCD10}" type="slidenum">
               <a:rPr lang="en-NZ" smtClean="0"/>
               <a:pPr/>
-              <a:t>31</a:t>
+              <a:t>32</a:t>
             </a:fld>
             <a:endParaRPr lang="en-NZ"/>
           </a:p>
@@ -22617,7 +23197,7 @@
 </p:sld>
 </file>
 
-<file path=ppt/slides/slide32.xml><?xml version="1.0" encoding="utf-8"?>
+<file path=ppt/slides/slide33.xml><?xml version="1.0" encoding="utf-8"?>
 <p:sld xmlns:a="http://schemas.openxmlformats.org/drawingml/2006/main" xmlns:r="http://schemas.openxmlformats.org/officeDocument/2006/relationships" xmlns:p="http://schemas.openxmlformats.org/presentationml/2006/main">
   <p:cSld name="page34">
     <p:spTree>
@@ -22652,7 +23232,7 @@
             <a:fld id="{CC0D3929-19F2-429B-ADDC-CA064EDFCD10}" type="slidenum">
               <a:rPr lang="en-NZ" smtClean="0"/>
               <a:pPr/>
-              <a:t>32</a:t>
+              <a:t>33</a:t>
             </a:fld>
             <a:endParaRPr lang="en-NZ"/>
           </a:p>
@@ -23045,7 +23625,7 @@
 </p:sld>
 </file>
 
-<file path=ppt/slides/slide33.xml><?xml version="1.0" encoding="utf-8"?>
+<file path=ppt/slides/slide34.xml><?xml version="1.0" encoding="utf-8"?>
 <p:sld xmlns:a="http://schemas.openxmlformats.org/drawingml/2006/main" xmlns:r="http://schemas.openxmlformats.org/officeDocument/2006/relationships" xmlns:p="http://schemas.openxmlformats.org/presentationml/2006/main">
   <p:cSld name="page44">
     <p:spTree>
@@ -23080,7 +23660,7 @@
             <a:fld id="{CC0D3929-19F2-429B-ADDC-CA064EDFCD10}" type="slidenum">
               <a:rPr lang="en-NZ" smtClean="0"/>
               <a:pPr/>
-              <a:t>33</a:t>
+              <a:t>34</a:t>
             </a:fld>
             <a:endParaRPr lang="en-NZ"/>
           </a:p>
@@ -23181,7 +23761,7 @@
 </p:sld>
 </file>
 
-<file path=ppt/slides/slide34.xml><?xml version="1.0" encoding="utf-8"?>
+<file path=ppt/slides/slide35.xml><?xml version="1.0" encoding="utf-8"?>
 <p:sld xmlns:a="http://schemas.openxmlformats.org/drawingml/2006/main" xmlns:r="http://schemas.openxmlformats.org/officeDocument/2006/relationships" xmlns:p="http://schemas.openxmlformats.org/presentationml/2006/main">
   <p:cSld name="page45">
     <p:spTree>
@@ -23216,7 +23796,7 @@
             <a:fld id="{CC0D3929-19F2-429B-ADDC-CA064EDFCD10}" type="slidenum">
               <a:rPr lang="en-NZ" smtClean="0"/>
               <a:pPr/>
-              <a:t>34</a:t>
+              <a:t>35</a:t>
             </a:fld>
             <a:endParaRPr lang="en-NZ"/>
           </a:p>
@@ -23436,7 +24016,7 @@
 </p:sld>
 </file>
 
-<file path=ppt/slides/slide35.xml><?xml version="1.0" encoding="utf-8"?>
+<file path=ppt/slides/slide36.xml><?xml version="1.0" encoding="utf-8"?>
 <p:sld xmlns:a="http://schemas.openxmlformats.org/drawingml/2006/main" xmlns:r="http://schemas.openxmlformats.org/officeDocument/2006/relationships" xmlns:p="http://schemas.openxmlformats.org/presentationml/2006/main">
   <p:cSld name="page46">
     <p:spTree>
@@ -23471,7 +24051,7 @@
             <a:fld id="{CC0D3929-19F2-429B-ADDC-CA064EDFCD10}" type="slidenum">
               <a:rPr lang="en-NZ" smtClean="0"/>
               <a:pPr/>
-              <a:t>35</a:t>
+              <a:t>36</a:t>
             </a:fld>
             <a:endParaRPr lang="en-NZ"/>
           </a:p>
@@ -23580,7 +24160,7 @@
 </p:sld>
 </file>
 
-<file path=ppt/slides/slide36.xml><?xml version="1.0" encoding="utf-8"?>
+<file path=ppt/slides/slide37.xml><?xml version="1.0" encoding="utf-8"?>
 <p:sld xmlns:a="http://schemas.openxmlformats.org/drawingml/2006/main" xmlns:r="http://schemas.openxmlformats.org/officeDocument/2006/relationships" xmlns:p="http://schemas.openxmlformats.org/presentationml/2006/main">
   <p:cSld name="page47">
     <p:spTree>
@@ -23615,7 +24195,7 @@
             <a:fld id="{CC0D3929-19F2-429B-ADDC-CA064EDFCD10}" type="slidenum">
               <a:rPr lang="en-NZ" smtClean="0"/>
               <a:pPr/>
-              <a:t>36</a:t>
+              <a:t>37</a:t>
             </a:fld>
             <a:endParaRPr lang="en-NZ"/>
           </a:p>
@@ -23755,282 +24335,6 @@
         </p:txBody>
       </p:sp>
     </p:spTree>
-  </p:cSld>
-  <p:clrMapOvr>
-    <a:masterClrMapping/>
-  </p:clrMapOvr>
-</p:sld>
-</file>
-
-<file path=ppt/slides/slide37.xml><?xml version="1.0" encoding="utf-8"?>
-<p:sld xmlns:a="http://schemas.openxmlformats.org/drawingml/2006/main" xmlns:r="http://schemas.openxmlformats.org/officeDocument/2006/relationships" xmlns:p="http://schemas.openxmlformats.org/presentationml/2006/main">
-  <p:cSld>
-    <p:spTree>
-      <p:nvGrpSpPr>
-        <p:cNvPr id="1" name=""/>
-        <p:cNvGrpSpPr/>
-        <p:nvPr/>
-      </p:nvGrpSpPr>
-      <p:grpSpPr>
-        <a:xfrm>
-          <a:off x="0" y="0"/>
-          <a:ext cx="0" cy="0"/>
-          <a:chOff x="0" y="0"/>
-          <a:chExt cx="0" cy="0"/>
-        </a:xfrm>
-      </p:grpSpPr>
-      <p:sp>
-        <p:nvSpPr>
-          <p:cNvPr id="2" name="Title 1"/>
-          <p:cNvSpPr>
-            <a:spLocks noGrp="1"/>
-          </p:cNvSpPr>
-          <p:nvPr>
-            <p:ph type="title"/>
-          </p:nvPr>
-        </p:nvSpPr>
-        <p:spPr/>
-        <p:txBody>
-          <a:bodyPr/>
-          <a:lstStyle/>
-          <a:p>
-            <a:r>
-              <a:rPr lang="en-CA" dirty="0" err="1"/>
-              <a:t>Weka</a:t>
-            </a:r>
-            <a:r>
-              <a:rPr lang="en-CA" dirty="0"/>
-              <a:t> implementations</a:t>
-            </a:r>
-          </a:p>
-        </p:txBody>
-      </p:sp>
-      <p:sp>
-        <p:nvSpPr>
-          <p:cNvPr id="3" name="Content Placeholder 2"/>
-          <p:cNvSpPr>
-            <a:spLocks noGrp="1"/>
-          </p:cNvSpPr>
-          <p:nvPr>
-            <p:ph idx="1"/>
-          </p:nvPr>
-        </p:nvSpPr>
-        <p:spPr>
-          <a:xfrm>
-            <a:off x="330063" y="1215407"/>
-            <a:ext cx="8395080" cy="4961556"/>
-          </a:xfrm>
-        </p:spPr>
-        <p:txBody>
-          <a:bodyPr>
-            <a:normAutofit/>
-          </a:bodyPr>
-          <a:lstStyle/>
-          <a:p>
-            <a:r>
-              <a:rPr lang="en-US" dirty="0"/>
-              <a:t>Attribute selection</a:t>
-            </a:r>
-            <a:endParaRPr lang="en-CA" dirty="0"/>
-          </a:p>
-          <a:p>
-            <a:pPr lvl="1"/>
-            <a:r>
-              <a:rPr lang="en-US" sz="1900" dirty="0" err="1"/>
-              <a:t>CfsSubsetEval</a:t>
-            </a:r>
-            <a:r>
-              <a:rPr lang="en-US" sz="1900" dirty="0"/>
-              <a:t> (correlation-based attribute subset evaluator)</a:t>
-            </a:r>
-            <a:endParaRPr lang="en-CA" sz="1900" dirty="0"/>
-          </a:p>
-          <a:p>
-            <a:pPr lvl="1"/>
-            <a:r>
-              <a:rPr lang="en-US" sz="1900" dirty="0" err="1"/>
-              <a:t>ConsistencySubsetEval</a:t>
-            </a:r>
-            <a:r>
-              <a:rPr lang="en-US" sz="1900" dirty="0"/>
-              <a:t> (measures class consistency for a given set of attributes, in the </a:t>
-            </a:r>
-            <a:r>
-              <a:rPr lang="en-US" sz="1900" dirty="0" err="1"/>
-              <a:t>consistencySubsetEval</a:t>
-            </a:r>
-            <a:r>
-              <a:rPr lang="en-US" sz="1900" dirty="0"/>
-              <a:t> package)</a:t>
-            </a:r>
-            <a:endParaRPr lang="en-CA" sz="1900" dirty="0"/>
-          </a:p>
-          <a:p>
-            <a:pPr lvl="1"/>
-            <a:r>
-              <a:rPr lang="en-US" sz="1900" dirty="0" err="1"/>
-              <a:t>ClassifierSubsetEval</a:t>
-            </a:r>
-            <a:r>
-              <a:rPr lang="en-US" sz="1900" dirty="0"/>
-              <a:t> (uses a classifier for evaluating subsets of attributes, in the </a:t>
-            </a:r>
-            <a:r>
-              <a:rPr lang="en-US" sz="1900" dirty="0" err="1"/>
-              <a:t>classifierBasedAttributeSelection</a:t>
-            </a:r>
-            <a:r>
-              <a:rPr lang="en-US" sz="1900" dirty="0"/>
-              <a:t> package)</a:t>
-            </a:r>
-            <a:endParaRPr lang="en-CA" sz="1900" dirty="0"/>
-          </a:p>
-          <a:p>
-            <a:pPr lvl="1"/>
-            <a:r>
-              <a:rPr lang="en-US" sz="1900" dirty="0" err="1"/>
-              <a:t>SVMAttributeEval</a:t>
-            </a:r>
-            <a:r>
-              <a:rPr lang="en-US" sz="1900" dirty="0"/>
-              <a:t> (ranks attributes according to the magnitude of the coefficients learned by an SVM, in the </a:t>
-            </a:r>
-            <a:r>
-              <a:rPr lang="en-US" sz="1900" dirty="0" err="1"/>
-              <a:t>SVMAttributeEval</a:t>
-            </a:r>
-            <a:r>
-              <a:rPr lang="en-US" sz="1900" dirty="0"/>
-              <a:t> package)</a:t>
-            </a:r>
-          </a:p>
-          <a:p>
-            <a:pPr lvl="1"/>
-            <a:r>
-              <a:rPr lang="en-US" sz="1900" dirty="0" err="1"/>
-              <a:t>ReliefF</a:t>
-            </a:r>
-            <a:r>
-              <a:rPr lang="en-US" sz="1900" dirty="0"/>
-              <a:t> (instance-based approach for ranking attributes)</a:t>
-            </a:r>
-          </a:p>
-          <a:p>
-            <a:pPr lvl="1"/>
-            <a:r>
-              <a:rPr lang="en-US" sz="1900" dirty="0" err="1"/>
-              <a:t>WrapperSubsetEval</a:t>
-            </a:r>
-            <a:r>
-              <a:rPr lang="en-US" sz="1900" dirty="0"/>
-              <a:t> (uses a classifier plus cross-validation)</a:t>
-            </a:r>
-            <a:endParaRPr lang="en-CA" sz="1900" dirty="0"/>
-          </a:p>
-          <a:p>
-            <a:pPr lvl="1"/>
-            <a:r>
-              <a:rPr lang="en-US" sz="1900" dirty="0" err="1"/>
-              <a:t>GreedyStepwise</a:t>
-            </a:r>
-            <a:r>
-              <a:rPr lang="en-US" sz="1900" dirty="0"/>
-              <a:t> (forward selection and backward elimination search)</a:t>
-            </a:r>
-            <a:endParaRPr lang="en-CA" sz="1900" dirty="0"/>
-          </a:p>
-          <a:p>
-            <a:pPr lvl="1"/>
-            <a:r>
-              <a:rPr lang="en-US" sz="1900" dirty="0" err="1"/>
-              <a:t>LinearForwardSelection</a:t>
-            </a:r>
-            <a:r>
-              <a:rPr lang="en-US" sz="1900" dirty="0"/>
-              <a:t> (forward selection with a sliding window of attribute choices at each step of the search, in the </a:t>
-            </a:r>
-            <a:r>
-              <a:rPr lang="en-US" sz="1900" dirty="0" err="1"/>
-              <a:t>linearForwardSelection</a:t>
-            </a:r>
-            <a:r>
-              <a:rPr lang="en-US" sz="1900" dirty="0"/>
-              <a:t> package)</a:t>
-            </a:r>
-            <a:endParaRPr lang="en-CA" sz="1900" dirty="0"/>
-          </a:p>
-          <a:p>
-            <a:pPr lvl="1"/>
-            <a:r>
-              <a:rPr lang="en-US" sz="1900" dirty="0" err="1"/>
-              <a:t>BestFirst</a:t>
-            </a:r>
-            <a:r>
-              <a:rPr lang="en-US" sz="1900" dirty="0"/>
-              <a:t> (search method that uses greedy hill-climbing with backtracking)</a:t>
-            </a:r>
-            <a:endParaRPr lang="en-CA" sz="1900" dirty="0"/>
-          </a:p>
-          <a:p>
-            <a:pPr lvl="1"/>
-            <a:r>
-              <a:rPr lang="en-US" sz="1900" dirty="0" err="1"/>
-              <a:t>RaceSearch</a:t>
-            </a:r>
-            <a:r>
-              <a:rPr lang="en-US" sz="1900" dirty="0"/>
-              <a:t> (uses the race search methodology, in the </a:t>
-            </a:r>
-            <a:r>
-              <a:rPr lang="en-US" sz="1900" dirty="0" err="1"/>
-              <a:t>raceSearch</a:t>
-            </a:r>
-            <a:r>
-              <a:rPr lang="en-US" sz="1900" dirty="0"/>
-              <a:t> package)</a:t>
-            </a:r>
-            <a:endParaRPr lang="en-CA" sz="1900" dirty="0"/>
-          </a:p>
-          <a:p>
-            <a:pPr lvl="1"/>
-            <a:r>
-              <a:rPr lang="en-US" sz="1900" dirty="0"/>
-              <a:t>Ranker (ranks individual attributes according to their evaluation)</a:t>
-            </a:r>
-            <a:endParaRPr lang="en-CA" sz="1900" dirty="0"/>
-          </a:p>
-        </p:txBody>
-      </p:sp>
-      <p:sp>
-        <p:nvSpPr>
-          <p:cNvPr id="4" name="Slide Number Placeholder 3"/>
-          <p:cNvSpPr>
-            <a:spLocks noGrp="1"/>
-          </p:cNvSpPr>
-          <p:nvPr>
-            <p:ph type="sldNum" sz="quarter" idx="12"/>
-          </p:nvPr>
-        </p:nvSpPr>
-        <p:spPr/>
-        <p:txBody>
-          <a:bodyPr/>
-          <a:lstStyle/>
-          <a:p>
-            <a:fld id="{CC0D3929-19F2-429B-ADDC-CA064EDFCD10}" type="slidenum">
-              <a:rPr lang="en-NZ" smtClean="0"/>
-              <a:pPr/>
-              <a:t>37</a:t>
-            </a:fld>
-            <a:endParaRPr lang="en-NZ"/>
-          </a:p>
-        </p:txBody>
-      </p:sp>
-    </p:spTree>
-    <p:extLst>
-      <p:ext uri="{BB962C8B-B14F-4D97-AF65-F5344CB8AC3E}">
-        <p14:creationId xmlns:p14="http://schemas.microsoft.com/office/powerpoint/2010/main" val="2440831861"/>
-      </p:ext>
-    </p:extLst>
   </p:cSld>
   <p:clrMapOvr>
     <a:masterClrMapping/>
@@ -24091,7 +24395,12 @@
             <p:ph idx="1"/>
           </p:nvPr>
         </p:nvSpPr>
-        <p:spPr/>
+        <p:spPr>
+          <a:xfrm>
+            <a:off x="330063" y="1215407"/>
+            <a:ext cx="8395080" cy="4961556"/>
+          </a:xfrm>
+        </p:spPr>
         <p:txBody>
           <a:bodyPr>
             <a:normAutofit/>
@@ -24099,118 +24408,176 @@
           <a:lstStyle/>
           <a:p>
             <a:r>
-              <a:rPr lang="en-US" sz="2600" dirty="0"/>
-              <a:t>Learning decision tables: </a:t>
-            </a:r>
-            <a:r>
-              <a:rPr lang="en-US" sz="2600" dirty="0" err="1"/>
-              <a:t>DecisionTable</a:t>
-            </a:r>
-            <a:endParaRPr lang="en-CA" sz="2600" dirty="0"/>
-          </a:p>
-          <a:p>
-            <a:r>
               <a:rPr lang="en-US" dirty="0"/>
-              <a:t>Discretization</a:t>
+              <a:t>Attribute selection</a:t>
             </a:r>
             <a:endParaRPr lang="en-CA" dirty="0"/>
           </a:p>
           <a:p>
             <a:pPr lvl="1"/>
             <a:r>
-              <a:rPr lang="en-US" dirty="0"/>
-              <a:t>Discretize (unsupervised and supervised versions)</a:t>
-            </a:r>
-            <a:endParaRPr lang="en-CA" dirty="0"/>
+              <a:rPr lang="en-US" sz="1900" dirty="0" err="1"/>
+              <a:t>CfsSubsetEval</a:t>
+            </a:r>
+            <a:r>
+              <a:rPr lang="en-US" sz="1900" dirty="0"/>
+              <a:t> (correlation-based attribute subset evaluator)</a:t>
+            </a:r>
+            <a:endParaRPr lang="en-CA" sz="1900" dirty="0"/>
           </a:p>
           <a:p>
             <a:pPr lvl="1"/>
             <a:r>
-              <a:rPr lang="en-US" dirty="0" err="1"/>
-              <a:t>PKIDiscretize</a:t>
-            </a:r>
-            <a:r>
-              <a:rPr lang="en-US" dirty="0"/>
-              <a:t> (proportional k-interval discretization)</a:t>
-            </a:r>
-            <a:endParaRPr lang="en-CA" dirty="0"/>
-          </a:p>
-          <a:p>
-            <a:pPr lvl="0"/>
-            <a:r>
-              <a:rPr lang="en-US" dirty="0" err="1"/>
-              <a:t>PrincipalComponents</a:t>
-            </a:r>
-            <a:r>
-              <a:rPr lang="en-US" dirty="0"/>
-              <a:t> and </a:t>
-            </a:r>
-            <a:r>
-              <a:rPr lang="en-US" dirty="0" err="1"/>
-              <a:t>RandomProjection</a:t>
-            </a:r>
-            <a:r>
-              <a:rPr lang="en-US" dirty="0"/>
-              <a:t> </a:t>
-            </a:r>
-          </a:p>
-          <a:p>
-            <a:pPr lvl="0"/>
-            <a:r>
-              <a:rPr lang="en-US" dirty="0" err="1"/>
-              <a:t>FastICA</a:t>
-            </a:r>
-            <a:r>
-              <a:rPr lang="en-US" dirty="0"/>
-              <a:t> (independent component analysis, in the </a:t>
-            </a:r>
-            <a:r>
-              <a:rPr lang="en-US" dirty="0" err="1"/>
-              <a:t>StudentFilters</a:t>
-            </a:r>
-            <a:r>
-              <a:rPr lang="en-US" dirty="0"/>
+              <a:rPr lang="en-US" sz="1900" dirty="0" err="1"/>
+              <a:t>ConsistencySubsetEval</a:t>
+            </a:r>
+            <a:r>
+              <a:rPr lang="en-US" sz="1900" dirty="0"/>
+              <a:t> (measures class consistency for a given set of attributes, in the </a:t>
+            </a:r>
+            <a:r>
+              <a:rPr lang="en-US" sz="1900" dirty="0" err="1"/>
+              <a:t>consistencySubsetEval</a:t>
+            </a:r>
+            <a:r>
+              <a:rPr lang="en-US" sz="1900" dirty="0"/>
               <a:t> package)</a:t>
             </a:r>
-            <a:endParaRPr lang="en-CA" dirty="0"/>
-          </a:p>
-          <a:p>
-            <a:pPr lvl="0"/>
-            <a:r>
-              <a:rPr lang="en-US" dirty="0" err="1"/>
-              <a:t>StringToWordVector</a:t>
-            </a:r>
-            <a:r>
-              <a:rPr lang="en-US" dirty="0"/>
-              <a:t> (text to attribute vectors)</a:t>
-            </a:r>
-            <a:endParaRPr lang="en-CA" dirty="0"/>
-          </a:p>
-          <a:p>
-            <a:pPr lvl="0"/>
-            <a:r>
-              <a:rPr lang="en-US" dirty="0" err="1"/>
-              <a:t>PLSFilter</a:t>
-            </a:r>
-            <a:r>
-              <a:rPr lang="en-US" dirty="0"/>
-              <a:t> (partial least squares transformation) </a:t>
-            </a:r>
-            <a:endParaRPr lang="en-CA" dirty="0"/>
-          </a:p>
-          <a:p>
-            <a:pPr lvl="0"/>
-            <a:r>
-              <a:rPr lang="en-US" dirty="0"/>
-              <a:t>Resampling and reservoir sampling</a:t>
-            </a:r>
-            <a:endParaRPr lang="en-CA" dirty="0"/>
-          </a:p>
-          <a:p>
-            <a:endParaRPr lang="en-CA" dirty="0"/>
-          </a:p>
-          <a:p>
-            <a:endParaRPr lang="en-CA" dirty="0"/>
+            <a:endParaRPr lang="en-CA" sz="1900" dirty="0"/>
+          </a:p>
+          <a:p>
+            <a:pPr lvl="1"/>
+            <a:r>
+              <a:rPr lang="en-US" sz="1900" dirty="0" err="1"/>
+              <a:t>ClassifierSubsetEval</a:t>
+            </a:r>
+            <a:r>
+              <a:rPr lang="en-US" sz="1900" dirty="0"/>
+              <a:t> (uses a classifier for evaluating subsets of attributes, in the </a:t>
+            </a:r>
+            <a:r>
+              <a:rPr lang="en-US" sz="1900" dirty="0" err="1"/>
+              <a:t>classifierBasedAttributeSelection</a:t>
+            </a:r>
+            <a:r>
+              <a:rPr lang="en-US" sz="1900" dirty="0"/>
+              <a:t> package)</a:t>
+            </a:r>
+            <a:endParaRPr lang="en-CA" sz="1900" dirty="0"/>
+          </a:p>
+          <a:p>
+            <a:pPr lvl="1"/>
+            <a:r>
+              <a:rPr lang="en-US" sz="1900" dirty="0" err="1"/>
+              <a:t>SVMAttributeEval</a:t>
+            </a:r>
+            <a:r>
+              <a:rPr lang="en-US" sz="1900" dirty="0"/>
+              <a:t> (ranks attributes according to the magnitude of the coefficients learned by an SVM, in the </a:t>
+            </a:r>
+            <a:r>
+              <a:rPr lang="en-US" sz="1900" dirty="0" err="1"/>
+              <a:t>SVMAttributeEval</a:t>
+            </a:r>
+            <a:r>
+              <a:rPr lang="en-US" sz="1900" dirty="0"/>
+              <a:t> package)</a:t>
+            </a:r>
+          </a:p>
+          <a:p>
+            <a:pPr lvl="1"/>
+            <a:r>
+              <a:rPr lang="en-US" sz="1900" dirty="0" err="1"/>
+              <a:t>ReliefF</a:t>
+            </a:r>
+            <a:r>
+              <a:rPr lang="en-US" sz="1900" dirty="0"/>
+              <a:t> (instance-based approach for ranking attributes)</a:t>
+            </a:r>
+          </a:p>
+          <a:p>
+            <a:pPr lvl="1"/>
+            <a:r>
+              <a:rPr lang="en-US" sz="1900" dirty="0" err="1"/>
+              <a:t>WrapperSubsetEval</a:t>
+            </a:r>
+            <a:r>
+              <a:rPr lang="en-US" sz="1900" dirty="0"/>
+              <a:t> (uses a classifier plus cross-validation)</a:t>
+            </a:r>
+            <a:endParaRPr lang="en-CA" sz="1900" dirty="0"/>
+          </a:p>
+          <a:p>
+            <a:pPr lvl="1"/>
+            <a:r>
+              <a:rPr lang="en-US" sz="1900" dirty="0" err="1"/>
+              <a:t>GreedyStepwise</a:t>
+            </a:r>
+            <a:r>
+              <a:rPr lang="en-US" sz="1900" dirty="0"/>
+              <a:t> (forward selection and backward elimination search)</a:t>
+            </a:r>
+            <a:endParaRPr lang="en-CA" sz="1900" dirty="0"/>
+          </a:p>
+          <a:p>
+            <a:pPr lvl="1"/>
+            <a:r>
+              <a:rPr lang="en-US" sz="1900" dirty="0" err="1"/>
+              <a:t>LinearForwardSelection</a:t>
+            </a:r>
+            <a:r>
+              <a:rPr lang="en-US" sz="1900" dirty="0"/>
+              <a:t> (forward selection with a sliding window of attribute choices at each step of the search, in the </a:t>
+            </a:r>
+            <a:r>
+              <a:rPr lang="en-US" sz="1900" dirty="0" err="1"/>
+              <a:t>linearForwardSelection</a:t>
+            </a:r>
+            <a:r>
+              <a:rPr lang="en-US" sz="1900" dirty="0"/>
+              <a:t> package)</a:t>
+            </a:r>
+            <a:endParaRPr lang="en-CA" sz="1900" dirty="0"/>
+          </a:p>
+          <a:p>
+            <a:pPr lvl="1"/>
+            <a:r>
+              <a:rPr lang="en-US" sz="1900" dirty="0" err="1"/>
+              <a:t>BestFirst</a:t>
+            </a:r>
+            <a:r>
+              <a:rPr lang="en-US" sz="1900" dirty="0"/>
+              <a:t> (search method that uses greedy hill-climbing with backtracking)</a:t>
+            </a:r>
+            <a:endParaRPr lang="en-CA" sz="1900" dirty="0"/>
+          </a:p>
+          <a:p>
+            <a:pPr lvl="1"/>
+            <a:r>
+              <a:rPr lang="en-US" sz="1900" dirty="0" err="1"/>
+              <a:t>RaceSearch</a:t>
+            </a:r>
+            <a:r>
+              <a:rPr lang="en-US" sz="1900" dirty="0"/>
+              <a:t> (uses the race search methodology, in the </a:t>
+            </a:r>
+            <a:r>
+              <a:rPr lang="en-US" sz="1900" dirty="0" err="1"/>
+              <a:t>raceSearch</a:t>
+            </a:r>
+            <a:r>
+              <a:rPr lang="en-US" sz="1900" dirty="0"/>
+              <a:t> package)</a:t>
+            </a:r>
+            <a:endParaRPr lang="en-CA" sz="1900" dirty="0"/>
+          </a:p>
+          <a:p>
+            <a:pPr lvl="1"/>
+            <a:r>
+              <a:rPr lang="en-US" sz="1900" dirty="0"/>
+              <a:t>Ranker (ranks individual attributes according to their evaluation)</a:t>
+            </a:r>
+            <a:endParaRPr lang="en-CA" sz="1900" dirty="0"/>
           </a:p>
         </p:txBody>
       </p:sp>
@@ -24241,7 +24608,7 @@
     </p:spTree>
     <p:extLst>
       <p:ext uri="{BB962C8B-B14F-4D97-AF65-F5344CB8AC3E}">
-        <p14:creationId xmlns:p14="http://schemas.microsoft.com/office/powerpoint/2010/main" val="2810373431"/>
+        <p14:creationId xmlns:p14="http://schemas.microsoft.com/office/powerpoint/2010/main" val="2440831861"/>
       </p:ext>
     </p:extLst>
   </p:cSld>
@@ -24306,43 +24673,120 @@
         </p:nvSpPr>
         <p:spPr/>
         <p:txBody>
-          <a:bodyPr/>
-          <a:lstStyle/>
+          <a:bodyPr>
+            <a:normAutofit/>
+          </a:bodyPr>
+          <a:lstStyle/>
+          <a:p>
+            <a:r>
+              <a:rPr lang="en-US" sz="2600" dirty="0"/>
+              <a:t>Learning decision tables: </a:t>
+            </a:r>
+            <a:r>
+              <a:rPr lang="en-US" sz="2600" dirty="0" err="1"/>
+              <a:t>DecisionTable</a:t>
+            </a:r>
+            <a:endParaRPr lang="en-CA" sz="2600" dirty="0"/>
+          </a:p>
+          <a:p>
+            <a:r>
+              <a:rPr lang="en-US" dirty="0"/>
+              <a:t>Discretization</a:t>
+            </a:r>
+            <a:endParaRPr lang="en-CA" dirty="0"/>
+          </a:p>
+          <a:p>
+            <a:pPr lvl="1"/>
+            <a:r>
+              <a:rPr lang="en-US" dirty="0"/>
+              <a:t>Discretize (unsupervised and supervised versions)</a:t>
+            </a:r>
+            <a:endParaRPr lang="en-CA" dirty="0"/>
+          </a:p>
+          <a:p>
+            <a:pPr lvl="1"/>
+            <a:r>
+              <a:rPr lang="en-US" dirty="0" err="1"/>
+              <a:t>PKIDiscretize</a:t>
+            </a:r>
+            <a:r>
+              <a:rPr lang="en-US" dirty="0"/>
+              <a:t> (proportional k-interval discretization)</a:t>
+            </a:r>
+            <a:endParaRPr lang="en-CA" dirty="0"/>
+          </a:p>
           <a:p>
             <a:pPr lvl="0"/>
             <a:r>
               <a:rPr lang="en-US" dirty="0" err="1"/>
-              <a:t>OneClassClassifier</a:t>
-            </a:r>
-            <a:endParaRPr lang="en-US" dirty="0"/>
-          </a:p>
-          <a:p>
-            <a:pPr lvl="1"/>
+              <a:t>PrincipalComponents</a:t>
+            </a:r>
             <a:r>
               <a:rPr lang="en-US" dirty="0"/>
-              <a:t>Implements one-class classification using artificial data (available in the </a:t>
+              <a:t> and </a:t>
             </a:r>
             <a:r>
               <a:rPr lang="en-US" dirty="0" err="1"/>
-              <a:t>oneClassClassifier</a:t>
+              <a:t>RandomProjection</a:t>
             </a:r>
             <a:r>
               <a:rPr lang="en-US" dirty="0"/>
-              <a:t> package) </a:t>
-            </a:r>
-          </a:p>
-          <a:p>
+              <a:t> </a:t>
+            </a:r>
+          </a:p>
+          <a:p>
+            <a:pPr lvl="0"/>
+            <a:r>
+              <a:rPr lang="en-US" dirty="0" err="1"/>
+              <a:t>FastICA</a:t>
+            </a:r>
             <a:r>
               <a:rPr lang="en-US" dirty="0"/>
-              <a:t>Many other preprocessing tools are available:</a:t>
-            </a:r>
-          </a:p>
-          <a:p>
-            <a:pPr lvl="1"/>
+              <a:t> (independent component analysis, in the </a:t>
+            </a:r>
+            <a:r>
+              <a:rPr lang="en-US" dirty="0" err="1"/>
+              <a:t>StudentFilters</a:t>
+            </a:r>
             <a:r>
               <a:rPr lang="en-US" dirty="0"/>
-              <a:t>Arithmetic operations; time-series operations; obfuscation; generating cluster membership values; adding noise; various conversions between numeric, binary, and nominal attributes; and various data cleansing operations </a:t>
-            </a:r>
+              <a:t> package)</a:t>
+            </a:r>
+            <a:endParaRPr lang="en-CA" dirty="0"/>
+          </a:p>
+          <a:p>
+            <a:pPr lvl="0"/>
+            <a:r>
+              <a:rPr lang="en-US" dirty="0" err="1"/>
+              <a:t>StringToWordVector</a:t>
+            </a:r>
+            <a:r>
+              <a:rPr lang="en-US" dirty="0"/>
+              <a:t> (text to attribute vectors)</a:t>
+            </a:r>
+            <a:endParaRPr lang="en-CA" dirty="0"/>
+          </a:p>
+          <a:p>
+            <a:pPr lvl="0"/>
+            <a:r>
+              <a:rPr lang="en-US" dirty="0" err="1"/>
+              <a:t>PLSFilter</a:t>
+            </a:r>
+            <a:r>
+              <a:rPr lang="en-US" dirty="0"/>
+              <a:t> (partial least squares transformation) </a:t>
+            </a:r>
+            <a:endParaRPr lang="en-CA" dirty="0"/>
+          </a:p>
+          <a:p>
+            <a:pPr lvl="0"/>
+            <a:r>
+              <a:rPr lang="en-US" dirty="0"/>
+              <a:t>Resampling and reservoir sampling</a:t>
+            </a:r>
+            <a:endParaRPr lang="en-CA" dirty="0"/>
+          </a:p>
+          <a:p>
             <a:endParaRPr lang="en-CA" dirty="0"/>
           </a:p>
           <a:p>
@@ -24377,7 +24821,7 @@
     </p:spTree>
     <p:extLst>
       <p:ext uri="{BB962C8B-B14F-4D97-AF65-F5344CB8AC3E}">
-        <p14:creationId xmlns:p14="http://schemas.microsoft.com/office/powerpoint/2010/main" val="3912771623"/>
+        <p14:creationId xmlns:p14="http://schemas.microsoft.com/office/powerpoint/2010/main" val="2810373431"/>
       </p:ext>
     </p:extLst>
   </p:cSld>
@@ -24515,6 +24959,1636 @@
         </p:txBody>
       </p:sp>
     </p:spTree>
+  </p:cSld>
+  <p:clrMapOvr>
+    <a:masterClrMapping/>
+  </p:clrMapOvr>
+</p:sld>
+</file>
+
+<file path=ppt/slides/slide40.xml><?xml version="1.0" encoding="utf-8"?>
+<p:sld xmlns:a="http://schemas.openxmlformats.org/drawingml/2006/main" xmlns:r="http://schemas.openxmlformats.org/officeDocument/2006/relationships" xmlns:p="http://schemas.openxmlformats.org/presentationml/2006/main">
+  <p:cSld>
+    <p:spTree>
+      <p:nvGrpSpPr>
+        <p:cNvPr id="1" name=""/>
+        <p:cNvGrpSpPr/>
+        <p:nvPr/>
+      </p:nvGrpSpPr>
+      <p:grpSpPr>
+        <a:xfrm>
+          <a:off x="0" y="0"/>
+          <a:ext cx="0" cy="0"/>
+          <a:chOff x="0" y="0"/>
+          <a:chExt cx="0" cy="0"/>
+        </a:xfrm>
+      </p:grpSpPr>
+      <p:sp>
+        <p:nvSpPr>
+          <p:cNvPr id="2" name="Title 1"/>
+          <p:cNvSpPr>
+            <a:spLocks noGrp="1"/>
+          </p:cNvSpPr>
+          <p:nvPr>
+            <p:ph type="title"/>
+          </p:nvPr>
+        </p:nvSpPr>
+        <p:spPr/>
+        <p:txBody>
+          <a:bodyPr/>
+          <a:lstStyle/>
+          <a:p>
+            <a:r>
+              <a:rPr lang="en-CA" dirty="0" err="1"/>
+              <a:t>Weka</a:t>
+            </a:r>
+            <a:r>
+              <a:rPr lang="en-CA" dirty="0"/>
+              <a:t> implementations</a:t>
+            </a:r>
+          </a:p>
+        </p:txBody>
+      </p:sp>
+      <p:sp>
+        <p:nvSpPr>
+          <p:cNvPr id="3" name="Content Placeholder 2"/>
+          <p:cNvSpPr>
+            <a:spLocks noGrp="1"/>
+          </p:cNvSpPr>
+          <p:nvPr>
+            <p:ph idx="1"/>
+          </p:nvPr>
+        </p:nvSpPr>
+        <p:spPr/>
+        <p:txBody>
+          <a:bodyPr/>
+          <a:lstStyle/>
+          <a:p>
+            <a:pPr lvl="0"/>
+            <a:r>
+              <a:rPr lang="en-US" dirty="0" err="1"/>
+              <a:t>OneClassClassifier</a:t>
+            </a:r>
+            <a:endParaRPr lang="en-US" dirty="0"/>
+          </a:p>
+          <a:p>
+            <a:pPr lvl="1"/>
+            <a:r>
+              <a:rPr lang="en-US" dirty="0"/>
+              <a:t>Implements one-class classification using artificial data (available in the </a:t>
+            </a:r>
+            <a:r>
+              <a:rPr lang="en-US" dirty="0" err="1"/>
+              <a:t>oneClassClassifier</a:t>
+            </a:r>
+            <a:r>
+              <a:rPr lang="en-US" dirty="0"/>
+              <a:t> package) </a:t>
+            </a:r>
+          </a:p>
+          <a:p>
+            <a:r>
+              <a:rPr lang="en-US" dirty="0"/>
+              <a:t>Many other preprocessing tools are available:</a:t>
+            </a:r>
+          </a:p>
+          <a:p>
+            <a:pPr lvl="1"/>
+            <a:r>
+              <a:rPr lang="en-US" dirty="0"/>
+              <a:t>Arithmetic operations; time-series operations; obfuscation; generating cluster membership values; adding noise; various conversions between numeric, binary, and nominal attributes; and various data cleansing operations </a:t>
+            </a:r>
+            <a:endParaRPr lang="en-CA" dirty="0"/>
+          </a:p>
+          <a:p>
+            <a:endParaRPr lang="en-CA" dirty="0"/>
+          </a:p>
+        </p:txBody>
+      </p:sp>
+      <p:sp>
+        <p:nvSpPr>
+          <p:cNvPr id="4" name="Slide Number Placeholder 3"/>
+          <p:cNvSpPr>
+            <a:spLocks noGrp="1"/>
+          </p:cNvSpPr>
+          <p:nvPr>
+            <p:ph type="sldNum" sz="quarter" idx="12"/>
+          </p:nvPr>
+        </p:nvSpPr>
+        <p:spPr/>
+        <p:txBody>
+          <a:bodyPr/>
+          <a:lstStyle/>
+          <a:p>
+            <a:fld id="{CC0D3929-19F2-429B-ADDC-CA064EDFCD10}" type="slidenum">
+              <a:rPr lang="en-NZ" smtClean="0"/>
+              <a:pPr/>
+              <a:t>40</a:t>
+            </a:fld>
+            <a:endParaRPr lang="en-NZ"/>
+          </a:p>
+        </p:txBody>
+      </p:sp>
+    </p:spTree>
+    <p:extLst>
+      <p:ext uri="{BB962C8B-B14F-4D97-AF65-F5344CB8AC3E}">
+        <p14:creationId xmlns:p14="http://schemas.microsoft.com/office/powerpoint/2010/main" val="3912771623"/>
+      </p:ext>
+    </p:extLst>
+  </p:cSld>
+  <p:clrMapOvr>
+    <a:masterClrMapping/>
+  </p:clrMapOvr>
+</p:sld>
+</file>
+
+<file path=ppt/slides/slide41.xml><?xml version="1.0" encoding="utf-8"?>
+<p:sld xmlns:a="http://schemas.openxmlformats.org/drawingml/2006/main" xmlns:r="http://schemas.openxmlformats.org/officeDocument/2006/relationships" xmlns:p="http://schemas.openxmlformats.org/presentationml/2006/main">
+  <p:cSld>
+    <p:spTree>
+      <p:nvGrpSpPr>
+        <p:cNvPr id="1" name=""/>
+        <p:cNvGrpSpPr/>
+        <p:nvPr/>
+      </p:nvGrpSpPr>
+      <p:grpSpPr>
+        <a:xfrm>
+          <a:off x="0" y="0"/>
+          <a:ext cx="0" cy="0"/>
+          <a:chOff x="0" y="0"/>
+          <a:chExt cx="0" cy="0"/>
+        </a:xfrm>
+      </p:grpSpPr>
+      <p:sp>
+        <p:nvSpPr>
+          <p:cNvPr id="3" name="Title 2"/>
+          <p:cNvSpPr>
+            <a:spLocks noGrp="1"/>
+          </p:cNvSpPr>
+          <p:nvPr>
+            <p:ph type="title"/>
+          </p:nvPr>
+        </p:nvSpPr>
+        <p:spPr>
+          <a:xfrm>
+            <a:off x="889735" y="64689"/>
+            <a:ext cx="7625615" cy="700062"/>
+          </a:xfrm>
+        </p:spPr>
+        <p:txBody>
+          <a:bodyPr>
+            <a:noAutofit/>
+          </a:bodyPr>
+          <a:lstStyle/>
+          <a:p>
+            <a:r>
+              <a:rPr lang="en-CA" dirty="0"/>
+              <a:t>Further Reading and Bibliographic Notes</a:t>
+            </a:r>
+          </a:p>
+        </p:txBody>
+      </p:sp>
+      <p:sp>
+        <p:nvSpPr>
+          <p:cNvPr id="4" name="Content Placeholder 3"/>
+          <p:cNvSpPr>
+            <a:spLocks noGrp="1"/>
+          </p:cNvSpPr>
+          <p:nvPr>
+            <p:ph idx="1"/>
+          </p:nvPr>
+        </p:nvSpPr>
+        <p:spPr>
+          <a:xfrm>
+            <a:off x="251135" y="1215407"/>
+            <a:ext cx="8588812" cy="4961556"/>
+          </a:xfrm>
+        </p:spPr>
+        <p:txBody>
+          <a:bodyPr>
+            <a:normAutofit/>
+          </a:bodyPr>
+          <a:lstStyle/>
+          <a:p>
+            <a:r>
+              <a:rPr lang="en-CA" sz="2000" dirty="0"/>
+              <a:t>Backward elimination, e.g., was introduced in (</a:t>
+            </a:r>
+            <a:r>
+              <a:rPr lang="en-CA" sz="2000" dirty="0" err="1"/>
+              <a:t>Marill</a:t>
+            </a:r>
+            <a:r>
+              <a:rPr lang="en-CA" sz="2000" dirty="0"/>
+              <a:t> &amp; Green, 1963)</a:t>
+            </a:r>
+          </a:p>
+          <a:p>
+            <a:r>
+              <a:rPr lang="en-CA" sz="2000" dirty="0"/>
+              <a:t>Kittler (1978) surveys feature selection algorithms in pattern recognition.</a:t>
+            </a:r>
+          </a:p>
+          <a:p>
+            <a:r>
+              <a:rPr lang="en-CA" sz="2000" dirty="0"/>
+              <a:t>Best-first search and genetic algorithms are standard artificial intelligence techniques (Goldberg, 1989; Winston, 1992)</a:t>
+            </a:r>
+          </a:p>
+          <a:p>
+            <a:r>
+              <a:rPr lang="en-US" sz="2000" dirty="0"/>
+              <a:t>John (1997) shows that the performance of decision tree learners can deteriorate when new attributes are added</a:t>
+            </a:r>
+          </a:p>
+          <a:p>
+            <a:r>
+              <a:rPr lang="en-US" sz="2000" dirty="0"/>
+              <a:t>Langley and Sage (1997): the number of training instances must grow exponentially with the number of attributes in instance-based learning</a:t>
+            </a:r>
+          </a:p>
+          <a:p>
+            <a:r>
+              <a:rPr lang="en-US" sz="2000" dirty="0"/>
+              <a:t>The idea of finding the smallest attribute set that carves up the instances uniquely is from </a:t>
+            </a:r>
+            <a:r>
+              <a:rPr lang="en-US" sz="2000" dirty="0" err="1"/>
+              <a:t>Almuallin</a:t>
+            </a:r>
+            <a:r>
+              <a:rPr lang="en-US" sz="2000" dirty="0"/>
+              <a:t> and </a:t>
+            </a:r>
+            <a:r>
+              <a:rPr lang="en-US" sz="2000" dirty="0" err="1"/>
+              <a:t>Dietterich</a:t>
+            </a:r>
+            <a:r>
+              <a:rPr lang="en-US" sz="2000" dirty="0"/>
+              <a:t> (1991, 1992) </a:t>
+            </a:r>
+          </a:p>
+          <a:p>
+            <a:r>
+              <a:rPr lang="en-US" sz="2000" dirty="0"/>
+              <a:t>It was further developed by Liu and </a:t>
+            </a:r>
+            <a:r>
+              <a:rPr lang="en-US" sz="2000" dirty="0" err="1"/>
+              <a:t>Setiono</a:t>
+            </a:r>
+            <a:r>
+              <a:rPr lang="en-US" sz="2000" dirty="0"/>
+              <a:t> (1996)</a:t>
+            </a:r>
+          </a:p>
+          <a:p>
+            <a:r>
+              <a:rPr lang="en-US" sz="2000" dirty="0" err="1"/>
+              <a:t>Kibler</a:t>
+            </a:r>
+            <a:r>
+              <a:rPr lang="en-US" sz="2000" dirty="0"/>
+              <a:t> and Aha (1987) and </a:t>
+            </a:r>
+            <a:r>
+              <a:rPr lang="en-US" sz="2000" dirty="0" err="1"/>
+              <a:t>Cardie</a:t>
+            </a:r>
+            <a:r>
+              <a:rPr lang="en-US" sz="2000" dirty="0"/>
+              <a:t> (1993) both investigated the use of decision tree algorithms to identify features for nearest-neighbor learning</a:t>
+            </a:r>
+          </a:p>
+          <a:p>
+            <a:r>
+              <a:rPr lang="en-US" sz="2000" dirty="0"/>
+              <a:t>Holmes and </a:t>
+            </a:r>
+            <a:r>
+              <a:rPr lang="en-US" sz="2000" dirty="0" err="1"/>
+              <a:t>Nevill</a:t>
+            </a:r>
+            <a:r>
+              <a:rPr lang="en-US" sz="2000" dirty="0"/>
+              <a:t>-Manning (1995) used 1R to order features for selection</a:t>
+            </a:r>
+            <a:endParaRPr lang="en-CA" sz="2000" dirty="0"/>
+          </a:p>
+          <a:p>
+            <a:endParaRPr lang="en-CA" sz="2000" dirty="0"/>
+          </a:p>
+        </p:txBody>
+      </p:sp>
+      <p:sp>
+        <p:nvSpPr>
+          <p:cNvPr id="2" name="Slide Number Placeholder 1"/>
+          <p:cNvSpPr>
+            <a:spLocks noGrp="1"/>
+          </p:cNvSpPr>
+          <p:nvPr>
+            <p:ph type="sldNum" sz="quarter" idx="12"/>
+          </p:nvPr>
+        </p:nvSpPr>
+        <p:spPr/>
+        <p:txBody>
+          <a:bodyPr/>
+          <a:lstStyle/>
+          <a:p>
+            <a:fld id="{CC0D3929-19F2-429B-ADDC-CA064EDFCD10}" type="slidenum">
+              <a:rPr lang="en-NZ" smtClean="0"/>
+              <a:pPr/>
+              <a:t>41</a:t>
+            </a:fld>
+            <a:endParaRPr lang="en-NZ"/>
+          </a:p>
+        </p:txBody>
+      </p:sp>
+    </p:spTree>
+    <p:extLst>
+      <p:ext uri="{BB962C8B-B14F-4D97-AF65-F5344CB8AC3E}">
+        <p14:creationId xmlns:p14="http://schemas.microsoft.com/office/powerpoint/2010/main" val="3394651755"/>
+      </p:ext>
+    </p:extLst>
+  </p:cSld>
+  <p:clrMapOvr>
+    <a:masterClrMapping/>
+  </p:clrMapOvr>
+</p:sld>
+</file>
+
+<file path=ppt/slides/slide42.xml><?xml version="1.0" encoding="utf-8"?>
+<p:sld xmlns:a="http://schemas.openxmlformats.org/drawingml/2006/main" xmlns:r="http://schemas.openxmlformats.org/officeDocument/2006/relationships" xmlns:p="http://schemas.openxmlformats.org/presentationml/2006/main">
+  <p:cSld>
+    <p:spTree>
+      <p:nvGrpSpPr>
+        <p:cNvPr id="1" name=""/>
+        <p:cNvGrpSpPr/>
+        <p:nvPr/>
+      </p:nvGrpSpPr>
+      <p:grpSpPr>
+        <a:xfrm>
+          <a:off x="0" y="0"/>
+          <a:ext cx="0" cy="0"/>
+          <a:chOff x="0" y="0"/>
+          <a:chExt cx="0" cy="0"/>
+        </a:xfrm>
+      </p:grpSpPr>
+      <p:sp>
+        <p:nvSpPr>
+          <p:cNvPr id="4" name="Title 2"/>
+          <p:cNvSpPr>
+            <a:spLocks noGrp="1"/>
+          </p:cNvSpPr>
+          <p:nvPr>
+            <p:ph type="title"/>
+          </p:nvPr>
+        </p:nvSpPr>
+        <p:spPr>
+          <a:xfrm>
+            <a:off x="832333" y="64689"/>
+            <a:ext cx="7683017" cy="700062"/>
+          </a:xfrm>
+        </p:spPr>
+        <p:txBody>
+          <a:bodyPr>
+            <a:noAutofit/>
+          </a:bodyPr>
+          <a:lstStyle/>
+          <a:p>
+            <a:r>
+              <a:rPr lang="en-CA" dirty="0"/>
+              <a:t>Further Reading and Bibliographic Notes</a:t>
+            </a:r>
+          </a:p>
+        </p:txBody>
+      </p:sp>
+      <p:sp>
+        <p:nvSpPr>
+          <p:cNvPr id="3" name="Content Placeholder 2"/>
+          <p:cNvSpPr>
+            <a:spLocks noGrp="1"/>
+          </p:cNvSpPr>
+          <p:nvPr>
+            <p:ph idx="1"/>
+          </p:nvPr>
+        </p:nvSpPr>
+        <p:spPr>
+          <a:xfrm>
+            <a:off x="365939" y="1215407"/>
+            <a:ext cx="8452483" cy="4961556"/>
+          </a:xfrm>
+        </p:spPr>
+        <p:txBody>
+          <a:bodyPr>
+            <a:normAutofit fontScale="92500"/>
+          </a:bodyPr>
+          <a:lstStyle/>
+          <a:p>
+            <a:r>
+              <a:rPr lang="en-US" sz="2000" dirty="0" err="1"/>
+              <a:t>Kira</a:t>
+            </a:r>
+            <a:r>
+              <a:rPr lang="en-US" sz="2000" dirty="0"/>
+              <a:t> and Rendell (1992) used instance-based methods to select features, leading to a scheme called RELIEF for Recursive Elimination of Features</a:t>
+            </a:r>
+          </a:p>
+          <a:p>
+            <a:r>
+              <a:rPr lang="en-US" sz="2000" dirty="0" err="1"/>
+              <a:t>Gilad-Bachrach</a:t>
+            </a:r>
+            <a:r>
+              <a:rPr lang="en-US" sz="2000" dirty="0"/>
+              <a:t>, </a:t>
+            </a:r>
+            <a:r>
+              <a:rPr lang="en-US" sz="2000" dirty="0" err="1"/>
+              <a:t>Navot</a:t>
+            </a:r>
+            <a:r>
+              <a:rPr lang="en-US" sz="2000" dirty="0"/>
+              <a:t>, and </a:t>
+            </a:r>
+            <a:r>
+              <a:rPr lang="en-US" sz="2000" dirty="0" err="1"/>
+              <a:t>Tishby</a:t>
+            </a:r>
+            <a:r>
+              <a:rPr lang="en-US" sz="2000" dirty="0"/>
+              <a:t> (2004) show how this scheme can be modified to work better with redundant attributes</a:t>
+            </a:r>
+          </a:p>
+          <a:p>
+            <a:r>
+              <a:rPr lang="en-US" sz="2000" dirty="0"/>
+              <a:t>The correlation-based feature selection method is due to Hall (2000)</a:t>
+            </a:r>
+          </a:p>
+          <a:p>
+            <a:r>
+              <a:rPr lang="en-US" sz="2000" dirty="0"/>
+              <a:t>The use of wrapper methods for feature selection is due to John, </a:t>
+            </a:r>
+            <a:r>
+              <a:rPr lang="en-US" sz="2000" dirty="0" err="1"/>
+              <a:t>Kohavi</a:t>
+            </a:r>
+            <a:r>
+              <a:rPr lang="en-US" sz="2000" dirty="0"/>
+              <a:t>, and </a:t>
+            </a:r>
+            <a:r>
+              <a:rPr lang="en-US" sz="2000" dirty="0" err="1"/>
+              <a:t>Pfleger</a:t>
+            </a:r>
+            <a:r>
+              <a:rPr lang="en-US" sz="2000" dirty="0"/>
+              <a:t> (1994) and </a:t>
+            </a:r>
+            <a:r>
+              <a:rPr lang="en-US" sz="2000" dirty="0" err="1"/>
+              <a:t>Kohavi</a:t>
+            </a:r>
+            <a:r>
+              <a:rPr lang="en-US" sz="2000" dirty="0"/>
+              <a:t> and John (1997) </a:t>
+            </a:r>
+          </a:p>
+          <a:p>
+            <a:r>
+              <a:rPr lang="en-US" sz="2000" dirty="0"/>
+              <a:t>Genetic algorithms have been applied within a wrapper framework by </a:t>
+            </a:r>
+            <a:r>
+              <a:rPr lang="en-US" sz="2000" dirty="0" err="1"/>
+              <a:t>Vafaie</a:t>
+            </a:r>
+            <a:r>
+              <a:rPr lang="en-US" sz="2000" dirty="0"/>
+              <a:t> and </a:t>
+            </a:r>
+            <a:r>
+              <a:rPr lang="en-US" sz="2000" dirty="0" err="1"/>
+              <a:t>DeJong</a:t>
+            </a:r>
+            <a:r>
+              <a:rPr lang="en-US" sz="2000" dirty="0"/>
+              <a:t> (1992) and </a:t>
+            </a:r>
+            <a:r>
+              <a:rPr lang="en-US" sz="2000" dirty="0" err="1"/>
+              <a:t>Cherkauer</a:t>
+            </a:r>
+            <a:r>
+              <a:rPr lang="en-US" sz="2000" dirty="0"/>
+              <a:t> and </a:t>
+            </a:r>
+            <a:r>
+              <a:rPr lang="en-US" sz="2000" dirty="0" err="1"/>
+              <a:t>Shavlik</a:t>
+            </a:r>
+            <a:r>
+              <a:rPr lang="en-US" sz="2000" dirty="0"/>
+              <a:t> (1996) </a:t>
+            </a:r>
+          </a:p>
+          <a:p>
+            <a:r>
+              <a:rPr lang="en-US" sz="2000" dirty="0"/>
+              <a:t>The selective naïve Bayes learning scheme is due to Langley and Sage (1994)</a:t>
+            </a:r>
+          </a:p>
+          <a:p>
+            <a:r>
+              <a:rPr lang="en-US" sz="2000" dirty="0" err="1"/>
+              <a:t>Guyon</a:t>
+            </a:r>
+            <a:r>
+              <a:rPr lang="en-US" sz="2000" dirty="0"/>
+              <a:t>, Weston, Barnhill, and </a:t>
+            </a:r>
+            <a:r>
+              <a:rPr lang="en-US" sz="2000" dirty="0" err="1"/>
+              <a:t>Vapnik</a:t>
+            </a:r>
+            <a:r>
+              <a:rPr lang="en-US" sz="2000" dirty="0"/>
+              <a:t> (2002) present and evaluate the recursive feature elimination scheme in conjunction with support vector machines </a:t>
+            </a:r>
+          </a:p>
+          <a:p>
+            <a:r>
+              <a:rPr lang="en-US" sz="2000" dirty="0"/>
+              <a:t>The method of raced search was developed by Moore and Lee (1994)</a:t>
+            </a:r>
+          </a:p>
+          <a:p>
+            <a:r>
+              <a:rPr lang="en-US" sz="2000" dirty="0" err="1"/>
+              <a:t>Gütlein</a:t>
+            </a:r>
+            <a:r>
+              <a:rPr lang="en-US" sz="2000" dirty="0"/>
+              <a:t>, Frank, Hall, and </a:t>
+            </a:r>
+            <a:r>
+              <a:rPr lang="en-US" sz="2000" dirty="0" err="1"/>
+              <a:t>Karwath</a:t>
+            </a:r>
+            <a:r>
+              <a:rPr lang="en-US" sz="2000" dirty="0"/>
+              <a:t> (2009) show how to speed up scheme-specific selection for datasets with many attributes using simple ranking-based methods</a:t>
+            </a:r>
+          </a:p>
+          <a:p>
+            <a:endParaRPr lang="en-US" sz="2000" dirty="0"/>
+          </a:p>
+          <a:p>
+            <a:endParaRPr lang="en-US" sz="2000" dirty="0"/>
+          </a:p>
+          <a:p>
+            <a:endParaRPr lang="en-CA" sz="2000" dirty="0"/>
+          </a:p>
+        </p:txBody>
+      </p:sp>
+      <p:sp>
+        <p:nvSpPr>
+          <p:cNvPr id="2" name="Slide Number Placeholder 1"/>
+          <p:cNvSpPr>
+            <a:spLocks noGrp="1"/>
+          </p:cNvSpPr>
+          <p:nvPr>
+            <p:ph type="sldNum" sz="quarter" idx="12"/>
+          </p:nvPr>
+        </p:nvSpPr>
+        <p:spPr/>
+        <p:txBody>
+          <a:bodyPr/>
+          <a:lstStyle/>
+          <a:p>
+            <a:fld id="{CC0D3929-19F2-429B-ADDC-CA064EDFCD10}" type="slidenum">
+              <a:rPr lang="en-NZ" smtClean="0"/>
+              <a:pPr/>
+              <a:t>42</a:t>
+            </a:fld>
+            <a:endParaRPr lang="en-NZ"/>
+          </a:p>
+        </p:txBody>
+      </p:sp>
+    </p:spTree>
+    <p:extLst>
+      <p:ext uri="{BB962C8B-B14F-4D97-AF65-F5344CB8AC3E}">
+        <p14:creationId xmlns:p14="http://schemas.microsoft.com/office/powerpoint/2010/main" val="2297948576"/>
+      </p:ext>
+    </p:extLst>
+  </p:cSld>
+  <p:clrMapOvr>
+    <a:masterClrMapping/>
+  </p:clrMapOvr>
+</p:sld>
+</file>
+
+<file path=ppt/slides/slide43.xml><?xml version="1.0" encoding="utf-8"?>
+<p:sld xmlns:a="http://schemas.openxmlformats.org/drawingml/2006/main" xmlns:r="http://schemas.openxmlformats.org/officeDocument/2006/relationships" xmlns:p="http://schemas.openxmlformats.org/presentationml/2006/main">
+  <p:cSld>
+    <p:spTree>
+      <p:nvGrpSpPr>
+        <p:cNvPr id="1" name=""/>
+        <p:cNvGrpSpPr/>
+        <p:nvPr/>
+      </p:nvGrpSpPr>
+      <p:grpSpPr>
+        <a:xfrm>
+          <a:off x="0" y="0"/>
+          <a:ext cx="0" cy="0"/>
+          <a:chOff x="0" y="0"/>
+          <a:chExt cx="0" cy="0"/>
+        </a:xfrm>
+      </p:grpSpPr>
+      <p:sp>
+        <p:nvSpPr>
+          <p:cNvPr id="2" name="Title 1"/>
+          <p:cNvSpPr>
+            <a:spLocks noGrp="1"/>
+          </p:cNvSpPr>
+          <p:nvPr>
+            <p:ph type="title"/>
+          </p:nvPr>
+        </p:nvSpPr>
+        <p:spPr>
+          <a:xfrm>
+            <a:off x="746229" y="64689"/>
+            <a:ext cx="7769121" cy="700062"/>
+          </a:xfrm>
+        </p:spPr>
+        <p:txBody>
+          <a:bodyPr>
+            <a:noAutofit/>
+          </a:bodyPr>
+          <a:lstStyle/>
+          <a:p>
+            <a:r>
+              <a:rPr lang="en-CA" dirty="0"/>
+              <a:t>Further Reading and Bibliographic Notes</a:t>
+            </a:r>
+          </a:p>
+        </p:txBody>
+      </p:sp>
+      <p:sp>
+        <p:nvSpPr>
+          <p:cNvPr id="3" name="Content Placeholder 2"/>
+          <p:cNvSpPr>
+            <a:spLocks noGrp="1"/>
+          </p:cNvSpPr>
+          <p:nvPr>
+            <p:ph idx="1"/>
+          </p:nvPr>
+        </p:nvSpPr>
+        <p:spPr>
+          <a:xfrm>
+            <a:off x="344413" y="1215407"/>
+            <a:ext cx="8423781" cy="4961556"/>
+          </a:xfrm>
+        </p:spPr>
+        <p:txBody>
+          <a:bodyPr>
+            <a:normAutofit/>
+          </a:bodyPr>
+          <a:lstStyle/>
+          <a:p>
+            <a:r>
+              <a:rPr lang="en-US" sz="2000" dirty="0"/>
+              <a:t>Dougherty, </a:t>
+            </a:r>
+            <a:r>
+              <a:rPr lang="en-US" sz="2000" dirty="0" err="1"/>
+              <a:t>Kohavi</a:t>
+            </a:r>
+            <a:r>
+              <a:rPr lang="en-US" sz="2000" dirty="0"/>
+              <a:t>, and </a:t>
+            </a:r>
+            <a:r>
+              <a:rPr lang="en-US" sz="2000" dirty="0" err="1"/>
+              <a:t>Sahami</a:t>
+            </a:r>
+            <a:r>
+              <a:rPr lang="en-US" sz="2000" dirty="0"/>
+              <a:t> (1995) show results comparing the entropy-based discretization method with equal-width binning and the 1R method</a:t>
+            </a:r>
+          </a:p>
+          <a:p>
+            <a:r>
+              <a:rPr lang="en-US" sz="2000" dirty="0"/>
+              <a:t>Frank and Witten (1999) describe the effect of using the ordering information in discretized attributes</a:t>
+            </a:r>
+          </a:p>
+          <a:p>
+            <a:r>
+              <a:rPr lang="en-US" sz="2000" dirty="0"/>
+              <a:t>Proportional k-interval discretization for Naive Bayes was proposed by Yang and Webb (2001)</a:t>
+            </a:r>
+          </a:p>
+          <a:p>
+            <a:r>
+              <a:rPr lang="en-US" sz="2000" dirty="0"/>
+              <a:t>The entropy-based method for discretization, including the use of the MDL stopping criterion, was developed by Fayyad and </a:t>
+            </a:r>
+            <a:r>
+              <a:rPr lang="en-US" sz="2000" dirty="0" err="1"/>
+              <a:t>Irani</a:t>
+            </a:r>
+            <a:r>
+              <a:rPr lang="en-US" sz="2000" dirty="0"/>
+              <a:t> (1993)</a:t>
+            </a:r>
+          </a:p>
+          <a:p>
+            <a:r>
+              <a:rPr lang="en-US" sz="2000" dirty="0"/>
+              <a:t>The bottom-up statistical method using the χ2 test is due to </a:t>
+            </a:r>
+            <a:r>
+              <a:rPr lang="en-US" sz="2000" dirty="0" err="1"/>
+              <a:t>Kerber</a:t>
+            </a:r>
+            <a:r>
+              <a:rPr lang="en-US" sz="2000" dirty="0"/>
+              <a:t> (1992)</a:t>
+            </a:r>
+          </a:p>
+          <a:p>
+            <a:r>
+              <a:rPr lang="en-US" sz="2000" dirty="0"/>
+              <a:t>An extension to an automatically determined significance level is described by Liu and </a:t>
+            </a:r>
+            <a:r>
+              <a:rPr lang="en-US" sz="2000" dirty="0" err="1"/>
+              <a:t>Setiono</a:t>
+            </a:r>
+            <a:r>
+              <a:rPr lang="en-US" sz="2000" dirty="0"/>
+              <a:t> (1997)</a:t>
+            </a:r>
+          </a:p>
+          <a:p>
+            <a:r>
+              <a:rPr lang="en-US" sz="2000" dirty="0"/>
+              <a:t>Fulton, </a:t>
+            </a:r>
+            <a:r>
+              <a:rPr lang="en-US" sz="2000" dirty="0" err="1"/>
+              <a:t>Kasif</a:t>
+            </a:r>
+            <a:r>
+              <a:rPr lang="en-US" sz="2000" dirty="0"/>
+              <a:t>, and </a:t>
+            </a:r>
+            <a:r>
+              <a:rPr lang="en-US" sz="2000" dirty="0" err="1"/>
+              <a:t>Salzberg</a:t>
+            </a:r>
+            <a:r>
+              <a:rPr lang="en-US" sz="2000" dirty="0"/>
+              <a:t> (1995) use dynamic programming for discretization and present a linear-time algorithm for error-based discretization</a:t>
+            </a:r>
+          </a:p>
+          <a:p>
+            <a:r>
+              <a:rPr lang="en-US" sz="2000" dirty="0"/>
+              <a:t>The example used for showing the weakness of error-based discretization is adapted from </a:t>
+            </a:r>
+            <a:r>
+              <a:rPr lang="en-US" sz="2000" dirty="0" err="1"/>
+              <a:t>Kohavi</a:t>
+            </a:r>
+            <a:r>
+              <a:rPr lang="en-US" sz="2000" dirty="0"/>
+              <a:t> and </a:t>
+            </a:r>
+            <a:r>
+              <a:rPr lang="en-US" sz="2000" dirty="0" err="1"/>
+              <a:t>Sahami</a:t>
+            </a:r>
+            <a:r>
+              <a:rPr lang="en-US" sz="2000" dirty="0"/>
+              <a:t> (1996)</a:t>
+            </a:r>
+            <a:endParaRPr lang="en-CA" sz="2000" dirty="0"/>
+          </a:p>
+        </p:txBody>
+      </p:sp>
+      <p:sp>
+        <p:nvSpPr>
+          <p:cNvPr id="4" name="Slide Number Placeholder 3"/>
+          <p:cNvSpPr>
+            <a:spLocks noGrp="1"/>
+          </p:cNvSpPr>
+          <p:nvPr>
+            <p:ph type="sldNum" sz="quarter" idx="12"/>
+          </p:nvPr>
+        </p:nvSpPr>
+        <p:spPr/>
+        <p:txBody>
+          <a:bodyPr/>
+          <a:lstStyle/>
+          <a:p>
+            <a:fld id="{CC0D3929-19F2-429B-ADDC-CA064EDFCD10}" type="slidenum">
+              <a:rPr lang="en-NZ" smtClean="0"/>
+              <a:pPr/>
+              <a:t>43</a:t>
+            </a:fld>
+            <a:endParaRPr lang="en-NZ"/>
+          </a:p>
+        </p:txBody>
+      </p:sp>
+    </p:spTree>
+    <p:extLst>
+      <p:ext uri="{BB962C8B-B14F-4D97-AF65-F5344CB8AC3E}">
+        <p14:creationId xmlns:p14="http://schemas.microsoft.com/office/powerpoint/2010/main" val="2762539250"/>
+      </p:ext>
+    </p:extLst>
+  </p:cSld>
+  <p:clrMapOvr>
+    <a:masterClrMapping/>
+  </p:clrMapOvr>
+</p:sld>
+</file>
+
+<file path=ppt/slides/slide44.xml><?xml version="1.0" encoding="utf-8"?>
+<p:sld xmlns:a="http://schemas.openxmlformats.org/drawingml/2006/main" xmlns:r="http://schemas.openxmlformats.org/officeDocument/2006/relationships" xmlns:p="http://schemas.openxmlformats.org/presentationml/2006/main">
+  <p:cSld>
+    <p:spTree>
+      <p:nvGrpSpPr>
+        <p:cNvPr id="1" name=""/>
+        <p:cNvGrpSpPr/>
+        <p:nvPr/>
+      </p:nvGrpSpPr>
+      <p:grpSpPr>
+        <a:xfrm>
+          <a:off x="0" y="0"/>
+          <a:ext cx="0" cy="0"/>
+          <a:chOff x="0" y="0"/>
+          <a:chExt cx="0" cy="0"/>
+        </a:xfrm>
+      </p:grpSpPr>
+      <p:sp>
+        <p:nvSpPr>
+          <p:cNvPr id="2" name="Title 1"/>
+          <p:cNvSpPr>
+            <a:spLocks noGrp="1"/>
+          </p:cNvSpPr>
+          <p:nvPr>
+            <p:ph type="title"/>
+          </p:nvPr>
+        </p:nvSpPr>
+        <p:spPr>
+          <a:xfrm>
+            <a:off x="817982" y="64689"/>
+            <a:ext cx="7697368" cy="700062"/>
+          </a:xfrm>
+        </p:spPr>
+        <p:txBody>
+          <a:bodyPr>
+            <a:noAutofit/>
+          </a:bodyPr>
+          <a:lstStyle/>
+          <a:p>
+            <a:r>
+              <a:rPr lang="en-CA" dirty="0"/>
+              <a:t>Further Reading and Bibliographic Notes</a:t>
+            </a:r>
+          </a:p>
+        </p:txBody>
+      </p:sp>
+      <p:sp>
+        <p:nvSpPr>
+          <p:cNvPr id="3" name="Content Placeholder 2"/>
+          <p:cNvSpPr>
+            <a:spLocks noGrp="1"/>
+          </p:cNvSpPr>
+          <p:nvPr>
+            <p:ph idx="1"/>
+          </p:nvPr>
+        </p:nvSpPr>
+        <p:spPr>
+          <a:xfrm>
+            <a:off x="315711" y="1215407"/>
+            <a:ext cx="8445307" cy="4961556"/>
+          </a:xfrm>
+        </p:spPr>
+        <p:txBody>
+          <a:bodyPr>
+            <a:normAutofit/>
+          </a:bodyPr>
+          <a:lstStyle/>
+          <a:p>
+            <a:r>
+              <a:rPr lang="en-CA" sz="2000" dirty="0" err="1"/>
+              <a:t>Fradkin</a:t>
+            </a:r>
+            <a:r>
+              <a:rPr lang="en-CA" sz="2000" dirty="0"/>
+              <a:t> and Madigan (2003) analyze the performance of random projections</a:t>
+            </a:r>
+          </a:p>
+          <a:p>
+            <a:r>
+              <a:rPr lang="en-CA" sz="2000" dirty="0"/>
+              <a:t>The algorithm for partial least squares regression is from Hastie et al. (2009)</a:t>
+            </a:r>
+          </a:p>
+          <a:p>
+            <a:r>
+              <a:rPr lang="en-CA" sz="2000" dirty="0"/>
+              <a:t>The </a:t>
+            </a:r>
+            <a:r>
+              <a:rPr lang="en-CA" sz="2000" dirty="0" err="1"/>
+              <a:t>TFxIDF</a:t>
+            </a:r>
+            <a:r>
+              <a:rPr lang="en-CA" sz="2000" dirty="0"/>
+              <a:t> metric is described by Witten et al. (1999b) </a:t>
+            </a:r>
+          </a:p>
+          <a:p>
+            <a:r>
+              <a:rPr lang="en-CA" sz="2000" dirty="0" err="1"/>
+              <a:t>Hyvärinen</a:t>
+            </a:r>
+            <a:r>
+              <a:rPr lang="en-CA" sz="2000" dirty="0"/>
+              <a:t> and </a:t>
+            </a:r>
+            <a:r>
+              <a:rPr lang="en-CA" sz="2000" dirty="0" err="1"/>
+              <a:t>Oja</a:t>
+            </a:r>
+            <a:r>
+              <a:rPr lang="en-CA" sz="2000" dirty="0"/>
+              <a:t> (2000) created the fast ICA method </a:t>
+            </a:r>
+          </a:p>
+          <a:p>
+            <a:r>
+              <a:rPr lang="en-CA" sz="2000" dirty="0" err="1"/>
+              <a:t>Duda</a:t>
+            </a:r>
+            <a:r>
+              <a:rPr lang="en-CA" sz="2000" dirty="0"/>
+              <a:t> et al. (2001) and Murphy (2012) explain the algebra underlying FLDA</a:t>
+            </a:r>
+          </a:p>
+          <a:p>
+            <a:r>
+              <a:rPr lang="en-CA" sz="2000" dirty="0"/>
+              <a:t>Sugiyama (2007) presents a variant called “local Fisher discriminant analysis”</a:t>
+            </a:r>
+          </a:p>
+          <a:p>
+            <a:r>
+              <a:rPr lang="en-CA" sz="2000" dirty="0"/>
+              <a:t>John (1995) showed experiments on using C4.5 to filter its own training data</a:t>
+            </a:r>
+          </a:p>
+          <a:p>
+            <a:r>
+              <a:rPr lang="en-CA" sz="2000" dirty="0"/>
+              <a:t>The more conservative consensus filter is due to </a:t>
+            </a:r>
+            <a:r>
+              <a:rPr lang="en-CA" sz="2000" dirty="0" err="1"/>
+              <a:t>Brodley</a:t>
+            </a:r>
+            <a:r>
+              <a:rPr lang="en-CA" sz="2000" dirty="0"/>
+              <a:t> and Fried (1996) </a:t>
+            </a:r>
+          </a:p>
+          <a:p>
+            <a:r>
+              <a:rPr lang="en-CA" sz="2000" dirty="0" err="1"/>
+              <a:t>Rousseeuw</a:t>
+            </a:r>
+            <a:r>
+              <a:rPr lang="en-CA" sz="2000" dirty="0"/>
+              <a:t> and Leroy (1987) describe the least median of squares method and the telephone data </a:t>
+            </a:r>
+          </a:p>
+          <a:p>
+            <a:r>
+              <a:rPr lang="en-CA" sz="2000" dirty="0"/>
+              <a:t>Quinlan (1986) shows how removing attribute noise can be detrimental</a:t>
+            </a:r>
+          </a:p>
+          <a:p>
+            <a:endParaRPr lang="en-CA" sz="2000" dirty="0"/>
+          </a:p>
+          <a:p>
+            <a:endParaRPr lang="en-US" sz="2000" dirty="0"/>
+          </a:p>
+        </p:txBody>
+      </p:sp>
+      <p:sp>
+        <p:nvSpPr>
+          <p:cNvPr id="4" name="Slide Number Placeholder 3"/>
+          <p:cNvSpPr>
+            <a:spLocks noGrp="1"/>
+          </p:cNvSpPr>
+          <p:nvPr>
+            <p:ph type="sldNum" sz="quarter" idx="12"/>
+          </p:nvPr>
+        </p:nvSpPr>
+        <p:spPr/>
+        <p:txBody>
+          <a:bodyPr/>
+          <a:lstStyle/>
+          <a:p>
+            <a:fld id="{CC0D3929-19F2-429B-ADDC-CA064EDFCD10}" type="slidenum">
+              <a:rPr lang="en-NZ" smtClean="0"/>
+              <a:pPr/>
+              <a:t>44</a:t>
+            </a:fld>
+            <a:endParaRPr lang="en-NZ"/>
+          </a:p>
+        </p:txBody>
+      </p:sp>
+    </p:spTree>
+    <p:extLst>
+      <p:ext uri="{BB962C8B-B14F-4D97-AF65-F5344CB8AC3E}">
+        <p14:creationId xmlns:p14="http://schemas.microsoft.com/office/powerpoint/2010/main" val="611453096"/>
+      </p:ext>
+    </p:extLst>
+  </p:cSld>
+  <p:clrMapOvr>
+    <a:masterClrMapping/>
+  </p:clrMapOvr>
+</p:sld>
+</file>
+
+<file path=ppt/slides/slide45.xml><?xml version="1.0" encoding="utf-8"?>
+<p:sld xmlns:a="http://schemas.openxmlformats.org/drawingml/2006/main" xmlns:r="http://schemas.openxmlformats.org/officeDocument/2006/relationships" xmlns:p="http://schemas.openxmlformats.org/presentationml/2006/main">
+  <p:cSld>
+    <p:spTree>
+      <p:nvGrpSpPr>
+        <p:cNvPr id="1" name=""/>
+        <p:cNvGrpSpPr/>
+        <p:nvPr/>
+      </p:nvGrpSpPr>
+      <p:grpSpPr>
+        <a:xfrm>
+          <a:off x="0" y="0"/>
+          <a:ext cx="0" cy="0"/>
+          <a:chOff x="0" y="0"/>
+          <a:chExt cx="0" cy="0"/>
+        </a:xfrm>
+      </p:grpSpPr>
+      <p:sp>
+        <p:nvSpPr>
+          <p:cNvPr id="4" name="Title 1"/>
+          <p:cNvSpPr>
+            <a:spLocks noGrp="1"/>
+          </p:cNvSpPr>
+          <p:nvPr>
+            <p:ph type="title"/>
+          </p:nvPr>
+        </p:nvSpPr>
+        <p:spPr>
+          <a:xfrm>
+            <a:off x="803632" y="64689"/>
+            <a:ext cx="7711718" cy="700062"/>
+          </a:xfrm>
+        </p:spPr>
+        <p:txBody>
+          <a:bodyPr>
+            <a:noAutofit/>
+          </a:bodyPr>
+          <a:lstStyle/>
+          <a:p>
+            <a:r>
+              <a:rPr lang="en-CA" dirty="0"/>
+              <a:t>Further Reading and Bibliographic Notes</a:t>
+            </a:r>
+          </a:p>
+        </p:txBody>
+      </p:sp>
+      <p:sp>
+        <p:nvSpPr>
+          <p:cNvPr id="3" name="Content Placeholder 2"/>
+          <p:cNvSpPr>
+            <a:spLocks noGrp="1"/>
+          </p:cNvSpPr>
+          <p:nvPr>
+            <p:ph idx="1"/>
+          </p:nvPr>
+        </p:nvSpPr>
+        <p:spPr>
+          <a:xfrm>
+            <a:off x="294186" y="1215407"/>
+            <a:ext cx="8294627" cy="4961556"/>
+          </a:xfrm>
+        </p:spPr>
+        <p:txBody>
+          <a:bodyPr>
+            <a:normAutofit/>
+          </a:bodyPr>
+          <a:lstStyle/>
+          <a:p>
+            <a:r>
+              <a:rPr lang="en-US" sz="2000" dirty="0"/>
+              <a:t>Barnett and Lewis (1994) address the general topic of outliers in data from a statistical point of view</a:t>
+            </a:r>
+          </a:p>
+          <a:p>
+            <a:r>
+              <a:rPr lang="en-US" sz="2000" dirty="0"/>
+              <a:t>Pearson (2005) describes the statistical approach of fitting a distribution to the target data</a:t>
+            </a:r>
+          </a:p>
+          <a:p>
+            <a:r>
+              <a:rPr lang="en-US" sz="2000" dirty="0" err="1"/>
+              <a:t>Schölkopf</a:t>
+            </a:r>
+            <a:r>
+              <a:rPr lang="en-US" sz="2000" dirty="0"/>
+              <a:t>, Williamson, </a:t>
+            </a:r>
+            <a:r>
+              <a:rPr lang="en-US" sz="2000" dirty="0" err="1"/>
+              <a:t>Smola</a:t>
+            </a:r>
+            <a:r>
+              <a:rPr lang="en-US" sz="2000" dirty="0"/>
+              <a:t>, </a:t>
+            </a:r>
+            <a:r>
+              <a:rPr lang="en-US" sz="2000" dirty="0" err="1"/>
+              <a:t>Shawe</a:t>
+            </a:r>
+            <a:r>
+              <a:rPr lang="en-US" sz="2000" dirty="0"/>
+              <a:t>-Taylor, and Platt (2000) describe the use of support vector machines for novelty detection</a:t>
+            </a:r>
+          </a:p>
+          <a:p>
+            <a:r>
+              <a:rPr lang="en-US" sz="2000" dirty="0"/>
+              <a:t>Abe, </a:t>
+            </a:r>
+            <a:r>
+              <a:rPr lang="en-US" sz="2000" dirty="0" err="1"/>
+              <a:t>Zadrozny</a:t>
+            </a:r>
+            <a:r>
+              <a:rPr lang="en-US" sz="2000" dirty="0"/>
+              <a:t>, and Langford (2006), amongst others, use artificial data as a second class</a:t>
+            </a:r>
+          </a:p>
+          <a:p>
+            <a:r>
+              <a:rPr lang="en-US" sz="2000" dirty="0"/>
+              <a:t>Combining density estimation and class probability estimation using artificial data is suggested for unsupervised learning by Hastie et al. (2009)</a:t>
+            </a:r>
+          </a:p>
+          <a:p>
+            <a:r>
+              <a:rPr lang="en-US" sz="2000" dirty="0" err="1"/>
+              <a:t>Hempstalk</a:t>
+            </a:r>
+            <a:r>
+              <a:rPr lang="en-US" sz="2000" dirty="0"/>
+              <a:t>, Frank, and Witten (2008) describe it in the context of one-class classification</a:t>
+            </a:r>
+          </a:p>
+          <a:p>
+            <a:r>
+              <a:rPr lang="en-US" sz="2000" dirty="0" err="1"/>
+              <a:t>Hempstalk</a:t>
+            </a:r>
+            <a:r>
+              <a:rPr lang="en-US" sz="2000" dirty="0"/>
+              <a:t> and Frank (2008) discuss how to fairly compare one-class and multiclass classification when discriminating against new classes of data</a:t>
+            </a:r>
+          </a:p>
+          <a:p>
+            <a:endParaRPr lang="en-CA" sz="2000" dirty="0"/>
+          </a:p>
+          <a:p>
+            <a:endParaRPr lang="en-US" sz="2000" dirty="0"/>
+          </a:p>
+          <a:p>
+            <a:endParaRPr lang="en-US" sz="2000" dirty="0"/>
+          </a:p>
+        </p:txBody>
+      </p:sp>
+      <p:sp>
+        <p:nvSpPr>
+          <p:cNvPr id="2" name="Slide Number Placeholder 1"/>
+          <p:cNvSpPr>
+            <a:spLocks noGrp="1"/>
+          </p:cNvSpPr>
+          <p:nvPr>
+            <p:ph type="sldNum" sz="quarter" idx="12"/>
+          </p:nvPr>
+        </p:nvSpPr>
+        <p:spPr/>
+        <p:txBody>
+          <a:bodyPr/>
+          <a:lstStyle/>
+          <a:p>
+            <a:fld id="{CC0D3929-19F2-429B-ADDC-CA064EDFCD10}" type="slidenum">
+              <a:rPr lang="en-NZ" smtClean="0"/>
+              <a:pPr/>
+              <a:t>45</a:t>
+            </a:fld>
+            <a:endParaRPr lang="en-NZ"/>
+          </a:p>
+        </p:txBody>
+      </p:sp>
+    </p:spTree>
+    <p:extLst>
+      <p:ext uri="{BB962C8B-B14F-4D97-AF65-F5344CB8AC3E}">
+        <p14:creationId xmlns:p14="http://schemas.microsoft.com/office/powerpoint/2010/main" val="4215857695"/>
+      </p:ext>
+    </p:extLst>
+  </p:cSld>
+  <p:clrMapOvr>
+    <a:masterClrMapping/>
+  </p:clrMapOvr>
+</p:sld>
+</file>
+
+<file path=ppt/slides/slide46.xml><?xml version="1.0" encoding="utf-8"?>
+<p:sld xmlns:a="http://schemas.openxmlformats.org/drawingml/2006/main" xmlns:r="http://schemas.openxmlformats.org/officeDocument/2006/relationships" xmlns:p="http://schemas.openxmlformats.org/presentationml/2006/main">
+  <p:cSld>
+    <p:spTree>
+      <p:nvGrpSpPr>
+        <p:cNvPr id="1" name=""/>
+        <p:cNvGrpSpPr/>
+        <p:nvPr/>
+      </p:nvGrpSpPr>
+      <p:grpSpPr>
+        <a:xfrm>
+          <a:off x="0" y="0"/>
+          <a:ext cx="0" cy="0"/>
+          <a:chOff x="0" y="0"/>
+          <a:chExt cx="0" cy="0"/>
+        </a:xfrm>
+      </p:grpSpPr>
+      <p:sp>
+        <p:nvSpPr>
+          <p:cNvPr id="4" name="Title 1"/>
+          <p:cNvSpPr>
+            <a:spLocks noGrp="1"/>
+          </p:cNvSpPr>
+          <p:nvPr>
+            <p:ph type="title"/>
+          </p:nvPr>
+        </p:nvSpPr>
+        <p:spPr>
+          <a:xfrm>
+            <a:off x="674476" y="64689"/>
+            <a:ext cx="7955678" cy="700062"/>
+          </a:xfrm>
+        </p:spPr>
+        <p:txBody>
+          <a:bodyPr>
+            <a:noAutofit/>
+          </a:bodyPr>
+          <a:lstStyle/>
+          <a:p>
+            <a:r>
+              <a:rPr lang="en-CA" dirty="0"/>
+              <a:t>Further Reading and Bibliographic Notes</a:t>
+            </a:r>
+          </a:p>
+        </p:txBody>
+      </p:sp>
+      <p:sp>
+        <p:nvSpPr>
+          <p:cNvPr id="3" name="Content Placeholder 2"/>
+          <p:cNvSpPr>
+            <a:spLocks noGrp="1"/>
+          </p:cNvSpPr>
+          <p:nvPr>
+            <p:ph idx="1"/>
+          </p:nvPr>
+        </p:nvSpPr>
+        <p:spPr>
+          <a:xfrm>
+            <a:off x="373114" y="1215407"/>
+            <a:ext cx="8142235" cy="4961556"/>
+          </a:xfrm>
+        </p:spPr>
+        <p:txBody>
+          <a:bodyPr>
+            <a:normAutofit lnSpcReduction="10000"/>
+          </a:bodyPr>
+          <a:lstStyle/>
+          <a:p>
+            <a:r>
+              <a:rPr lang="en-US" sz="2000" dirty="0"/>
+              <a:t>Vitter (1985) describes the algorithm for reservoir sampling we used, he called it method R; its computational complexity is O(#instances)</a:t>
+            </a:r>
+          </a:p>
+          <a:p>
+            <a:r>
+              <a:rPr lang="en-US" sz="2000" dirty="0"/>
+              <a:t>Rifkin and </a:t>
+            </a:r>
+            <a:r>
+              <a:rPr lang="en-US" sz="2000" dirty="0" err="1"/>
+              <a:t>Klautau</a:t>
+            </a:r>
+            <a:r>
+              <a:rPr lang="en-US" sz="2000" dirty="0"/>
+              <a:t> (2004) show that the one-</a:t>
+            </a:r>
+            <a:r>
+              <a:rPr lang="en-US" sz="2000" dirty="0" err="1"/>
+              <a:t>vs</a:t>
+            </a:r>
+            <a:r>
+              <a:rPr lang="en-US" sz="2000" dirty="0"/>
+              <a:t>-rest method for multiclass classification can work well if appropriate parameter tuning is applied </a:t>
+            </a:r>
+          </a:p>
+          <a:p>
+            <a:r>
+              <a:rPr lang="en-US" sz="2000" dirty="0"/>
+              <a:t>Friedman (1996) describes the technique of pairwise classification and </a:t>
+            </a:r>
+            <a:r>
+              <a:rPr lang="en-US" sz="2000" dirty="0" err="1"/>
+              <a:t>Fürnkranz</a:t>
+            </a:r>
+            <a:r>
+              <a:rPr lang="en-US" sz="2000" dirty="0"/>
+              <a:t> (2002) further analyzes it</a:t>
+            </a:r>
+          </a:p>
+          <a:p>
+            <a:r>
+              <a:rPr lang="en-US" sz="2000" dirty="0"/>
+              <a:t>Hastie and </a:t>
+            </a:r>
+            <a:r>
+              <a:rPr lang="en-US" sz="2000" dirty="0" err="1"/>
+              <a:t>Tibshirani</a:t>
+            </a:r>
+            <a:r>
+              <a:rPr lang="en-US" sz="2000" dirty="0"/>
+              <a:t> (1998) extend it to estimate probabilities using pairwise coupling</a:t>
+            </a:r>
+          </a:p>
+          <a:p>
+            <a:r>
+              <a:rPr lang="en-US" sz="2000" dirty="0" err="1"/>
+              <a:t>Fürnkranz</a:t>
+            </a:r>
+            <a:r>
+              <a:rPr lang="en-US" sz="2000" dirty="0"/>
+              <a:t> (2003) evaluates pairwise classification as a technique for ensemble learning </a:t>
+            </a:r>
+          </a:p>
+          <a:p>
+            <a:r>
+              <a:rPr lang="en-US" sz="2000" dirty="0"/>
+              <a:t>ECOCs for multi-class classification were proposed by </a:t>
+            </a:r>
+            <a:r>
+              <a:rPr lang="en-US" sz="2000" dirty="0" err="1"/>
+              <a:t>Dietterich</a:t>
+            </a:r>
+            <a:r>
+              <a:rPr lang="en-US" sz="2000" dirty="0"/>
+              <a:t> and </a:t>
+            </a:r>
+            <a:r>
+              <a:rPr lang="en-US" sz="2000" dirty="0" err="1"/>
+              <a:t>Bakiri</a:t>
+            </a:r>
+            <a:r>
+              <a:rPr lang="en-US" sz="2000" dirty="0"/>
+              <a:t> (1995); Ricci and Aha (1998) showed how to apply them to nearest neighbor classifiers</a:t>
+            </a:r>
+          </a:p>
+          <a:p>
+            <a:r>
+              <a:rPr lang="en-US" sz="2000" dirty="0"/>
+              <a:t>Frank and Kramer (2004) introduce ensembles of nested dichotomies</a:t>
+            </a:r>
+          </a:p>
+          <a:p>
+            <a:r>
+              <a:rPr lang="en-US" sz="2000" dirty="0"/>
+              <a:t>Dong, Frank, and Kramer (2005) considered balanced nested dichotomies to reduce training time</a:t>
+            </a:r>
+          </a:p>
+          <a:p>
+            <a:endParaRPr lang="en-CA" sz="2000" dirty="0"/>
+          </a:p>
+          <a:p>
+            <a:endParaRPr lang="en-CA" sz="2000" dirty="0"/>
+          </a:p>
+        </p:txBody>
+      </p:sp>
+      <p:sp>
+        <p:nvSpPr>
+          <p:cNvPr id="2" name="Slide Number Placeholder 1"/>
+          <p:cNvSpPr>
+            <a:spLocks noGrp="1"/>
+          </p:cNvSpPr>
+          <p:nvPr>
+            <p:ph type="sldNum" sz="quarter" idx="12"/>
+          </p:nvPr>
+        </p:nvSpPr>
+        <p:spPr/>
+        <p:txBody>
+          <a:bodyPr/>
+          <a:lstStyle/>
+          <a:p>
+            <a:fld id="{CC0D3929-19F2-429B-ADDC-CA064EDFCD10}" type="slidenum">
+              <a:rPr lang="en-NZ" smtClean="0"/>
+              <a:pPr/>
+              <a:t>46</a:t>
+            </a:fld>
+            <a:endParaRPr lang="en-NZ"/>
+          </a:p>
+        </p:txBody>
+      </p:sp>
+    </p:spTree>
+    <p:extLst>
+      <p:ext uri="{BB962C8B-B14F-4D97-AF65-F5344CB8AC3E}">
+        <p14:creationId xmlns:p14="http://schemas.microsoft.com/office/powerpoint/2010/main" val="117897562"/>
+      </p:ext>
+    </p:extLst>
+  </p:cSld>
+  <p:clrMapOvr>
+    <a:masterClrMapping/>
+  </p:clrMapOvr>
+</p:sld>
+</file>
+
+<file path=ppt/slides/slide47.xml><?xml version="1.0" encoding="utf-8"?>
+<p:sld xmlns:a="http://schemas.openxmlformats.org/drawingml/2006/main" xmlns:r="http://schemas.openxmlformats.org/officeDocument/2006/relationships" xmlns:p="http://schemas.openxmlformats.org/presentationml/2006/main">
+  <p:cSld>
+    <p:spTree>
+      <p:nvGrpSpPr>
+        <p:cNvPr id="1" name=""/>
+        <p:cNvGrpSpPr/>
+        <p:nvPr/>
+      </p:nvGrpSpPr>
+      <p:grpSpPr>
+        <a:xfrm>
+          <a:off x="0" y="0"/>
+          <a:ext cx="0" cy="0"/>
+          <a:chOff x="0" y="0"/>
+          <a:chExt cx="0" cy="0"/>
+        </a:xfrm>
+      </p:grpSpPr>
+      <p:sp>
+        <p:nvSpPr>
+          <p:cNvPr id="4" name="Title 1"/>
+          <p:cNvSpPr>
+            <a:spLocks noGrp="1"/>
+          </p:cNvSpPr>
+          <p:nvPr>
+            <p:ph type="title"/>
+          </p:nvPr>
+        </p:nvSpPr>
+        <p:spPr>
+          <a:xfrm>
+            <a:off x="739054" y="64689"/>
+            <a:ext cx="7690193" cy="700062"/>
+          </a:xfrm>
+        </p:spPr>
+        <p:txBody>
+          <a:bodyPr>
+            <a:noAutofit/>
+          </a:bodyPr>
+          <a:lstStyle/>
+          <a:p>
+            <a:r>
+              <a:rPr lang="en-CA" dirty="0"/>
+              <a:t>Further Reading and Bibliographic Notes</a:t>
+            </a:r>
+          </a:p>
+        </p:txBody>
+      </p:sp>
+      <p:sp>
+        <p:nvSpPr>
+          <p:cNvPr id="3" name="Content Placeholder 2"/>
+          <p:cNvSpPr>
+            <a:spLocks noGrp="1"/>
+          </p:cNvSpPr>
+          <p:nvPr>
+            <p:ph idx="1"/>
+          </p:nvPr>
+        </p:nvSpPr>
+        <p:spPr/>
+        <p:txBody>
+          <a:bodyPr>
+            <a:normAutofit/>
+          </a:bodyPr>
+          <a:lstStyle/>
+          <a:p>
+            <a:r>
+              <a:rPr lang="en-US" sz="2000" dirty="0" err="1"/>
+              <a:t>Zadrozny</a:t>
+            </a:r>
+            <a:r>
+              <a:rPr lang="en-US" sz="2000" dirty="0"/>
+              <a:t> and </a:t>
+            </a:r>
+            <a:r>
+              <a:rPr lang="en-US" sz="2000" dirty="0" err="1"/>
+              <a:t>Elkan</a:t>
+            </a:r>
+            <a:r>
+              <a:rPr lang="en-US" sz="2000" dirty="0"/>
+              <a:t> (2002) applied isotonic regression and logistic regression to the calibration of class probability estimates</a:t>
+            </a:r>
+          </a:p>
+          <a:p>
+            <a:r>
+              <a:rPr lang="en-US" sz="2000" dirty="0"/>
+              <a:t>They also investigated how to deal with multiclass problems</a:t>
+            </a:r>
+          </a:p>
+          <a:p>
+            <a:r>
+              <a:rPr lang="en-US" sz="2000" dirty="0" err="1"/>
+              <a:t>Niculescu-Mizil</a:t>
+            </a:r>
+            <a:r>
+              <a:rPr lang="en-US" sz="2000" dirty="0"/>
+              <a:t> and </a:t>
+            </a:r>
+            <a:r>
+              <a:rPr lang="en-US" sz="2000" dirty="0" err="1"/>
+              <a:t>Caruana</a:t>
+            </a:r>
+            <a:r>
+              <a:rPr lang="en-US" sz="2000" dirty="0"/>
+              <a:t> (2005) compared a variant of logistic regression and isotonic regression</a:t>
+            </a:r>
+          </a:p>
+          <a:p>
+            <a:r>
+              <a:rPr lang="en-US" sz="2000" dirty="0"/>
+              <a:t>They considered a large set of underlying class probability estimators </a:t>
+            </a:r>
+          </a:p>
+          <a:p>
+            <a:r>
+              <a:rPr lang="en-US" sz="2000" dirty="0"/>
+              <a:t>Stout (2008) describes a linear-time algorithm for isotonic regression based on minimizing squared error (called the PAV algorithm)</a:t>
+            </a:r>
+          </a:p>
+          <a:p>
+            <a:pPr marL="0" indent="0">
+              <a:buNone/>
+            </a:pPr>
+            <a:endParaRPr lang="en-CA" sz="2000" dirty="0"/>
+          </a:p>
+        </p:txBody>
+      </p:sp>
+      <p:sp>
+        <p:nvSpPr>
+          <p:cNvPr id="2" name="Slide Number Placeholder 1"/>
+          <p:cNvSpPr>
+            <a:spLocks noGrp="1"/>
+          </p:cNvSpPr>
+          <p:nvPr>
+            <p:ph type="sldNum" sz="quarter" idx="12"/>
+          </p:nvPr>
+        </p:nvSpPr>
+        <p:spPr/>
+        <p:txBody>
+          <a:bodyPr/>
+          <a:lstStyle/>
+          <a:p>
+            <a:fld id="{CC0D3929-19F2-429B-ADDC-CA064EDFCD10}" type="slidenum">
+              <a:rPr lang="en-NZ" smtClean="0"/>
+              <a:pPr/>
+              <a:t>47</a:t>
+            </a:fld>
+            <a:endParaRPr lang="en-NZ"/>
+          </a:p>
+        </p:txBody>
+      </p:sp>
+    </p:spTree>
+    <p:extLst>
+      <p:ext uri="{BB962C8B-B14F-4D97-AF65-F5344CB8AC3E}">
+        <p14:creationId xmlns:p14="http://schemas.microsoft.com/office/powerpoint/2010/main" val="3320179935"/>
+      </p:ext>
+    </p:extLst>
   </p:cSld>
   <p:clrMapOvr>
     <a:masterClrMapping/>

--- a/DMcourse/Chapter8.pptx
+++ b/DMcourse/Chapter8.pptx
@@ -5,10 +5,10 @@
     <p:sldMasterId id="2147483672" r:id="rId1"/>
   </p:sldMasterIdLst>
   <p:notesMasterIdLst>
-    <p:notesMasterId r:id="rId49"/>
+    <p:notesMasterId r:id="rId42"/>
   </p:notesMasterIdLst>
   <p:handoutMasterIdLst>
-    <p:handoutMasterId r:id="rId50"/>
+    <p:handoutMasterId r:id="rId43"/>
   </p:handoutMasterIdLst>
   <p:sldIdLst>
     <p:sldId id="338" r:id="rId2"/>
@@ -51,13 +51,6 @@
     <p:sldId id="321" r:id="rId39"/>
     <p:sldId id="322" r:id="rId40"/>
     <p:sldId id="324" r:id="rId41"/>
-    <p:sldId id="304" r:id="rId42"/>
-    <p:sldId id="307" r:id="rId43"/>
-    <p:sldId id="310" r:id="rId44"/>
-    <p:sldId id="313" r:id="rId45"/>
-    <p:sldId id="315" r:id="rId46"/>
-    <p:sldId id="317" r:id="rId47"/>
-    <p:sldId id="319" r:id="rId48"/>
   </p:sldIdLst>
   <p:sldSz cx="9144000" cy="6858000" type="screen4x3"/>
   <p:notesSz cx="7304088" cy="9590088"/>
@@ -521,7 +514,7 @@
           <a:p>
             <a:fld id="{7415830B-B976-4DC8-93A0-A38CBFE46F8A}" type="datetimeFigureOut">
               <a:rPr lang="en-US"/>
-              <a:t>3/24/2025</a:t>
+              <a:t>3/25/2025</a:t>
             </a:fld>
             <a:endParaRPr lang="en-US"/>
           </a:p>
@@ -686,7 +679,7 @@
           <a:p>
             <a:fld id="{7AB9731E-17D4-455B-8CEF-653BE9B92AC2}" type="datetimeFigureOut">
               <a:rPr lang="en-US"/>
-              <a:t>3/24/2025</a:t>
+              <a:t>3/25/2025</a:t>
             </a:fld>
             <a:endParaRPr lang="en-US"/>
           </a:p>
@@ -1515,7 +1508,7 @@
                 <a:tabLst/>
                 <a:defRPr/>
               </a:pPr>
-              <a:t>3/24/2025</a:t>
+              <a:t>3/25/2025</a:t>
             </a:fld>
             <a:endParaRPr kumimoji="0" lang="en-US" sz="1200" b="0" i="0" u="none" strike="noStrike" kern="1200" cap="none" spc="0" normalizeH="0" baseline="0" noProof="0">
               <a:ln>
@@ -1924,7 +1917,7 @@
                 <a:tabLst/>
                 <a:defRPr/>
               </a:pPr>
-              <a:t>3/24/2025</a:t>
+              <a:t>3/25/2025</a:t>
             </a:fld>
             <a:endParaRPr kumimoji="0" lang="en-US" sz="1200" b="0" i="0" u="none" strike="noStrike" kern="1200" cap="none" spc="0" normalizeH="0" baseline="0" noProof="0">
               <a:ln>
@@ -2333,7 +2326,7 @@
                 <a:tabLst/>
                 <a:defRPr/>
               </a:pPr>
-              <a:t>3/24/2025</a:t>
+              <a:t>3/25/2025</a:t>
             </a:fld>
             <a:endParaRPr kumimoji="0" lang="en-US" sz="1200" b="0" i="0" u="none" strike="noStrike" kern="1200" cap="none" spc="0" normalizeH="0" baseline="0" noProof="0">
               <a:ln>
@@ -2742,7 +2735,7 @@
                 <a:tabLst/>
                 <a:defRPr/>
               </a:pPr>
-              <a:t>3/24/2025</a:t>
+              <a:t>3/25/2025</a:t>
             </a:fld>
             <a:endParaRPr kumimoji="0" lang="en-US" sz="1200" b="0" i="0" u="none" strike="noStrike" kern="1200" cap="none" spc="0" normalizeH="0" baseline="0" noProof="0">
               <a:ln>
@@ -3151,7 +3144,7 @@
                 <a:tabLst/>
                 <a:defRPr/>
               </a:pPr>
-              <a:t>3/24/2025</a:t>
+              <a:t>3/25/2025</a:t>
             </a:fld>
             <a:endParaRPr kumimoji="0" lang="en-US" sz="1200" b="0" i="0" u="none" strike="noStrike" kern="1200" cap="none" spc="0" normalizeH="0" baseline="0" noProof="0">
               <a:ln>
@@ -3560,7 +3553,7 @@
                 <a:tabLst/>
                 <a:defRPr/>
               </a:pPr>
-              <a:t>3/24/2025</a:t>
+              <a:t>3/25/2025</a:t>
             </a:fld>
             <a:endParaRPr kumimoji="0" lang="en-US" sz="1200" b="0" i="0" u="none" strike="noStrike" kern="1200" cap="none" spc="0" normalizeH="0" baseline="0" noProof="0">
               <a:ln>
@@ -3969,7 +3962,7 @@
                 <a:tabLst/>
                 <a:defRPr/>
               </a:pPr>
-              <a:t>3/24/2025</a:t>
+              <a:t>3/25/2025</a:t>
             </a:fld>
             <a:endParaRPr kumimoji="0" lang="en-US" sz="1200" b="0" i="0" u="none" strike="noStrike" kern="1200" cap="none" spc="0" normalizeH="0" baseline="0" noProof="0">
               <a:ln>
@@ -4378,7 +4371,7 @@
                 <a:tabLst/>
                 <a:defRPr/>
               </a:pPr>
-              <a:t>3/24/2025</a:t>
+              <a:t>3/25/2025</a:t>
             </a:fld>
             <a:endParaRPr kumimoji="0" lang="en-US" sz="1200" b="0" i="0" u="none" strike="noStrike" kern="1200" cap="none" spc="0" normalizeH="0" baseline="0" noProof="0">
               <a:ln>
@@ -4787,7 +4780,7 @@
                 <a:tabLst/>
                 <a:defRPr/>
               </a:pPr>
-              <a:t>3/24/2025</a:t>
+              <a:t>3/25/2025</a:t>
             </a:fld>
             <a:endParaRPr kumimoji="0" lang="en-US" sz="1200" b="0" i="0" u="none" strike="noStrike" kern="1200" cap="none" spc="0" normalizeH="0" baseline="0" noProof="0">
               <a:ln>
@@ -5196,7 +5189,7 @@
                 <a:tabLst/>
                 <a:defRPr/>
               </a:pPr>
-              <a:t>3/24/2025</a:t>
+              <a:t>3/25/2025</a:t>
             </a:fld>
             <a:endParaRPr kumimoji="0" lang="en-US" sz="1200" b="0" i="0" u="none" strike="noStrike" kern="1200" cap="none" spc="0" normalizeH="0" baseline="0" noProof="0">
               <a:ln>
@@ -5605,7 +5598,7 @@
                 <a:tabLst/>
                 <a:defRPr/>
               </a:pPr>
-              <a:t>3/24/2025</a:t>
+              <a:t>3/25/2025</a:t>
             </a:fld>
             <a:endParaRPr kumimoji="0" lang="en-US" sz="1200" b="0" i="0" u="none" strike="noStrike" kern="1200" cap="none" spc="0" normalizeH="0" baseline="0" noProof="0">
               <a:ln>
@@ -6014,7 +6007,7 @@
                 <a:tabLst/>
                 <a:defRPr/>
               </a:pPr>
-              <a:t>3/24/2025</a:t>
+              <a:t>3/25/2025</a:t>
             </a:fld>
             <a:endParaRPr kumimoji="0" lang="en-US" sz="1200" b="0" i="0" u="none" strike="noStrike" kern="1200" cap="none" spc="0" normalizeH="0" baseline="0" noProof="0">
               <a:ln>
@@ -6423,7 +6416,7 @@
                 <a:tabLst/>
                 <a:defRPr/>
               </a:pPr>
-              <a:t>3/24/2025</a:t>
+              <a:t>3/25/2025</a:t>
             </a:fld>
             <a:endParaRPr kumimoji="0" lang="en-US" sz="1200" b="0" i="0" u="none" strike="noStrike" kern="1200" cap="none" spc="0" normalizeH="0" baseline="0" noProof="0">
               <a:ln>
@@ -6832,7 +6825,7 @@
                 <a:tabLst/>
                 <a:defRPr/>
               </a:pPr>
-              <a:t>3/24/2025</a:t>
+              <a:t>3/25/2025</a:t>
             </a:fld>
             <a:endParaRPr kumimoji="0" lang="en-US" sz="1200" b="0" i="0" u="none" strike="noStrike" kern="1200" cap="none" spc="0" normalizeH="0" baseline="0" noProof="0">
               <a:ln>
@@ -7241,7 +7234,7 @@
                 <a:tabLst/>
                 <a:defRPr/>
               </a:pPr>
-              <a:t>3/24/2025</a:t>
+              <a:t>3/25/2025</a:t>
             </a:fld>
             <a:endParaRPr kumimoji="0" lang="en-US" sz="1200" b="0" i="0" u="none" strike="noStrike" kern="1200" cap="none" spc="0" normalizeH="0" baseline="0" noProof="0">
               <a:ln>
@@ -7650,7 +7643,7 @@
                 <a:tabLst/>
                 <a:defRPr/>
               </a:pPr>
-              <a:t>3/24/2025</a:t>
+              <a:t>3/25/2025</a:t>
             </a:fld>
             <a:endParaRPr kumimoji="0" lang="en-US" sz="1200" b="0" i="0" u="none" strike="noStrike" kern="1200" cap="none" spc="0" normalizeH="0" baseline="0" noProof="0">
               <a:ln>
@@ -8059,7 +8052,7 @@
                 <a:tabLst/>
                 <a:defRPr/>
               </a:pPr>
-              <a:t>3/24/2025</a:t>
+              <a:t>3/25/2025</a:t>
             </a:fld>
             <a:endParaRPr kumimoji="0" lang="en-US" sz="1200" b="0" i="0" u="none" strike="noStrike" kern="1200" cap="none" spc="0" normalizeH="0" baseline="0" noProof="0">
               <a:ln>
@@ -8468,7 +8461,7 @@
                 <a:tabLst/>
                 <a:defRPr/>
               </a:pPr>
-              <a:t>3/24/2025</a:t>
+              <a:t>3/25/2025</a:t>
             </a:fld>
             <a:endParaRPr kumimoji="0" lang="en-US" sz="1200" b="0" i="0" u="none" strike="noStrike" kern="1200" cap="none" spc="0" normalizeH="0" baseline="0" noProof="0">
               <a:ln>
@@ -8877,7 +8870,7 @@
                 <a:tabLst/>
                 <a:defRPr/>
               </a:pPr>
-              <a:t>3/24/2025</a:t>
+              <a:t>3/25/2025</a:t>
             </a:fld>
             <a:endParaRPr kumimoji="0" lang="en-US" sz="1200" b="0" i="0" u="none" strike="noStrike" kern="1200" cap="none" spc="0" normalizeH="0" baseline="0" noProof="0">
               <a:ln>
@@ -9286,7 +9279,7 @@
                 <a:tabLst/>
                 <a:defRPr/>
               </a:pPr>
-              <a:t>3/24/2025</a:t>
+              <a:t>3/25/2025</a:t>
             </a:fld>
             <a:endParaRPr kumimoji="0" lang="en-US" sz="1200" b="0" i="0" u="none" strike="noStrike" kern="1200" cap="none" spc="0" normalizeH="0" baseline="0" noProof="0">
               <a:ln>
@@ -9695,7 +9688,7 @@
                 <a:tabLst/>
                 <a:defRPr/>
               </a:pPr>
-              <a:t>3/24/2025</a:t>
+              <a:t>3/25/2025</a:t>
             </a:fld>
             <a:endParaRPr kumimoji="0" lang="en-US" sz="1200" b="0" i="0" u="none" strike="noStrike" kern="1200" cap="none" spc="0" normalizeH="0" baseline="0" noProof="0">
               <a:ln>
@@ -10104,7 +10097,7 @@
                 <a:tabLst/>
                 <a:defRPr/>
               </a:pPr>
-              <a:t>3/24/2025</a:t>
+              <a:t>3/25/2025</a:t>
             </a:fld>
             <a:endParaRPr kumimoji="0" lang="en-US" sz="1200" b="0" i="0" u="none" strike="noStrike" kern="1200" cap="none" spc="0" normalizeH="0" baseline="0" noProof="0">
               <a:ln>
@@ -10513,7 +10506,7 @@
                 <a:tabLst/>
                 <a:defRPr/>
               </a:pPr>
-              <a:t>3/24/2025</a:t>
+              <a:t>3/25/2025</a:t>
             </a:fld>
             <a:endParaRPr kumimoji="0" lang="en-US" sz="1200" b="0" i="0" u="none" strike="noStrike" kern="1200" cap="none" spc="0" normalizeH="0" baseline="0" noProof="0">
               <a:ln>
@@ -10922,7 +10915,7 @@
                 <a:tabLst/>
                 <a:defRPr/>
               </a:pPr>
-              <a:t>3/24/2025</a:t>
+              <a:t>3/25/2025</a:t>
             </a:fld>
             <a:endParaRPr kumimoji="0" lang="en-US" sz="1200" b="0" i="0" u="none" strike="noStrike" kern="1200" cap="none" spc="0" normalizeH="0" baseline="0" noProof="0">
               <a:ln>
@@ -11331,7 +11324,7 @@
                 <a:tabLst/>
                 <a:defRPr/>
               </a:pPr>
-              <a:t>3/24/2025</a:t>
+              <a:t>3/25/2025</a:t>
             </a:fld>
             <a:endParaRPr kumimoji="0" lang="en-US" sz="1200" b="0" i="0" u="none" strike="noStrike" kern="1200" cap="none" spc="0" normalizeH="0" baseline="0" noProof="0">
               <a:ln>
@@ -11740,7 +11733,7 @@
                 <a:tabLst/>
                 <a:defRPr/>
               </a:pPr>
-              <a:t>3/24/2025</a:t>
+              <a:t>3/25/2025</a:t>
             </a:fld>
             <a:endParaRPr kumimoji="0" lang="en-US" sz="1200" b="0" i="0" u="none" strike="noStrike" kern="1200" cap="none" spc="0" normalizeH="0" baseline="0" noProof="0">
               <a:ln>
@@ -12149,7 +12142,7 @@
                 <a:tabLst/>
                 <a:defRPr/>
               </a:pPr>
-              <a:t>3/24/2025</a:t>
+              <a:t>3/25/2025</a:t>
             </a:fld>
             <a:endParaRPr kumimoji="0" lang="en-US" sz="1200" b="0" i="0" u="none" strike="noStrike" kern="1200" cap="none" spc="0" normalizeH="0" baseline="0" noProof="0">
               <a:ln>
@@ -12558,7 +12551,7 @@
                 <a:tabLst/>
                 <a:defRPr/>
               </a:pPr>
-              <a:t>3/24/2025</a:t>
+              <a:t>3/25/2025</a:t>
             </a:fld>
             <a:endParaRPr kumimoji="0" lang="en-US" sz="1200" b="0" i="0" u="none" strike="noStrike" kern="1200" cap="none" spc="0" normalizeH="0" baseline="0" noProof="0">
               <a:ln>
@@ -12967,7 +12960,7 @@
                 <a:tabLst/>
                 <a:defRPr/>
               </a:pPr>
-              <a:t>3/24/2025</a:t>
+              <a:t>3/25/2025</a:t>
             </a:fld>
             <a:endParaRPr kumimoji="0" lang="en-US" sz="1200" b="0" i="0" u="none" strike="noStrike" kern="1200" cap="none" spc="0" normalizeH="0" baseline="0" noProof="0">
               <a:ln>
@@ -13376,7 +13369,7 @@
                 <a:tabLst/>
                 <a:defRPr/>
               </a:pPr>
-              <a:t>3/24/2025</a:t>
+              <a:t>3/25/2025</a:t>
             </a:fld>
             <a:endParaRPr kumimoji="0" lang="en-US" sz="1200" b="0" i="0" u="none" strike="noStrike" kern="1200" cap="none" spc="0" normalizeH="0" baseline="0" noProof="0">
               <a:ln>
@@ -13785,7 +13778,7 @@
                 <a:tabLst/>
                 <a:defRPr/>
               </a:pPr>
-              <a:t>3/24/2025</a:t>
+              <a:t>3/25/2025</a:t>
             </a:fld>
             <a:endParaRPr kumimoji="0" lang="en-US" sz="1200" b="0" i="0" u="none" strike="noStrike" kern="1200" cap="none" spc="0" normalizeH="0" baseline="0" noProof="0">
               <a:ln>
@@ -14194,7 +14187,7 @@
                 <a:tabLst/>
                 <a:defRPr/>
               </a:pPr>
-              <a:t>3/24/2025</a:t>
+              <a:t>3/25/2025</a:t>
             </a:fld>
             <a:endParaRPr kumimoji="0" lang="en-US" sz="1200" b="0" i="0" u="none" strike="noStrike" kern="1200" cap="none" spc="0" normalizeH="0" baseline="0" noProof="0">
               <a:ln>
@@ -14652,7 +14645,7 @@
                   </a:prstClr>
                 </a:solidFill>
               </a:rPr>
-              <a:t>24/03/2025</a:t>
+              <a:t>25/03/2025</a:t>
             </a:fld>
             <a:endParaRPr lang="en-NZ">
               <a:solidFill>
@@ -14853,7 +14846,7 @@
                   </a:prstClr>
                 </a:solidFill>
               </a:rPr>
-              <a:t>24/03/2025</a:t>
+              <a:t>25/03/2025</a:t>
             </a:fld>
             <a:endParaRPr lang="en-NZ">
               <a:solidFill>
@@ -15064,7 +15057,7 @@
                   </a:prstClr>
                 </a:solidFill>
               </a:rPr>
-              <a:t>24/03/2025</a:t>
+              <a:t>25/03/2025</a:t>
             </a:fld>
             <a:endParaRPr lang="en-NZ">
               <a:solidFill>
@@ -15265,7 +15258,7 @@
                   </a:prstClr>
                 </a:solidFill>
               </a:rPr>
-              <a:t>24/03/2025</a:t>
+              <a:t>25/03/2025</a:t>
             </a:fld>
             <a:endParaRPr lang="en-NZ">
               <a:solidFill>
@@ -15542,7 +15535,7 @@
                   </a:prstClr>
                 </a:solidFill>
               </a:rPr>
-              <a:t>24/03/2025</a:t>
+              <a:t>25/03/2025</a:t>
             </a:fld>
             <a:endParaRPr lang="en-NZ">
               <a:solidFill>
@@ -15805,7 +15798,7 @@
                   </a:prstClr>
                 </a:solidFill>
               </a:rPr>
-              <a:t>24/03/2025</a:t>
+              <a:t>25/03/2025</a:t>
             </a:fld>
             <a:endParaRPr lang="en-NZ">
               <a:solidFill>
@@ -16203,7 +16196,7 @@
                   </a:prstClr>
                 </a:solidFill>
               </a:rPr>
-              <a:t>24/03/2025</a:t>
+              <a:t>25/03/2025</a:t>
             </a:fld>
             <a:endParaRPr lang="en-NZ">
               <a:solidFill>
@@ -16352,7 +16345,7 @@
                   </a:prstClr>
                 </a:solidFill>
               </a:rPr>
-              <a:t>24/03/2025</a:t>
+              <a:t>25/03/2025</a:t>
             </a:fld>
             <a:endParaRPr lang="en-NZ">
               <a:solidFill>
@@ -16478,7 +16471,7 @@
                   </a:prstClr>
                 </a:solidFill>
               </a:rPr>
-              <a:t>24/03/2025</a:t>
+              <a:t>25/03/2025</a:t>
             </a:fld>
             <a:endParaRPr lang="en-NZ">
               <a:solidFill>
@@ -16786,7 +16779,7 @@
                   </a:prstClr>
                 </a:solidFill>
               </a:rPr>
-              <a:t>24/03/2025</a:t>
+              <a:t>25/03/2025</a:t>
             </a:fld>
             <a:endParaRPr lang="en-NZ">
               <a:solidFill>
@@ -17070,7 +17063,7 @@
                   </a:prstClr>
                 </a:solidFill>
               </a:rPr>
-              <a:t>24/03/2025</a:t>
+              <a:t>25/03/2025</a:t>
             </a:fld>
             <a:endParaRPr lang="en-NZ">
               <a:solidFill>
@@ -17314,7 +17307,7 @@
                   </a:prstClr>
                 </a:solidFill>
               </a:rPr>
-              <a:t>24/03/2025</a:t>
+              <a:t>25/03/2025</a:t>
             </a:fld>
             <a:endParaRPr lang="en-NZ">
               <a:solidFill>
@@ -20711,12 +20704,12 @@
           <a:graphicData uri="http://schemas.openxmlformats.org/presentationml/2006/ole">
             <mc:AlternateContent xmlns:mc="http://schemas.openxmlformats.org/markup-compatibility/2006">
               <mc:Choice xmlns:v="urn:schemas-microsoft-com:vml" Requires="v">
-                <p:oleObj name="Equation" r:id="rId2" imgW="1257300" imgH="203200" progId="Equation.3">
+                <p:oleObj spid="_x0000_s2051" name="Equation" r:id="rId3" imgW="1257300" imgH="203200" progId="Equation.3">
                   <p:embed/>
                 </p:oleObj>
               </mc:Choice>
               <mc:Fallback>
-                <p:oleObj name="Equation" r:id="rId2" imgW="1257300" imgH="203200" progId="Equation.3">
+                <p:oleObj name="Equation" r:id="rId3" imgW="1257300" imgH="203200" progId="Equation.3">
                   <p:embed/>
                   <p:pic>
                     <p:nvPicPr>
@@ -20725,7 +20718,7 @@
                       <p:nvPr/>
                     </p:nvPicPr>
                     <p:blipFill>
-                      <a:blip r:embed="rId3"/>
+                      <a:blip r:embed="rId4"/>
                       <a:stretch>
                         <a:fillRect/>
                       </a:stretch>
@@ -21116,12 +21109,12 @@
           <a:graphicData uri="http://schemas.openxmlformats.org/presentationml/2006/ole">
             <mc:AlternateContent xmlns:mc="http://schemas.openxmlformats.org/markup-compatibility/2006">
               <mc:Choice xmlns:v="urn:schemas-microsoft-com:vml" Requires="v">
-                <p:oleObj name="Equation" r:id="rId2" imgW="1625600" imgH="279400" progId="Equation.3">
+                <p:oleObj spid="_x0000_s3075" name="Equation" r:id="rId3" imgW="1625600" imgH="279400" progId="Equation.3">
                   <p:embed/>
                 </p:oleObj>
               </mc:Choice>
               <mc:Fallback>
-                <p:oleObj name="Equation" r:id="rId2" imgW="1625600" imgH="279400" progId="Equation.3">
+                <p:oleObj name="Equation" r:id="rId3" imgW="1625600" imgH="279400" progId="Equation.3">
                   <p:embed/>
                   <p:pic>
                     <p:nvPicPr>
@@ -21130,7 +21123,7 @@
                       <p:nvPr/>
                     </p:nvPicPr>
                     <p:blipFill>
-                      <a:blip r:embed="rId3"/>
+                      <a:blip r:embed="rId4"/>
                       <a:stretch>
                         <a:fillRect/>
                       </a:stretch>
@@ -21446,12 +21439,12 @@
           <a:graphicData uri="http://schemas.openxmlformats.org/presentationml/2006/ole">
             <mc:AlternateContent xmlns:mc="http://schemas.openxmlformats.org/markup-compatibility/2006">
               <mc:Choice xmlns:v="urn:schemas-microsoft-com:vml" Requires="v">
-                <p:oleObj name="Equation" r:id="rId3" imgW="2489200" imgH="431800" progId="Equation.3">
+                <p:oleObj spid="_x0000_s4099" name="Equation" r:id="rId4" imgW="2489200" imgH="431800" progId="Equation.3">
                   <p:embed/>
                 </p:oleObj>
               </mc:Choice>
               <mc:Fallback>
-                <p:oleObj name="Equation" r:id="rId3" imgW="2489200" imgH="431800" progId="Equation.3">
+                <p:oleObj name="Equation" r:id="rId4" imgW="2489200" imgH="431800" progId="Equation.3">
                   <p:embed/>
                   <p:pic>
                     <p:nvPicPr>
@@ -21460,7 +21453,7 @@
                       <p:nvPr/>
                     </p:nvPicPr>
                     <p:blipFill>
-                      <a:blip r:embed="rId4"/>
+                      <a:blip r:embed="rId5"/>
                       <a:stretch>
                         <a:fillRect/>
                       </a:stretch>
@@ -23582,12 +23575,12 @@
           <a:graphicData uri="http://schemas.openxmlformats.org/presentationml/2006/ole">
             <mc:AlternateContent xmlns:mc="http://schemas.openxmlformats.org/markup-compatibility/2006">
               <mc:Choice xmlns:v="urn:schemas-microsoft-com:vml" Requires="v">
-                <p:oleObj name="Equation" r:id="rId3" imgW="2451100" imgH="419100" progId="Equation.3">
+                <p:oleObj spid="_x0000_s5123" name="Equation" r:id="rId4" imgW="2451100" imgH="419100" progId="Equation.3">
                   <p:embed/>
                 </p:oleObj>
               </mc:Choice>
               <mc:Fallback>
-                <p:oleObj name="Equation" r:id="rId3" imgW="2451100" imgH="419100" progId="Equation.3">
+                <p:oleObj name="Equation" r:id="rId4" imgW="2451100" imgH="419100" progId="Equation.3">
                   <p:embed/>
                   <p:pic>
                     <p:nvPicPr>
@@ -23596,7 +23589,7 @@
                       <p:nvPr/>
                     </p:nvPicPr>
                     <p:blipFill>
-                      <a:blip r:embed="rId4"/>
+                      <a:blip r:embed="rId5"/>
                       <a:stretch>
                         <a:fillRect/>
                       </a:stretch>
@@ -25102,1500 +25095,6 @@
 </p:sld>
 </file>
 
-<file path=ppt/slides/slide41.xml><?xml version="1.0" encoding="utf-8"?>
-<p:sld xmlns:a="http://schemas.openxmlformats.org/drawingml/2006/main" xmlns:r="http://schemas.openxmlformats.org/officeDocument/2006/relationships" xmlns:p="http://schemas.openxmlformats.org/presentationml/2006/main">
-  <p:cSld>
-    <p:spTree>
-      <p:nvGrpSpPr>
-        <p:cNvPr id="1" name=""/>
-        <p:cNvGrpSpPr/>
-        <p:nvPr/>
-      </p:nvGrpSpPr>
-      <p:grpSpPr>
-        <a:xfrm>
-          <a:off x="0" y="0"/>
-          <a:ext cx="0" cy="0"/>
-          <a:chOff x="0" y="0"/>
-          <a:chExt cx="0" cy="0"/>
-        </a:xfrm>
-      </p:grpSpPr>
-      <p:sp>
-        <p:nvSpPr>
-          <p:cNvPr id="3" name="Title 2"/>
-          <p:cNvSpPr>
-            <a:spLocks noGrp="1"/>
-          </p:cNvSpPr>
-          <p:nvPr>
-            <p:ph type="title"/>
-          </p:nvPr>
-        </p:nvSpPr>
-        <p:spPr>
-          <a:xfrm>
-            <a:off x="889735" y="64689"/>
-            <a:ext cx="7625615" cy="700062"/>
-          </a:xfrm>
-        </p:spPr>
-        <p:txBody>
-          <a:bodyPr>
-            <a:noAutofit/>
-          </a:bodyPr>
-          <a:lstStyle/>
-          <a:p>
-            <a:r>
-              <a:rPr lang="en-CA" dirty="0"/>
-              <a:t>Further Reading and Bibliographic Notes</a:t>
-            </a:r>
-          </a:p>
-        </p:txBody>
-      </p:sp>
-      <p:sp>
-        <p:nvSpPr>
-          <p:cNvPr id="4" name="Content Placeholder 3"/>
-          <p:cNvSpPr>
-            <a:spLocks noGrp="1"/>
-          </p:cNvSpPr>
-          <p:nvPr>
-            <p:ph idx="1"/>
-          </p:nvPr>
-        </p:nvSpPr>
-        <p:spPr>
-          <a:xfrm>
-            <a:off x="251135" y="1215407"/>
-            <a:ext cx="8588812" cy="4961556"/>
-          </a:xfrm>
-        </p:spPr>
-        <p:txBody>
-          <a:bodyPr>
-            <a:normAutofit/>
-          </a:bodyPr>
-          <a:lstStyle/>
-          <a:p>
-            <a:r>
-              <a:rPr lang="en-CA" sz="2000" dirty="0"/>
-              <a:t>Backward elimination, e.g., was introduced in (</a:t>
-            </a:r>
-            <a:r>
-              <a:rPr lang="en-CA" sz="2000" dirty="0" err="1"/>
-              <a:t>Marill</a:t>
-            </a:r>
-            <a:r>
-              <a:rPr lang="en-CA" sz="2000" dirty="0"/>
-              <a:t> &amp; Green, 1963)</a:t>
-            </a:r>
-          </a:p>
-          <a:p>
-            <a:r>
-              <a:rPr lang="en-CA" sz="2000" dirty="0"/>
-              <a:t>Kittler (1978) surveys feature selection algorithms in pattern recognition.</a:t>
-            </a:r>
-          </a:p>
-          <a:p>
-            <a:r>
-              <a:rPr lang="en-CA" sz="2000" dirty="0"/>
-              <a:t>Best-first search and genetic algorithms are standard artificial intelligence techniques (Goldberg, 1989; Winston, 1992)</a:t>
-            </a:r>
-          </a:p>
-          <a:p>
-            <a:r>
-              <a:rPr lang="en-US" sz="2000" dirty="0"/>
-              <a:t>John (1997) shows that the performance of decision tree learners can deteriorate when new attributes are added</a:t>
-            </a:r>
-          </a:p>
-          <a:p>
-            <a:r>
-              <a:rPr lang="en-US" sz="2000" dirty="0"/>
-              <a:t>Langley and Sage (1997): the number of training instances must grow exponentially with the number of attributes in instance-based learning</a:t>
-            </a:r>
-          </a:p>
-          <a:p>
-            <a:r>
-              <a:rPr lang="en-US" sz="2000" dirty="0"/>
-              <a:t>The idea of finding the smallest attribute set that carves up the instances uniquely is from </a:t>
-            </a:r>
-            <a:r>
-              <a:rPr lang="en-US" sz="2000" dirty="0" err="1"/>
-              <a:t>Almuallin</a:t>
-            </a:r>
-            <a:r>
-              <a:rPr lang="en-US" sz="2000" dirty="0"/>
-              <a:t> and </a:t>
-            </a:r>
-            <a:r>
-              <a:rPr lang="en-US" sz="2000" dirty="0" err="1"/>
-              <a:t>Dietterich</a:t>
-            </a:r>
-            <a:r>
-              <a:rPr lang="en-US" sz="2000" dirty="0"/>
-              <a:t> (1991, 1992) </a:t>
-            </a:r>
-          </a:p>
-          <a:p>
-            <a:r>
-              <a:rPr lang="en-US" sz="2000" dirty="0"/>
-              <a:t>It was further developed by Liu and </a:t>
-            </a:r>
-            <a:r>
-              <a:rPr lang="en-US" sz="2000" dirty="0" err="1"/>
-              <a:t>Setiono</a:t>
-            </a:r>
-            <a:r>
-              <a:rPr lang="en-US" sz="2000" dirty="0"/>
-              <a:t> (1996)</a:t>
-            </a:r>
-          </a:p>
-          <a:p>
-            <a:r>
-              <a:rPr lang="en-US" sz="2000" dirty="0" err="1"/>
-              <a:t>Kibler</a:t>
-            </a:r>
-            <a:r>
-              <a:rPr lang="en-US" sz="2000" dirty="0"/>
-              <a:t> and Aha (1987) and </a:t>
-            </a:r>
-            <a:r>
-              <a:rPr lang="en-US" sz="2000" dirty="0" err="1"/>
-              <a:t>Cardie</a:t>
-            </a:r>
-            <a:r>
-              <a:rPr lang="en-US" sz="2000" dirty="0"/>
-              <a:t> (1993) both investigated the use of decision tree algorithms to identify features for nearest-neighbor learning</a:t>
-            </a:r>
-          </a:p>
-          <a:p>
-            <a:r>
-              <a:rPr lang="en-US" sz="2000" dirty="0"/>
-              <a:t>Holmes and </a:t>
-            </a:r>
-            <a:r>
-              <a:rPr lang="en-US" sz="2000" dirty="0" err="1"/>
-              <a:t>Nevill</a:t>
-            </a:r>
-            <a:r>
-              <a:rPr lang="en-US" sz="2000" dirty="0"/>
-              <a:t>-Manning (1995) used 1R to order features for selection</a:t>
-            </a:r>
-            <a:endParaRPr lang="en-CA" sz="2000" dirty="0"/>
-          </a:p>
-          <a:p>
-            <a:endParaRPr lang="en-CA" sz="2000" dirty="0"/>
-          </a:p>
-        </p:txBody>
-      </p:sp>
-      <p:sp>
-        <p:nvSpPr>
-          <p:cNvPr id="2" name="Slide Number Placeholder 1"/>
-          <p:cNvSpPr>
-            <a:spLocks noGrp="1"/>
-          </p:cNvSpPr>
-          <p:nvPr>
-            <p:ph type="sldNum" sz="quarter" idx="12"/>
-          </p:nvPr>
-        </p:nvSpPr>
-        <p:spPr/>
-        <p:txBody>
-          <a:bodyPr/>
-          <a:lstStyle/>
-          <a:p>
-            <a:fld id="{CC0D3929-19F2-429B-ADDC-CA064EDFCD10}" type="slidenum">
-              <a:rPr lang="en-NZ" smtClean="0"/>
-              <a:pPr/>
-              <a:t>41</a:t>
-            </a:fld>
-            <a:endParaRPr lang="en-NZ"/>
-          </a:p>
-        </p:txBody>
-      </p:sp>
-    </p:spTree>
-    <p:extLst>
-      <p:ext uri="{BB962C8B-B14F-4D97-AF65-F5344CB8AC3E}">
-        <p14:creationId xmlns:p14="http://schemas.microsoft.com/office/powerpoint/2010/main" val="3394651755"/>
-      </p:ext>
-    </p:extLst>
-  </p:cSld>
-  <p:clrMapOvr>
-    <a:masterClrMapping/>
-  </p:clrMapOvr>
-</p:sld>
-</file>
-
-<file path=ppt/slides/slide42.xml><?xml version="1.0" encoding="utf-8"?>
-<p:sld xmlns:a="http://schemas.openxmlformats.org/drawingml/2006/main" xmlns:r="http://schemas.openxmlformats.org/officeDocument/2006/relationships" xmlns:p="http://schemas.openxmlformats.org/presentationml/2006/main">
-  <p:cSld>
-    <p:spTree>
-      <p:nvGrpSpPr>
-        <p:cNvPr id="1" name=""/>
-        <p:cNvGrpSpPr/>
-        <p:nvPr/>
-      </p:nvGrpSpPr>
-      <p:grpSpPr>
-        <a:xfrm>
-          <a:off x="0" y="0"/>
-          <a:ext cx="0" cy="0"/>
-          <a:chOff x="0" y="0"/>
-          <a:chExt cx="0" cy="0"/>
-        </a:xfrm>
-      </p:grpSpPr>
-      <p:sp>
-        <p:nvSpPr>
-          <p:cNvPr id="4" name="Title 2"/>
-          <p:cNvSpPr>
-            <a:spLocks noGrp="1"/>
-          </p:cNvSpPr>
-          <p:nvPr>
-            <p:ph type="title"/>
-          </p:nvPr>
-        </p:nvSpPr>
-        <p:spPr>
-          <a:xfrm>
-            <a:off x="832333" y="64689"/>
-            <a:ext cx="7683017" cy="700062"/>
-          </a:xfrm>
-        </p:spPr>
-        <p:txBody>
-          <a:bodyPr>
-            <a:noAutofit/>
-          </a:bodyPr>
-          <a:lstStyle/>
-          <a:p>
-            <a:r>
-              <a:rPr lang="en-CA" dirty="0"/>
-              <a:t>Further Reading and Bibliographic Notes</a:t>
-            </a:r>
-          </a:p>
-        </p:txBody>
-      </p:sp>
-      <p:sp>
-        <p:nvSpPr>
-          <p:cNvPr id="3" name="Content Placeholder 2"/>
-          <p:cNvSpPr>
-            <a:spLocks noGrp="1"/>
-          </p:cNvSpPr>
-          <p:nvPr>
-            <p:ph idx="1"/>
-          </p:nvPr>
-        </p:nvSpPr>
-        <p:spPr>
-          <a:xfrm>
-            <a:off x="365939" y="1215407"/>
-            <a:ext cx="8452483" cy="4961556"/>
-          </a:xfrm>
-        </p:spPr>
-        <p:txBody>
-          <a:bodyPr>
-            <a:normAutofit fontScale="92500"/>
-          </a:bodyPr>
-          <a:lstStyle/>
-          <a:p>
-            <a:r>
-              <a:rPr lang="en-US" sz="2000" dirty="0" err="1"/>
-              <a:t>Kira</a:t>
-            </a:r>
-            <a:r>
-              <a:rPr lang="en-US" sz="2000" dirty="0"/>
-              <a:t> and Rendell (1992) used instance-based methods to select features, leading to a scheme called RELIEF for Recursive Elimination of Features</a:t>
-            </a:r>
-          </a:p>
-          <a:p>
-            <a:r>
-              <a:rPr lang="en-US" sz="2000" dirty="0" err="1"/>
-              <a:t>Gilad-Bachrach</a:t>
-            </a:r>
-            <a:r>
-              <a:rPr lang="en-US" sz="2000" dirty="0"/>
-              <a:t>, </a:t>
-            </a:r>
-            <a:r>
-              <a:rPr lang="en-US" sz="2000" dirty="0" err="1"/>
-              <a:t>Navot</a:t>
-            </a:r>
-            <a:r>
-              <a:rPr lang="en-US" sz="2000" dirty="0"/>
-              <a:t>, and </a:t>
-            </a:r>
-            <a:r>
-              <a:rPr lang="en-US" sz="2000" dirty="0" err="1"/>
-              <a:t>Tishby</a:t>
-            </a:r>
-            <a:r>
-              <a:rPr lang="en-US" sz="2000" dirty="0"/>
-              <a:t> (2004) show how this scheme can be modified to work better with redundant attributes</a:t>
-            </a:r>
-          </a:p>
-          <a:p>
-            <a:r>
-              <a:rPr lang="en-US" sz="2000" dirty="0"/>
-              <a:t>The correlation-based feature selection method is due to Hall (2000)</a:t>
-            </a:r>
-          </a:p>
-          <a:p>
-            <a:r>
-              <a:rPr lang="en-US" sz="2000" dirty="0"/>
-              <a:t>The use of wrapper methods for feature selection is due to John, </a:t>
-            </a:r>
-            <a:r>
-              <a:rPr lang="en-US" sz="2000" dirty="0" err="1"/>
-              <a:t>Kohavi</a:t>
-            </a:r>
-            <a:r>
-              <a:rPr lang="en-US" sz="2000" dirty="0"/>
-              <a:t>, and </a:t>
-            </a:r>
-            <a:r>
-              <a:rPr lang="en-US" sz="2000" dirty="0" err="1"/>
-              <a:t>Pfleger</a:t>
-            </a:r>
-            <a:r>
-              <a:rPr lang="en-US" sz="2000" dirty="0"/>
-              <a:t> (1994) and </a:t>
-            </a:r>
-            <a:r>
-              <a:rPr lang="en-US" sz="2000" dirty="0" err="1"/>
-              <a:t>Kohavi</a:t>
-            </a:r>
-            <a:r>
-              <a:rPr lang="en-US" sz="2000" dirty="0"/>
-              <a:t> and John (1997) </a:t>
-            </a:r>
-          </a:p>
-          <a:p>
-            <a:r>
-              <a:rPr lang="en-US" sz="2000" dirty="0"/>
-              <a:t>Genetic algorithms have been applied within a wrapper framework by </a:t>
-            </a:r>
-            <a:r>
-              <a:rPr lang="en-US" sz="2000" dirty="0" err="1"/>
-              <a:t>Vafaie</a:t>
-            </a:r>
-            <a:r>
-              <a:rPr lang="en-US" sz="2000" dirty="0"/>
-              <a:t> and </a:t>
-            </a:r>
-            <a:r>
-              <a:rPr lang="en-US" sz="2000" dirty="0" err="1"/>
-              <a:t>DeJong</a:t>
-            </a:r>
-            <a:r>
-              <a:rPr lang="en-US" sz="2000" dirty="0"/>
-              <a:t> (1992) and </a:t>
-            </a:r>
-            <a:r>
-              <a:rPr lang="en-US" sz="2000" dirty="0" err="1"/>
-              <a:t>Cherkauer</a:t>
-            </a:r>
-            <a:r>
-              <a:rPr lang="en-US" sz="2000" dirty="0"/>
-              <a:t> and </a:t>
-            </a:r>
-            <a:r>
-              <a:rPr lang="en-US" sz="2000" dirty="0" err="1"/>
-              <a:t>Shavlik</a:t>
-            </a:r>
-            <a:r>
-              <a:rPr lang="en-US" sz="2000" dirty="0"/>
-              <a:t> (1996) </a:t>
-            </a:r>
-          </a:p>
-          <a:p>
-            <a:r>
-              <a:rPr lang="en-US" sz="2000" dirty="0"/>
-              <a:t>The selective naïve Bayes learning scheme is due to Langley and Sage (1994)</a:t>
-            </a:r>
-          </a:p>
-          <a:p>
-            <a:r>
-              <a:rPr lang="en-US" sz="2000" dirty="0" err="1"/>
-              <a:t>Guyon</a:t>
-            </a:r>
-            <a:r>
-              <a:rPr lang="en-US" sz="2000" dirty="0"/>
-              <a:t>, Weston, Barnhill, and </a:t>
-            </a:r>
-            <a:r>
-              <a:rPr lang="en-US" sz="2000" dirty="0" err="1"/>
-              <a:t>Vapnik</a:t>
-            </a:r>
-            <a:r>
-              <a:rPr lang="en-US" sz="2000" dirty="0"/>
-              <a:t> (2002) present and evaluate the recursive feature elimination scheme in conjunction with support vector machines </a:t>
-            </a:r>
-          </a:p>
-          <a:p>
-            <a:r>
-              <a:rPr lang="en-US" sz="2000" dirty="0"/>
-              <a:t>The method of raced search was developed by Moore and Lee (1994)</a:t>
-            </a:r>
-          </a:p>
-          <a:p>
-            <a:r>
-              <a:rPr lang="en-US" sz="2000" dirty="0" err="1"/>
-              <a:t>Gütlein</a:t>
-            </a:r>
-            <a:r>
-              <a:rPr lang="en-US" sz="2000" dirty="0"/>
-              <a:t>, Frank, Hall, and </a:t>
-            </a:r>
-            <a:r>
-              <a:rPr lang="en-US" sz="2000" dirty="0" err="1"/>
-              <a:t>Karwath</a:t>
-            </a:r>
-            <a:r>
-              <a:rPr lang="en-US" sz="2000" dirty="0"/>
-              <a:t> (2009) show how to speed up scheme-specific selection for datasets with many attributes using simple ranking-based methods</a:t>
-            </a:r>
-          </a:p>
-          <a:p>
-            <a:endParaRPr lang="en-US" sz="2000" dirty="0"/>
-          </a:p>
-          <a:p>
-            <a:endParaRPr lang="en-US" sz="2000" dirty="0"/>
-          </a:p>
-          <a:p>
-            <a:endParaRPr lang="en-CA" sz="2000" dirty="0"/>
-          </a:p>
-        </p:txBody>
-      </p:sp>
-      <p:sp>
-        <p:nvSpPr>
-          <p:cNvPr id="2" name="Slide Number Placeholder 1"/>
-          <p:cNvSpPr>
-            <a:spLocks noGrp="1"/>
-          </p:cNvSpPr>
-          <p:nvPr>
-            <p:ph type="sldNum" sz="quarter" idx="12"/>
-          </p:nvPr>
-        </p:nvSpPr>
-        <p:spPr/>
-        <p:txBody>
-          <a:bodyPr/>
-          <a:lstStyle/>
-          <a:p>
-            <a:fld id="{CC0D3929-19F2-429B-ADDC-CA064EDFCD10}" type="slidenum">
-              <a:rPr lang="en-NZ" smtClean="0"/>
-              <a:pPr/>
-              <a:t>42</a:t>
-            </a:fld>
-            <a:endParaRPr lang="en-NZ"/>
-          </a:p>
-        </p:txBody>
-      </p:sp>
-    </p:spTree>
-    <p:extLst>
-      <p:ext uri="{BB962C8B-B14F-4D97-AF65-F5344CB8AC3E}">
-        <p14:creationId xmlns:p14="http://schemas.microsoft.com/office/powerpoint/2010/main" val="2297948576"/>
-      </p:ext>
-    </p:extLst>
-  </p:cSld>
-  <p:clrMapOvr>
-    <a:masterClrMapping/>
-  </p:clrMapOvr>
-</p:sld>
-</file>
-
-<file path=ppt/slides/slide43.xml><?xml version="1.0" encoding="utf-8"?>
-<p:sld xmlns:a="http://schemas.openxmlformats.org/drawingml/2006/main" xmlns:r="http://schemas.openxmlformats.org/officeDocument/2006/relationships" xmlns:p="http://schemas.openxmlformats.org/presentationml/2006/main">
-  <p:cSld>
-    <p:spTree>
-      <p:nvGrpSpPr>
-        <p:cNvPr id="1" name=""/>
-        <p:cNvGrpSpPr/>
-        <p:nvPr/>
-      </p:nvGrpSpPr>
-      <p:grpSpPr>
-        <a:xfrm>
-          <a:off x="0" y="0"/>
-          <a:ext cx="0" cy="0"/>
-          <a:chOff x="0" y="0"/>
-          <a:chExt cx="0" cy="0"/>
-        </a:xfrm>
-      </p:grpSpPr>
-      <p:sp>
-        <p:nvSpPr>
-          <p:cNvPr id="2" name="Title 1"/>
-          <p:cNvSpPr>
-            <a:spLocks noGrp="1"/>
-          </p:cNvSpPr>
-          <p:nvPr>
-            <p:ph type="title"/>
-          </p:nvPr>
-        </p:nvSpPr>
-        <p:spPr>
-          <a:xfrm>
-            <a:off x="746229" y="64689"/>
-            <a:ext cx="7769121" cy="700062"/>
-          </a:xfrm>
-        </p:spPr>
-        <p:txBody>
-          <a:bodyPr>
-            <a:noAutofit/>
-          </a:bodyPr>
-          <a:lstStyle/>
-          <a:p>
-            <a:r>
-              <a:rPr lang="en-CA" dirty="0"/>
-              <a:t>Further Reading and Bibliographic Notes</a:t>
-            </a:r>
-          </a:p>
-        </p:txBody>
-      </p:sp>
-      <p:sp>
-        <p:nvSpPr>
-          <p:cNvPr id="3" name="Content Placeholder 2"/>
-          <p:cNvSpPr>
-            <a:spLocks noGrp="1"/>
-          </p:cNvSpPr>
-          <p:nvPr>
-            <p:ph idx="1"/>
-          </p:nvPr>
-        </p:nvSpPr>
-        <p:spPr>
-          <a:xfrm>
-            <a:off x="344413" y="1215407"/>
-            <a:ext cx="8423781" cy="4961556"/>
-          </a:xfrm>
-        </p:spPr>
-        <p:txBody>
-          <a:bodyPr>
-            <a:normAutofit/>
-          </a:bodyPr>
-          <a:lstStyle/>
-          <a:p>
-            <a:r>
-              <a:rPr lang="en-US" sz="2000" dirty="0"/>
-              <a:t>Dougherty, </a:t>
-            </a:r>
-            <a:r>
-              <a:rPr lang="en-US" sz="2000" dirty="0" err="1"/>
-              <a:t>Kohavi</a:t>
-            </a:r>
-            <a:r>
-              <a:rPr lang="en-US" sz="2000" dirty="0"/>
-              <a:t>, and </a:t>
-            </a:r>
-            <a:r>
-              <a:rPr lang="en-US" sz="2000" dirty="0" err="1"/>
-              <a:t>Sahami</a:t>
-            </a:r>
-            <a:r>
-              <a:rPr lang="en-US" sz="2000" dirty="0"/>
-              <a:t> (1995) show results comparing the entropy-based discretization method with equal-width binning and the 1R method</a:t>
-            </a:r>
-          </a:p>
-          <a:p>
-            <a:r>
-              <a:rPr lang="en-US" sz="2000" dirty="0"/>
-              <a:t>Frank and Witten (1999) describe the effect of using the ordering information in discretized attributes</a:t>
-            </a:r>
-          </a:p>
-          <a:p>
-            <a:r>
-              <a:rPr lang="en-US" sz="2000" dirty="0"/>
-              <a:t>Proportional k-interval discretization for Naive Bayes was proposed by Yang and Webb (2001)</a:t>
-            </a:r>
-          </a:p>
-          <a:p>
-            <a:r>
-              <a:rPr lang="en-US" sz="2000" dirty="0"/>
-              <a:t>The entropy-based method for discretization, including the use of the MDL stopping criterion, was developed by Fayyad and </a:t>
-            </a:r>
-            <a:r>
-              <a:rPr lang="en-US" sz="2000" dirty="0" err="1"/>
-              <a:t>Irani</a:t>
-            </a:r>
-            <a:r>
-              <a:rPr lang="en-US" sz="2000" dirty="0"/>
-              <a:t> (1993)</a:t>
-            </a:r>
-          </a:p>
-          <a:p>
-            <a:r>
-              <a:rPr lang="en-US" sz="2000" dirty="0"/>
-              <a:t>The bottom-up statistical method using the χ2 test is due to </a:t>
-            </a:r>
-            <a:r>
-              <a:rPr lang="en-US" sz="2000" dirty="0" err="1"/>
-              <a:t>Kerber</a:t>
-            </a:r>
-            <a:r>
-              <a:rPr lang="en-US" sz="2000" dirty="0"/>
-              <a:t> (1992)</a:t>
-            </a:r>
-          </a:p>
-          <a:p>
-            <a:r>
-              <a:rPr lang="en-US" sz="2000" dirty="0"/>
-              <a:t>An extension to an automatically determined significance level is described by Liu and </a:t>
-            </a:r>
-            <a:r>
-              <a:rPr lang="en-US" sz="2000" dirty="0" err="1"/>
-              <a:t>Setiono</a:t>
-            </a:r>
-            <a:r>
-              <a:rPr lang="en-US" sz="2000" dirty="0"/>
-              <a:t> (1997)</a:t>
-            </a:r>
-          </a:p>
-          <a:p>
-            <a:r>
-              <a:rPr lang="en-US" sz="2000" dirty="0"/>
-              <a:t>Fulton, </a:t>
-            </a:r>
-            <a:r>
-              <a:rPr lang="en-US" sz="2000" dirty="0" err="1"/>
-              <a:t>Kasif</a:t>
-            </a:r>
-            <a:r>
-              <a:rPr lang="en-US" sz="2000" dirty="0"/>
-              <a:t>, and </a:t>
-            </a:r>
-            <a:r>
-              <a:rPr lang="en-US" sz="2000" dirty="0" err="1"/>
-              <a:t>Salzberg</a:t>
-            </a:r>
-            <a:r>
-              <a:rPr lang="en-US" sz="2000" dirty="0"/>
-              <a:t> (1995) use dynamic programming for discretization and present a linear-time algorithm for error-based discretization</a:t>
-            </a:r>
-          </a:p>
-          <a:p>
-            <a:r>
-              <a:rPr lang="en-US" sz="2000" dirty="0"/>
-              <a:t>The example used for showing the weakness of error-based discretization is adapted from </a:t>
-            </a:r>
-            <a:r>
-              <a:rPr lang="en-US" sz="2000" dirty="0" err="1"/>
-              <a:t>Kohavi</a:t>
-            </a:r>
-            <a:r>
-              <a:rPr lang="en-US" sz="2000" dirty="0"/>
-              <a:t> and </a:t>
-            </a:r>
-            <a:r>
-              <a:rPr lang="en-US" sz="2000" dirty="0" err="1"/>
-              <a:t>Sahami</a:t>
-            </a:r>
-            <a:r>
-              <a:rPr lang="en-US" sz="2000" dirty="0"/>
-              <a:t> (1996)</a:t>
-            </a:r>
-            <a:endParaRPr lang="en-CA" sz="2000" dirty="0"/>
-          </a:p>
-        </p:txBody>
-      </p:sp>
-      <p:sp>
-        <p:nvSpPr>
-          <p:cNvPr id="4" name="Slide Number Placeholder 3"/>
-          <p:cNvSpPr>
-            <a:spLocks noGrp="1"/>
-          </p:cNvSpPr>
-          <p:nvPr>
-            <p:ph type="sldNum" sz="quarter" idx="12"/>
-          </p:nvPr>
-        </p:nvSpPr>
-        <p:spPr/>
-        <p:txBody>
-          <a:bodyPr/>
-          <a:lstStyle/>
-          <a:p>
-            <a:fld id="{CC0D3929-19F2-429B-ADDC-CA064EDFCD10}" type="slidenum">
-              <a:rPr lang="en-NZ" smtClean="0"/>
-              <a:pPr/>
-              <a:t>43</a:t>
-            </a:fld>
-            <a:endParaRPr lang="en-NZ"/>
-          </a:p>
-        </p:txBody>
-      </p:sp>
-    </p:spTree>
-    <p:extLst>
-      <p:ext uri="{BB962C8B-B14F-4D97-AF65-F5344CB8AC3E}">
-        <p14:creationId xmlns:p14="http://schemas.microsoft.com/office/powerpoint/2010/main" val="2762539250"/>
-      </p:ext>
-    </p:extLst>
-  </p:cSld>
-  <p:clrMapOvr>
-    <a:masterClrMapping/>
-  </p:clrMapOvr>
-</p:sld>
-</file>
-
-<file path=ppt/slides/slide44.xml><?xml version="1.0" encoding="utf-8"?>
-<p:sld xmlns:a="http://schemas.openxmlformats.org/drawingml/2006/main" xmlns:r="http://schemas.openxmlformats.org/officeDocument/2006/relationships" xmlns:p="http://schemas.openxmlformats.org/presentationml/2006/main">
-  <p:cSld>
-    <p:spTree>
-      <p:nvGrpSpPr>
-        <p:cNvPr id="1" name=""/>
-        <p:cNvGrpSpPr/>
-        <p:nvPr/>
-      </p:nvGrpSpPr>
-      <p:grpSpPr>
-        <a:xfrm>
-          <a:off x="0" y="0"/>
-          <a:ext cx="0" cy="0"/>
-          <a:chOff x="0" y="0"/>
-          <a:chExt cx="0" cy="0"/>
-        </a:xfrm>
-      </p:grpSpPr>
-      <p:sp>
-        <p:nvSpPr>
-          <p:cNvPr id="2" name="Title 1"/>
-          <p:cNvSpPr>
-            <a:spLocks noGrp="1"/>
-          </p:cNvSpPr>
-          <p:nvPr>
-            <p:ph type="title"/>
-          </p:nvPr>
-        </p:nvSpPr>
-        <p:spPr>
-          <a:xfrm>
-            <a:off x="817982" y="64689"/>
-            <a:ext cx="7697368" cy="700062"/>
-          </a:xfrm>
-        </p:spPr>
-        <p:txBody>
-          <a:bodyPr>
-            <a:noAutofit/>
-          </a:bodyPr>
-          <a:lstStyle/>
-          <a:p>
-            <a:r>
-              <a:rPr lang="en-CA" dirty="0"/>
-              <a:t>Further Reading and Bibliographic Notes</a:t>
-            </a:r>
-          </a:p>
-        </p:txBody>
-      </p:sp>
-      <p:sp>
-        <p:nvSpPr>
-          <p:cNvPr id="3" name="Content Placeholder 2"/>
-          <p:cNvSpPr>
-            <a:spLocks noGrp="1"/>
-          </p:cNvSpPr>
-          <p:nvPr>
-            <p:ph idx="1"/>
-          </p:nvPr>
-        </p:nvSpPr>
-        <p:spPr>
-          <a:xfrm>
-            <a:off x="315711" y="1215407"/>
-            <a:ext cx="8445307" cy="4961556"/>
-          </a:xfrm>
-        </p:spPr>
-        <p:txBody>
-          <a:bodyPr>
-            <a:normAutofit/>
-          </a:bodyPr>
-          <a:lstStyle/>
-          <a:p>
-            <a:r>
-              <a:rPr lang="en-CA" sz="2000" dirty="0" err="1"/>
-              <a:t>Fradkin</a:t>
-            </a:r>
-            <a:r>
-              <a:rPr lang="en-CA" sz="2000" dirty="0"/>
-              <a:t> and Madigan (2003) analyze the performance of random projections</a:t>
-            </a:r>
-          </a:p>
-          <a:p>
-            <a:r>
-              <a:rPr lang="en-CA" sz="2000" dirty="0"/>
-              <a:t>The algorithm for partial least squares regression is from Hastie et al. (2009)</a:t>
-            </a:r>
-          </a:p>
-          <a:p>
-            <a:r>
-              <a:rPr lang="en-CA" sz="2000" dirty="0"/>
-              <a:t>The </a:t>
-            </a:r>
-            <a:r>
-              <a:rPr lang="en-CA" sz="2000" dirty="0" err="1"/>
-              <a:t>TFxIDF</a:t>
-            </a:r>
-            <a:r>
-              <a:rPr lang="en-CA" sz="2000" dirty="0"/>
-              <a:t> metric is described by Witten et al. (1999b) </a:t>
-            </a:r>
-          </a:p>
-          <a:p>
-            <a:r>
-              <a:rPr lang="en-CA" sz="2000" dirty="0" err="1"/>
-              <a:t>Hyvärinen</a:t>
-            </a:r>
-            <a:r>
-              <a:rPr lang="en-CA" sz="2000" dirty="0"/>
-              <a:t> and </a:t>
-            </a:r>
-            <a:r>
-              <a:rPr lang="en-CA" sz="2000" dirty="0" err="1"/>
-              <a:t>Oja</a:t>
-            </a:r>
-            <a:r>
-              <a:rPr lang="en-CA" sz="2000" dirty="0"/>
-              <a:t> (2000) created the fast ICA method </a:t>
-            </a:r>
-          </a:p>
-          <a:p>
-            <a:r>
-              <a:rPr lang="en-CA" sz="2000" dirty="0" err="1"/>
-              <a:t>Duda</a:t>
-            </a:r>
-            <a:r>
-              <a:rPr lang="en-CA" sz="2000" dirty="0"/>
-              <a:t> et al. (2001) and Murphy (2012) explain the algebra underlying FLDA</a:t>
-            </a:r>
-          </a:p>
-          <a:p>
-            <a:r>
-              <a:rPr lang="en-CA" sz="2000" dirty="0"/>
-              <a:t>Sugiyama (2007) presents a variant called “local Fisher discriminant analysis”</a:t>
-            </a:r>
-          </a:p>
-          <a:p>
-            <a:r>
-              <a:rPr lang="en-CA" sz="2000" dirty="0"/>
-              <a:t>John (1995) showed experiments on using C4.5 to filter its own training data</a:t>
-            </a:r>
-          </a:p>
-          <a:p>
-            <a:r>
-              <a:rPr lang="en-CA" sz="2000" dirty="0"/>
-              <a:t>The more conservative consensus filter is due to </a:t>
-            </a:r>
-            <a:r>
-              <a:rPr lang="en-CA" sz="2000" dirty="0" err="1"/>
-              <a:t>Brodley</a:t>
-            </a:r>
-            <a:r>
-              <a:rPr lang="en-CA" sz="2000" dirty="0"/>
-              <a:t> and Fried (1996) </a:t>
-            </a:r>
-          </a:p>
-          <a:p>
-            <a:r>
-              <a:rPr lang="en-CA" sz="2000" dirty="0" err="1"/>
-              <a:t>Rousseeuw</a:t>
-            </a:r>
-            <a:r>
-              <a:rPr lang="en-CA" sz="2000" dirty="0"/>
-              <a:t> and Leroy (1987) describe the least median of squares method and the telephone data </a:t>
-            </a:r>
-          </a:p>
-          <a:p>
-            <a:r>
-              <a:rPr lang="en-CA" sz="2000" dirty="0"/>
-              <a:t>Quinlan (1986) shows how removing attribute noise can be detrimental</a:t>
-            </a:r>
-          </a:p>
-          <a:p>
-            <a:endParaRPr lang="en-CA" sz="2000" dirty="0"/>
-          </a:p>
-          <a:p>
-            <a:endParaRPr lang="en-US" sz="2000" dirty="0"/>
-          </a:p>
-        </p:txBody>
-      </p:sp>
-      <p:sp>
-        <p:nvSpPr>
-          <p:cNvPr id="4" name="Slide Number Placeholder 3"/>
-          <p:cNvSpPr>
-            <a:spLocks noGrp="1"/>
-          </p:cNvSpPr>
-          <p:nvPr>
-            <p:ph type="sldNum" sz="quarter" idx="12"/>
-          </p:nvPr>
-        </p:nvSpPr>
-        <p:spPr/>
-        <p:txBody>
-          <a:bodyPr/>
-          <a:lstStyle/>
-          <a:p>
-            <a:fld id="{CC0D3929-19F2-429B-ADDC-CA064EDFCD10}" type="slidenum">
-              <a:rPr lang="en-NZ" smtClean="0"/>
-              <a:pPr/>
-              <a:t>44</a:t>
-            </a:fld>
-            <a:endParaRPr lang="en-NZ"/>
-          </a:p>
-        </p:txBody>
-      </p:sp>
-    </p:spTree>
-    <p:extLst>
-      <p:ext uri="{BB962C8B-B14F-4D97-AF65-F5344CB8AC3E}">
-        <p14:creationId xmlns:p14="http://schemas.microsoft.com/office/powerpoint/2010/main" val="611453096"/>
-      </p:ext>
-    </p:extLst>
-  </p:cSld>
-  <p:clrMapOvr>
-    <a:masterClrMapping/>
-  </p:clrMapOvr>
-</p:sld>
-</file>
-
-<file path=ppt/slides/slide45.xml><?xml version="1.0" encoding="utf-8"?>
-<p:sld xmlns:a="http://schemas.openxmlformats.org/drawingml/2006/main" xmlns:r="http://schemas.openxmlformats.org/officeDocument/2006/relationships" xmlns:p="http://schemas.openxmlformats.org/presentationml/2006/main">
-  <p:cSld>
-    <p:spTree>
-      <p:nvGrpSpPr>
-        <p:cNvPr id="1" name=""/>
-        <p:cNvGrpSpPr/>
-        <p:nvPr/>
-      </p:nvGrpSpPr>
-      <p:grpSpPr>
-        <a:xfrm>
-          <a:off x="0" y="0"/>
-          <a:ext cx="0" cy="0"/>
-          <a:chOff x="0" y="0"/>
-          <a:chExt cx="0" cy="0"/>
-        </a:xfrm>
-      </p:grpSpPr>
-      <p:sp>
-        <p:nvSpPr>
-          <p:cNvPr id="4" name="Title 1"/>
-          <p:cNvSpPr>
-            <a:spLocks noGrp="1"/>
-          </p:cNvSpPr>
-          <p:nvPr>
-            <p:ph type="title"/>
-          </p:nvPr>
-        </p:nvSpPr>
-        <p:spPr>
-          <a:xfrm>
-            <a:off x="803632" y="64689"/>
-            <a:ext cx="7711718" cy="700062"/>
-          </a:xfrm>
-        </p:spPr>
-        <p:txBody>
-          <a:bodyPr>
-            <a:noAutofit/>
-          </a:bodyPr>
-          <a:lstStyle/>
-          <a:p>
-            <a:r>
-              <a:rPr lang="en-CA" dirty="0"/>
-              <a:t>Further Reading and Bibliographic Notes</a:t>
-            </a:r>
-          </a:p>
-        </p:txBody>
-      </p:sp>
-      <p:sp>
-        <p:nvSpPr>
-          <p:cNvPr id="3" name="Content Placeholder 2"/>
-          <p:cNvSpPr>
-            <a:spLocks noGrp="1"/>
-          </p:cNvSpPr>
-          <p:nvPr>
-            <p:ph idx="1"/>
-          </p:nvPr>
-        </p:nvSpPr>
-        <p:spPr>
-          <a:xfrm>
-            <a:off x="294186" y="1215407"/>
-            <a:ext cx="8294627" cy="4961556"/>
-          </a:xfrm>
-        </p:spPr>
-        <p:txBody>
-          <a:bodyPr>
-            <a:normAutofit/>
-          </a:bodyPr>
-          <a:lstStyle/>
-          <a:p>
-            <a:r>
-              <a:rPr lang="en-US" sz="2000" dirty="0"/>
-              <a:t>Barnett and Lewis (1994) address the general topic of outliers in data from a statistical point of view</a:t>
-            </a:r>
-          </a:p>
-          <a:p>
-            <a:r>
-              <a:rPr lang="en-US" sz="2000" dirty="0"/>
-              <a:t>Pearson (2005) describes the statistical approach of fitting a distribution to the target data</a:t>
-            </a:r>
-          </a:p>
-          <a:p>
-            <a:r>
-              <a:rPr lang="en-US" sz="2000" dirty="0" err="1"/>
-              <a:t>Schölkopf</a:t>
-            </a:r>
-            <a:r>
-              <a:rPr lang="en-US" sz="2000" dirty="0"/>
-              <a:t>, Williamson, </a:t>
-            </a:r>
-            <a:r>
-              <a:rPr lang="en-US" sz="2000" dirty="0" err="1"/>
-              <a:t>Smola</a:t>
-            </a:r>
-            <a:r>
-              <a:rPr lang="en-US" sz="2000" dirty="0"/>
-              <a:t>, </a:t>
-            </a:r>
-            <a:r>
-              <a:rPr lang="en-US" sz="2000" dirty="0" err="1"/>
-              <a:t>Shawe</a:t>
-            </a:r>
-            <a:r>
-              <a:rPr lang="en-US" sz="2000" dirty="0"/>
-              <a:t>-Taylor, and Platt (2000) describe the use of support vector machines for novelty detection</a:t>
-            </a:r>
-          </a:p>
-          <a:p>
-            <a:r>
-              <a:rPr lang="en-US" sz="2000" dirty="0"/>
-              <a:t>Abe, </a:t>
-            </a:r>
-            <a:r>
-              <a:rPr lang="en-US" sz="2000" dirty="0" err="1"/>
-              <a:t>Zadrozny</a:t>
-            </a:r>
-            <a:r>
-              <a:rPr lang="en-US" sz="2000" dirty="0"/>
-              <a:t>, and Langford (2006), amongst others, use artificial data as a second class</a:t>
-            </a:r>
-          </a:p>
-          <a:p>
-            <a:r>
-              <a:rPr lang="en-US" sz="2000" dirty="0"/>
-              <a:t>Combining density estimation and class probability estimation using artificial data is suggested for unsupervised learning by Hastie et al. (2009)</a:t>
-            </a:r>
-          </a:p>
-          <a:p>
-            <a:r>
-              <a:rPr lang="en-US" sz="2000" dirty="0" err="1"/>
-              <a:t>Hempstalk</a:t>
-            </a:r>
-            <a:r>
-              <a:rPr lang="en-US" sz="2000" dirty="0"/>
-              <a:t>, Frank, and Witten (2008) describe it in the context of one-class classification</a:t>
-            </a:r>
-          </a:p>
-          <a:p>
-            <a:r>
-              <a:rPr lang="en-US" sz="2000" dirty="0" err="1"/>
-              <a:t>Hempstalk</a:t>
-            </a:r>
-            <a:r>
-              <a:rPr lang="en-US" sz="2000" dirty="0"/>
-              <a:t> and Frank (2008) discuss how to fairly compare one-class and multiclass classification when discriminating against new classes of data</a:t>
-            </a:r>
-          </a:p>
-          <a:p>
-            <a:endParaRPr lang="en-CA" sz="2000" dirty="0"/>
-          </a:p>
-          <a:p>
-            <a:endParaRPr lang="en-US" sz="2000" dirty="0"/>
-          </a:p>
-          <a:p>
-            <a:endParaRPr lang="en-US" sz="2000" dirty="0"/>
-          </a:p>
-        </p:txBody>
-      </p:sp>
-      <p:sp>
-        <p:nvSpPr>
-          <p:cNvPr id="2" name="Slide Number Placeholder 1"/>
-          <p:cNvSpPr>
-            <a:spLocks noGrp="1"/>
-          </p:cNvSpPr>
-          <p:nvPr>
-            <p:ph type="sldNum" sz="quarter" idx="12"/>
-          </p:nvPr>
-        </p:nvSpPr>
-        <p:spPr/>
-        <p:txBody>
-          <a:bodyPr/>
-          <a:lstStyle/>
-          <a:p>
-            <a:fld id="{CC0D3929-19F2-429B-ADDC-CA064EDFCD10}" type="slidenum">
-              <a:rPr lang="en-NZ" smtClean="0"/>
-              <a:pPr/>
-              <a:t>45</a:t>
-            </a:fld>
-            <a:endParaRPr lang="en-NZ"/>
-          </a:p>
-        </p:txBody>
-      </p:sp>
-    </p:spTree>
-    <p:extLst>
-      <p:ext uri="{BB962C8B-B14F-4D97-AF65-F5344CB8AC3E}">
-        <p14:creationId xmlns:p14="http://schemas.microsoft.com/office/powerpoint/2010/main" val="4215857695"/>
-      </p:ext>
-    </p:extLst>
-  </p:cSld>
-  <p:clrMapOvr>
-    <a:masterClrMapping/>
-  </p:clrMapOvr>
-</p:sld>
-</file>
-
-<file path=ppt/slides/slide46.xml><?xml version="1.0" encoding="utf-8"?>
-<p:sld xmlns:a="http://schemas.openxmlformats.org/drawingml/2006/main" xmlns:r="http://schemas.openxmlformats.org/officeDocument/2006/relationships" xmlns:p="http://schemas.openxmlformats.org/presentationml/2006/main">
-  <p:cSld>
-    <p:spTree>
-      <p:nvGrpSpPr>
-        <p:cNvPr id="1" name=""/>
-        <p:cNvGrpSpPr/>
-        <p:nvPr/>
-      </p:nvGrpSpPr>
-      <p:grpSpPr>
-        <a:xfrm>
-          <a:off x="0" y="0"/>
-          <a:ext cx="0" cy="0"/>
-          <a:chOff x="0" y="0"/>
-          <a:chExt cx="0" cy="0"/>
-        </a:xfrm>
-      </p:grpSpPr>
-      <p:sp>
-        <p:nvSpPr>
-          <p:cNvPr id="4" name="Title 1"/>
-          <p:cNvSpPr>
-            <a:spLocks noGrp="1"/>
-          </p:cNvSpPr>
-          <p:nvPr>
-            <p:ph type="title"/>
-          </p:nvPr>
-        </p:nvSpPr>
-        <p:spPr>
-          <a:xfrm>
-            <a:off x="674476" y="64689"/>
-            <a:ext cx="7955678" cy="700062"/>
-          </a:xfrm>
-        </p:spPr>
-        <p:txBody>
-          <a:bodyPr>
-            <a:noAutofit/>
-          </a:bodyPr>
-          <a:lstStyle/>
-          <a:p>
-            <a:r>
-              <a:rPr lang="en-CA" dirty="0"/>
-              <a:t>Further Reading and Bibliographic Notes</a:t>
-            </a:r>
-          </a:p>
-        </p:txBody>
-      </p:sp>
-      <p:sp>
-        <p:nvSpPr>
-          <p:cNvPr id="3" name="Content Placeholder 2"/>
-          <p:cNvSpPr>
-            <a:spLocks noGrp="1"/>
-          </p:cNvSpPr>
-          <p:nvPr>
-            <p:ph idx="1"/>
-          </p:nvPr>
-        </p:nvSpPr>
-        <p:spPr>
-          <a:xfrm>
-            <a:off x="373114" y="1215407"/>
-            <a:ext cx="8142235" cy="4961556"/>
-          </a:xfrm>
-        </p:spPr>
-        <p:txBody>
-          <a:bodyPr>
-            <a:normAutofit lnSpcReduction="10000"/>
-          </a:bodyPr>
-          <a:lstStyle/>
-          <a:p>
-            <a:r>
-              <a:rPr lang="en-US" sz="2000" dirty="0"/>
-              <a:t>Vitter (1985) describes the algorithm for reservoir sampling we used, he called it method R; its computational complexity is O(#instances)</a:t>
-            </a:r>
-          </a:p>
-          <a:p>
-            <a:r>
-              <a:rPr lang="en-US" sz="2000" dirty="0"/>
-              <a:t>Rifkin and </a:t>
-            </a:r>
-            <a:r>
-              <a:rPr lang="en-US" sz="2000" dirty="0" err="1"/>
-              <a:t>Klautau</a:t>
-            </a:r>
-            <a:r>
-              <a:rPr lang="en-US" sz="2000" dirty="0"/>
-              <a:t> (2004) show that the one-</a:t>
-            </a:r>
-            <a:r>
-              <a:rPr lang="en-US" sz="2000" dirty="0" err="1"/>
-              <a:t>vs</a:t>
-            </a:r>
-            <a:r>
-              <a:rPr lang="en-US" sz="2000" dirty="0"/>
-              <a:t>-rest method for multiclass classification can work well if appropriate parameter tuning is applied </a:t>
-            </a:r>
-          </a:p>
-          <a:p>
-            <a:r>
-              <a:rPr lang="en-US" sz="2000" dirty="0"/>
-              <a:t>Friedman (1996) describes the technique of pairwise classification and </a:t>
-            </a:r>
-            <a:r>
-              <a:rPr lang="en-US" sz="2000" dirty="0" err="1"/>
-              <a:t>Fürnkranz</a:t>
-            </a:r>
-            <a:r>
-              <a:rPr lang="en-US" sz="2000" dirty="0"/>
-              <a:t> (2002) further analyzes it</a:t>
-            </a:r>
-          </a:p>
-          <a:p>
-            <a:r>
-              <a:rPr lang="en-US" sz="2000" dirty="0"/>
-              <a:t>Hastie and </a:t>
-            </a:r>
-            <a:r>
-              <a:rPr lang="en-US" sz="2000" dirty="0" err="1"/>
-              <a:t>Tibshirani</a:t>
-            </a:r>
-            <a:r>
-              <a:rPr lang="en-US" sz="2000" dirty="0"/>
-              <a:t> (1998) extend it to estimate probabilities using pairwise coupling</a:t>
-            </a:r>
-          </a:p>
-          <a:p>
-            <a:r>
-              <a:rPr lang="en-US" sz="2000" dirty="0" err="1"/>
-              <a:t>Fürnkranz</a:t>
-            </a:r>
-            <a:r>
-              <a:rPr lang="en-US" sz="2000" dirty="0"/>
-              <a:t> (2003) evaluates pairwise classification as a technique for ensemble learning </a:t>
-            </a:r>
-          </a:p>
-          <a:p>
-            <a:r>
-              <a:rPr lang="en-US" sz="2000" dirty="0"/>
-              <a:t>ECOCs for multi-class classification were proposed by </a:t>
-            </a:r>
-            <a:r>
-              <a:rPr lang="en-US" sz="2000" dirty="0" err="1"/>
-              <a:t>Dietterich</a:t>
-            </a:r>
-            <a:r>
-              <a:rPr lang="en-US" sz="2000" dirty="0"/>
-              <a:t> and </a:t>
-            </a:r>
-            <a:r>
-              <a:rPr lang="en-US" sz="2000" dirty="0" err="1"/>
-              <a:t>Bakiri</a:t>
-            </a:r>
-            <a:r>
-              <a:rPr lang="en-US" sz="2000" dirty="0"/>
-              <a:t> (1995); Ricci and Aha (1998) showed how to apply them to nearest neighbor classifiers</a:t>
-            </a:r>
-          </a:p>
-          <a:p>
-            <a:r>
-              <a:rPr lang="en-US" sz="2000" dirty="0"/>
-              <a:t>Frank and Kramer (2004) introduce ensembles of nested dichotomies</a:t>
-            </a:r>
-          </a:p>
-          <a:p>
-            <a:r>
-              <a:rPr lang="en-US" sz="2000" dirty="0"/>
-              <a:t>Dong, Frank, and Kramer (2005) considered balanced nested dichotomies to reduce training time</a:t>
-            </a:r>
-          </a:p>
-          <a:p>
-            <a:endParaRPr lang="en-CA" sz="2000" dirty="0"/>
-          </a:p>
-          <a:p>
-            <a:endParaRPr lang="en-CA" sz="2000" dirty="0"/>
-          </a:p>
-        </p:txBody>
-      </p:sp>
-      <p:sp>
-        <p:nvSpPr>
-          <p:cNvPr id="2" name="Slide Number Placeholder 1"/>
-          <p:cNvSpPr>
-            <a:spLocks noGrp="1"/>
-          </p:cNvSpPr>
-          <p:nvPr>
-            <p:ph type="sldNum" sz="quarter" idx="12"/>
-          </p:nvPr>
-        </p:nvSpPr>
-        <p:spPr/>
-        <p:txBody>
-          <a:bodyPr/>
-          <a:lstStyle/>
-          <a:p>
-            <a:fld id="{CC0D3929-19F2-429B-ADDC-CA064EDFCD10}" type="slidenum">
-              <a:rPr lang="en-NZ" smtClean="0"/>
-              <a:pPr/>
-              <a:t>46</a:t>
-            </a:fld>
-            <a:endParaRPr lang="en-NZ"/>
-          </a:p>
-        </p:txBody>
-      </p:sp>
-    </p:spTree>
-    <p:extLst>
-      <p:ext uri="{BB962C8B-B14F-4D97-AF65-F5344CB8AC3E}">
-        <p14:creationId xmlns:p14="http://schemas.microsoft.com/office/powerpoint/2010/main" val="117897562"/>
-      </p:ext>
-    </p:extLst>
-  </p:cSld>
-  <p:clrMapOvr>
-    <a:masterClrMapping/>
-  </p:clrMapOvr>
-</p:sld>
-</file>
-
-<file path=ppt/slides/slide47.xml><?xml version="1.0" encoding="utf-8"?>
-<p:sld xmlns:a="http://schemas.openxmlformats.org/drawingml/2006/main" xmlns:r="http://schemas.openxmlformats.org/officeDocument/2006/relationships" xmlns:p="http://schemas.openxmlformats.org/presentationml/2006/main">
-  <p:cSld>
-    <p:spTree>
-      <p:nvGrpSpPr>
-        <p:cNvPr id="1" name=""/>
-        <p:cNvGrpSpPr/>
-        <p:nvPr/>
-      </p:nvGrpSpPr>
-      <p:grpSpPr>
-        <a:xfrm>
-          <a:off x="0" y="0"/>
-          <a:ext cx="0" cy="0"/>
-          <a:chOff x="0" y="0"/>
-          <a:chExt cx="0" cy="0"/>
-        </a:xfrm>
-      </p:grpSpPr>
-      <p:sp>
-        <p:nvSpPr>
-          <p:cNvPr id="4" name="Title 1"/>
-          <p:cNvSpPr>
-            <a:spLocks noGrp="1"/>
-          </p:cNvSpPr>
-          <p:nvPr>
-            <p:ph type="title"/>
-          </p:nvPr>
-        </p:nvSpPr>
-        <p:spPr>
-          <a:xfrm>
-            <a:off x="739054" y="64689"/>
-            <a:ext cx="7690193" cy="700062"/>
-          </a:xfrm>
-        </p:spPr>
-        <p:txBody>
-          <a:bodyPr>
-            <a:noAutofit/>
-          </a:bodyPr>
-          <a:lstStyle/>
-          <a:p>
-            <a:r>
-              <a:rPr lang="en-CA" dirty="0"/>
-              <a:t>Further Reading and Bibliographic Notes</a:t>
-            </a:r>
-          </a:p>
-        </p:txBody>
-      </p:sp>
-      <p:sp>
-        <p:nvSpPr>
-          <p:cNvPr id="3" name="Content Placeholder 2"/>
-          <p:cNvSpPr>
-            <a:spLocks noGrp="1"/>
-          </p:cNvSpPr>
-          <p:nvPr>
-            <p:ph idx="1"/>
-          </p:nvPr>
-        </p:nvSpPr>
-        <p:spPr/>
-        <p:txBody>
-          <a:bodyPr>
-            <a:normAutofit/>
-          </a:bodyPr>
-          <a:lstStyle/>
-          <a:p>
-            <a:r>
-              <a:rPr lang="en-US" sz="2000" dirty="0" err="1"/>
-              <a:t>Zadrozny</a:t>
-            </a:r>
-            <a:r>
-              <a:rPr lang="en-US" sz="2000" dirty="0"/>
-              <a:t> and </a:t>
-            </a:r>
-            <a:r>
-              <a:rPr lang="en-US" sz="2000" dirty="0" err="1"/>
-              <a:t>Elkan</a:t>
-            </a:r>
-            <a:r>
-              <a:rPr lang="en-US" sz="2000" dirty="0"/>
-              <a:t> (2002) applied isotonic regression and logistic regression to the calibration of class probability estimates</a:t>
-            </a:r>
-          </a:p>
-          <a:p>
-            <a:r>
-              <a:rPr lang="en-US" sz="2000" dirty="0"/>
-              <a:t>They also investigated how to deal with multiclass problems</a:t>
-            </a:r>
-          </a:p>
-          <a:p>
-            <a:r>
-              <a:rPr lang="en-US" sz="2000" dirty="0" err="1"/>
-              <a:t>Niculescu-Mizil</a:t>
-            </a:r>
-            <a:r>
-              <a:rPr lang="en-US" sz="2000" dirty="0"/>
-              <a:t> and </a:t>
-            </a:r>
-            <a:r>
-              <a:rPr lang="en-US" sz="2000" dirty="0" err="1"/>
-              <a:t>Caruana</a:t>
-            </a:r>
-            <a:r>
-              <a:rPr lang="en-US" sz="2000" dirty="0"/>
-              <a:t> (2005) compared a variant of logistic regression and isotonic regression</a:t>
-            </a:r>
-          </a:p>
-          <a:p>
-            <a:r>
-              <a:rPr lang="en-US" sz="2000" dirty="0"/>
-              <a:t>They considered a large set of underlying class probability estimators </a:t>
-            </a:r>
-          </a:p>
-          <a:p>
-            <a:r>
-              <a:rPr lang="en-US" sz="2000" dirty="0"/>
-              <a:t>Stout (2008) describes a linear-time algorithm for isotonic regression based on minimizing squared error (called the PAV algorithm)</a:t>
-            </a:r>
-          </a:p>
-          <a:p>
-            <a:pPr marL="0" indent="0">
-              <a:buNone/>
-            </a:pPr>
-            <a:endParaRPr lang="en-CA" sz="2000" dirty="0"/>
-          </a:p>
-        </p:txBody>
-      </p:sp>
-      <p:sp>
-        <p:nvSpPr>
-          <p:cNvPr id="2" name="Slide Number Placeholder 1"/>
-          <p:cNvSpPr>
-            <a:spLocks noGrp="1"/>
-          </p:cNvSpPr>
-          <p:nvPr>
-            <p:ph type="sldNum" sz="quarter" idx="12"/>
-          </p:nvPr>
-        </p:nvSpPr>
-        <p:spPr/>
-        <p:txBody>
-          <a:bodyPr/>
-          <a:lstStyle/>
-          <a:p>
-            <a:fld id="{CC0D3929-19F2-429B-ADDC-CA064EDFCD10}" type="slidenum">
-              <a:rPr lang="en-NZ" smtClean="0"/>
-              <a:pPr/>
-              <a:t>47</a:t>
-            </a:fld>
-            <a:endParaRPr lang="en-NZ"/>
-          </a:p>
-        </p:txBody>
-      </p:sp>
-    </p:spTree>
-    <p:extLst>
-      <p:ext uri="{BB962C8B-B14F-4D97-AF65-F5344CB8AC3E}">
-        <p14:creationId xmlns:p14="http://schemas.microsoft.com/office/powerpoint/2010/main" val="3320179935"/>
-      </p:ext>
-    </p:extLst>
-  </p:cSld>
-  <p:clrMapOvr>
-    <a:masterClrMapping/>
-  </p:clrMapOvr>
-</p:sld>
-</file>
-
 <file path=ppt/slides/slide5.xml><?xml version="1.0" encoding="utf-8"?>
 <p:sld xmlns:a="http://schemas.openxmlformats.org/drawingml/2006/main" xmlns:r="http://schemas.openxmlformats.org/officeDocument/2006/relationships" xmlns:p="http://schemas.openxmlformats.org/presentationml/2006/main">
   <p:cSld name="Scheme-independent attribute selection">
@@ -26908,12 +25407,12 @@
           <a:graphicData uri="http://schemas.openxmlformats.org/presentationml/2006/ole">
             <mc:AlternateContent xmlns:mc="http://schemas.openxmlformats.org/markup-compatibility/2006">
               <mc:Choice xmlns:v="urn:schemas-microsoft-com:vml" Requires="v">
-                <p:oleObj name="Equation" r:id="rId3" imgW="2628900" imgH="419100" progId="Equation.3">
+                <p:oleObj spid="_x0000_s1028" name="Equation" r:id="rId4" imgW="2628900" imgH="419100" progId="Equation.3">
                   <p:embed/>
                 </p:oleObj>
               </mc:Choice>
               <mc:Fallback>
-                <p:oleObj name="Equation" r:id="rId3" imgW="2628900" imgH="419100" progId="Equation.3">
+                <p:oleObj name="Equation" r:id="rId4" imgW="2628900" imgH="419100" progId="Equation.3">
                   <p:embed/>
                   <p:pic>
                     <p:nvPicPr>
@@ -26922,7 +25421,7 @@
                       <p:nvPr/>
                     </p:nvPicPr>
                     <p:blipFill>
-                      <a:blip r:embed="rId4"/>
+                      <a:blip r:embed="rId5"/>
                       <a:stretch>
                         <a:fillRect/>
                       </a:stretch>
@@ -26965,12 +25464,12 @@
           <a:graphicData uri="http://schemas.openxmlformats.org/presentationml/2006/ole">
             <mc:AlternateContent xmlns:mc="http://schemas.openxmlformats.org/markup-compatibility/2006">
               <mc:Choice xmlns:v="urn:schemas-microsoft-com:vml" Requires="v">
-                <p:oleObj name="Equation" r:id="rId5" imgW="1968500" imgH="342900" progId="Equation.3">
+                <p:oleObj spid="_x0000_s1029" name="Equation" r:id="rId6" imgW="1968500" imgH="342900" progId="Equation.3">
                   <p:embed/>
                 </p:oleObj>
               </mc:Choice>
               <mc:Fallback>
-                <p:oleObj name="Equation" r:id="rId5" imgW="1968500" imgH="342900" progId="Equation.3">
+                <p:oleObj name="Equation" r:id="rId6" imgW="1968500" imgH="342900" progId="Equation.3">
                   <p:embed/>
                   <p:pic>
                     <p:nvPicPr>
@@ -26979,7 +25478,7 @@
                       <p:nvPr/>
                     </p:nvPicPr>
                     <p:blipFill>
-                      <a:blip r:embed="rId6"/>
+                      <a:blip r:embed="rId7"/>
                       <a:stretch>
                         <a:fillRect/>
                       </a:stretch>
